--- a/presentation/Poster_CCNworkshop.pptx
+++ b/presentation/Poster_CCNworkshop.pptx
@@ -208,7 +208,7 @@
           <a:p>
             <a:fld id="{1F7FE1C3-F2B9-4681-B539-EB54DFDFBEC0}" type="datetimeFigureOut">
               <a:rPr lang="en-US" smtClean="0"/>
-              <a:t>8/13/2019</a:t>
+              <a:t>8/14/2019</a:t>
             </a:fld>
             <a:endParaRPr lang="en-US"/>
           </a:p>
@@ -743,7 +743,7 @@
           <a:p>
             <a:fld id="{DA2576F7-A56D-4EBA-BD84-097719CF2EE8}" type="datetimeFigureOut">
               <a:rPr lang="en-US" smtClean="0"/>
-              <a:t>8/13/2019</a:t>
+              <a:t>8/14/2019</a:t>
             </a:fld>
             <a:endParaRPr lang="en-US"/>
           </a:p>
@@ -911,7 +911,7 @@
           <a:p>
             <a:fld id="{DA2576F7-A56D-4EBA-BD84-097719CF2EE8}" type="datetimeFigureOut">
               <a:rPr lang="en-US" smtClean="0"/>
-              <a:t>8/13/2019</a:t>
+              <a:t>8/14/2019</a:t>
             </a:fld>
             <a:endParaRPr lang="en-US"/>
           </a:p>
@@ -1089,7 +1089,7 @@
           <a:p>
             <a:fld id="{DA2576F7-A56D-4EBA-BD84-097719CF2EE8}" type="datetimeFigureOut">
               <a:rPr lang="en-US" smtClean="0"/>
-              <a:t>8/13/2019</a:t>
+              <a:t>8/14/2019</a:t>
             </a:fld>
             <a:endParaRPr lang="en-US"/>
           </a:p>
@@ -1257,7 +1257,7 @@
           <a:p>
             <a:fld id="{DA2576F7-A56D-4EBA-BD84-097719CF2EE8}" type="datetimeFigureOut">
               <a:rPr lang="en-US" smtClean="0"/>
-              <a:t>8/13/2019</a:t>
+              <a:t>8/14/2019</a:t>
             </a:fld>
             <a:endParaRPr lang="en-US"/>
           </a:p>
@@ -1502,7 +1502,7 @@
           <a:p>
             <a:fld id="{DA2576F7-A56D-4EBA-BD84-097719CF2EE8}" type="datetimeFigureOut">
               <a:rPr lang="en-US" smtClean="0"/>
-              <a:t>8/13/2019</a:t>
+              <a:t>8/14/2019</a:t>
             </a:fld>
             <a:endParaRPr lang="en-US"/>
           </a:p>
@@ -1787,7 +1787,7 @@
           <a:p>
             <a:fld id="{DA2576F7-A56D-4EBA-BD84-097719CF2EE8}" type="datetimeFigureOut">
               <a:rPr lang="en-US" smtClean="0"/>
-              <a:t>8/13/2019</a:t>
+              <a:t>8/14/2019</a:t>
             </a:fld>
             <a:endParaRPr lang="en-US"/>
           </a:p>
@@ -2211,7 +2211,7 @@
           <a:p>
             <a:fld id="{DA2576F7-A56D-4EBA-BD84-097719CF2EE8}" type="datetimeFigureOut">
               <a:rPr lang="en-US" smtClean="0"/>
-              <a:t>8/13/2019</a:t>
+              <a:t>8/14/2019</a:t>
             </a:fld>
             <a:endParaRPr lang="en-US"/>
           </a:p>
@@ -2328,7 +2328,7 @@
           <a:p>
             <a:fld id="{DA2576F7-A56D-4EBA-BD84-097719CF2EE8}" type="datetimeFigureOut">
               <a:rPr lang="en-US" smtClean="0"/>
-              <a:t>8/13/2019</a:t>
+              <a:t>8/14/2019</a:t>
             </a:fld>
             <a:endParaRPr lang="en-US"/>
           </a:p>
@@ -2423,7 +2423,7 @@
           <a:p>
             <a:fld id="{DA2576F7-A56D-4EBA-BD84-097719CF2EE8}" type="datetimeFigureOut">
               <a:rPr lang="en-US" smtClean="0"/>
-              <a:t>8/13/2019</a:t>
+              <a:t>8/14/2019</a:t>
             </a:fld>
             <a:endParaRPr lang="en-US"/>
           </a:p>
@@ -2698,7 +2698,7 @@
           <a:p>
             <a:fld id="{DA2576F7-A56D-4EBA-BD84-097719CF2EE8}" type="datetimeFigureOut">
               <a:rPr lang="en-US" smtClean="0"/>
-              <a:t>8/13/2019</a:t>
+              <a:t>8/14/2019</a:t>
             </a:fld>
             <a:endParaRPr lang="en-US"/>
           </a:p>
@@ -2950,7 +2950,7 @@
           <a:p>
             <a:fld id="{DA2576F7-A56D-4EBA-BD84-097719CF2EE8}" type="datetimeFigureOut">
               <a:rPr lang="en-US" smtClean="0"/>
-              <a:t>8/13/2019</a:t>
+              <a:t>8/14/2019</a:t>
             </a:fld>
             <a:endParaRPr lang="en-US"/>
           </a:p>
@@ -3161,7 +3161,7 @@
           <a:p>
             <a:fld id="{DA2576F7-A56D-4EBA-BD84-097719CF2EE8}" type="datetimeFigureOut">
               <a:rPr lang="en-US" smtClean="0"/>
-              <a:t>8/13/2019</a:t>
+              <a:t>8/14/2019</a:t>
             </a:fld>
             <a:endParaRPr lang="en-US"/>
           </a:p>
@@ -3536,6 +3536,201 @@
           <a:chExt cx="0" cy="0"/>
         </a:xfrm>
       </p:grpSpPr>
+      <p:sp>
+        <p:nvSpPr>
+          <p:cNvPr id="178" name="TextBox 177">
+            <a:extLst>
+              <a:ext uri="{FF2B5EF4-FFF2-40B4-BE49-F238E27FC236}">
+                <a16:creationId xmlns:a16="http://schemas.microsoft.com/office/drawing/2014/main" id="{C7C99D7D-3AD7-462E-B2B1-186CB9B6E50E}"/>
+              </a:ext>
+            </a:extLst>
+          </p:cNvPr>
+          <p:cNvSpPr txBox="1"/>
+          <p:nvPr/>
+        </p:nvSpPr>
+        <p:spPr>
+          <a:xfrm>
+            <a:off x="21945600" y="11575395"/>
+            <a:ext cx="12087934" cy="5509200"/>
+          </a:xfrm>
+          <a:prstGeom prst="rect">
+            <a:avLst/>
+          </a:prstGeom>
+          <a:noFill/>
+        </p:spPr>
+        <p:txBody>
+          <a:bodyPr wrap="square" rtlCol="0">
+            <a:spAutoFit/>
+          </a:bodyPr>
+          <a:lstStyle/>
+          <a:p>
+            <a:pPr marL="3184016" lvl="1" indent="-571500">
+              <a:buFont typeface="Arial" panose="020B0604020202020204" pitchFamily="34" charset="0"/>
+              <a:buChar char="•"/>
+            </a:pPr>
+            <a:r>
+              <a:rPr lang="en-US" sz="3200" dirty="0">
+                <a:solidFill>
+                  <a:srgbClr val="537349"/>
+                </a:solidFill>
+                <a:latin typeface="Helvetica"/>
+                <a:cs typeface="Helvetica"/>
+              </a:rPr>
+              <a:t>For </a:t>
+            </a:r>
+            <a:r>
+              <a:rPr lang="en-US" sz="3200" u="sng" dirty="0">
+                <a:solidFill>
+                  <a:srgbClr val="537349"/>
+                </a:solidFill>
+                <a:latin typeface="Helvetica"/>
+                <a:cs typeface="Helvetica"/>
+              </a:rPr>
+              <a:t>each session</a:t>
+            </a:r>
+            <a:r>
+              <a:rPr lang="en-US" sz="3200" dirty="0">
+                <a:solidFill>
+                  <a:srgbClr val="537349"/>
+                </a:solidFill>
+                <a:latin typeface="Helvetica"/>
+                <a:cs typeface="Helvetica"/>
+              </a:rPr>
+              <a:t> of </a:t>
+            </a:r>
+            <a:r>
+              <a:rPr lang="en-US" sz="3200" u="sng" dirty="0">
+                <a:solidFill>
+                  <a:srgbClr val="537349"/>
+                </a:solidFill>
+                <a:latin typeface="Helvetica"/>
+                <a:cs typeface="Helvetica"/>
+              </a:rPr>
+              <a:t>each participants</a:t>
+            </a:r>
+            <a:r>
+              <a:rPr lang="en-US" sz="3200" dirty="0">
+                <a:solidFill>
+                  <a:srgbClr val="537349"/>
+                </a:solidFill>
+                <a:latin typeface="Helvetica"/>
+                <a:cs typeface="Helvetica"/>
+              </a:rPr>
+              <a:t>:</a:t>
+            </a:r>
+          </a:p>
+          <a:p>
+            <a:pPr marL="3184016" lvl="1" indent="-571500">
+              <a:buFont typeface="Arial" panose="020B0604020202020204" pitchFamily="34" charset="0"/>
+              <a:buChar char="•"/>
+            </a:pPr>
+            <a:endParaRPr lang="en-US" sz="3200" dirty="0">
+              <a:solidFill>
+                <a:srgbClr val="537349"/>
+              </a:solidFill>
+              <a:latin typeface="Helvetica"/>
+              <a:cs typeface="Helvetica"/>
+            </a:endParaRPr>
+          </a:p>
+          <a:p>
+            <a:pPr marL="3184016" lvl="1" indent="-571500">
+              <a:buFont typeface="Arial" panose="020B0604020202020204" pitchFamily="34" charset="0"/>
+              <a:buChar char="•"/>
+            </a:pPr>
+            <a:endParaRPr lang="en-US" sz="3200" dirty="0">
+              <a:solidFill>
+                <a:srgbClr val="537349"/>
+              </a:solidFill>
+              <a:latin typeface="Helvetica"/>
+              <a:cs typeface="Helvetica"/>
+            </a:endParaRPr>
+          </a:p>
+          <a:p>
+            <a:pPr marL="3184016" lvl="1" indent="-571500">
+              <a:buFont typeface="Arial" panose="020B0604020202020204" pitchFamily="34" charset="0"/>
+              <a:buChar char="•"/>
+            </a:pPr>
+            <a:endParaRPr lang="en-US" sz="3200" dirty="0">
+              <a:solidFill>
+                <a:srgbClr val="537349"/>
+              </a:solidFill>
+              <a:latin typeface="Helvetica"/>
+              <a:cs typeface="Helvetica"/>
+            </a:endParaRPr>
+          </a:p>
+          <a:p>
+            <a:pPr marL="3184016" lvl="1" indent="-571500">
+              <a:buFont typeface="Arial" panose="020B0604020202020204" pitchFamily="34" charset="0"/>
+              <a:buChar char="•"/>
+            </a:pPr>
+            <a:endParaRPr lang="en-US" sz="3200" dirty="0">
+              <a:solidFill>
+                <a:srgbClr val="537349"/>
+              </a:solidFill>
+              <a:latin typeface="Helvetica"/>
+              <a:cs typeface="Helvetica"/>
+            </a:endParaRPr>
+          </a:p>
+          <a:p>
+            <a:pPr marL="3184016" lvl="1" indent="-571500">
+              <a:buFont typeface="Arial" panose="020B0604020202020204" pitchFamily="34" charset="0"/>
+              <a:buChar char="•"/>
+            </a:pPr>
+            <a:endParaRPr lang="en-US" sz="3200" dirty="0">
+              <a:solidFill>
+                <a:srgbClr val="537349"/>
+              </a:solidFill>
+              <a:latin typeface="Helvetica"/>
+              <a:cs typeface="Helvetica"/>
+            </a:endParaRPr>
+          </a:p>
+          <a:p>
+            <a:pPr marL="3184016" lvl="1" indent="-571500">
+              <a:buFont typeface="Arial" panose="020B0604020202020204" pitchFamily="34" charset="0"/>
+              <a:buChar char="•"/>
+            </a:pPr>
+            <a:endParaRPr lang="en-US" sz="3200" dirty="0">
+              <a:solidFill>
+                <a:srgbClr val="537349"/>
+              </a:solidFill>
+              <a:latin typeface="Helvetica"/>
+              <a:cs typeface="Helvetica"/>
+            </a:endParaRPr>
+          </a:p>
+          <a:p>
+            <a:pPr marL="3184016" lvl="1" indent="-571500">
+              <a:buFont typeface="Arial" panose="020B0604020202020204" pitchFamily="34" charset="0"/>
+              <a:buChar char="•"/>
+            </a:pPr>
+            <a:r>
+              <a:rPr lang="en-US" sz="3200" dirty="0">
+                <a:solidFill>
+                  <a:srgbClr val="537349"/>
+                </a:solidFill>
+                <a:latin typeface="Helvetica"/>
+                <a:cs typeface="Helvetica"/>
+              </a:rPr>
+              <a:t>Only the common network across participants were selected and analyzed actively.</a:t>
+            </a:r>
+          </a:p>
+          <a:p>
+            <a:pPr marL="3184016" lvl="1" indent="-571500">
+              <a:buFont typeface="Arial" panose="020B0604020202020204" pitchFamily="34" charset="0"/>
+              <a:buChar char="•"/>
+            </a:pPr>
+            <a:r>
+              <a:rPr lang="en-US" sz="3200" dirty="0">
+                <a:solidFill>
+                  <a:srgbClr val="537349"/>
+                </a:solidFill>
+                <a:latin typeface="Helvetica"/>
+                <a:cs typeface="Helvetica"/>
+              </a:rPr>
+              <a:t>Negative and perfect z-transformed correlations were excluded from the analysis.</a:t>
+            </a:r>
+          </a:p>
+        </p:txBody>
+      </p:sp>
       <p:cxnSp>
         <p:nvCxnSpPr>
           <p:cNvPr id="472" name="Straight Connector 471">
@@ -3552,7 +3747,7 @@
         </p:nvCxnSpPr>
         <p:spPr>
           <a:xfrm>
-            <a:off x="340857" y="14594239"/>
+            <a:off x="269571" y="16266956"/>
             <a:ext cx="11947132" cy="0"/>
           </a:xfrm>
           <a:prstGeom prst="line">
@@ -3634,14 +3829,14 @@
       </p:sp>
       <p:sp>
         <p:nvSpPr>
-          <p:cNvPr id="655" name="TextBox 654"/>
+          <p:cNvPr id="652" name="TextBox 651"/>
           <p:cNvSpPr txBox="1"/>
           <p:nvPr/>
         </p:nvSpPr>
         <p:spPr>
           <a:xfrm>
-            <a:off x="14429855" y="23337471"/>
-            <a:ext cx="7270241" cy="6969857"/>
+            <a:off x="404160" y="6172200"/>
+            <a:ext cx="11926772" cy="9941183"/>
           </a:xfrm>
           <a:prstGeom prst="rect">
             <a:avLst/>
@@ -3654,192 +3849,6 @@
           </a:bodyPr>
           <a:lstStyle/>
           <a:p>
-            <a:r>
-              <a:rPr lang="en-US" sz="2769" b="1" dirty="0">
-                <a:solidFill>
-                  <a:srgbClr val="537349"/>
-                </a:solidFill>
-                <a:latin typeface="Helvetica"/>
-                <a:cs typeface="Helvetica"/>
-              </a:rPr>
-              <a:t>Regularized generalized CCA (RGCCA):</a:t>
-            </a:r>
-          </a:p>
-          <a:p>
-            <a:endParaRPr lang="en-US" sz="2769" b="1" dirty="0">
-              <a:solidFill>
-                <a:srgbClr val="537349"/>
-              </a:solidFill>
-              <a:latin typeface="Helvetica"/>
-              <a:cs typeface="Helvetica"/>
-            </a:endParaRPr>
-          </a:p>
-          <a:p>
-            <a:endParaRPr lang="en-US" sz="2769" b="1" dirty="0">
-              <a:solidFill>
-                <a:srgbClr val="537349"/>
-              </a:solidFill>
-              <a:latin typeface="Helvetica"/>
-              <a:cs typeface="Helvetica"/>
-            </a:endParaRPr>
-          </a:p>
-          <a:p>
-            <a:endParaRPr lang="en-US" sz="2769" b="1" dirty="0">
-              <a:solidFill>
-                <a:srgbClr val="537349"/>
-              </a:solidFill>
-              <a:latin typeface="Helvetica"/>
-              <a:cs typeface="Helvetica"/>
-            </a:endParaRPr>
-          </a:p>
-          <a:p>
-            <a:endParaRPr lang="en-US" sz="2769" b="1" dirty="0">
-              <a:solidFill>
-                <a:srgbClr val="537349"/>
-              </a:solidFill>
-              <a:latin typeface="Helvetica"/>
-              <a:cs typeface="Helvetica"/>
-            </a:endParaRPr>
-          </a:p>
-          <a:p>
-            <a:endParaRPr lang="en-US" sz="2769" b="1" dirty="0">
-              <a:solidFill>
-                <a:srgbClr val="537349"/>
-              </a:solidFill>
-              <a:latin typeface="Helvetica"/>
-              <a:cs typeface="Helvetica"/>
-            </a:endParaRPr>
-          </a:p>
-          <a:p>
-            <a:endParaRPr lang="en-US" sz="2769" b="1" dirty="0">
-              <a:solidFill>
-                <a:srgbClr val="537349"/>
-              </a:solidFill>
-              <a:latin typeface="Helvetica"/>
-              <a:cs typeface="Helvetica"/>
-            </a:endParaRPr>
-          </a:p>
-          <a:p>
-            <a:endParaRPr lang="en-US" sz="2769" b="1" dirty="0">
-              <a:solidFill>
-                <a:srgbClr val="537349"/>
-              </a:solidFill>
-              <a:latin typeface="Helvetica"/>
-              <a:cs typeface="Helvetica"/>
-            </a:endParaRPr>
-          </a:p>
-          <a:p>
-            <a:endParaRPr lang="en-US" sz="2769" b="1" dirty="0">
-              <a:solidFill>
-                <a:srgbClr val="537349"/>
-              </a:solidFill>
-              <a:latin typeface="Helvetica"/>
-              <a:cs typeface="Helvetica"/>
-            </a:endParaRPr>
-          </a:p>
-          <a:p>
-            <a:endParaRPr lang="en-US" sz="2769" b="1" dirty="0">
-              <a:solidFill>
-                <a:srgbClr val="537349"/>
-              </a:solidFill>
-              <a:latin typeface="Helvetica"/>
-              <a:cs typeface="Helvetica"/>
-            </a:endParaRPr>
-          </a:p>
-          <a:p>
-            <a:endParaRPr lang="en-US" sz="2769" b="1" dirty="0">
-              <a:solidFill>
-                <a:srgbClr val="537349"/>
-              </a:solidFill>
-              <a:latin typeface="Helvetica"/>
-              <a:cs typeface="Helvetica"/>
-            </a:endParaRPr>
-          </a:p>
-          <a:p>
-            <a:endParaRPr lang="en-US" sz="2769" b="1" dirty="0">
-              <a:solidFill>
-                <a:srgbClr val="537349"/>
-              </a:solidFill>
-              <a:latin typeface="Helvetica"/>
-              <a:cs typeface="Helvetica"/>
-            </a:endParaRPr>
-          </a:p>
-          <a:p>
-            <a:endParaRPr lang="en-US" sz="2769" b="1" dirty="0">
-              <a:solidFill>
-                <a:srgbClr val="537349"/>
-              </a:solidFill>
-              <a:latin typeface="Helvetica"/>
-              <a:cs typeface="Helvetica"/>
-            </a:endParaRPr>
-          </a:p>
-          <a:p>
-            <a:endParaRPr lang="en-US" sz="2769" b="1" dirty="0">
-              <a:solidFill>
-                <a:srgbClr val="537349"/>
-              </a:solidFill>
-              <a:latin typeface="Helvetica"/>
-              <a:cs typeface="Helvetica"/>
-            </a:endParaRPr>
-          </a:p>
-          <a:p>
-            <a:endParaRPr lang="en-US" sz="2769" b="1" dirty="0">
-              <a:solidFill>
-                <a:srgbClr val="537349"/>
-              </a:solidFill>
-              <a:latin typeface="Helvetica"/>
-              <a:cs typeface="Helvetica"/>
-            </a:endParaRPr>
-          </a:p>
-          <a:p>
-            <a:r>
-              <a:rPr lang="en-US" sz="2769" b="1" dirty="0">
-                <a:solidFill>
-                  <a:srgbClr val="537349"/>
-                </a:solidFill>
-                <a:latin typeface="Helvetica"/>
-                <a:cs typeface="Helvetica"/>
-              </a:rPr>
-              <a:t>Compromise space:</a:t>
-            </a:r>
-          </a:p>
-          <a:p>
-            <a:pPr marL="439598" indent="-439598">
-              <a:buFont typeface="Arial" panose="020B0604020202020204" pitchFamily="34" charset="0"/>
-              <a:buChar char="•"/>
-            </a:pPr>
-            <a:endParaRPr lang="en-US" sz="385" b="1" dirty="0">
-              <a:solidFill>
-                <a:srgbClr val="537349"/>
-              </a:solidFill>
-              <a:latin typeface="Helvetica"/>
-              <a:cs typeface="Helvetica"/>
-            </a:endParaRPr>
-          </a:p>
-        </p:txBody>
-      </p:sp>
-      <p:sp>
-        <p:nvSpPr>
-          <p:cNvPr id="652" name="TextBox 651"/>
-          <p:cNvSpPr txBox="1"/>
-          <p:nvPr/>
-        </p:nvSpPr>
-        <p:spPr>
-          <a:xfrm>
-            <a:off x="774939" y="6167374"/>
-            <a:ext cx="7270241" cy="707886"/>
-          </a:xfrm>
-          <a:prstGeom prst="rect">
-            <a:avLst/>
-          </a:prstGeom>
-          <a:noFill/>
-        </p:spPr>
-        <p:txBody>
-          <a:bodyPr wrap="square" rtlCol="0">
-            <a:spAutoFit/>
-          </a:bodyPr>
-          <a:lstStyle/>
-          <a:p>
             <a:pPr marL="571500" indent="-571500">
               <a:buFont typeface="Arial" panose="020B0604020202020204" pitchFamily="34" charset="0"/>
               <a:buChar char="•"/>
@@ -3852,8 +3861,194 @@
                 <a:latin typeface="Helvetica"/>
                 <a:cs typeface="Helvetica"/>
               </a:rPr>
-              <a:t>Cocaine addiction</a:t>
-            </a:r>
+              <a:t>Motivations:</a:t>
+            </a:r>
+          </a:p>
+          <a:p>
+            <a:pPr marL="1188720" lvl="1" indent="-571500">
+              <a:buFont typeface="Arial" panose="020B0604020202020204" pitchFamily="34" charset="0"/>
+              <a:buChar char="•"/>
+            </a:pPr>
+            <a:r>
+              <a:rPr lang="en-US" sz="4000" dirty="0">
+                <a:solidFill>
+                  <a:srgbClr val="537349"/>
+                </a:solidFill>
+                <a:latin typeface="Helvetica"/>
+                <a:cs typeface="Helvetica"/>
+              </a:rPr>
+              <a:t>Individual can have different numbers of brain regions, brain networks, and regions within each network.</a:t>
+            </a:r>
+          </a:p>
+          <a:p>
+            <a:pPr marL="1188720" lvl="1" indent="-571500">
+              <a:buFont typeface="Arial" panose="020B0604020202020204" pitchFamily="34" charset="0"/>
+              <a:buChar char="•"/>
+            </a:pPr>
+            <a:r>
+              <a:rPr lang="en-US" sz="4000" dirty="0">
+                <a:solidFill>
+                  <a:srgbClr val="537349"/>
+                </a:solidFill>
+                <a:latin typeface="Helvetica"/>
+                <a:cs typeface="Helvetica"/>
+              </a:rPr>
+              <a:t>Mapping individuals to one template or an average brain could be problematic.</a:t>
+            </a:r>
+          </a:p>
+          <a:p>
+            <a:pPr marL="576072" indent="-576072">
+              <a:buFont typeface="Arial" panose="020B0604020202020204" pitchFamily="34" charset="0"/>
+              <a:buChar char="•"/>
+            </a:pPr>
+            <a:r>
+              <a:rPr lang="en-US" sz="4000" b="1" dirty="0">
+                <a:solidFill>
+                  <a:srgbClr val="537349"/>
+                </a:solidFill>
+                <a:latin typeface="Helvetica"/>
+                <a:cs typeface="Helvetica"/>
+              </a:rPr>
+              <a:t>Important for specific fields of studies:</a:t>
+            </a:r>
+          </a:p>
+          <a:p>
+            <a:pPr marL="1188720" lvl="1" indent="-571500">
+              <a:buFont typeface="Arial" panose="020B0604020202020204" pitchFamily="34" charset="0"/>
+              <a:buChar char="•"/>
+            </a:pPr>
+            <a:r>
+              <a:rPr lang="en-US" sz="4000" dirty="0">
+                <a:solidFill>
+                  <a:srgbClr val="537349"/>
+                </a:solidFill>
+                <a:latin typeface="Helvetica"/>
+                <a:cs typeface="Helvetica"/>
+              </a:rPr>
+              <a:t>Aging study</a:t>
+            </a:r>
+          </a:p>
+          <a:p>
+            <a:pPr marL="1188720" lvl="1" indent="-571500">
+              <a:buFont typeface="Arial" panose="020B0604020202020204" pitchFamily="34" charset="0"/>
+              <a:buChar char="•"/>
+            </a:pPr>
+            <a:r>
+              <a:rPr lang="en-US" sz="4000" dirty="0">
+                <a:solidFill>
+                  <a:srgbClr val="537349"/>
+                </a:solidFill>
+                <a:latin typeface="Helvetica"/>
+                <a:cs typeface="Helvetica"/>
+              </a:rPr>
+              <a:t>Lesion study</a:t>
+            </a:r>
+          </a:p>
+          <a:p>
+            <a:pPr marL="1188720" lvl="1" indent="-571500">
+              <a:buFont typeface="Arial" panose="020B0604020202020204" pitchFamily="34" charset="0"/>
+              <a:buChar char="•"/>
+            </a:pPr>
+            <a:r>
+              <a:rPr lang="en-US" sz="4000" dirty="0">
+                <a:solidFill>
+                  <a:srgbClr val="537349"/>
+                </a:solidFill>
+                <a:latin typeface="Helvetica"/>
+                <a:cs typeface="Helvetica"/>
+              </a:rPr>
+              <a:t>Developmental study</a:t>
+            </a:r>
+          </a:p>
+          <a:p>
+            <a:pPr marL="576072" indent="-576072">
+              <a:buFont typeface="Arial" panose="020B0604020202020204" pitchFamily="34" charset="0"/>
+              <a:buChar char="•"/>
+            </a:pPr>
+            <a:r>
+              <a:rPr lang="en-US" sz="4000" b="1" dirty="0">
+                <a:solidFill>
+                  <a:srgbClr val="537349"/>
+                </a:solidFill>
+                <a:latin typeface="Helvetica"/>
+                <a:cs typeface="Helvetica"/>
+              </a:rPr>
+              <a:t>Objectives—to develop a new technique that:</a:t>
+            </a:r>
+          </a:p>
+          <a:p>
+            <a:pPr marL="1188720" lvl="1" indent="-576072">
+              <a:buFont typeface="Arial" panose="020B0604020202020204" pitchFamily="34" charset="0"/>
+              <a:buChar char="•"/>
+            </a:pPr>
+            <a:r>
+              <a:rPr lang="en-US" sz="4000" dirty="0">
+                <a:solidFill>
+                  <a:srgbClr val="537349"/>
+                </a:solidFill>
+                <a:latin typeface="Helvetica"/>
+                <a:cs typeface="Helvetica"/>
+              </a:rPr>
+              <a:t>Keeps individual differences</a:t>
+            </a:r>
+          </a:p>
+          <a:p>
+            <a:pPr marL="1188720" lvl="1" indent="-576072">
+              <a:buFont typeface="Arial" panose="020B0604020202020204" pitchFamily="34" charset="0"/>
+              <a:buChar char="•"/>
+            </a:pPr>
+            <a:r>
+              <a:rPr lang="en-US" sz="4000" dirty="0">
+                <a:solidFill>
+                  <a:srgbClr val="537349"/>
+                </a:solidFill>
+                <a:latin typeface="Helvetica"/>
+                <a:cs typeface="Helvetica"/>
+              </a:rPr>
+              <a:t>Analyzes in a local, instead of an atlas, space</a:t>
+            </a:r>
+          </a:p>
+          <a:p>
+            <a:pPr marL="1188720" lvl="1" indent="-576072">
+              <a:buFont typeface="Arial" panose="020B0604020202020204" pitchFamily="34" charset="0"/>
+              <a:buChar char="•"/>
+            </a:pPr>
+            <a:r>
+              <a:rPr lang="en-US" sz="4000" dirty="0">
+                <a:solidFill>
+                  <a:srgbClr val="537349"/>
+                </a:solidFill>
+                <a:latin typeface="Helvetica"/>
+                <a:cs typeface="Helvetica"/>
+              </a:rPr>
+              <a:t>Allows different numbers of regions/networks</a:t>
+            </a:r>
+          </a:p>
+          <a:p>
+            <a:pPr marL="1188720" lvl="1" indent="-576072">
+              <a:buFont typeface="Arial" panose="020B0604020202020204" pitchFamily="34" charset="0"/>
+              <a:buChar char="•"/>
+            </a:pPr>
+            <a:endParaRPr lang="en-US" sz="4000" dirty="0">
+              <a:solidFill>
+                <a:srgbClr val="537349"/>
+              </a:solidFill>
+              <a:latin typeface="Helvetica"/>
+              <a:cs typeface="Helvetica"/>
+            </a:endParaRPr>
+          </a:p>
+          <a:p>
+            <a:pPr marL="1188720" lvl="1" indent="-571500">
+              <a:buFont typeface="Arial" panose="020B0604020202020204" pitchFamily="34" charset="0"/>
+              <a:buChar char="•"/>
+            </a:pPr>
+            <a:endParaRPr lang="en-US" sz="4000" dirty="0">
+              <a:solidFill>
+                <a:srgbClr val="537349"/>
+              </a:solidFill>
+              <a:latin typeface="Helvetica"/>
+              <a:cs typeface="Helvetica"/>
+            </a:endParaRPr>
           </a:p>
         </p:txBody>
       </p:sp>
@@ -3908,8 +4103,8 @@
         </p:nvCxnSpPr>
         <p:spPr>
           <a:xfrm>
-            <a:off x="32351993" y="6096000"/>
-            <a:ext cx="11234406" cy="0"/>
+            <a:off x="24003000" y="6118390"/>
+            <a:ext cx="19559016" cy="0"/>
           </a:xfrm>
           <a:prstGeom prst="line">
             <a:avLst/>
@@ -3949,8 +4144,8 @@
         </p:nvCxnSpPr>
         <p:spPr>
           <a:xfrm>
-            <a:off x="12532298" y="6096000"/>
-            <a:ext cx="19586003" cy="0"/>
+            <a:off x="12532298" y="6118390"/>
+            <a:ext cx="11237976" cy="0"/>
           </a:xfrm>
           <a:prstGeom prst="line">
             <a:avLst/>
@@ -3990,7 +4185,7 @@
         </p:nvCxnSpPr>
         <p:spPr>
           <a:xfrm>
-            <a:off x="290975" y="6105093"/>
+            <a:off x="290975" y="6118390"/>
             <a:ext cx="11937803" cy="0"/>
           </a:xfrm>
           <a:prstGeom prst="line">
@@ -4029,8 +4224,8 @@
         </p:nvSpPr>
         <p:spPr>
           <a:xfrm>
-            <a:off x="12532297" y="5086055"/>
-            <a:ext cx="19563010" cy="12171658"/>
+            <a:off x="12496800" y="5086055"/>
+            <a:ext cx="11237976" cy="12171658"/>
           </a:xfrm>
           <a:prstGeom prst="snip2DiagRect">
             <a:avLst>
@@ -4079,12 +4274,12 @@
         </p:nvSpPr>
         <p:spPr>
           <a:xfrm rot="10800000">
-            <a:off x="35305982" y="17494404"/>
-            <a:ext cx="8280409" cy="15142514"/>
+            <a:off x="35305981" y="17494404"/>
+            <a:ext cx="8280409" cy="15176344"/>
           </a:xfrm>
           <a:prstGeom prst="snip1Rect">
             <a:avLst>
-              <a:gd name="adj" fmla="val 4977"/>
+              <a:gd name="adj" fmla="val 9252"/>
             </a:avLst>
           </a:prstGeom>
           <a:noFill/>
@@ -4136,12 +4331,12 @@
         </p:nvSpPr>
         <p:spPr>
           <a:xfrm>
-            <a:off x="32346900" y="5086054"/>
-            <a:ext cx="11239499" cy="12171659"/>
+            <a:off x="24003000" y="5086054"/>
+            <a:ext cx="19559016" cy="12171659"/>
           </a:xfrm>
           <a:prstGeom prst="snip1Rect">
             <a:avLst>
-              <a:gd name="adj" fmla="val 9364"/>
+              <a:gd name="adj" fmla="val 8738"/>
             </a:avLst>
           </a:prstGeom>
           <a:noFill/>
@@ -4185,12 +4380,12 @@
         </p:nvSpPr>
         <p:spPr>
           <a:xfrm>
-            <a:off x="304801" y="5114970"/>
-            <a:ext cx="11937803" cy="8054828"/>
+            <a:off x="304801" y="5114969"/>
+            <a:ext cx="11937803" cy="9780901"/>
           </a:xfrm>
           <a:prstGeom prst="snip1Rect">
             <a:avLst>
-              <a:gd name="adj" fmla="val 12080"/>
+              <a:gd name="adj" fmla="val 13026"/>
             </a:avLst>
           </a:prstGeom>
           <a:noFill/>
@@ -4242,8 +4437,8 @@
         </p:nvSpPr>
         <p:spPr>
           <a:xfrm>
-            <a:off x="304801" y="13444129"/>
-            <a:ext cx="11937803" cy="19192790"/>
+            <a:off x="304801" y="15163799"/>
+            <a:ext cx="11937803" cy="17473119"/>
           </a:xfrm>
           <a:prstGeom prst="snip1Rect">
             <a:avLst>
@@ -4332,8 +4527,8 @@
         </p:nvSpPr>
         <p:spPr>
           <a:xfrm>
-            <a:off x="35510688" y="5207298"/>
-            <a:ext cx="4911922" cy="830997"/>
+            <a:off x="14564405" y="5200991"/>
+            <a:ext cx="7173759" cy="830997"/>
           </a:xfrm>
           <a:prstGeom prst="rect">
             <a:avLst/>
@@ -4354,7 +4549,7 @@
                 <a:latin typeface="Helvetica"/>
                 <a:cs typeface="Helvetica"/>
               </a:rPr>
-              <a:t>3. Other options</a:t>
+              <a:t>2. Standard approaches</a:t>
             </a:r>
           </a:p>
         </p:txBody>
@@ -4367,8 +4562,8 @@
         </p:nvSpPr>
         <p:spPr>
           <a:xfrm>
-            <a:off x="20782773" y="5207298"/>
-            <a:ext cx="3062057" cy="830997"/>
+            <a:off x="30699797" y="5195077"/>
+            <a:ext cx="6165422" cy="830997"/>
           </a:xfrm>
           <a:prstGeom prst="rect">
             <a:avLst/>
@@ -4376,7 +4571,7 @@
           <a:noFill/>
         </p:spPr>
         <p:txBody>
-          <a:bodyPr wrap="none" rtlCol="0">
+          <a:bodyPr wrap="square" rtlCol="0">
             <a:spAutoFit/>
           </a:bodyPr>
           <a:lstStyle/>
@@ -4390,7 +4585,7 @@
                 <a:latin typeface="Helvetica"/>
                 <a:cs typeface="Helvetica"/>
               </a:rPr>
-              <a:t>2. Method</a:t>
+              <a:t>3. Proposed method</a:t>
             </a:r>
           </a:p>
         </p:txBody>
@@ -4813,8 +5008,8 @@
         </p:nvSpPr>
         <p:spPr>
           <a:xfrm>
-            <a:off x="12509306" y="17490326"/>
-            <a:ext cx="22504594" cy="15146589"/>
+            <a:off x="12509306" y="17490327"/>
+            <a:ext cx="22504594" cy="15180423"/>
           </a:xfrm>
           <a:prstGeom prst="snip2DiagRect">
             <a:avLst>
@@ -4869,7 +5064,7 @@
         </p:nvSpPr>
         <p:spPr>
           <a:xfrm>
-            <a:off x="3917797" y="13632477"/>
+            <a:off x="3846511" y="15305194"/>
             <a:ext cx="5152373" cy="830997"/>
           </a:xfrm>
           <a:prstGeom prst="rect">
@@ -5027,7 +5222,7 @@
         </p:nvGrpSpPr>
         <p:grpSpPr>
           <a:xfrm>
-            <a:off x="26770955" y="8899887"/>
+            <a:off x="38164897" y="8915682"/>
             <a:ext cx="3514934" cy="2439551"/>
             <a:chOff x="13680263" y="13711522"/>
             <a:chExt cx="3514934" cy="2439551"/>
@@ -5934,7 +6129,7 @@
         </p:nvSpPr>
         <p:spPr>
           <a:xfrm>
-            <a:off x="23963407" y="12093604"/>
+            <a:off x="35770847" y="12109399"/>
             <a:ext cx="1106393" cy="461665"/>
           </a:xfrm>
           <a:prstGeom prst="rect">
@@ -5943,7 +6138,7 @@
           <a:noFill/>
         </p:spPr>
         <p:txBody>
-          <a:bodyPr wrap="none" rtlCol="0">
+          <a:bodyPr wrap="square" rtlCol="0">
             <a:spAutoFit/>
           </a:bodyPr>
           <a:lstStyle/>
@@ -5975,7 +6170,7 @@
         </p:nvSpPr>
         <p:spPr>
           <a:xfrm>
-            <a:off x="25322324" y="12091954"/>
+            <a:off x="37129764" y="12107749"/>
             <a:ext cx="1106393" cy="461665"/>
           </a:xfrm>
           <a:prstGeom prst="rect">
@@ -5984,7 +6179,7 @@
           <a:noFill/>
         </p:spPr>
         <p:txBody>
-          <a:bodyPr wrap="none" rtlCol="0">
+          <a:bodyPr wrap="square" rtlCol="0">
             <a:spAutoFit/>
           </a:bodyPr>
           <a:lstStyle/>
@@ -6018,7 +6213,7 @@
         </p:nvSpPr>
         <p:spPr>
           <a:xfrm>
-            <a:off x="29930466" y="12090842"/>
+            <a:off x="41737906" y="12106637"/>
             <a:ext cx="1157689" cy="461665"/>
           </a:xfrm>
           <a:prstGeom prst="rect">
@@ -6027,7 +6222,7 @@
           <a:noFill/>
         </p:spPr>
         <p:txBody>
-          <a:bodyPr wrap="none" rtlCol="0">
+          <a:bodyPr wrap="square" rtlCol="0">
             <a:spAutoFit/>
           </a:bodyPr>
           <a:lstStyle/>
@@ -6073,7 +6268,7 @@
         </p:nvSpPr>
         <p:spPr>
           <a:xfrm>
-            <a:off x="28209544" y="11996635"/>
+            <a:off x="40016984" y="12012430"/>
             <a:ext cx="762001" cy="954107"/>
           </a:xfrm>
           <a:prstGeom prst="rect">
@@ -6109,13 +6304,13 @@
           <p:nvPr>
             <p:extLst>
               <p:ext uri="{D42A27DB-BD31-4B8C-83A1-F6EECF244321}">
-                <p14:modId xmlns:p14="http://schemas.microsoft.com/office/powerpoint/2010/main" val="3572329333"/>
+                <p14:modId xmlns:p14="http://schemas.microsoft.com/office/powerpoint/2010/main" val="1826762371"/>
               </p:ext>
             </p:extLst>
           </p:nvPr>
         </p:nvGraphicFramePr>
         <p:xfrm>
-          <a:off x="23615519" y="12611325"/>
+          <a:off x="35422959" y="12627120"/>
           <a:ext cx="7898783" cy="1066800"/>
         </p:xfrm>
         <a:graphic>
@@ -7513,12 +7708,14 @@
               </a:ext>
             </a:extLst>
           </p:cNvPr>
-          <p:cNvCxnSpPr/>
+          <p:cNvCxnSpPr>
+            <a:cxnSpLocks/>
+          </p:cNvCxnSpPr>
           <p:nvPr/>
         </p:nvCxnSpPr>
         <p:spPr>
           <a:xfrm>
-            <a:off x="24060610" y="12611325"/>
+            <a:off x="35868050" y="12627120"/>
             <a:ext cx="0" cy="1066800"/>
           </a:xfrm>
           <a:prstGeom prst="line">
@@ -7557,7 +7754,7 @@
         </p:nvSpPr>
         <p:spPr>
           <a:xfrm>
-            <a:off x="26609226" y="12101158"/>
+            <a:off x="38416666" y="12116953"/>
             <a:ext cx="1106393" cy="461665"/>
           </a:xfrm>
           <a:prstGeom prst="rect">
@@ -7566,7 +7763,7 @@
           <a:noFill/>
         </p:spPr>
         <p:txBody>
-          <a:bodyPr wrap="none" rtlCol="0">
+          <a:bodyPr wrap="square" rtlCol="0">
             <a:spAutoFit/>
           </a:bodyPr>
           <a:lstStyle/>
@@ -7595,12 +7792,14 @@
               </a:ext>
             </a:extLst>
           </p:cNvPr>
-          <p:cNvCxnSpPr/>
+          <p:cNvCxnSpPr>
+            <a:cxnSpLocks/>
+          </p:cNvCxnSpPr>
           <p:nvPr/>
         </p:nvCxnSpPr>
         <p:spPr>
           <a:xfrm>
-            <a:off x="24560273" y="12611325"/>
+            <a:off x="36367713" y="12627120"/>
             <a:ext cx="0" cy="1066800"/>
           </a:xfrm>
           <a:prstGeom prst="line">
@@ -7634,12 +7833,14 @@
               </a:ext>
             </a:extLst>
           </p:cNvPr>
-          <p:cNvCxnSpPr/>
+          <p:cNvCxnSpPr>
+            <a:cxnSpLocks/>
+          </p:cNvCxnSpPr>
           <p:nvPr/>
         </p:nvCxnSpPr>
         <p:spPr>
           <a:xfrm>
-            <a:off x="24961101" y="12611325"/>
+            <a:off x="36768541" y="12627120"/>
             <a:ext cx="0" cy="1066800"/>
           </a:xfrm>
           <a:prstGeom prst="line">
@@ -7673,12 +7874,14 @@
               </a:ext>
             </a:extLst>
           </p:cNvPr>
-          <p:cNvCxnSpPr/>
+          <p:cNvCxnSpPr>
+            <a:cxnSpLocks/>
+          </p:cNvCxnSpPr>
           <p:nvPr/>
         </p:nvCxnSpPr>
         <p:spPr>
           <a:xfrm>
-            <a:off x="25686209" y="12611325"/>
+            <a:off x="37493649" y="12627120"/>
             <a:ext cx="0" cy="1066800"/>
           </a:xfrm>
           <a:prstGeom prst="line">
@@ -7712,12 +7915,14 @@
               </a:ext>
             </a:extLst>
           </p:cNvPr>
-          <p:cNvCxnSpPr/>
+          <p:cNvCxnSpPr>
+            <a:cxnSpLocks/>
+          </p:cNvCxnSpPr>
           <p:nvPr/>
         </p:nvCxnSpPr>
         <p:spPr>
           <a:xfrm>
-            <a:off x="25946606" y="12611325"/>
+            <a:off x="37754046" y="12627120"/>
             <a:ext cx="0" cy="1066800"/>
           </a:xfrm>
           <a:prstGeom prst="line">
@@ -7751,12 +7956,14 @@
               </a:ext>
             </a:extLst>
           </p:cNvPr>
-          <p:cNvCxnSpPr/>
+          <p:cNvCxnSpPr>
+            <a:cxnSpLocks/>
+          </p:cNvCxnSpPr>
           <p:nvPr/>
         </p:nvCxnSpPr>
         <p:spPr>
           <a:xfrm>
-            <a:off x="26126625" y="12611325"/>
+            <a:off x="37934065" y="12627120"/>
             <a:ext cx="0" cy="1066800"/>
           </a:xfrm>
           <a:prstGeom prst="line">
@@ -7790,12 +7997,14 @@
               </a:ext>
             </a:extLst>
           </p:cNvPr>
-          <p:cNvCxnSpPr/>
+          <p:cNvCxnSpPr>
+            <a:cxnSpLocks/>
+          </p:cNvCxnSpPr>
           <p:nvPr/>
         </p:nvCxnSpPr>
         <p:spPr>
           <a:xfrm>
-            <a:off x="26789901" y="12611325"/>
+            <a:off x="38597341" y="12627120"/>
             <a:ext cx="0" cy="1066800"/>
           </a:xfrm>
           <a:prstGeom prst="line">
@@ -7829,12 +8038,14 @@
               </a:ext>
             </a:extLst>
           </p:cNvPr>
-          <p:cNvCxnSpPr/>
+          <p:cNvCxnSpPr>
+            <a:cxnSpLocks/>
+          </p:cNvCxnSpPr>
           <p:nvPr/>
         </p:nvCxnSpPr>
         <p:spPr>
           <a:xfrm>
-            <a:off x="27138377" y="12615223"/>
+            <a:off x="38945817" y="12631018"/>
             <a:ext cx="0" cy="1066800"/>
           </a:xfrm>
           <a:prstGeom prst="line">
@@ -7868,12 +8079,14 @@
               </a:ext>
             </a:extLst>
           </p:cNvPr>
-          <p:cNvCxnSpPr/>
+          <p:cNvCxnSpPr>
+            <a:cxnSpLocks/>
+          </p:cNvCxnSpPr>
           <p:nvPr/>
         </p:nvCxnSpPr>
         <p:spPr>
           <a:xfrm>
-            <a:off x="27399501" y="12615223"/>
+            <a:off x="39206941" y="12631018"/>
             <a:ext cx="0" cy="1066800"/>
           </a:xfrm>
           <a:prstGeom prst="line">
@@ -7907,12 +8120,14 @@
               </a:ext>
             </a:extLst>
           </p:cNvPr>
-          <p:cNvCxnSpPr/>
+          <p:cNvCxnSpPr>
+            <a:cxnSpLocks/>
+          </p:cNvCxnSpPr>
           <p:nvPr/>
         </p:nvCxnSpPr>
         <p:spPr>
           <a:xfrm>
-            <a:off x="28188246" y="12611325"/>
+            <a:off x="39995686" y="12627120"/>
             <a:ext cx="0" cy="1066800"/>
           </a:xfrm>
           <a:prstGeom prst="line">
@@ -7946,12 +8161,14 @@
               </a:ext>
             </a:extLst>
           </p:cNvPr>
-          <p:cNvCxnSpPr/>
+          <p:cNvCxnSpPr>
+            <a:cxnSpLocks/>
+          </p:cNvCxnSpPr>
           <p:nvPr/>
         </p:nvCxnSpPr>
         <p:spPr>
           <a:xfrm>
-            <a:off x="28542501" y="12615223"/>
+            <a:off x="40349941" y="12631018"/>
             <a:ext cx="0" cy="1066800"/>
           </a:xfrm>
           <a:prstGeom prst="line">
@@ -7985,12 +8202,14 @@
               </a:ext>
             </a:extLst>
           </p:cNvPr>
-          <p:cNvCxnSpPr/>
+          <p:cNvCxnSpPr>
+            <a:cxnSpLocks/>
+          </p:cNvCxnSpPr>
           <p:nvPr/>
         </p:nvCxnSpPr>
         <p:spPr>
           <a:xfrm>
-            <a:off x="28923501" y="12615223"/>
+            <a:off x="40730941" y="12631018"/>
             <a:ext cx="0" cy="1066800"/>
           </a:xfrm>
           <a:prstGeom prst="line">
@@ -8024,12 +8243,14 @@
               </a:ext>
             </a:extLst>
           </p:cNvPr>
-          <p:cNvCxnSpPr/>
+          <p:cNvCxnSpPr>
+            <a:cxnSpLocks/>
+          </p:cNvCxnSpPr>
           <p:nvPr/>
         </p:nvCxnSpPr>
         <p:spPr>
           <a:xfrm>
-            <a:off x="29726732" y="12649200"/>
+            <a:off x="41534172" y="12664995"/>
             <a:ext cx="0" cy="1066800"/>
           </a:xfrm>
           <a:prstGeom prst="line">
@@ -8063,12 +8284,14 @@
               </a:ext>
             </a:extLst>
           </p:cNvPr>
-          <p:cNvCxnSpPr/>
+          <p:cNvCxnSpPr>
+            <a:cxnSpLocks/>
+          </p:cNvCxnSpPr>
           <p:nvPr/>
         </p:nvCxnSpPr>
         <p:spPr>
           <a:xfrm>
-            <a:off x="30371301" y="12649200"/>
+            <a:off x="42178741" y="12664995"/>
             <a:ext cx="0" cy="1066800"/>
           </a:xfrm>
           <a:prstGeom prst="line">
@@ -8102,12 +8325,14 @@
               </a:ext>
             </a:extLst>
           </p:cNvPr>
-          <p:cNvCxnSpPr/>
+          <p:cNvCxnSpPr>
+            <a:cxnSpLocks/>
+          </p:cNvCxnSpPr>
           <p:nvPr/>
         </p:nvCxnSpPr>
         <p:spPr>
           <a:xfrm>
-            <a:off x="31119379" y="12649200"/>
+            <a:off x="42926819" y="12664995"/>
             <a:ext cx="0" cy="1066800"/>
           </a:xfrm>
           <a:prstGeom prst="line">
@@ -8146,7 +8371,7 @@
         </p:nvGrpSpPr>
         <p:grpSpPr>
           <a:xfrm>
-            <a:off x="23559868" y="6464962"/>
+            <a:off x="34953810" y="6480757"/>
             <a:ext cx="2924092" cy="2472864"/>
             <a:chOff x="20644443" y="8576685"/>
             <a:chExt cx="2924092" cy="2472864"/>
@@ -9032,7 +9257,7 @@
         </p:nvGrpSpPr>
         <p:grpSpPr>
           <a:xfrm>
-            <a:off x="21403255" y="8868491"/>
+            <a:off x="32797197" y="8884286"/>
             <a:ext cx="3973324" cy="2439551"/>
             <a:chOff x="13680263" y="13711522"/>
             <a:chExt cx="3973324" cy="2439551"/>
@@ -9605,6 +9830,70 @@
           </p:grpSpPr>
           <p:sp>
             <p:nvSpPr>
+              <p:cNvPr id="760" name="Rectangle 759">
+                <a:extLst>
+                  <a:ext uri="{FF2B5EF4-FFF2-40B4-BE49-F238E27FC236}">
+                    <a16:creationId xmlns:a16="http://schemas.microsoft.com/office/drawing/2014/main" id="{79E02538-BFCC-462B-8B7C-16A75901B055}"/>
+                  </a:ext>
+                </a:extLst>
+              </p:cNvPr>
+              <p:cNvSpPr/>
+              <p:nvPr/>
+            </p:nvSpPr>
+            <p:spPr>
+              <a:xfrm>
+                <a:off x="13680264" y="16204041"/>
+                <a:ext cx="585216" cy="585216"/>
+              </a:xfrm>
+              <a:prstGeom prst="rect">
+                <a:avLst/>
+              </a:prstGeom>
+              <a:solidFill>
+                <a:schemeClr val="bg1"/>
+              </a:solidFill>
+              <a:ln w="57150" cap="flat" cmpd="sng" algn="ctr">
+                <a:solidFill>
+                  <a:schemeClr val="dk1"/>
+                </a:solidFill>
+                <a:prstDash val="solid"/>
+                <a:round/>
+                <a:headEnd type="none" w="med" len="med"/>
+                <a:tailEnd type="none" w="med" len="med"/>
+              </a:ln>
+              <a:effectLst>
+                <a:glow rad="228600">
+                  <a:schemeClr val="accent4">
+                    <a:satMod val="175000"/>
+                    <a:alpha val="40000"/>
+                  </a:schemeClr>
+                </a:glow>
+              </a:effectLst>
+            </p:spPr>
+            <p:style>
+              <a:lnRef idx="0">
+                <a:scrgbClr r="0" g="0" b="0"/>
+              </a:lnRef>
+              <a:fillRef idx="0">
+                <a:scrgbClr r="0" g="0" b="0"/>
+              </a:fillRef>
+              <a:effectRef idx="0">
+                <a:scrgbClr r="0" g="0" b="0"/>
+              </a:effectRef>
+              <a:fontRef idx="minor">
+                <a:schemeClr val="dk1"/>
+              </a:fontRef>
+            </p:style>
+            <p:txBody>
+              <a:bodyPr rtlCol="0" anchor="ctr"/>
+              <a:lstStyle/>
+              <a:p>
+                <a:pPr algn="ctr"/>
+                <a:endParaRPr lang="en-US" sz="1800"/>
+              </a:p>
+            </p:txBody>
+          </p:sp>
+          <p:sp>
+            <p:nvSpPr>
               <p:cNvPr id="759" name="Isosceles Triangle 758">
                 <a:extLst>
                   <a:ext uri="{FF2B5EF4-FFF2-40B4-BE49-F238E27FC236}">
@@ -9638,60 +9927,6 @@
               </a:effectRef>
               <a:fontRef idx="minor">
                 <a:schemeClr val="lt1"/>
-              </a:fontRef>
-            </p:style>
-            <p:txBody>
-              <a:bodyPr rtlCol="0" anchor="ctr"/>
-              <a:lstStyle/>
-              <a:p>
-                <a:pPr algn="ctr"/>
-                <a:endParaRPr lang="en-US" sz="1800"/>
-              </a:p>
-            </p:txBody>
-          </p:sp>
-          <p:sp>
-            <p:nvSpPr>
-              <p:cNvPr id="760" name="Rectangle 759">
-                <a:extLst>
-                  <a:ext uri="{FF2B5EF4-FFF2-40B4-BE49-F238E27FC236}">
-                    <a16:creationId xmlns:a16="http://schemas.microsoft.com/office/drawing/2014/main" id="{79E02538-BFCC-462B-8B7C-16A75901B055}"/>
-                  </a:ext>
-                </a:extLst>
-              </p:cNvPr>
-              <p:cNvSpPr/>
-              <p:nvPr/>
-            </p:nvSpPr>
-            <p:spPr>
-              <a:xfrm>
-                <a:off x="13680264" y="16204041"/>
-                <a:ext cx="585216" cy="585216"/>
-              </a:xfrm>
-              <a:prstGeom prst="rect">
-                <a:avLst/>
-              </a:prstGeom>
-              <a:noFill/>
-              <a:ln w="57150" cap="flat" cmpd="sng" algn="ctr">
-                <a:solidFill>
-                  <a:schemeClr val="dk1"/>
-                </a:solidFill>
-                <a:prstDash val="solid"/>
-                <a:round/>
-                <a:headEnd type="none" w="med" len="med"/>
-                <a:tailEnd type="none" w="med" len="med"/>
-              </a:ln>
-            </p:spPr>
-            <p:style>
-              <a:lnRef idx="0">
-                <a:scrgbClr r="0" g="0" b="0"/>
-              </a:lnRef>
-              <a:fillRef idx="0">
-                <a:scrgbClr r="0" g="0" b="0"/>
-              </a:fillRef>
-              <a:effectRef idx="0">
-                <a:scrgbClr r="0" g="0" b="0"/>
-              </a:effectRef>
-              <a:fontRef idx="minor">
-                <a:schemeClr val="dk1"/>
               </a:fontRef>
             </p:style>
             <p:txBody>
@@ -9930,7 +10165,7 @@
         </p:nvGrpSpPr>
         <p:grpSpPr>
           <a:xfrm>
-            <a:off x="27399501" y="6498275"/>
+            <a:off x="38793443" y="6514070"/>
             <a:ext cx="4264742" cy="2439551"/>
             <a:chOff x="27441054" y="6191465"/>
             <a:chExt cx="4264742" cy="2439551"/>
@@ -10828,7 +11063,7 @@
         </p:nvSpPr>
         <p:spPr>
           <a:xfrm rot="4868379" flipV="1">
-            <a:off x="24110550" y="11577294"/>
+            <a:off x="35504492" y="11593089"/>
             <a:ext cx="672622" cy="292608"/>
           </a:xfrm>
           <a:prstGeom prst="rightArrow">
@@ -10880,7 +11115,7 @@
         </p:nvSpPr>
         <p:spPr>
           <a:xfrm>
-            <a:off x="22811645" y="9132724"/>
+            <a:off x="34205587" y="9148519"/>
             <a:ext cx="2696306" cy="2099033"/>
           </a:xfrm>
           <a:prstGeom prst="roundRect">
@@ -10936,7 +11171,7 @@
         </p:nvSpPr>
         <p:spPr>
           <a:xfrm>
-            <a:off x="25275300" y="6767438"/>
+            <a:off x="36669242" y="6783233"/>
             <a:ext cx="1333926" cy="2099033"/>
           </a:xfrm>
           <a:prstGeom prst="roundRect">
@@ -10992,7 +11227,7 @@
         </p:nvSpPr>
         <p:spPr>
           <a:xfrm rot="5592638" flipV="1">
-            <a:off x="24663787" y="10389125"/>
+            <a:off x="36057729" y="10404920"/>
             <a:ext cx="2910592" cy="292608"/>
           </a:xfrm>
           <a:prstGeom prst="rightArrow">
@@ -11041,7 +11276,7 @@
         </p:nvSpPr>
         <p:spPr>
           <a:xfrm>
-            <a:off x="28155900" y="9161034"/>
+            <a:off x="39549842" y="9176829"/>
             <a:ext cx="2286000" cy="2099033"/>
           </a:xfrm>
           <a:prstGeom prst="roundRect">
@@ -11097,7 +11332,7 @@
         </p:nvSpPr>
         <p:spPr>
           <a:xfrm rot="7676053" flipV="1">
-            <a:off x="27694392" y="11609664"/>
+            <a:off x="39088334" y="11625459"/>
             <a:ext cx="795135" cy="292568"/>
           </a:xfrm>
           <a:prstGeom prst="rightArrow">
@@ -11146,7 +11381,7 @@
         </p:nvSpPr>
         <p:spPr>
           <a:xfrm>
-            <a:off x="28787120" y="6771140"/>
+            <a:off x="40181062" y="6786935"/>
             <a:ext cx="3016822" cy="2099033"/>
           </a:xfrm>
           <a:prstGeom prst="roundRect">
@@ -11202,7 +11437,7 @@
         </p:nvSpPr>
         <p:spPr>
           <a:xfrm rot="5759486" flipV="1">
-            <a:off x="29745574" y="10350692"/>
+            <a:off x="41139516" y="10366487"/>
             <a:ext cx="2926080" cy="292568"/>
           </a:xfrm>
           <a:prstGeom prst="rightArrow">
@@ -11251,7 +11486,7 @@
         </p:nvSpPr>
         <p:spPr>
           <a:xfrm>
-            <a:off x="27399501" y="14020800"/>
+            <a:off x="39206941" y="14036595"/>
             <a:ext cx="332660" cy="573439"/>
           </a:xfrm>
           <a:prstGeom prst="downArrow">
@@ -11297,7 +11532,7 @@
         </p:nvSpPr>
         <p:spPr>
           <a:xfrm>
-            <a:off x="25973014" y="14738598"/>
+            <a:off x="37780454" y="14754393"/>
             <a:ext cx="3211135" cy="646331"/>
           </a:xfrm>
           <a:prstGeom prst="rect">
@@ -11306,7 +11541,7 @@
           <a:noFill/>
         </p:spPr>
         <p:txBody>
-          <a:bodyPr wrap="none" rtlCol="0">
+          <a:bodyPr wrap="square" rtlCol="0">
             <a:spAutoFit/>
           </a:bodyPr>
           <a:lstStyle/>
@@ -11335,7 +11570,7 @@
         </p:nvSpPr>
         <p:spPr>
           <a:xfrm>
-            <a:off x="27399501" y="15546957"/>
+            <a:off x="39206941" y="15562752"/>
             <a:ext cx="332660" cy="573439"/>
           </a:xfrm>
           <a:prstGeom prst="downArrow">
@@ -11381,7 +11616,7 @@
         </p:nvSpPr>
         <p:spPr>
           <a:xfrm>
-            <a:off x="27011759" y="16338159"/>
+            <a:off x="38819199" y="16349199"/>
             <a:ext cx="1133644" cy="646331"/>
           </a:xfrm>
           <a:prstGeom prst="rect">
@@ -11390,7 +11625,7 @@
           <a:noFill/>
         </p:spPr>
         <p:txBody>
-          <a:bodyPr wrap="none" rtlCol="0">
+          <a:bodyPr wrap="square" rtlCol="0">
             <a:spAutoFit/>
           </a:bodyPr>
           <a:lstStyle/>
@@ -11419,7 +11654,7 @@
         </p:nvSpPr>
         <p:spPr>
           <a:xfrm>
-            <a:off x="774939" y="14782800"/>
+            <a:off x="404160" y="16349199"/>
             <a:ext cx="10883660" cy="3785652"/>
           </a:xfrm>
           <a:prstGeom prst="rect">
@@ -11559,6 +11794,1537 @@
           </a:p>
         </p:txBody>
       </p:sp>
+      <p:pic>
+        <p:nvPicPr>
+          <p:cNvPr id="151" name="Picture 150">
+            <a:extLst>
+              <a:ext uri="{FF2B5EF4-FFF2-40B4-BE49-F238E27FC236}">
+                <a16:creationId xmlns:a16="http://schemas.microsoft.com/office/drawing/2014/main" id="{B92E9582-0FA5-4108-AE24-84C3FBE5E1E5}"/>
+              </a:ext>
+            </a:extLst>
+          </p:cNvPr>
+          <p:cNvPicPr>
+            <a:picLocks noChangeAspect="1"/>
+          </p:cNvPicPr>
+          <p:nvPr/>
+        </p:nvPicPr>
+        <p:blipFill>
+          <a:blip r:embed="rId7">
+            <a:clrChange>
+              <a:clrFrom>
+                <a:srgbClr val="000000"/>
+              </a:clrFrom>
+              <a:clrTo>
+                <a:srgbClr val="000000">
+                  <a:alpha val="0"/>
+                </a:srgbClr>
+              </a:clrTo>
+            </a:clrChange>
+            <a:extLst>
+              <a:ext uri="{28A0092B-C50C-407E-A947-70E740481C1C}">
+                <a14:useLocalDpi xmlns:a14="http://schemas.microsoft.com/office/drawing/2010/main" val="0"/>
+              </a:ext>
+            </a:extLst>
+          </a:blip>
+          <a:stretch>
+            <a:fillRect/>
+          </a:stretch>
+        </p:blipFill>
+        <p:spPr>
+          <a:xfrm>
+            <a:off x="24096727" y="12880242"/>
+            <a:ext cx="2429362" cy="1532522"/>
+          </a:xfrm>
+          <a:prstGeom prst="rect">
+            <a:avLst/>
+          </a:prstGeom>
+        </p:spPr>
+      </p:pic>
+      <p:grpSp>
+        <p:nvGrpSpPr>
+          <p:cNvPr id="152" name="Group 151">
+            <a:extLst>
+              <a:ext uri="{FF2B5EF4-FFF2-40B4-BE49-F238E27FC236}">
+                <a16:creationId xmlns:a16="http://schemas.microsoft.com/office/drawing/2014/main" id="{8AB3942F-D552-4700-BD09-4929480FE5A8}"/>
+              </a:ext>
+            </a:extLst>
+          </p:cNvPr>
+          <p:cNvGrpSpPr/>
+          <p:nvPr/>
+        </p:nvGrpSpPr>
+        <p:grpSpPr>
+          <a:xfrm>
+            <a:off x="26205374" y="12457588"/>
+            <a:ext cx="3370312" cy="2102180"/>
+            <a:chOff x="2852983" y="-482713"/>
+            <a:chExt cx="4560177" cy="2102180"/>
+          </a:xfrm>
+        </p:grpSpPr>
+        <p:grpSp>
+          <p:nvGrpSpPr>
+            <p:cNvPr id="153" name="Group 152">
+              <a:extLst>
+                <a:ext uri="{FF2B5EF4-FFF2-40B4-BE49-F238E27FC236}">
+                  <a16:creationId xmlns:a16="http://schemas.microsoft.com/office/drawing/2014/main" id="{A4117F14-8C4A-40E8-AEC4-8A1D47C0A196}"/>
+                </a:ext>
+              </a:extLst>
+            </p:cNvPr>
+            <p:cNvGrpSpPr/>
+            <p:nvPr/>
+          </p:nvGrpSpPr>
+          <p:grpSpPr>
+            <a:xfrm>
+              <a:off x="2852983" y="211593"/>
+              <a:ext cx="4203523" cy="1090988"/>
+              <a:chOff x="3333741" y="141543"/>
+              <a:chExt cx="3301047" cy="961089"/>
+            </a:xfrm>
+          </p:grpSpPr>
+          <p:pic>
+            <p:nvPicPr>
+              <p:cNvPr id="156" name="Picture 155">
+                <a:extLst>
+                  <a:ext uri="{FF2B5EF4-FFF2-40B4-BE49-F238E27FC236}">
+                    <a16:creationId xmlns:a16="http://schemas.microsoft.com/office/drawing/2014/main" id="{21FA6962-5267-43FF-9F07-885DBFAD5534}"/>
+                  </a:ext>
+                </a:extLst>
+              </p:cNvPr>
+              <p:cNvPicPr>
+                <a:picLocks noChangeAspect="1"/>
+              </p:cNvPicPr>
+              <p:nvPr/>
+            </p:nvPicPr>
+            <p:blipFill>
+              <a:blip r:embed="rId8"/>
+              <a:stretch>
+                <a:fillRect/>
+              </a:stretch>
+            </p:blipFill>
+            <p:spPr>
+              <a:xfrm>
+                <a:off x="4022698" y="141543"/>
+                <a:ext cx="2612090" cy="961089"/>
+              </a:xfrm>
+              <a:prstGeom prst="rect">
+                <a:avLst/>
+              </a:prstGeom>
+            </p:spPr>
+          </p:pic>
+          <p:cxnSp>
+            <p:nvCxnSpPr>
+              <p:cNvPr id="157" name="Straight Connector 156">
+                <a:extLst>
+                  <a:ext uri="{FF2B5EF4-FFF2-40B4-BE49-F238E27FC236}">
+                    <a16:creationId xmlns:a16="http://schemas.microsoft.com/office/drawing/2014/main" id="{0975EF33-7601-4B16-8689-5AE631B90E84}"/>
+                  </a:ext>
+                </a:extLst>
+              </p:cNvPr>
+              <p:cNvCxnSpPr/>
+              <p:nvPr/>
+            </p:nvCxnSpPr>
+            <p:spPr>
+              <a:xfrm flipV="1">
+                <a:off x="3333741" y="193731"/>
+                <a:ext cx="804400" cy="400341"/>
+              </a:xfrm>
+              <a:prstGeom prst="line">
+                <a:avLst/>
+              </a:prstGeom>
+              <a:ln w="19050" cmpd="sng">
+                <a:solidFill>
+                  <a:schemeClr val="accent5">
+                    <a:lumMod val="60000"/>
+                    <a:lumOff val="40000"/>
+                  </a:schemeClr>
+                </a:solidFill>
+              </a:ln>
+              <a:effectLst/>
+            </p:spPr>
+            <p:style>
+              <a:lnRef idx="2">
+                <a:schemeClr val="accent1"/>
+              </a:lnRef>
+              <a:fillRef idx="0">
+                <a:schemeClr val="accent1"/>
+              </a:fillRef>
+              <a:effectRef idx="1">
+                <a:schemeClr val="accent1"/>
+              </a:effectRef>
+              <a:fontRef idx="minor">
+                <a:schemeClr val="tx1"/>
+              </a:fontRef>
+            </p:style>
+          </p:cxnSp>
+          <p:cxnSp>
+            <p:nvCxnSpPr>
+              <p:cNvPr id="158" name="Straight Connector 157">
+                <a:extLst>
+                  <a:ext uri="{FF2B5EF4-FFF2-40B4-BE49-F238E27FC236}">
+                    <a16:creationId xmlns:a16="http://schemas.microsoft.com/office/drawing/2014/main" id="{AB67EF72-ED76-4196-A1A8-949642D4D119}"/>
+                  </a:ext>
+                </a:extLst>
+              </p:cNvPr>
+              <p:cNvCxnSpPr/>
+              <p:nvPr/>
+            </p:nvCxnSpPr>
+            <p:spPr>
+              <a:xfrm>
+                <a:off x="3333741" y="594072"/>
+                <a:ext cx="804399" cy="401481"/>
+              </a:xfrm>
+              <a:prstGeom prst="line">
+                <a:avLst/>
+              </a:prstGeom>
+              <a:ln w="19050" cmpd="sng">
+                <a:solidFill>
+                  <a:schemeClr val="accent5">
+                    <a:lumMod val="60000"/>
+                    <a:lumOff val="40000"/>
+                  </a:schemeClr>
+                </a:solidFill>
+              </a:ln>
+              <a:effectLst/>
+            </p:spPr>
+            <p:style>
+              <a:lnRef idx="2">
+                <a:schemeClr val="accent1"/>
+              </a:lnRef>
+              <a:fillRef idx="0">
+                <a:schemeClr val="accent1"/>
+              </a:fillRef>
+              <a:effectRef idx="1">
+                <a:schemeClr val="accent1"/>
+              </a:effectRef>
+              <a:fontRef idx="minor">
+                <a:schemeClr val="tx1"/>
+              </a:fontRef>
+            </p:style>
+          </p:cxnSp>
+          <p:cxnSp>
+            <p:nvCxnSpPr>
+              <p:cNvPr id="159" name="Straight Connector 158">
+                <a:extLst>
+                  <a:ext uri="{FF2B5EF4-FFF2-40B4-BE49-F238E27FC236}">
+                    <a16:creationId xmlns:a16="http://schemas.microsoft.com/office/drawing/2014/main" id="{36065F1B-3013-40A5-85F1-0D6EB76FC2AD}"/>
+                  </a:ext>
+                </a:extLst>
+              </p:cNvPr>
+              <p:cNvCxnSpPr/>
+              <p:nvPr/>
+            </p:nvCxnSpPr>
+            <p:spPr>
+              <a:xfrm flipV="1">
+                <a:off x="4138141" y="182005"/>
+                <a:ext cx="2427341" cy="2"/>
+              </a:xfrm>
+              <a:prstGeom prst="line">
+                <a:avLst/>
+              </a:prstGeom>
+              <a:ln/>
+            </p:spPr>
+            <p:style>
+              <a:lnRef idx="1">
+                <a:schemeClr val="accent5"/>
+              </a:lnRef>
+              <a:fillRef idx="0">
+                <a:schemeClr val="accent5"/>
+              </a:fillRef>
+              <a:effectRef idx="0">
+                <a:schemeClr val="accent5"/>
+              </a:effectRef>
+              <a:fontRef idx="minor">
+                <a:schemeClr val="tx1"/>
+              </a:fontRef>
+            </p:style>
+          </p:cxnSp>
+          <p:cxnSp>
+            <p:nvCxnSpPr>
+              <p:cNvPr id="160" name="Straight Connector 159">
+                <a:extLst>
+                  <a:ext uri="{FF2B5EF4-FFF2-40B4-BE49-F238E27FC236}">
+                    <a16:creationId xmlns:a16="http://schemas.microsoft.com/office/drawing/2014/main" id="{B5456CD0-F86C-4844-87D4-430B04EA714D}"/>
+                  </a:ext>
+                </a:extLst>
+              </p:cNvPr>
+              <p:cNvCxnSpPr/>
+              <p:nvPr/>
+            </p:nvCxnSpPr>
+            <p:spPr>
+              <a:xfrm flipV="1">
+                <a:off x="4138141" y="1001348"/>
+                <a:ext cx="2427341" cy="2"/>
+              </a:xfrm>
+              <a:prstGeom prst="line">
+                <a:avLst/>
+              </a:prstGeom>
+              <a:ln/>
+            </p:spPr>
+            <p:style>
+              <a:lnRef idx="1">
+                <a:schemeClr val="accent5"/>
+              </a:lnRef>
+              <a:fillRef idx="0">
+                <a:schemeClr val="accent5"/>
+              </a:fillRef>
+              <a:effectRef idx="0">
+                <a:schemeClr val="accent5"/>
+              </a:effectRef>
+              <a:fontRef idx="minor">
+                <a:schemeClr val="tx1"/>
+              </a:fontRef>
+            </p:style>
+          </p:cxnSp>
+          <p:cxnSp>
+            <p:nvCxnSpPr>
+              <p:cNvPr id="161" name="Straight Connector 160">
+                <a:extLst>
+                  <a:ext uri="{FF2B5EF4-FFF2-40B4-BE49-F238E27FC236}">
+                    <a16:creationId xmlns:a16="http://schemas.microsoft.com/office/drawing/2014/main" id="{FDF9FE77-D163-4A12-8EE2-3E68A229AFAD}"/>
+                  </a:ext>
+                </a:extLst>
+              </p:cNvPr>
+              <p:cNvCxnSpPr/>
+              <p:nvPr/>
+            </p:nvCxnSpPr>
+            <p:spPr>
+              <a:xfrm>
+                <a:off x="4138141" y="185913"/>
+                <a:ext cx="0" cy="816765"/>
+              </a:xfrm>
+              <a:prstGeom prst="line">
+                <a:avLst/>
+              </a:prstGeom>
+              <a:ln/>
+            </p:spPr>
+            <p:style>
+              <a:lnRef idx="1">
+                <a:schemeClr val="accent5"/>
+              </a:lnRef>
+              <a:fillRef idx="0">
+                <a:schemeClr val="accent5"/>
+              </a:fillRef>
+              <a:effectRef idx="0">
+                <a:schemeClr val="accent5"/>
+              </a:effectRef>
+              <a:fontRef idx="minor">
+                <a:schemeClr val="tx1"/>
+              </a:fontRef>
+            </p:style>
+          </p:cxnSp>
+          <p:cxnSp>
+            <p:nvCxnSpPr>
+              <p:cNvPr id="162" name="Straight Connector 161">
+                <a:extLst>
+                  <a:ext uri="{FF2B5EF4-FFF2-40B4-BE49-F238E27FC236}">
+                    <a16:creationId xmlns:a16="http://schemas.microsoft.com/office/drawing/2014/main" id="{6C1C6435-125E-4E9C-8468-8ABD4A01C322}"/>
+                  </a:ext>
+                </a:extLst>
+              </p:cNvPr>
+              <p:cNvCxnSpPr/>
+              <p:nvPr/>
+            </p:nvCxnSpPr>
+            <p:spPr>
+              <a:xfrm>
+                <a:off x="6572185" y="182694"/>
+                <a:ext cx="0" cy="816765"/>
+              </a:xfrm>
+              <a:prstGeom prst="line">
+                <a:avLst/>
+              </a:prstGeom>
+              <a:ln/>
+            </p:spPr>
+            <p:style>
+              <a:lnRef idx="1">
+                <a:schemeClr val="accent5"/>
+              </a:lnRef>
+              <a:fillRef idx="0">
+                <a:schemeClr val="accent5"/>
+              </a:fillRef>
+              <a:effectRef idx="0">
+                <a:schemeClr val="accent5"/>
+              </a:effectRef>
+              <a:fontRef idx="minor">
+                <a:schemeClr val="tx1"/>
+              </a:fontRef>
+            </p:style>
+          </p:cxnSp>
+        </p:grpSp>
+        <p:sp>
+          <p:nvSpPr>
+            <p:cNvPr id="154" name="TextBox 153">
+              <a:extLst>
+                <a:ext uri="{FF2B5EF4-FFF2-40B4-BE49-F238E27FC236}">
+                  <a16:creationId xmlns:a16="http://schemas.microsoft.com/office/drawing/2014/main" id="{A172655E-C982-4504-A2B2-23D1A59FA4A5}"/>
+                </a:ext>
+              </a:extLst>
+            </p:cNvPr>
+            <p:cNvSpPr txBox="1"/>
+            <p:nvPr/>
+          </p:nvSpPr>
+          <p:spPr>
+            <a:xfrm>
+              <a:off x="3222540" y="-482713"/>
+              <a:ext cx="4190620" cy="707886"/>
+            </a:xfrm>
+            <a:prstGeom prst="rect">
+              <a:avLst/>
+            </a:prstGeom>
+            <a:noFill/>
+          </p:spPr>
+          <p:txBody>
+            <a:bodyPr wrap="square" rtlCol="0">
+              <a:spAutoFit/>
+            </a:bodyPr>
+            <a:lstStyle/>
+            <a:p>
+              <a:pPr algn="ctr"/>
+              <a:r>
+                <a:rPr lang="en-US" sz="2000" dirty="0">
+                  <a:latin typeface="Helvetica" panose="020B0604020202020204" pitchFamily="34" charset="0"/>
+                  <a:cs typeface="Helvetica" panose="020B0604020202020204" pitchFamily="34" charset="0"/>
+                </a:rPr>
+                <a:t>Parcel’s mean time series during resting-state scan</a:t>
+              </a:r>
+            </a:p>
+          </p:txBody>
+        </p:sp>
+        <p:sp>
+          <p:nvSpPr>
+            <p:cNvPr id="155" name="TextBox 154">
+              <a:extLst>
+                <a:ext uri="{FF2B5EF4-FFF2-40B4-BE49-F238E27FC236}">
+                  <a16:creationId xmlns:a16="http://schemas.microsoft.com/office/drawing/2014/main" id="{B1EC0982-BA9C-460D-B43F-17B8725337FC}"/>
+                </a:ext>
+              </a:extLst>
+            </p:cNvPr>
+            <p:cNvSpPr txBox="1"/>
+            <p:nvPr/>
+          </p:nvSpPr>
+          <p:spPr>
+            <a:xfrm>
+              <a:off x="4682244" y="1219357"/>
+              <a:ext cx="1481061" cy="400110"/>
+            </a:xfrm>
+            <a:prstGeom prst="rect">
+              <a:avLst/>
+            </a:prstGeom>
+            <a:noFill/>
+          </p:spPr>
+          <p:txBody>
+            <a:bodyPr wrap="square" rtlCol="0">
+              <a:spAutoFit/>
+            </a:bodyPr>
+            <a:lstStyle/>
+            <a:p>
+              <a:r>
+                <a:rPr lang="en-US" sz="2000" dirty="0">
+                  <a:latin typeface="Helvetica Neue"/>
+                  <a:cs typeface="Helvetica Neue"/>
+                </a:rPr>
+                <a:t>Frames</a:t>
+              </a:r>
+            </a:p>
+          </p:txBody>
+        </p:sp>
+      </p:grpSp>
+      <p:grpSp>
+        <p:nvGrpSpPr>
+          <p:cNvPr id="13" name="Group 12">
+            <a:extLst>
+              <a:ext uri="{FF2B5EF4-FFF2-40B4-BE49-F238E27FC236}">
+                <a16:creationId xmlns:a16="http://schemas.microsoft.com/office/drawing/2014/main" id="{AC107C5D-B4A7-490C-AAA9-5587B4ABF591}"/>
+              </a:ext>
+            </a:extLst>
+          </p:cNvPr>
+          <p:cNvGrpSpPr/>
+          <p:nvPr/>
+        </p:nvGrpSpPr>
+        <p:grpSpPr>
+          <a:xfrm>
+            <a:off x="29543532" y="12454894"/>
+            <a:ext cx="2349647" cy="1593974"/>
+            <a:chOff x="19481689" y="12193037"/>
+            <a:chExt cx="2349647" cy="1593974"/>
+          </a:xfrm>
+        </p:grpSpPr>
+        <p:sp>
+          <p:nvSpPr>
+            <p:cNvPr id="165" name="TextBox 164">
+              <a:extLst>
+                <a:ext uri="{FF2B5EF4-FFF2-40B4-BE49-F238E27FC236}">
+                  <a16:creationId xmlns:a16="http://schemas.microsoft.com/office/drawing/2014/main" id="{B32EAC8A-2564-4750-932F-BA0738F9C1D3}"/>
+                </a:ext>
+              </a:extLst>
+            </p:cNvPr>
+            <p:cNvSpPr txBox="1"/>
+            <p:nvPr/>
+          </p:nvSpPr>
+          <p:spPr>
+            <a:xfrm>
+              <a:off x="19481689" y="12193037"/>
+              <a:ext cx="2349647" cy="707886"/>
+            </a:xfrm>
+            <a:prstGeom prst="rect">
+              <a:avLst/>
+            </a:prstGeom>
+            <a:noFill/>
+          </p:spPr>
+          <p:txBody>
+            <a:bodyPr wrap="square" rtlCol="0">
+              <a:spAutoFit/>
+            </a:bodyPr>
+            <a:lstStyle/>
+            <a:p>
+              <a:pPr algn="ctr"/>
+              <a:r>
+                <a:rPr lang="en-US" sz="2000" dirty="0">
+                  <a:latin typeface="Helvetica Neue"/>
+                  <a:cs typeface="Helvetica Neue"/>
+                </a:rPr>
+                <a:t>Cross correlation </a:t>
+              </a:r>
+              <a:r>
+                <a:rPr lang="en-US" sz="2000" dirty="0">
+                  <a:latin typeface="Helvetica" panose="020B0604020202020204" pitchFamily="34" charset="0"/>
+                  <a:cs typeface="Helvetica" panose="020B0604020202020204" pitchFamily="34" charset="0"/>
+                </a:rPr>
+                <a:t>between</a:t>
+              </a:r>
+              <a:r>
+                <a:rPr lang="en-US" sz="2000" dirty="0">
+                  <a:latin typeface="Helvetica Neue"/>
+                  <a:cs typeface="Helvetica Neue"/>
+                </a:rPr>
+                <a:t> parcels</a:t>
+              </a:r>
+            </a:p>
+          </p:txBody>
+        </p:sp>
+        <p:grpSp>
+          <p:nvGrpSpPr>
+            <p:cNvPr id="166" name="Group 165">
+              <a:extLst>
+                <a:ext uri="{FF2B5EF4-FFF2-40B4-BE49-F238E27FC236}">
+                  <a16:creationId xmlns:a16="http://schemas.microsoft.com/office/drawing/2014/main" id="{755F8C32-7564-426E-95E3-BB7856C39C9E}"/>
+                </a:ext>
+              </a:extLst>
+            </p:cNvPr>
+            <p:cNvGrpSpPr>
+              <a:grpSpLocks noChangeAspect="1"/>
+            </p:cNvGrpSpPr>
+            <p:nvPr/>
+          </p:nvGrpSpPr>
+          <p:grpSpPr>
+            <a:xfrm>
+              <a:off x="20081384" y="12991707"/>
+              <a:ext cx="795302" cy="795304"/>
+              <a:chOff x="6435165" y="4883064"/>
+              <a:chExt cx="426609" cy="426609"/>
+            </a:xfrm>
+          </p:grpSpPr>
+          <p:sp>
+            <p:nvSpPr>
+              <p:cNvPr id="167" name="Rectangle 166">
+                <a:extLst>
+                  <a:ext uri="{FF2B5EF4-FFF2-40B4-BE49-F238E27FC236}">
+                    <a16:creationId xmlns:a16="http://schemas.microsoft.com/office/drawing/2014/main" id="{C25B572D-9399-427A-B123-A36754FF71A6}"/>
+                  </a:ext>
+                </a:extLst>
+              </p:cNvPr>
+              <p:cNvSpPr/>
+              <p:nvPr/>
+            </p:nvSpPr>
+            <p:spPr>
+              <a:xfrm>
+                <a:off x="6435165" y="4883064"/>
+                <a:ext cx="426609" cy="426609"/>
+              </a:xfrm>
+              <a:prstGeom prst="rect">
+                <a:avLst/>
+              </a:prstGeom>
+              <a:noFill/>
+              <a:ln w="57150" cap="flat" cmpd="sng" algn="ctr">
+                <a:solidFill>
+                  <a:schemeClr val="dk1"/>
+                </a:solidFill>
+                <a:prstDash val="solid"/>
+                <a:round/>
+                <a:headEnd type="none" w="med" len="med"/>
+                <a:tailEnd type="none" w="med" len="med"/>
+              </a:ln>
+            </p:spPr>
+            <p:style>
+              <a:lnRef idx="0">
+                <a:scrgbClr r="0" g="0" b="0"/>
+              </a:lnRef>
+              <a:fillRef idx="0">
+                <a:scrgbClr r="0" g="0" b="0"/>
+              </a:fillRef>
+              <a:effectRef idx="0">
+                <a:scrgbClr r="0" g="0" b="0"/>
+              </a:effectRef>
+              <a:fontRef idx="minor">
+                <a:schemeClr val="dk1"/>
+              </a:fontRef>
+            </p:style>
+            <p:txBody>
+              <a:bodyPr rtlCol="0" anchor="ctr"/>
+              <a:lstStyle/>
+              <a:p>
+                <a:pPr algn="ctr"/>
+                <a:endParaRPr lang="en-US"/>
+              </a:p>
+            </p:txBody>
+          </p:sp>
+          <p:cxnSp>
+            <p:nvCxnSpPr>
+              <p:cNvPr id="168" name="Straight Connector 167">
+                <a:extLst>
+                  <a:ext uri="{FF2B5EF4-FFF2-40B4-BE49-F238E27FC236}">
+                    <a16:creationId xmlns:a16="http://schemas.microsoft.com/office/drawing/2014/main" id="{2D097B38-84E9-43A0-B7D0-8A8A60E4F2B4}"/>
+                  </a:ext>
+                </a:extLst>
+              </p:cNvPr>
+              <p:cNvCxnSpPr>
+                <a:cxnSpLocks/>
+              </p:cNvCxnSpPr>
+              <p:nvPr/>
+            </p:nvCxnSpPr>
+            <p:spPr>
+              <a:xfrm>
+                <a:off x="6435166" y="4883064"/>
+                <a:ext cx="424456" cy="426609"/>
+              </a:xfrm>
+              <a:prstGeom prst="line">
+                <a:avLst/>
+              </a:prstGeom>
+              <a:ln w="57150"/>
+            </p:spPr>
+            <p:style>
+              <a:lnRef idx="1">
+                <a:schemeClr val="dk1"/>
+              </a:lnRef>
+              <a:fillRef idx="0">
+                <a:schemeClr val="dk1"/>
+              </a:fillRef>
+              <a:effectRef idx="0">
+                <a:schemeClr val="dk1"/>
+              </a:effectRef>
+              <a:fontRef idx="minor">
+                <a:schemeClr val="tx1"/>
+              </a:fontRef>
+            </p:style>
+          </p:cxnSp>
+        </p:grpSp>
+      </p:grpSp>
+      <p:sp>
+        <p:nvSpPr>
+          <p:cNvPr id="171" name="TextBox 170">
+            <a:extLst>
+              <a:ext uri="{FF2B5EF4-FFF2-40B4-BE49-F238E27FC236}">
+                <a16:creationId xmlns:a16="http://schemas.microsoft.com/office/drawing/2014/main" id="{4A0977D5-B5E9-480F-A6B1-231AAE81078A}"/>
+              </a:ext>
+            </a:extLst>
+          </p:cNvPr>
+          <p:cNvSpPr txBox="1"/>
+          <p:nvPr/>
+        </p:nvSpPr>
+        <p:spPr>
+          <a:xfrm>
+            <a:off x="24161200" y="6183169"/>
+            <a:ext cx="7270241" cy="1323439"/>
+          </a:xfrm>
+          <a:prstGeom prst="rect">
+            <a:avLst/>
+          </a:prstGeom>
+          <a:noFill/>
+        </p:spPr>
+        <p:txBody>
+          <a:bodyPr wrap="square" rtlCol="0">
+            <a:spAutoFit/>
+          </a:bodyPr>
+          <a:lstStyle/>
+          <a:p>
+            <a:pPr marL="571500" indent="-571500">
+              <a:buFont typeface="Arial" panose="020B0604020202020204" pitchFamily="34" charset="0"/>
+              <a:buChar char="•"/>
+            </a:pPr>
+            <a:r>
+              <a:rPr lang="en-US" sz="4000" b="1" dirty="0">
+                <a:solidFill>
+                  <a:srgbClr val="537349"/>
+                </a:solidFill>
+                <a:latin typeface="Helvetica"/>
+                <a:cs typeface="Helvetica"/>
+              </a:rPr>
+              <a:t>Midnight Scan Club (MSC) resting-state MRI data</a:t>
+            </a:r>
+          </a:p>
+        </p:txBody>
+      </p:sp>
+      <p:sp>
+        <p:nvSpPr>
+          <p:cNvPr id="5" name="Rectangle 4">
+            <a:extLst>
+              <a:ext uri="{FF2B5EF4-FFF2-40B4-BE49-F238E27FC236}">
+                <a16:creationId xmlns:a16="http://schemas.microsoft.com/office/drawing/2014/main" id="{CA5CBEFD-784D-4FFF-B15D-BFF46B584210}"/>
+              </a:ext>
+            </a:extLst>
+          </p:cNvPr>
+          <p:cNvSpPr/>
+          <p:nvPr/>
+        </p:nvSpPr>
+        <p:spPr>
+          <a:xfrm>
+            <a:off x="28712701" y="10227130"/>
+            <a:ext cx="3632527" cy="771487"/>
+          </a:xfrm>
+          <a:prstGeom prst="rect">
+            <a:avLst/>
+          </a:prstGeom>
+        </p:spPr>
+        <p:txBody>
+          <a:bodyPr wrap="square">
+            <a:spAutoFit/>
+          </a:bodyPr>
+          <a:lstStyle/>
+          <a:p>
+            <a:r>
+              <a:rPr lang="en-US" sz="1100" dirty="0">
+                <a:solidFill>
+                  <a:srgbClr val="222222"/>
+                </a:solidFill>
+                <a:latin typeface="Arial" panose="020B0604020202020204" pitchFamily="34" charset="0"/>
+              </a:rPr>
+              <a:t>Gordon, E. M., </a:t>
+            </a:r>
+            <a:r>
+              <a:rPr lang="en-US" sz="1100" dirty="0" err="1">
+                <a:solidFill>
+                  <a:srgbClr val="222222"/>
+                </a:solidFill>
+                <a:latin typeface="Arial" panose="020B0604020202020204" pitchFamily="34" charset="0"/>
+              </a:rPr>
+              <a:t>Laumann</a:t>
+            </a:r>
+            <a:r>
+              <a:rPr lang="en-US" sz="1100" dirty="0">
+                <a:solidFill>
+                  <a:srgbClr val="222222"/>
+                </a:solidFill>
+                <a:latin typeface="Arial" panose="020B0604020202020204" pitchFamily="34" charset="0"/>
+              </a:rPr>
+              <a:t>, T. O., Gilmore, A. W., Newbold, D. J., Greene, D. J., Berg, J. J., ... &amp; Hampton, J. M. (2017). Precision functional mapping of individual human brains. </a:t>
+            </a:r>
+            <a:r>
+              <a:rPr lang="en-US" sz="1100" i="1" dirty="0">
+                <a:solidFill>
+                  <a:srgbClr val="222222"/>
+                </a:solidFill>
+                <a:latin typeface="Arial" panose="020B0604020202020204" pitchFamily="34" charset="0"/>
+              </a:rPr>
+              <a:t>Neuron</a:t>
+            </a:r>
+            <a:r>
+              <a:rPr lang="en-US" sz="1100" dirty="0">
+                <a:solidFill>
+                  <a:srgbClr val="222222"/>
+                </a:solidFill>
+                <a:latin typeface="Arial" panose="020B0604020202020204" pitchFamily="34" charset="0"/>
+              </a:rPr>
+              <a:t>, </a:t>
+            </a:r>
+            <a:r>
+              <a:rPr lang="en-US" sz="1100" i="1" dirty="0">
+                <a:solidFill>
+                  <a:srgbClr val="222222"/>
+                </a:solidFill>
+                <a:latin typeface="Arial" panose="020B0604020202020204" pitchFamily="34" charset="0"/>
+              </a:rPr>
+              <a:t>95</a:t>
+            </a:r>
+            <a:r>
+              <a:rPr lang="en-US" sz="1100" dirty="0">
+                <a:solidFill>
+                  <a:srgbClr val="222222"/>
+                </a:solidFill>
+                <a:latin typeface="Arial" panose="020B0604020202020204" pitchFamily="34" charset="0"/>
+              </a:rPr>
+              <a:t>(4), 791-807.</a:t>
+            </a:r>
+            <a:endParaRPr lang="en-US" sz="1100" dirty="0"/>
+          </a:p>
+        </p:txBody>
+      </p:sp>
+      <p:pic>
+        <p:nvPicPr>
+          <p:cNvPr id="7" name="Picture 6">
+            <a:extLst>
+              <a:ext uri="{FF2B5EF4-FFF2-40B4-BE49-F238E27FC236}">
+                <a16:creationId xmlns:a16="http://schemas.microsoft.com/office/drawing/2014/main" id="{00C1BC47-EB2F-4EFD-ABC0-62F0CDF160E3}"/>
+              </a:ext>
+            </a:extLst>
+          </p:cNvPr>
+          <p:cNvPicPr>
+            <a:picLocks noChangeAspect="1"/>
+          </p:cNvPicPr>
+          <p:nvPr/>
+        </p:nvPicPr>
+        <p:blipFill rotWithShape="1">
+          <a:blip r:embed="rId9"/>
+          <a:srcRect t="22562"/>
+          <a:stretch/>
+        </p:blipFill>
+        <p:spPr>
+          <a:xfrm>
+            <a:off x="24469590" y="7647880"/>
+            <a:ext cx="4067659" cy="3665500"/>
+          </a:xfrm>
+          <a:prstGeom prst="rect">
+            <a:avLst/>
+          </a:prstGeom>
+        </p:spPr>
+      </p:pic>
+      <p:sp>
+        <p:nvSpPr>
+          <p:cNvPr id="11" name="TextBox 10">
+            <a:extLst>
+              <a:ext uri="{FF2B5EF4-FFF2-40B4-BE49-F238E27FC236}">
+                <a16:creationId xmlns:a16="http://schemas.microsoft.com/office/drawing/2014/main" id="{CFC2D16B-C24B-48A8-AF95-C46655CF2760}"/>
+              </a:ext>
+            </a:extLst>
+          </p:cNvPr>
+          <p:cNvSpPr txBox="1"/>
+          <p:nvPr/>
+        </p:nvSpPr>
+        <p:spPr>
+          <a:xfrm>
+            <a:off x="28547539" y="8071167"/>
+            <a:ext cx="3905236" cy="1938992"/>
+          </a:xfrm>
+          <a:prstGeom prst="rect">
+            <a:avLst/>
+          </a:prstGeom>
+          <a:noFill/>
+        </p:spPr>
+        <p:txBody>
+          <a:bodyPr wrap="square" rtlCol="0">
+            <a:spAutoFit/>
+          </a:bodyPr>
+          <a:lstStyle/>
+          <a:p>
+            <a:pPr marL="342900" indent="-342900">
+              <a:buFont typeface="Arial" panose="020B0604020202020204" pitchFamily="34" charset="0"/>
+              <a:buChar char="•"/>
+            </a:pPr>
+            <a:r>
+              <a:rPr lang="en-US" sz="2400" dirty="0">
+                <a:solidFill>
+                  <a:srgbClr val="537349"/>
+                </a:solidFill>
+                <a:latin typeface="Helvetica" panose="020B0604020202020204" pitchFamily="34" charset="0"/>
+                <a:cs typeface="Helvetica" panose="020B0604020202020204" pitchFamily="34" charset="0"/>
+              </a:rPr>
+              <a:t>10 participants</a:t>
+            </a:r>
+          </a:p>
+          <a:p>
+            <a:pPr marL="342900" indent="-342900">
+              <a:buFont typeface="Arial" panose="020B0604020202020204" pitchFamily="34" charset="0"/>
+              <a:buChar char="•"/>
+            </a:pPr>
+            <a:r>
+              <a:rPr lang="en-US" sz="2400" dirty="0">
+                <a:solidFill>
+                  <a:srgbClr val="537349"/>
+                </a:solidFill>
+                <a:latin typeface="Helvetica" panose="020B0604020202020204" pitchFamily="34" charset="0"/>
+                <a:cs typeface="Helvetica" panose="020B0604020202020204" pitchFamily="34" charset="0"/>
+              </a:rPr>
+              <a:t>10 sessions</a:t>
+            </a:r>
+          </a:p>
+          <a:p>
+            <a:pPr marL="342900" indent="-342900">
+              <a:buFont typeface="Arial" panose="020B0604020202020204" pitchFamily="34" charset="0"/>
+              <a:buChar char="•"/>
+            </a:pPr>
+            <a:r>
+              <a:rPr lang="en-US" sz="2400" dirty="0">
+                <a:solidFill>
+                  <a:srgbClr val="537349"/>
+                </a:solidFill>
+                <a:latin typeface="Helvetica" panose="020B0604020202020204" pitchFamily="34" charset="0"/>
+                <a:cs typeface="Helvetica" panose="020B0604020202020204" pitchFamily="34" charset="0"/>
+              </a:rPr>
+              <a:t>Individual parcellation</a:t>
+            </a:r>
+          </a:p>
+          <a:p>
+            <a:pPr marL="342900" indent="-342900">
+              <a:buFont typeface="Arial" panose="020B0604020202020204" pitchFamily="34" charset="0"/>
+              <a:buChar char="•"/>
+            </a:pPr>
+            <a:r>
+              <a:rPr lang="en-US" sz="2400" dirty="0">
+                <a:solidFill>
+                  <a:srgbClr val="537349"/>
+                </a:solidFill>
+                <a:latin typeface="Helvetica" panose="020B0604020202020204" pitchFamily="34" charset="0"/>
+                <a:cs typeface="Helvetica" panose="020B0604020202020204" pitchFamily="34" charset="0"/>
+              </a:rPr>
+              <a:t>Individual space</a:t>
+            </a:r>
+          </a:p>
+          <a:p>
+            <a:pPr marL="342900" indent="-342900">
+              <a:buFont typeface="Arial" panose="020B0604020202020204" pitchFamily="34" charset="0"/>
+              <a:buChar char="•"/>
+            </a:pPr>
+            <a:r>
+              <a:rPr lang="en-US" sz="2400" dirty="0">
+                <a:solidFill>
+                  <a:srgbClr val="537349"/>
+                </a:solidFill>
+                <a:latin typeface="Helvetica" panose="020B0604020202020204" pitchFamily="34" charset="0"/>
+                <a:cs typeface="Helvetica" panose="020B0604020202020204" pitchFamily="34" charset="0"/>
+              </a:rPr>
+              <a:t>No template was applied</a:t>
+            </a:r>
+          </a:p>
+        </p:txBody>
+      </p:sp>
+      <p:sp>
+        <p:nvSpPr>
+          <p:cNvPr id="14" name="Arrow: Right 13">
+            <a:extLst>
+              <a:ext uri="{FF2B5EF4-FFF2-40B4-BE49-F238E27FC236}">
+                <a16:creationId xmlns:a16="http://schemas.microsoft.com/office/drawing/2014/main" id="{9CBC0944-6D3C-4719-86B0-5D9288714840}"/>
+              </a:ext>
+            </a:extLst>
+          </p:cNvPr>
+          <p:cNvSpPr/>
+          <p:nvPr/>
+        </p:nvSpPr>
+        <p:spPr>
+          <a:xfrm>
+            <a:off x="29454014" y="13500304"/>
+            <a:ext cx="489676" cy="233996"/>
+          </a:xfrm>
+          <a:prstGeom prst="rightArrow">
+            <a:avLst/>
+          </a:prstGeom>
+        </p:spPr>
+        <p:style>
+          <a:lnRef idx="2">
+            <a:schemeClr val="dk1">
+              <a:shade val="50000"/>
+            </a:schemeClr>
+          </a:lnRef>
+          <a:fillRef idx="1">
+            <a:schemeClr val="dk1"/>
+          </a:fillRef>
+          <a:effectRef idx="0">
+            <a:schemeClr val="dk1"/>
+          </a:effectRef>
+          <a:fontRef idx="minor">
+            <a:schemeClr val="lt1"/>
+          </a:fontRef>
+        </p:style>
+        <p:txBody>
+          <a:bodyPr rtlCol="0" anchor="ctr"/>
+          <a:lstStyle/>
+          <a:p>
+            <a:pPr algn="ctr"/>
+            <a:endParaRPr lang="en-US"/>
+          </a:p>
+        </p:txBody>
+      </p:sp>
+      <p:sp>
+        <p:nvSpPr>
+          <p:cNvPr id="183" name="Arrow: Right 182">
+            <a:extLst>
+              <a:ext uri="{FF2B5EF4-FFF2-40B4-BE49-F238E27FC236}">
+                <a16:creationId xmlns:a16="http://schemas.microsoft.com/office/drawing/2014/main" id="{71C18C34-3930-470D-950F-70D392B11285}"/>
+              </a:ext>
+            </a:extLst>
+          </p:cNvPr>
+          <p:cNvSpPr/>
+          <p:nvPr/>
+        </p:nvSpPr>
+        <p:spPr>
+          <a:xfrm>
+            <a:off x="31111809" y="13500304"/>
+            <a:ext cx="489676" cy="233996"/>
+          </a:xfrm>
+          <a:prstGeom prst="rightArrow">
+            <a:avLst/>
+          </a:prstGeom>
+        </p:spPr>
+        <p:style>
+          <a:lnRef idx="2">
+            <a:schemeClr val="dk1">
+              <a:shade val="50000"/>
+            </a:schemeClr>
+          </a:lnRef>
+          <a:fillRef idx="1">
+            <a:schemeClr val="dk1"/>
+          </a:fillRef>
+          <a:effectRef idx="0">
+            <a:schemeClr val="dk1"/>
+          </a:effectRef>
+          <a:fontRef idx="minor">
+            <a:schemeClr val="lt1"/>
+          </a:fontRef>
+        </p:style>
+        <p:txBody>
+          <a:bodyPr rtlCol="0" anchor="ctr"/>
+          <a:lstStyle/>
+          <a:p>
+            <a:pPr algn="ctr"/>
+            <a:endParaRPr lang="en-US"/>
+          </a:p>
+        </p:txBody>
+      </p:sp>
+      <p:sp>
+        <p:nvSpPr>
+          <p:cNvPr id="189" name="TextBox 188">
+            <a:extLst>
+              <a:ext uri="{FF2B5EF4-FFF2-40B4-BE49-F238E27FC236}">
+                <a16:creationId xmlns:a16="http://schemas.microsoft.com/office/drawing/2014/main" id="{2F3ADB7F-8818-46A7-876B-05E9628F9522}"/>
+              </a:ext>
+            </a:extLst>
+          </p:cNvPr>
+          <p:cNvSpPr txBox="1"/>
+          <p:nvPr/>
+        </p:nvSpPr>
+        <p:spPr>
+          <a:xfrm>
+            <a:off x="31830084" y="13228881"/>
+            <a:ext cx="1884735" cy="707886"/>
+          </a:xfrm>
+          <a:prstGeom prst="rect">
+            <a:avLst/>
+          </a:prstGeom>
+        </p:spPr>
+        <p:style>
+          <a:lnRef idx="2">
+            <a:schemeClr val="accent4">
+              <a:shade val="50000"/>
+            </a:schemeClr>
+          </a:lnRef>
+          <a:fillRef idx="1">
+            <a:schemeClr val="accent4"/>
+          </a:fillRef>
+          <a:effectRef idx="0">
+            <a:schemeClr val="accent4"/>
+          </a:effectRef>
+          <a:fontRef idx="minor">
+            <a:schemeClr val="lt1"/>
+          </a:fontRef>
+        </p:style>
+        <p:txBody>
+          <a:bodyPr wrap="square" rtlCol="0">
+            <a:spAutoFit/>
+          </a:bodyPr>
+          <a:lstStyle/>
+          <a:p>
+            <a:pPr algn="ctr"/>
+            <a:r>
+              <a:rPr lang="en-US" sz="2000" dirty="0">
+                <a:latin typeface="Helvetica" panose="020B0604020202020204" pitchFamily="34" charset="0"/>
+                <a:cs typeface="Helvetica" panose="020B0604020202020204" pitchFamily="34" charset="0"/>
+              </a:rPr>
+              <a:t>Fisher’s Z transformation</a:t>
+            </a:r>
+          </a:p>
+        </p:txBody>
+      </p:sp>
+      <p:sp>
+        <p:nvSpPr>
+          <p:cNvPr id="194" name="Arrow: Right 193">
+            <a:extLst>
+              <a:ext uri="{FF2B5EF4-FFF2-40B4-BE49-F238E27FC236}">
+                <a16:creationId xmlns:a16="http://schemas.microsoft.com/office/drawing/2014/main" id="{0E2E2978-14E6-4712-AB9F-88F8D7C9AB25}"/>
+              </a:ext>
+            </a:extLst>
+          </p:cNvPr>
+          <p:cNvSpPr/>
+          <p:nvPr/>
+        </p:nvSpPr>
+        <p:spPr>
+          <a:xfrm rot="16447838">
+            <a:off x="32342538" y="12193909"/>
+            <a:ext cx="1451109" cy="274496"/>
+          </a:xfrm>
+          <a:prstGeom prst="rightArrow">
+            <a:avLst/>
+          </a:prstGeom>
+        </p:spPr>
+        <p:style>
+          <a:lnRef idx="2">
+            <a:schemeClr val="dk1">
+              <a:shade val="50000"/>
+            </a:schemeClr>
+          </a:lnRef>
+          <a:fillRef idx="1">
+            <a:schemeClr val="dk1"/>
+          </a:fillRef>
+          <a:effectRef idx="0">
+            <a:schemeClr val="dk1"/>
+          </a:effectRef>
+          <a:fontRef idx="minor">
+            <a:schemeClr val="lt1"/>
+          </a:fontRef>
+        </p:style>
+        <p:txBody>
+          <a:bodyPr rtlCol="0" anchor="ctr"/>
+          <a:lstStyle/>
+          <a:p>
+            <a:pPr algn="ctr"/>
+            <a:endParaRPr lang="en-US"/>
+          </a:p>
+        </p:txBody>
+      </p:sp>
+      <p:sp>
+        <p:nvSpPr>
+          <p:cNvPr id="23" name="TextBox 22">
+            <a:extLst>
+              <a:ext uri="{FF2B5EF4-FFF2-40B4-BE49-F238E27FC236}">
+                <a16:creationId xmlns:a16="http://schemas.microsoft.com/office/drawing/2014/main" id="{4EDC4348-20D0-4E35-8C8D-2BDF35E18C1F}"/>
+              </a:ext>
+            </a:extLst>
+          </p:cNvPr>
+          <p:cNvSpPr txBox="1"/>
+          <p:nvPr/>
+        </p:nvSpPr>
+        <p:spPr>
+          <a:xfrm>
+            <a:off x="33604040" y="6824509"/>
+            <a:ext cx="1311578" cy="400110"/>
+          </a:xfrm>
+          <a:prstGeom prst="rect">
+            <a:avLst/>
+          </a:prstGeom>
+          <a:noFill/>
+        </p:spPr>
+        <p:txBody>
+          <a:bodyPr wrap="square" rtlCol="0">
+            <a:spAutoFit/>
+          </a:bodyPr>
+          <a:lstStyle/>
+          <a:p>
+            <a:r>
+              <a:rPr lang="en-US" sz="2000" dirty="0">
+                <a:latin typeface="Helvetica" panose="020B0604020202020204" pitchFamily="34" charset="0"/>
+                <a:cs typeface="Helvetica" panose="020B0604020202020204" pitchFamily="34" charset="0"/>
+              </a:rPr>
+              <a:t>Session 1</a:t>
+            </a:r>
+          </a:p>
+        </p:txBody>
+      </p:sp>
+      <p:sp>
+        <p:nvSpPr>
+          <p:cNvPr id="198" name="TextBox 197">
+            <a:extLst>
+              <a:ext uri="{FF2B5EF4-FFF2-40B4-BE49-F238E27FC236}">
+                <a16:creationId xmlns:a16="http://schemas.microsoft.com/office/drawing/2014/main" id="{DEC4C540-60FA-4CC9-B3F4-37F1E5E0D90E}"/>
+              </a:ext>
+            </a:extLst>
+          </p:cNvPr>
+          <p:cNvSpPr txBox="1"/>
+          <p:nvPr/>
+        </p:nvSpPr>
+        <p:spPr>
+          <a:xfrm>
+            <a:off x="33604040" y="7486197"/>
+            <a:ext cx="1311578" cy="400110"/>
+          </a:xfrm>
+          <a:prstGeom prst="rect">
+            <a:avLst/>
+          </a:prstGeom>
+          <a:noFill/>
+        </p:spPr>
+        <p:txBody>
+          <a:bodyPr wrap="square" rtlCol="0">
+            <a:spAutoFit/>
+          </a:bodyPr>
+          <a:lstStyle/>
+          <a:p>
+            <a:r>
+              <a:rPr lang="en-US" sz="2000" dirty="0">
+                <a:latin typeface="Helvetica" panose="020B0604020202020204" pitchFamily="34" charset="0"/>
+                <a:cs typeface="Helvetica" panose="020B0604020202020204" pitchFamily="34" charset="0"/>
+              </a:rPr>
+              <a:t>Session 2</a:t>
+            </a:r>
+          </a:p>
+        </p:txBody>
+      </p:sp>
+      <p:sp>
+        <p:nvSpPr>
+          <p:cNvPr id="199" name="TextBox 198">
+            <a:extLst>
+              <a:ext uri="{FF2B5EF4-FFF2-40B4-BE49-F238E27FC236}">
+                <a16:creationId xmlns:a16="http://schemas.microsoft.com/office/drawing/2014/main" id="{2A800A4A-1ACE-46D4-B237-BC71806035F9}"/>
+              </a:ext>
+            </a:extLst>
+          </p:cNvPr>
+          <p:cNvSpPr txBox="1"/>
+          <p:nvPr/>
+        </p:nvSpPr>
+        <p:spPr>
+          <a:xfrm>
+            <a:off x="33532707" y="8494891"/>
+            <a:ext cx="1454244" cy="400110"/>
+          </a:xfrm>
+          <a:prstGeom prst="rect">
+            <a:avLst/>
+          </a:prstGeom>
+          <a:noFill/>
+        </p:spPr>
+        <p:txBody>
+          <a:bodyPr wrap="square" rtlCol="0">
+            <a:spAutoFit/>
+          </a:bodyPr>
+          <a:lstStyle/>
+          <a:p>
+            <a:r>
+              <a:rPr lang="en-US" sz="2000" dirty="0">
+                <a:latin typeface="Helvetica" panose="020B0604020202020204" pitchFamily="34" charset="0"/>
+                <a:cs typeface="Helvetica" panose="020B0604020202020204" pitchFamily="34" charset="0"/>
+              </a:rPr>
+              <a:t>Session 10</a:t>
+            </a:r>
+          </a:p>
+        </p:txBody>
+      </p:sp>
+      <p:sp>
+        <p:nvSpPr>
+          <p:cNvPr id="200" name="TextBox 199">
+            <a:extLst>
+              <a:ext uri="{FF2B5EF4-FFF2-40B4-BE49-F238E27FC236}">
+                <a16:creationId xmlns:a16="http://schemas.microsoft.com/office/drawing/2014/main" id="{68BB319B-B69C-40BF-90FD-04164C328688}"/>
+              </a:ext>
+            </a:extLst>
+          </p:cNvPr>
+          <p:cNvSpPr txBox="1"/>
+          <p:nvPr/>
+        </p:nvSpPr>
+        <p:spPr>
+          <a:xfrm>
+            <a:off x="34041020" y="12539853"/>
+            <a:ext cx="1311578" cy="400110"/>
+          </a:xfrm>
+          <a:prstGeom prst="rect">
+            <a:avLst/>
+          </a:prstGeom>
+          <a:noFill/>
+        </p:spPr>
+        <p:txBody>
+          <a:bodyPr wrap="square" rtlCol="0">
+            <a:spAutoFit/>
+          </a:bodyPr>
+          <a:lstStyle/>
+          <a:p>
+            <a:r>
+              <a:rPr lang="en-US" sz="2000" dirty="0">
+                <a:latin typeface="Helvetica" panose="020B0604020202020204" pitchFamily="34" charset="0"/>
+                <a:cs typeface="Helvetica" panose="020B0604020202020204" pitchFamily="34" charset="0"/>
+              </a:rPr>
+              <a:t>Session 1</a:t>
+            </a:r>
+          </a:p>
+        </p:txBody>
+      </p:sp>
+      <p:sp>
+        <p:nvSpPr>
+          <p:cNvPr id="201" name="TextBox 200">
+            <a:extLst>
+              <a:ext uri="{FF2B5EF4-FFF2-40B4-BE49-F238E27FC236}">
+                <a16:creationId xmlns:a16="http://schemas.microsoft.com/office/drawing/2014/main" id="{5273B409-EC06-4A9D-B597-B7EABE545FFE}"/>
+              </a:ext>
+            </a:extLst>
+          </p:cNvPr>
+          <p:cNvSpPr txBox="1"/>
+          <p:nvPr/>
+        </p:nvSpPr>
+        <p:spPr>
+          <a:xfrm>
+            <a:off x="34041020" y="12801393"/>
+            <a:ext cx="1311578" cy="400110"/>
+          </a:xfrm>
+          <a:prstGeom prst="rect">
+            <a:avLst/>
+          </a:prstGeom>
+          <a:noFill/>
+        </p:spPr>
+        <p:txBody>
+          <a:bodyPr wrap="square" rtlCol="0">
+            <a:spAutoFit/>
+          </a:bodyPr>
+          <a:lstStyle/>
+          <a:p>
+            <a:r>
+              <a:rPr lang="en-US" sz="2000" dirty="0">
+                <a:latin typeface="Helvetica" panose="020B0604020202020204" pitchFamily="34" charset="0"/>
+                <a:cs typeface="Helvetica" panose="020B0604020202020204" pitchFamily="34" charset="0"/>
+              </a:rPr>
+              <a:t>Session 2</a:t>
+            </a:r>
+          </a:p>
+        </p:txBody>
+      </p:sp>
+      <p:sp>
+        <p:nvSpPr>
+          <p:cNvPr id="203" name="TextBox 202">
+            <a:extLst>
+              <a:ext uri="{FF2B5EF4-FFF2-40B4-BE49-F238E27FC236}">
+                <a16:creationId xmlns:a16="http://schemas.microsoft.com/office/drawing/2014/main" id="{ADE12251-A739-450B-A4D2-696DAC0F6935}"/>
+              </a:ext>
+            </a:extLst>
+          </p:cNvPr>
+          <p:cNvSpPr txBox="1"/>
+          <p:nvPr/>
+        </p:nvSpPr>
+        <p:spPr>
+          <a:xfrm>
+            <a:off x="33969687" y="13447950"/>
+            <a:ext cx="1454244" cy="400110"/>
+          </a:xfrm>
+          <a:prstGeom prst="rect">
+            <a:avLst/>
+          </a:prstGeom>
+          <a:noFill/>
+        </p:spPr>
+        <p:txBody>
+          <a:bodyPr wrap="square" rtlCol="0">
+            <a:spAutoFit/>
+          </a:bodyPr>
+          <a:lstStyle/>
+          <a:p>
+            <a:r>
+              <a:rPr lang="en-US" sz="2000" dirty="0">
+                <a:latin typeface="Helvetica" panose="020B0604020202020204" pitchFamily="34" charset="0"/>
+                <a:cs typeface="Helvetica" panose="020B0604020202020204" pitchFamily="34" charset="0"/>
+              </a:rPr>
+              <a:t>Session 10</a:t>
+            </a:r>
+          </a:p>
+        </p:txBody>
+      </p:sp>
+      <p:sp>
+        <p:nvSpPr>
+          <p:cNvPr id="204" name="TextBox 203">
+            <a:extLst>
+              <a:ext uri="{FF2B5EF4-FFF2-40B4-BE49-F238E27FC236}">
+                <a16:creationId xmlns:a16="http://schemas.microsoft.com/office/drawing/2014/main" id="{9686F73B-D6B9-46FF-9052-742DA1A813C0}"/>
+              </a:ext>
+            </a:extLst>
+          </p:cNvPr>
+          <p:cNvSpPr txBox="1"/>
+          <p:nvPr/>
+        </p:nvSpPr>
+        <p:spPr>
+          <a:xfrm>
+            <a:off x="34450588" y="13168412"/>
+            <a:ext cx="492443" cy="326463"/>
+          </a:xfrm>
+          <a:prstGeom prst="rect">
+            <a:avLst/>
+          </a:prstGeom>
+          <a:noFill/>
+        </p:spPr>
+        <p:txBody>
+          <a:bodyPr vert="eaVert" wrap="square" rtlCol="0">
+            <a:spAutoFit/>
+          </a:bodyPr>
+          <a:lstStyle/>
+          <a:p>
+            <a:r>
+              <a:rPr lang="en-US" sz="2000" b="1" dirty="0"/>
+              <a:t>…</a:t>
+            </a:r>
+          </a:p>
+        </p:txBody>
+      </p:sp>
+      <p:sp>
+        <p:nvSpPr>
+          <p:cNvPr id="205" name="TextBox 204">
+            <a:extLst>
+              <a:ext uri="{FF2B5EF4-FFF2-40B4-BE49-F238E27FC236}">
+                <a16:creationId xmlns:a16="http://schemas.microsoft.com/office/drawing/2014/main" id="{03CB801B-C0D9-45D5-87F5-8ED0AA196F2C}"/>
+              </a:ext>
+            </a:extLst>
+          </p:cNvPr>
+          <p:cNvSpPr txBox="1"/>
+          <p:nvPr/>
+        </p:nvSpPr>
+        <p:spPr>
+          <a:xfrm>
+            <a:off x="12750739" y="6231076"/>
+            <a:ext cx="10877220" cy="10556736"/>
+          </a:xfrm>
+          <a:prstGeom prst="rect">
+            <a:avLst/>
+          </a:prstGeom>
+          <a:noFill/>
+        </p:spPr>
+        <p:txBody>
+          <a:bodyPr wrap="square" rtlCol="0">
+            <a:spAutoFit/>
+          </a:bodyPr>
+          <a:lstStyle/>
+          <a:p>
+            <a:pPr marL="571500" indent="-571500">
+              <a:buFont typeface="Arial" panose="020B0604020202020204" pitchFamily="34" charset="0"/>
+              <a:buChar char="•"/>
+            </a:pPr>
+            <a:r>
+              <a:rPr lang="en-US" sz="4000" b="1" dirty="0">
+                <a:solidFill>
+                  <a:srgbClr val="537349"/>
+                </a:solidFill>
+                <a:latin typeface="Helvetica"/>
+                <a:cs typeface="Helvetica"/>
+              </a:rPr>
+              <a:t>Seed-based or ICA analysis:</a:t>
+            </a:r>
+          </a:p>
+          <a:p>
+            <a:pPr marL="1188720" lvl="1" indent="-571500">
+              <a:buFont typeface="Arial" panose="020B0604020202020204" pitchFamily="34" charset="0"/>
+              <a:buChar char="•"/>
+            </a:pPr>
+            <a:r>
+              <a:rPr lang="en-US" sz="4000" dirty="0">
+                <a:solidFill>
+                  <a:srgbClr val="537349"/>
+                </a:solidFill>
+                <a:latin typeface="Helvetica"/>
+                <a:cs typeface="Helvetica"/>
+              </a:rPr>
+              <a:t>Compare the spatial spread of sub-networks or their mean connectivity</a:t>
+            </a:r>
+          </a:p>
+          <a:p>
+            <a:pPr marL="571500" indent="-571500">
+              <a:buFont typeface="Arial" panose="020B0604020202020204" pitchFamily="34" charset="0"/>
+              <a:buChar char="•"/>
+            </a:pPr>
+            <a:r>
+              <a:rPr lang="en-US" sz="4000" b="1" dirty="0">
+                <a:solidFill>
+                  <a:srgbClr val="537349"/>
+                </a:solidFill>
+                <a:latin typeface="Helvetica"/>
+                <a:cs typeface="Helvetica"/>
+              </a:rPr>
+              <a:t>Network properties:</a:t>
+            </a:r>
+          </a:p>
+          <a:p>
+            <a:pPr marL="1188720" lvl="1" indent="-571500">
+              <a:buFont typeface="Arial" panose="020B0604020202020204" pitchFamily="34" charset="0"/>
+              <a:buChar char="•"/>
+            </a:pPr>
+            <a:r>
+              <a:rPr lang="en-US" sz="4000" dirty="0">
+                <a:solidFill>
+                  <a:srgbClr val="537349"/>
+                </a:solidFill>
+                <a:latin typeface="Helvetica"/>
+                <a:cs typeface="Helvetica"/>
+              </a:rPr>
+              <a:t>Modularity or centrality of entire network or sub-networks</a:t>
+            </a:r>
+          </a:p>
+          <a:p>
+            <a:pPr marL="571500" indent="-571500">
+              <a:buFont typeface="Arial" panose="020B0604020202020204" pitchFamily="34" charset="0"/>
+              <a:buChar char="•"/>
+            </a:pPr>
+            <a:r>
+              <a:rPr lang="en-US" sz="4000" b="1" dirty="0">
+                <a:solidFill>
+                  <a:srgbClr val="537349"/>
+                </a:solidFill>
+                <a:latin typeface="Helvetica"/>
+                <a:cs typeface="Helvetica"/>
+              </a:rPr>
+              <a:t>The number of sub-networks (i.e., functional systems):</a:t>
+            </a:r>
+          </a:p>
+          <a:p>
+            <a:pPr marL="1188720" lvl="1" indent="-571500">
+              <a:buFont typeface="Arial" panose="020B0604020202020204" pitchFamily="34" charset="0"/>
+              <a:buChar char="•"/>
+            </a:pPr>
+            <a:r>
+              <a:rPr lang="en-US" sz="4000" dirty="0">
+                <a:solidFill>
+                  <a:srgbClr val="537349"/>
+                </a:solidFill>
+                <a:latin typeface="Helvetica"/>
+                <a:cs typeface="Helvetica"/>
+              </a:rPr>
+              <a:t>Lots of comparisons have to be made to identify the driving sub-networks of effects</a:t>
+            </a:r>
+          </a:p>
+          <a:p>
+            <a:pPr marL="571500" indent="-571500">
+              <a:buFont typeface="Arial" panose="020B0604020202020204" pitchFamily="34" charset="0"/>
+              <a:buChar char="•"/>
+            </a:pPr>
+            <a:r>
+              <a:rPr lang="en-US" sz="4000" b="1" dirty="0">
+                <a:solidFill>
+                  <a:srgbClr val="537349"/>
+                </a:solidFill>
+                <a:latin typeface="Helvetica"/>
+                <a:cs typeface="Helvetica"/>
+              </a:rPr>
+              <a:t>Existing multivariate methods:</a:t>
+            </a:r>
+          </a:p>
+          <a:p>
+            <a:pPr marL="1188720" lvl="1" indent="-571500">
+              <a:buFont typeface="Arial" panose="020B0604020202020204" pitchFamily="34" charset="0"/>
+              <a:buChar char="•"/>
+            </a:pPr>
+            <a:r>
+              <a:rPr lang="en-US" sz="4000" dirty="0">
+                <a:solidFill>
+                  <a:srgbClr val="537349"/>
+                </a:solidFill>
+                <a:latin typeface="Helvetica"/>
+                <a:cs typeface="Helvetica"/>
+              </a:rPr>
+              <a:t>Require the matrices across subjects to be the same dimension (e.g., DISTATIS)</a:t>
+            </a:r>
+          </a:p>
+          <a:p>
+            <a:pPr marL="1188720" lvl="1" indent="-571500">
+              <a:spcBef>
+                <a:spcPts val="600"/>
+              </a:spcBef>
+              <a:buFont typeface="Arial" panose="020B0604020202020204" pitchFamily="34" charset="0"/>
+              <a:buChar char="•"/>
+            </a:pPr>
+            <a:r>
+              <a:rPr lang="en-US" sz="4000" dirty="0">
+                <a:solidFill>
+                  <a:srgbClr val="537349"/>
+                </a:solidFill>
+                <a:latin typeface="Helvetica"/>
+                <a:cs typeface="Helvetica"/>
+              </a:rPr>
+              <a:t>Recent work in resting-state analysis have started deriving subject-specific parcellations, resulting in different matrix dimensions across subjects</a:t>
+            </a:r>
+          </a:p>
+        </p:txBody>
+      </p:sp>
     </p:spTree>
     <p:extLst>
       <p:ext uri="{BB962C8B-B14F-4D97-AF65-F5344CB8AC3E}">
@@ -11569,6 +13335,81 @@
   <p:clrMapOvr>
     <a:masterClrMapping/>
   </p:clrMapOvr>
+  <p:timing>
+    <p:tnLst>
+      <p:par>
+        <p:cTn id="1" dur="indefinite" restart="never" nodeType="tmRoot">
+          <p:childTnLst>
+            <p:seq concurrent="1" nextAc="seek">
+              <p:cTn id="2" dur="indefinite" nodeType="mainSeq">
+                <p:childTnLst>
+                  <p:par>
+                    <p:cTn id="3" fill="hold">
+                      <p:stCondLst>
+                        <p:cond delay="indefinite"/>
+                      </p:stCondLst>
+                      <p:childTnLst>
+                        <p:par>
+                          <p:cTn id="4" fill="hold">
+                            <p:stCondLst>
+                              <p:cond delay="0"/>
+                            </p:stCondLst>
+                            <p:childTnLst>
+                              <p:par>
+                                <p:cTn id="5" presetID="1" presetClass="entr" presetSubtype="0" fill="hold" nodeType="clickEffect">
+                                  <p:stCondLst>
+                                    <p:cond delay="0"/>
+                                  </p:stCondLst>
+                                  <p:childTnLst>
+                                    <p:set>
+                                      <p:cBhvr>
+                                        <p:cTn id="6" dur="1" fill="hold">
+                                          <p:stCondLst>
+                                            <p:cond delay="0"/>
+                                          </p:stCondLst>
+                                        </p:cTn>
+                                        <p:tgtEl>
+                                          <p:spTgt spid="152"/>
+                                        </p:tgtEl>
+                                        <p:attrNameLst>
+                                          <p:attrName>style.visibility</p:attrName>
+                                        </p:attrNameLst>
+                                      </p:cBhvr>
+                                      <p:to>
+                                        <p:strVal val="visible"/>
+                                      </p:to>
+                                    </p:set>
+                                  </p:childTnLst>
+                                </p:cTn>
+                              </p:par>
+                            </p:childTnLst>
+                          </p:cTn>
+                        </p:par>
+                      </p:childTnLst>
+                    </p:cTn>
+                  </p:par>
+                </p:childTnLst>
+              </p:cTn>
+              <p:prevCondLst>
+                <p:cond evt="onPrev" delay="0">
+                  <p:tgtEl>
+                    <p:sldTgt/>
+                  </p:tgtEl>
+                </p:cond>
+              </p:prevCondLst>
+              <p:nextCondLst>
+                <p:cond evt="onNext" delay="0">
+                  <p:tgtEl>
+                    <p:sldTgt/>
+                  </p:tgtEl>
+                </p:cond>
+              </p:nextCondLst>
+            </p:seq>
+          </p:childTnLst>
+        </p:cTn>
+      </p:par>
+    </p:tnLst>
+  </p:timing>
 </p:sld>
 </file>
 

--- a/presentation/Poster_CCNworkshop.pptx
+++ b/presentation/Poster_CCNworkshop.pptx
@@ -208,7 +208,7 @@
           <a:p>
             <a:fld id="{1F7FE1C3-F2B9-4681-B539-EB54DFDFBEC0}" type="datetimeFigureOut">
               <a:rPr lang="en-US" smtClean="0"/>
-              <a:t>8/14/2019</a:t>
+              <a:t>8/15/2019</a:t>
             </a:fld>
             <a:endParaRPr lang="en-US"/>
           </a:p>
@@ -524,6 +524,34 @@
           <a:bodyPr/>
           <a:lstStyle/>
           <a:p>
+            <a:pPr marL="0" marR="0" lvl="0" indent="0" algn="l" defTabSz="1015990" rtl="0" eaLnBrk="1" fontAlgn="auto" latinLnBrk="0" hangingPunct="1">
+              <a:lnSpc>
+                <a:spcPct val="100000"/>
+              </a:lnSpc>
+              <a:spcBef>
+                <a:spcPts val="0"/>
+              </a:spcBef>
+              <a:spcAft>
+                <a:spcPts val="0"/>
+              </a:spcAft>
+              <a:buClrTx/>
+              <a:buSzTx/>
+              <a:buFontTx/>
+              <a:buNone/>
+              <a:tabLst/>
+              <a:defRPr/>
+            </a:pPr>
+            <a:endParaRPr lang="en-US" sz="1300" b="0" i="0" u="none" strike="noStrike" kern="1200" dirty="0">
+              <a:solidFill>
+                <a:schemeClr val="tx1"/>
+              </a:solidFill>
+              <a:effectLst/>
+              <a:latin typeface="+mn-lt"/>
+              <a:ea typeface="+mn-ea"/>
+              <a:cs typeface="+mn-cs"/>
+            </a:endParaRPr>
+          </a:p>
+          <a:p>
             <a:endParaRPr lang="en-US" dirty="0"/>
           </a:p>
         </p:txBody>
@@ -743,7 +771,7 @@
           <a:p>
             <a:fld id="{DA2576F7-A56D-4EBA-BD84-097719CF2EE8}" type="datetimeFigureOut">
               <a:rPr lang="en-US" smtClean="0"/>
-              <a:t>8/14/2019</a:t>
+              <a:t>8/15/2019</a:t>
             </a:fld>
             <a:endParaRPr lang="en-US"/>
           </a:p>
@@ -911,7 +939,7 @@
           <a:p>
             <a:fld id="{DA2576F7-A56D-4EBA-BD84-097719CF2EE8}" type="datetimeFigureOut">
               <a:rPr lang="en-US" smtClean="0"/>
-              <a:t>8/14/2019</a:t>
+              <a:t>8/15/2019</a:t>
             </a:fld>
             <a:endParaRPr lang="en-US"/>
           </a:p>
@@ -1089,7 +1117,7 @@
           <a:p>
             <a:fld id="{DA2576F7-A56D-4EBA-BD84-097719CF2EE8}" type="datetimeFigureOut">
               <a:rPr lang="en-US" smtClean="0"/>
-              <a:t>8/14/2019</a:t>
+              <a:t>8/15/2019</a:t>
             </a:fld>
             <a:endParaRPr lang="en-US"/>
           </a:p>
@@ -1257,7 +1285,7 @@
           <a:p>
             <a:fld id="{DA2576F7-A56D-4EBA-BD84-097719CF2EE8}" type="datetimeFigureOut">
               <a:rPr lang="en-US" smtClean="0"/>
-              <a:t>8/14/2019</a:t>
+              <a:t>8/15/2019</a:t>
             </a:fld>
             <a:endParaRPr lang="en-US"/>
           </a:p>
@@ -1502,7 +1530,7 @@
           <a:p>
             <a:fld id="{DA2576F7-A56D-4EBA-BD84-097719CF2EE8}" type="datetimeFigureOut">
               <a:rPr lang="en-US" smtClean="0"/>
-              <a:t>8/14/2019</a:t>
+              <a:t>8/15/2019</a:t>
             </a:fld>
             <a:endParaRPr lang="en-US"/>
           </a:p>
@@ -1787,7 +1815,7 @@
           <a:p>
             <a:fld id="{DA2576F7-A56D-4EBA-BD84-097719CF2EE8}" type="datetimeFigureOut">
               <a:rPr lang="en-US" smtClean="0"/>
-              <a:t>8/14/2019</a:t>
+              <a:t>8/15/2019</a:t>
             </a:fld>
             <a:endParaRPr lang="en-US"/>
           </a:p>
@@ -2211,7 +2239,7 @@
           <a:p>
             <a:fld id="{DA2576F7-A56D-4EBA-BD84-097719CF2EE8}" type="datetimeFigureOut">
               <a:rPr lang="en-US" smtClean="0"/>
-              <a:t>8/14/2019</a:t>
+              <a:t>8/15/2019</a:t>
             </a:fld>
             <a:endParaRPr lang="en-US"/>
           </a:p>
@@ -2328,7 +2356,7 @@
           <a:p>
             <a:fld id="{DA2576F7-A56D-4EBA-BD84-097719CF2EE8}" type="datetimeFigureOut">
               <a:rPr lang="en-US" smtClean="0"/>
-              <a:t>8/14/2019</a:t>
+              <a:t>8/15/2019</a:t>
             </a:fld>
             <a:endParaRPr lang="en-US"/>
           </a:p>
@@ -2423,7 +2451,7 @@
           <a:p>
             <a:fld id="{DA2576F7-A56D-4EBA-BD84-097719CF2EE8}" type="datetimeFigureOut">
               <a:rPr lang="en-US" smtClean="0"/>
-              <a:t>8/14/2019</a:t>
+              <a:t>8/15/2019</a:t>
             </a:fld>
             <a:endParaRPr lang="en-US"/>
           </a:p>
@@ -2698,7 +2726,7 @@
           <a:p>
             <a:fld id="{DA2576F7-A56D-4EBA-BD84-097719CF2EE8}" type="datetimeFigureOut">
               <a:rPr lang="en-US" smtClean="0"/>
-              <a:t>8/14/2019</a:t>
+              <a:t>8/15/2019</a:t>
             </a:fld>
             <a:endParaRPr lang="en-US"/>
           </a:p>
@@ -2950,7 +2978,7 @@
           <a:p>
             <a:fld id="{DA2576F7-A56D-4EBA-BD84-097719CF2EE8}" type="datetimeFigureOut">
               <a:rPr lang="en-US" smtClean="0"/>
-              <a:t>8/14/2019</a:t>
+              <a:t>8/15/2019</a:t>
             </a:fld>
             <a:endParaRPr lang="en-US"/>
           </a:p>
@@ -3161,7 +3189,7 @@
           <a:p>
             <a:fld id="{DA2576F7-A56D-4EBA-BD84-097719CF2EE8}" type="datetimeFigureOut">
               <a:rPr lang="en-US" smtClean="0"/>
-              <a:t>8/14/2019</a:t>
+              <a:t>8/15/2019</a:t>
             </a:fld>
             <a:endParaRPr lang="en-US"/>
           </a:p>
@@ -3538,6 +3566,5230 @@
       </p:grpSpPr>
       <p:sp>
         <p:nvSpPr>
+          <p:cNvPr id="458" name="Rectangle 457">
+            <a:extLst>
+              <a:ext uri="{FF2B5EF4-FFF2-40B4-BE49-F238E27FC236}">
+                <a16:creationId xmlns:a16="http://schemas.microsoft.com/office/drawing/2014/main" id="{40C60CC8-2A12-400B-BD63-77195F7C7162}"/>
+              </a:ext>
+            </a:extLst>
+          </p:cNvPr>
+          <p:cNvSpPr/>
+          <p:nvPr/>
+        </p:nvSpPr>
+        <p:spPr>
+          <a:xfrm>
+            <a:off x="30143227" y="13253564"/>
+            <a:ext cx="180616" cy="194386"/>
+          </a:xfrm>
+          <a:prstGeom prst="rect">
+            <a:avLst/>
+          </a:prstGeom>
+          <a:solidFill>
+            <a:srgbClr val="46AAC5"/>
+          </a:solidFill>
+          <a:ln>
+            <a:solidFill>
+              <a:schemeClr val="tx1"/>
+            </a:solidFill>
+          </a:ln>
+        </p:spPr>
+        <p:style>
+          <a:lnRef idx="2">
+            <a:schemeClr val="accent1">
+              <a:shade val="50000"/>
+            </a:schemeClr>
+          </a:lnRef>
+          <a:fillRef idx="1">
+            <a:schemeClr val="accent1"/>
+          </a:fillRef>
+          <a:effectRef idx="0">
+            <a:schemeClr val="accent1"/>
+          </a:effectRef>
+          <a:fontRef idx="minor">
+            <a:schemeClr val="lt1"/>
+          </a:fontRef>
+        </p:style>
+        <p:txBody>
+          <a:bodyPr rtlCol="0" anchor="ctr"/>
+          <a:lstStyle/>
+          <a:p>
+            <a:pPr algn="ctr"/>
+            <a:endParaRPr lang="en-US"/>
+          </a:p>
+        </p:txBody>
+      </p:sp>
+      <p:graphicFrame>
+        <p:nvGraphicFramePr>
+          <p:cNvPr id="56" name="Table 55">
+            <a:extLst>
+              <a:ext uri="{FF2B5EF4-FFF2-40B4-BE49-F238E27FC236}">
+                <a16:creationId xmlns:a16="http://schemas.microsoft.com/office/drawing/2014/main" id="{4E2735E8-40EC-49A6-91D3-8BD5DB78F925}"/>
+              </a:ext>
+            </a:extLst>
+          </p:cNvPr>
+          <p:cNvGraphicFramePr>
+            <a:graphicFrameLocks noGrp="1"/>
+          </p:cNvGraphicFramePr>
+          <p:nvPr>
+            <p:extLst>
+              <p:ext uri="{D42A27DB-BD31-4B8C-83A1-F6EECF244321}">
+                <p14:modId xmlns:p14="http://schemas.microsoft.com/office/powerpoint/2010/main" val="1240624387"/>
+              </p:ext>
+            </p:extLst>
+          </p:nvPr>
+        </p:nvGraphicFramePr>
+        <p:xfrm>
+          <a:off x="10707328" y="18141161"/>
+          <a:ext cx="26313681" cy="14485914"/>
+        </p:xfrm>
+        <a:graphic>
+          <a:graphicData uri="http://schemas.openxmlformats.org/drawingml/2006/table">
+            <a:tbl>
+              <a:tblPr firstRow="1" bandRow="1">
+                <a:tableStyleId>{5940675A-B579-460E-94D1-54222C63F5DA}</a:tableStyleId>
+              </a:tblPr>
+              <a:tblGrid>
+                <a:gridCol w="358845">
+                  <a:extLst>
+                    <a:ext uri="{9D8B030D-6E8A-4147-A177-3AD203B41FA5}">
+                      <a16:colId xmlns:a16="http://schemas.microsoft.com/office/drawing/2014/main" val="3385958035"/>
+                    </a:ext>
+                  </a:extLst>
+                </a:gridCol>
+                <a:gridCol w="2580181">
+                  <a:extLst>
+                    <a:ext uri="{9D8B030D-6E8A-4147-A177-3AD203B41FA5}">
+                      <a16:colId xmlns:a16="http://schemas.microsoft.com/office/drawing/2014/main" val="2016417722"/>
+                    </a:ext>
+                  </a:extLst>
+                </a:gridCol>
+                <a:gridCol w="3395912">
+                  <a:extLst>
+                    <a:ext uri="{9D8B030D-6E8A-4147-A177-3AD203B41FA5}">
+                      <a16:colId xmlns:a16="http://schemas.microsoft.com/office/drawing/2014/main" val="3727252081"/>
+                    </a:ext>
+                  </a:extLst>
+                </a:gridCol>
+                <a:gridCol w="3836534">
+                  <a:extLst>
+                    <a:ext uri="{9D8B030D-6E8A-4147-A177-3AD203B41FA5}">
+                      <a16:colId xmlns:a16="http://schemas.microsoft.com/office/drawing/2014/main" val="3064312178"/>
+                    </a:ext>
+                  </a:extLst>
+                </a:gridCol>
+                <a:gridCol w="5605755">
+                  <a:extLst>
+                    <a:ext uri="{9D8B030D-6E8A-4147-A177-3AD203B41FA5}">
+                      <a16:colId xmlns:a16="http://schemas.microsoft.com/office/drawing/2014/main" val="2337513506"/>
+                    </a:ext>
+                  </a:extLst>
+                </a:gridCol>
+                <a:gridCol w="5963552">
+                  <a:extLst>
+                    <a:ext uri="{9D8B030D-6E8A-4147-A177-3AD203B41FA5}">
+                      <a16:colId xmlns:a16="http://schemas.microsoft.com/office/drawing/2014/main" val="3202918464"/>
+                    </a:ext>
+                  </a:extLst>
+                </a:gridCol>
+                <a:gridCol w="4572902">
+                  <a:extLst>
+                    <a:ext uri="{9D8B030D-6E8A-4147-A177-3AD203B41FA5}">
+                      <a16:colId xmlns:a16="http://schemas.microsoft.com/office/drawing/2014/main" val="775002031"/>
+                    </a:ext>
+                  </a:extLst>
+                </a:gridCol>
+              </a:tblGrid>
+              <a:tr h="530034">
+                <a:tc>
+                  <a:txBody>
+                    <a:bodyPr/>
+                    <a:lstStyle/>
+                    <a:p>
+                      <a:pPr algn="ctr"/>
+                      <a:endParaRPr lang="en-US" sz="2800" b="1" dirty="0">
+                        <a:latin typeface="Helvetica" panose="020B0604020202020204" pitchFamily="34" charset="0"/>
+                        <a:cs typeface="Helvetica" panose="020B0604020202020204" pitchFamily="34" charset="0"/>
+                      </a:endParaRPr>
+                    </a:p>
+                  </a:txBody>
+                  <a:tcPr anchor="ctr">
+                    <a:lnL w="12700" cmpd="sng">
+                      <a:noFill/>
+                    </a:lnL>
+                    <a:lnR w="12700" cmpd="sng">
+                      <a:noFill/>
+                    </a:lnR>
+                    <a:lnT w="12700" cmpd="sng">
+                      <a:noFill/>
+                    </a:lnT>
+                    <a:lnB w="38100" cap="flat" cmpd="sng" algn="ctr">
+                      <a:solidFill>
+                        <a:schemeClr val="accent4">
+                          <a:lumMod val="50000"/>
+                        </a:schemeClr>
+                      </a:solidFill>
+                      <a:prstDash val="solid"/>
+                      <a:round/>
+                      <a:headEnd type="none" w="med" len="med"/>
+                      <a:tailEnd type="none" w="med" len="med"/>
+                    </a:lnB>
+                    <a:lnTlToBr w="12700" cmpd="sng">
+                      <a:noFill/>
+                      <a:prstDash val="solid"/>
+                    </a:lnTlToBr>
+                    <a:lnBlToTr w="12700" cmpd="sng">
+                      <a:noFill/>
+                      <a:prstDash val="solid"/>
+                    </a:lnBlToTr>
+                  </a:tcPr>
+                </a:tc>
+                <a:tc>
+                  <a:txBody>
+                    <a:bodyPr/>
+                    <a:lstStyle/>
+                    <a:p>
+                      <a:pPr algn="ctr"/>
+                      <a:r>
+                        <a:rPr lang="en-US" sz="2800" b="1" dirty="0">
+                          <a:latin typeface="Helvetica" panose="020B0604020202020204" pitchFamily="34" charset="0"/>
+                          <a:cs typeface="Helvetica" panose="020B0604020202020204" pitchFamily="34" charset="0"/>
+                        </a:rPr>
+                        <a:t>Dimensions</a:t>
+                      </a:r>
+                    </a:p>
+                  </a:txBody>
+                  <a:tcPr anchor="ctr">
+                    <a:lnL w="12700" cmpd="sng">
+                      <a:noFill/>
+                    </a:lnL>
+                    <a:lnR w="12700" cmpd="sng">
+                      <a:noFill/>
+                    </a:lnR>
+                    <a:lnT w="12700" cmpd="sng">
+                      <a:noFill/>
+                    </a:lnT>
+                    <a:lnB w="38100" cap="flat" cmpd="sng" algn="ctr">
+                      <a:solidFill>
+                        <a:schemeClr val="accent4">
+                          <a:lumMod val="50000"/>
+                        </a:schemeClr>
+                      </a:solidFill>
+                      <a:prstDash val="solid"/>
+                      <a:round/>
+                      <a:headEnd type="none" w="med" len="med"/>
+                      <a:tailEnd type="none" w="med" len="med"/>
+                    </a:lnB>
+                    <a:lnTlToBr w="12700" cmpd="sng">
+                      <a:noFill/>
+                      <a:prstDash val="solid"/>
+                    </a:lnTlToBr>
+                    <a:lnBlToTr w="12700" cmpd="sng">
+                      <a:noFill/>
+                      <a:prstDash val="solid"/>
+                    </a:lnBlToTr>
+                  </a:tcPr>
+                </a:tc>
+                <a:tc>
+                  <a:txBody>
+                    <a:bodyPr/>
+                    <a:lstStyle/>
+                    <a:p>
+                      <a:pPr algn="ctr"/>
+                      <a:r>
+                        <a:rPr lang="en-US" sz="2800" b="1" dirty="0">
+                          <a:latin typeface="Helvetica" panose="020B0604020202020204" pitchFamily="34" charset="0"/>
+                          <a:cs typeface="Helvetica" panose="020B0604020202020204" pitchFamily="34" charset="0"/>
+                        </a:rPr>
+                        <a:t>Preprocessing</a:t>
+                      </a:r>
+                    </a:p>
+                  </a:txBody>
+                  <a:tcPr anchor="ctr">
+                    <a:lnL w="12700" cmpd="sng">
+                      <a:noFill/>
+                    </a:lnL>
+                    <a:lnR w="12700" cmpd="sng">
+                      <a:noFill/>
+                    </a:lnR>
+                    <a:lnT w="12700" cmpd="sng">
+                      <a:noFill/>
+                    </a:lnT>
+                    <a:lnB w="38100" cap="flat" cmpd="sng" algn="ctr">
+                      <a:solidFill>
+                        <a:schemeClr val="accent4">
+                          <a:lumMod val="50000"/>
+                        </a:schemeClr>
+                      </a:solidFill>
+                      <a:prstDash val="solid"/>
+                      <a:round/>
+                      <a:headEnd type="none" w="med" len="med"/>
+                      <a:tailEnd type="none" w="med" len="med"/>
+                    </a:lnB>
+                    <a:lnTlToBr w="12700" cmpd="sng">
+                      <a:noFill/>
+                      <a:prstDash val="solid"/>
+                    </a:lnTlToBr>
+                    <a:lnBlToTr w="12700" cmpd="sng">
+                      <a:noFill/>
+                      <a:prstDash val="solid"/>
+                    </a:lnBlToTr>
+                  </a:tcPr>
+                </a:tc>
+                <a:tc>
+                  <a:txBody>
+                    <a:bodyPr/>
+                    <a:lstStyle/>
+                    <a:p>
+                      <a:pPr algn="ctr"/>
+                      <a:r>
+                        <a:rPr lang="en-US" sz="2800" b="1" dirty="0">
+                          <a:latin typeface="Helvetica" panose="020B0604020202020204" pitchFamily="34" charset="0"/>
+                          <a:cs typeface="Helvetica" panose="020B0604020202020204" pitchFamily="34" charset="0"/>
+                        </a:rPr>
+                        <a:t>Scree plot</a:t>
+                      </a:r>
+                    </a:p>
+                  </a:txBody>
+                  <a:tcPr anchor="ctr">
+                    <a:lnL w="12700" cmpd="sng">
+                      <a:noFill/>
+                    </a:lnL>
+                    <a:lnR w="12700" cmpd="sng">
+                      <a:noFill/>
+                    </a:lnR>
+                    <a:lnT w="12700" cmpd="sng">
+                      <a:noFill/>
+                    </a:lnT>
+                    <a:lnB w="38100" cap="flat" cmpd="sng" algn="ctr">
+                      <a:solidFill>
+                        <a:schemeClr val="accent4">
+                          <a:lumMod val="50000"/>
+                        </a:schemeClr>
+                      </a:solidFill>
+                      <a:prstDash val="solid"/>
+                      <a:round/>
+                      <a:headEnd type="none" w="med" len="med"/>
+                      <a:tailEnd type="none" w="med" len="med"/>
+                    </a:lnB>
+                    <a:lnTlToBr w="12700" cmpd="sng">
+                      <a:noFill/>
+                      <a:prstDash val="solid"/>
+                    </a:lnTlToBr>
+                    <a:lnBlToTr w="12700" cmpd="sng">
+                      <a:noFill/>
+                      <a:prstDash val="solid"/>
+                    </a:lnBlToTr>
+                  </a:tcPr>
+                </a:tc>
+                <a:tc>
+                  <a:txBody>
+                    <a:bodyPr/>
+                    <a:lstStyle/>
+                    <a:p>
+                      <a:pPr marL="0" marR="0" lvl="0" indent="0" algn="ctr" defTabSz="2375679" rtl="0" eaLnBrk="1" fontAlgn="auto" latinLnBrk="0" hangingPunct="1">
+                        <a:lnSpc>
+                          <a:spcPct val="100000"/>
+                        </a:lnSpc>
+                        <a:spcBef>
+                          <a:spcPts val="0"/>
+                        </a:spcBef>
+                        <a:spcAft>
+                          <a:spcPts val="0"/>
+                        </a:spcAft>
+                        <a:buClrTx/>
+                        <a:buSzTx/>
+                        <a:buFontTx/>
+                        <a:buNone/>
+                        <a:tabLst/>
+                        <a:defRPr/>
+                      </a:pPr>
+                      <a:r>
+                        <a:rPr lang="en-US" sz="2800" b="1" dirty="0">
+                          <a:latin typeface="Helvetica" panose="020B0604020202020204" pitchFamily="34" charset="0"/>
+                          <a:cs typeface="Helvetica" panose="020B0604020202020204" pitchFamily="34" charset="0"/>
+                        </a:rPr>
+                        <a:t>Sessions factor scores</a:t>
+                      </a:r>
+                    </a:p>
+                  </a:txBody>
+                  <a:tcPr anchor="ctr">
+                    <a:lnL w="12700" cmpd="sng">
+                      <a:noFill/>
+                    </a:lnL>
+                    <a:lnR w="12700" cmpd="sng">
+                      <a:noFill/>
+                    </a:lnR>
+                    <a:lnT w="12700" cmpd="sng">
+                      <a:noFill/>
+                    </a:lnT>
+                    <a:lnB w="38100" cap="flat" cmpd="sng" algn="ctr">
+                      <a:solidFill>
+                        <a:schemeClr val="accent4">
+                          <a:lumMod val="50000"/>
+                        </a:schemeClr>
+                      </a:solidFill>
+                      <a:prstDash val="solid"/>
+                      <a:round/>
+                      <a:headEnd type="none" w="med" len="med"/>
+                      <a:tailEnd type="none" w="med" len="med"/>
+                    </a:lnB>
+                    <a:lnTlToBr w="12700" cmpd="sng">
+                      <a:noFill/>
+                      <a:prstDash val="solid"/>
+                    </a:lnTlToBr>
+                    <a:lnBlToTr w="12700" cmpd="sng">
+                      <a:noFill/>
+                      <a:prstDash val="solid"/>
+                    </a:lnBlToTr>
+                  </a:tcPr>
+                </a:tc>
+                <a:tc>
+                  <a:txBody>
+                    <a:bodyPr/>
+                    <a:lstStyle/>
+                    <a:p>
+                      <a:pPr algn="ctr"/>
+                      <a:r>
+                        <a:rPr lang="en-US" sz="2800" b="1" dirty="0">
+                          <a:latin typeface="Helvetica" panose="020B0604020202020204" pitchFamily="34" charset="0"/>
+                          <a:cs typeface="Helvetica" panose="020B0604020202020204" pitchFamily="34" charset="0"/>
+                        </a:rPr>
+                        <a:t>Subject-network factor scores</a:t>
+                      </a:r>
+                    </a:p>
+                  </a:txBody>
+                  <a:tcPr anchor="ctr">
+                    <a:lnL w="12700" cmpd="sng">
+                      <a:noFill/>
+                    </a:lnL>
+                    <a:lnR w="12700" cmpd="sng">
+                      <a:noFill/>
+                    </a:lnR>
+                    <a:lnT w="12700" cmpd="sng">
+                      <a:noFill/>
+                    </a:lnT>
+                    <a:lnB w="38100" cap="flat" cmpd="sng" algn="ctr">
+                      <a:solidFill>
+                        <a:schemeClr val="accent4">
+                          <a:lumMod val="50000"/>
+                        </a:schemeClr>
+                      </a:solidFill>
+                      <a:prstDash val="solid"/>
+                      <a:round/>
+                      <a:headEnd type="none" w="med" len="med"/>
+                      <a:tailEnd type="none" w="med" len="med"/>
+                    </a:lnB>
+                    <a:lnTlToBr w="12700" cmpd="sng">
+                      <a:noFill/>
+                      <a:prstDash val="solid"/>
+                    </a:lnTlToBr>
+                    <a:lnBlToTr w="12700" cmpd="sng">
+                      <a:noFill/>
+                      <a:prstDash val="solid"/>
+                    </a:lnBlToTr>
+                  </a:tcPr>
+                </a:tc>
+                <a:tc>
+                  <a:txBody>
+                    <a:bodyPr/>
+                    <a:lstStyle/>
+                    <a:p>
+                      <a:pPr algn="ctr"/>
+                      <a:r>
+                        <a:rPr lang="en-US" sz="2800" b="1" dirty="0">
+                          <a:latin typeface="Helvetica" panose="020B0604020202020204" pitchFamily="34" charset="0"/>
+                          <a:cs typeface="Helvetica" panose="020B0604020202020204" pitchFamily="34" charset="0"/>
+                        </a:rPr>
+                        <a:t>Map in the brain</a:t>
+                      </a:r>
+                    </a:p>
+                  </a:txBody>
+                  <a:tcPr anchor="ctr">
+                    <a:lnL w="12700" cmpd="sng">
+                      <a:noFill/>
+                    </a:lnL>
+                    <a:lnR w="12700" cmpd="sng">
+                      <a:noFill/>
+                    </a:lnR>
+                    <a:lnT w="12700" cmpd="sng">
+                      <a:noFill/>
+                    </a:lnT>
+                    <a:lnB w="38100" cap="flat" cmpd="sng" algn="ctr">
+                      <a:solidFill>
+                        <a:schemeClr val="accent4">
+                          <a:lumMod val="50000"/>
+                        </a:schemeClr>
+                      </a:solidFill>
+                      <a:prstDash val="solid"/>
+                      <a:round/>
+                      <a:headEnd type="none" w="med" len="med"/>
+                      <a:tailEnd type="none" w="med" len="med"/>
+                    </a:lnB>
+                    <a:lnTlToBr w="12700" cmpd="sng">
+                      <a:noFill/>
+                      <a:prstDash val="solid"/>
+                    </a:lnTlToBr>
+                    <a:lnBlToTr w="12700" cmpd="sng">
+                      <a:noFill/>
+                      <a:prstDash val="solid"/>
+                    </a:lnBlToTr>
+                  </a:tcPr>
+                </a:tc>
+                <a:extLst>
+                  <a:ext uri="{0D108BD9-81ED-4DB2-BD59-A6C34878D82A}">
+                    <a16:rowId xmlns:a16="http://schemas.microsoft.com/office/drawing/2014/main" val="2686053693"/>
+                  </a:ext>
+                </a:extLst>
+              </a:tr>
+              <a:tr h="697794">
+                <a:tc rowSpan="5">
+                  <a:txBody>
+                    <a:bodyPr/>
+                    <a:lstStyle/>
+                    <a:p>
+                      <a:pPr algn="ctr"/>
+                      <a:r>
+                        <a:rPr lang="en-US" sz="2800" b="1" dirty="0">
+                          <a:latin typeface="Helvetica" panose="020B0604020202020204" pitchFamily="34" charset="0"/>
+                          <a:cs typeface="Helvetica" panose="020B0604020202020204" pitchFamily="34" charset="0"/>
+                        </a:rPr>
+                        <a:t>1</a:t>
+                      </a:r>
+                    </a:p>
+                  </a:txBody>
+                  <a:tcPr anchor="ctr">
+                    <a:lnL w="12700" cmpd="sng">
+                      <a:noFill/>
+                    </a:lnL>
+                    <a:lnR w="12700" cmpd="sng">
+                      <a:noFill/>
+                    </a:lnR>
+                    <a:lnT w="38100" cap="flat" cmpd="sng" algn="ctr">
+                      <a:solidFill>
+                        <a:schemeClr val="accent4">
+                          <a:lumMod val="50000"/>
+                        </a:schemeClr>
+                      </a:solidFill>
+                      <a:prstDash val="solid"/>
+                      <a:round/>
+                      <a:headEnd type="none" w="med" len="med"/>
+                      <a:tailEnd type="none" w="med" len="med"/>
+                    </a:lnT>
+                    <a:lnB w="38100" cap="flat" cmpd="sng" algn="ctr">
+                      <a:solidFill>
+                        <a:schemeClr val="accent4">
+                          <a:lumMod val="50000"/>
+                        </a:schemeClr>
+                      </a:solidFill>
+                      <a:prstDash val="sysDash"/>
+                      <a:round/>
+                      <a:headEnd type="none" w="med" len="med"/>
+                      <a:tailEnd type="none" w="med" len="med"/>
+                    </a:lnB>
+                    <a:lnTlToBr w="12700" cmpd="sng">
+                      <a:noFill/>
+                      <a:prstDash val="solid"/>
+                    </a:lnTlToBr>
+                    <a:lnBlToTr w="12700" cmpd="sng">
+                      <a:noFill/>
+                      <a:prstDash val="solid"/>
+                    </a:lnBlToTr>
+                    <a:solidFill>
+                      <a:schemeClr val="accent4">
+                        <a:lumMod val="40000"/>
+                        <a:lumOff val="60000"/>
+                      </a:schemeClr>
+                    </a:solidFill>
+                  </a:tcPr>
+                </a:tc>
+                <a:tc>
+                  <a:txBody>
+                    <a:bodyPr/>
+                    <a:lstStyle/>
+                    <a:p>
+                      <a:pPr algn="r"/>
+                      <a:r>
+                        <a:rPr lang="en-US" sz="2800" dirty="0">
+                          <a:latin typeface="Helvetica" panose="020B0604020202020204" pitchFamily="34" charset="0"/>
+                          <a:cs typeface="Helvetica" panose="020B0604020202020204" pitchFamily="34" charset="0"/>
+                        </a:rPr>
+                        <a:t>z-matrices</a:t>
+                      </a:r>
+                    </a:p>
+                  </a:txBody>
+                  <a:tcPr anchor="ctr">
+                    <a:lnL w="12700" cmpd="sng">
+                      <a:noFill/>
+                    </a:lnL>
+                    <a:lnR w="28575" cap="flat" cmpd="sng" algn="ctr">
+                      <a:solidFill>
+                        <a:schemeClr val="bg1">
+                          <a:lumMod val="75000"/>
+                        </a:schemeClr>
+                      </a:solidFill>
+                      <a:prstDash val="dash"/>
+                      <a:round/>
+                      <a:headEnd type="none" w="med" len="med"/>
+                      <a:tailEnd type="none" w="med" len="med"/>
+                    </a:lnR>
+                    <a:lnT w="38100" cap="flat" cmpd="sng" algn="ctr">
+                      <a:solidFill>
+                        <a:schemeClr val="accent4">
+                          <a:lumMod val="50000"/>
+                        </a:schemeClr>
+                      </a:solidFill>
+                      <a:prstDash val="solid"/>
+                      <a:round/>
+                      <a:headEnd type="none" w="med" len="med"/>
+                      <a:tailEnd type="none" w="med" len="med"/>
+                    </a:lnT>
+                    <a:lnB w="28575" cap="flat" cmpd="sng" algn="ctr">
+                      <a:solidFill>
+                        <a:schemeClr val="bg1">
+                          <a:lumMod val="65000"/>
+                        </a:schemeClr>
+                      </a:solidFill>
+                      <a:prstDash val="dash"/>
+                      <a:round/>
+                      <a:headEnd type="none" w="med" len="med"/>
+                      <a:tailEnd type="none" w="med" len="med"/>
+                    </a:lnB>
+                    <a:lnTlToBr w="12700" cmpd="sng">
+                      <a:noFill/>
+                      <a:prstDash val="solid"/>
+                    </a:lnTlToBr>
+                    <a:lnBlToTr w="12700" cmpd="sng">
+                      <a:noFill/>
+                      <a:prstDash val="solid"/>
+                    </a:lnBlToTr>
+                  </a:tcPr>
+                </a:tc>
+                <a:tc>
+                  <a:txBody>
+                    <a:bodyPr/>
+                    <a:lstStyle/>
+                    <a:p>
+                      <a:pPr algn="ctr"/>
+                      <a:r>
+                        <a:rPr lang="en-US" sz="2800" dirty="0">
+                          <a:latin typeface="Helvetica" panose="020B0604020202020204" pitchFamily="34" charset="0"/>
+                          <a:cs typeface="Helvetica" panose="020B0604020202020204" pitchFamily="34" charset="0"/>
+                        </a:rPr>
+                        <a:t>x</a:t>
+                      </a:r>
+                    </a:p>
+                  </a:txBody>
+                  <a:tcPr anchor="ctr">
+                    <a:lnL w="28575" cap="flat" cmpd="sng" algn="ctr">
+                      <a:solidFill>
+                        <a:schemeClr val="bg1">
+                          <a:lumMod val="75000"/>
+                        </a:schemeClr>
+                      </a:solidFill>
+                      <a:prstDash val="dash"/>
+                      <a:round/>
+                      <a:headEnd type="none" w="med" len="med"/>
+                      <a:tailEnd type="none" w="med" len="med"/>
+                    </a:lnL>
+                    <a:lnR w="28575" cap="flat" cmpd="sng" algn="ctr">
+                      <a:solidFill>
+                        <a:schemeClr val="bg1">
+                          <a:lumMod val="75000"/>
+                        </a:schemeClr>
+                      </a:solidFill>
+                      <a:prstDash val="dash"/>
+                      <a:round/>
+                      <a:headEnd type="none" w="med" len="med"/>
+                      <a:tailEnd type="none" w="med" len="med"/>
+                    </a:lnR>
+                    <a:lnT w="38100" cap="flat" cmpd="sng" algn="ctr">
+                      <a:solidFill>
+                        <a:schemeClr val="accent4">
+                          <a:lumMod val="50000"/>
+                        </a:schemeClr>
+                      </a:solidFill>
+                      <a:prstDash val="solid"/>
+                      <a:round/>
+                      <a:headEnd type="none" w="med" len="med"/>
+                      <a:tailEnd type="none" w="med" len="med"/>
+                    </a:lnT>
+                    <a:lnB w="28575" cap="flat" cmpd="sng" algn="ctr">
+                      <a:solidFill>
+                        <a:schemeClr val="bg1">
+                          <a:lumMod val="65000"/>
+                        </a:schemeClr>
+                      </a:solidFill>
+                      <a:prstDash val="dash"/>
+                      <a:round/>
+                      <a:headEnd type="none" w="med" len="med"/>
+                      <a:tailEnd type="none" w="med" len="med"/>
+                    </a:lnB>
+                    <a:lnTlToBr w="12700" cmpd="sng">
+                      <a:noFill/>
+                      <a:prstDash val="solid"/>
+                    </a:lnTlToBr>
+                    <a:lnBlToTr w="12700" cmpd="sng">
+                      <a:noFill/>
+                      <a:prstDash val="solid"/>
+                    </a:lnBlToTr>
+                  </a:tcPr>
+                </a:tc>
+                <a:tc rowSpan="5">
+                  <a:txBody>
+                    <a:bodyPr/>
+                    <a:lstStyle/>
+                    <a:p>
+                      <a:endParaRPr lang="en-US" sz="2800" dirty="0">
+                        <a:latin typeface="Helvetica" panose="020B0604020202020204" pitchFamily="34" charset="0"/>
+                        <a:cs typeface="Helvetica" panose="020B0604020202020204" pitchFamily="34" charset="0"/>
+                      </a:endParaRPr>
+                    </a:p>
+                  </a:txBody>
+                  <a:tcPr anchor="ctr">
+                    <a:lnL w="28575" cap="flat" cmpd="sng" algn="ctr">
+                      <a:solidFill>
+                        <a:schemeClr val="bg1">
+                          <a:lumMod val="75000"/>
+                        </a:schemeClr>
+                      </a:solidFill>
+                      <a:prstDash val="dash"/>
+                      <a:round/>
+                      <a:headEnd type="none" w="med" len="med"/>
+                      <a:tailEnd type="none" w="med" len="med"/>
+                    </a:lnL>
+                    <a:lnR w="12700" cmpd="sng">
+                      <a:noFill/>
+                    </a:lnR>
+                    <a:lnT w="38100" cap="flat" cmpd="sng" algn="ctr">
+                      <a:solidFill>
+                        <a:schemeClr val="accent4">
+                          <a:lumMod val="50000"/>
+                        </a:schemeClr>
+                      </a:solidFill>
+                      <a:prstDash val="solid"/>
+                      <a:round/>
+                      <a:headEnd type="none" w="med" len="med"/>
+                      <a:tailEnd type="none" w="med" len="med"/>
+                    </a:lnT>
+                    <a:lnB w="38100" cap="flat" cmpd="sng" algn="ctr">
+                      <a:solidFill>
+                        <a:schemeClr val="accent4">
+                          <a:lumMod val="50000"/>
+                        </a:schemeClr>
+                      </a:solidFill>
+                      <a:prstDash val="sysDash"/>
+                      <a:round/>
+                      <a:headEnd type="none" w="med" len="med"/>
+                      <a:tailEnd type="none" w="med" len="med"/>
+                    </a:lnB>
+                    <a:lnTlToBr w="12700" cmpd="sng">
+                      <a:noFill/>
+                      <a:prstDash val="solid"/>
+                    </a:lnTlToBr>
+                    <a:lnBlToTr w="12700" cmpd="sng">
+                      <a:noFill/>
+                      <a:prstDash val="solid"/>
+                    </a:lnBlToTr>
+                  </a:tcPr>
+                </a:tc>
+                <a:tc rowSpan="5">
+                  <a:txBody>
+                    <a:bodyPr/>
+                    <a:lstStyle/>
+                    <a:p>
+                      <a:endParaRPr lang="en-US" sz="2800" dirty="0">
+                        <a:latin typeface="Helvetica" panose="020B0604020202020204" pitchFamily="34" charset="0"/>
+                        <a:cs typeface="Helvetica" panose="020B0604020202020204" pitchFamily="34" charset="0"/>
+                      </a:endParaRPr>
+                    </a:p>
+                  </a:txBody>
+                  <a:tcPr anchor="ctr">
+                    <a:lnL w="12700" cmpd="sng">
+                      <a:noFill/>
+                    </a:lnL>
+                    <a:lnR w="12700" cmpd="sng">
+                      <a:noFill/>
+                    </a:lnR>
+                    <a:lnT w="38100" cap="flat" cmpd="sng" algn="ctr">
+                      <a:solidFill>
+                        <a:schemeClr val="accent4">
+                          <a:lumMod val="50000"/>
+                        </a:schemeClr>
+                      </a:solidFill>
+                      <a:prstDash val="solid"/>
+                      <a:round/>
+                      <a:headEnd type="none" w="med" len="med"/>
+                      <a:tailEnd type="none" w="med" len="med"/>
+                    </a:lnT>
+                    <a:lnB w="38100" cap="flat" cmpd="sng" algn="ctr">
+                      <a:solidFill>
+                        <a:schemeClr val="accent4">
+                          <a:lumMod val="50000"/>
+                        </a:schemeClr>
+                      </a:solidFill>
+                      <a:prstDash val="sysDash"/>
+                      <a:round/>
+                      <a:headEnd type="none" w="med" len="med"/>
+                      <a:tailEnd type="none" w="med" len="med"/>
+                    </a:lnB>
+                    <a:lnTlToBr w="12700" cmpd="sng">
+                      <a:noFill/>
+                      <a:prstDash val="solid"/>
+                    </a:lnTlToBr>
+                    <a:lnBlToTr w="12700" cmpd="sng">
+                      <a:noFill/>
+                      <a:prstDash val="solid"/>
+                    </a:lnBlToTr>
+                  </a:tcPr>
+                </a:tc>
+                <a:tc rowSpan="5">
+                  <a:txBody>
+                    <a:bodyPr/>
+                    <a:lstStyle/>
+                    <a:p>
+                      <a:endParaRPr lang="en-US" sz="2800" dirty="0">
+                        <a:latin typeface="Helvetica" panose="020B0604020202020204" pitchFamily="34" charset="0"/>
+                        <a:cs typeface="Helvetica" panose="020B0604020202020204" pitchFamily="34" charset="0"/>
+                      </a:endParaRPr>
+                    </a:p>
+                  </a:txBody>
+                  <a:tcPr anchor="ctr">
+                    <a:lnL w="12700" cmpd="sng">
+                      <a:noFill/>
+                    </a:lnL>
+                    <a:lnR w="12700" cmpd="sng">
+                      <a:noFill/>
+                    </a:lnR>
+                    <a:lnT w="38100" cap="flat" cmpd="sng" algn="ctr">
+                      <a:solidFill>
+                        <a:schemeClr val="accent4">
+                          <a:lumMod val="50000"/>
+                        </a:schemeClr>
+                      </a:solidFill>
+                      <a:prstDash val="solid"/>
+                      <a:round/>
+                      <a:headEnd type="none" w="med" len="med"/>
+                      <a:tailEnd type="none" w="med" len="med"/>
+                    </a:lnT>
+                    <a:lnB w="38100" cap="flat" cmpd="sng" algn="ctr">
+                      <a:solidFill>
+                        <a:schemeClr val="accent4">
+                          <a:lumMod val="50000"/>
+                        </a:schemeClr>
+                      </a:solidFill>
+                      <a:prstDash val="sysDash"/>
+                      <a:round/>
+                      <a:headEnd type="none" w="med" len="med"/>
+                      <a:tailEnd type="none" w="med" len="med"/>
+                    </a:lnB>
+                    <a:lnTlToBr w="12700" cmpd="sng">
+                      <a:noFill/>
+                      <a:prstDash val="solid"/>
+                    </a:lnTlToBr>
+                    <a:lnBlToTr w="12700" cmpd="sng">
+                      <a:noFill/>
+                      <a:prstDash val="solid"/>
+                    </a:lnBlToTr>
+                  </a:tcPr>
+                </a:tc>
+                <a:tc rowSpan="5">
+                  <a:txBody>
+                    <a:bodyPr/>
+                    <a:lstStyle/>
+                    <a:p>
+                      <a:endParaRPr lang="en-US" sz="2800" dirty="0">
+                        <a:latin typeface="Helvetica" panose="020B0604020202020204" pitchFamily="34" charset="0"/>
+                        <a:cs typeface="Helvetica" panose="020B0604020202020204" pitchFamily="34" charset="0"/>
+                      </a:endParaRPr>
+                    </a:p>
+                  </a:txBody>
+                  <a:tcPr anchor="ctr">
+                    <a:lnL w="12700" cmpd="sng">
+                      <a:noFill/>
+                    </a:lnL>
+                    <a:lnR w="12700" cmpd="sng">
+                      <a:noFill/>
+                    </a:lnR>
+                    <a:lnT w="38100" cap="flat" cmpd="sng" algn="ctr">
+                      <a:solidFill>
+                        <a:schemeClr val="accent4">
+                          <a:lumMod val="50000"/>
+                        </a:schemeClr>
+                      </a:solidFill>
+                      <a:prstDash val="solid"/>
+                      <a:round/>
+                      <a:headEnd type="none" w="med" len="med"/>
+                      <a:tailEnd type="none" w="med" len="med"/>
+                    </a:lnT>
+                    <a:lnB w="38100" cap="flat" cmpd="sng" algn="ctr">
+                      <a:solidFill>
+                        <a:schemeClr val="accent4">
+                          <a:lumMod val="50000"/>
+                        </a:schemeClr>
+                      </a:solidFill>
+                      <a:prstDash val="sysDash"/>
+                      <a:round/>
+                      <a:headEnd type="none" w="med" len="med"/>
+                      <a:tailEnd type="none" w="med" len="med"/>
+                    </a:lnB>
+                    <a:lnTlToBr w="12700" cmpd="sng">
+                      <a:noFill/>
+                      <a:prstDash val="solid"/>
+                    </a:lnTlToBr>
+                    <a:lnBlToTr w="12700" cmpd="sng">
+                      <a:noFill/>
+                      <a:prstDash val="solid"/>
+                    </a:lnBlToTr>
+                  </a:tcPr>
+                </a:tc>
+                <a:extLst>
+                  <a:ext uri="{0D108BD9-81ED-4DB2-BD59-A6C34878D82A}">
+                    <a16:rowId xmlns:a16="http://schemas.microsoft.com/office/drawing/2014/main" val="941718670"/>
+                  </a:ext>
+                </a:extLst>
+              </a:tr>
+              <a:tr h="697794">
+                <a:tc vMerge="1">
+                  <a:txBody>
+                    <a:bodyPr/>
+                    <a:lstStyle/>
+                    <a:p>
+                      <a:endParaRPr lang="en-US"/>
+                    </a:p>
+                  </a:txBody>
+                  <a:tcPr/>
+                </a:tc>
+                <a:tc>
+                  <a:txBody>
+                    <a:bodyPr/>
+                    <a:lstStyle/>
+                    <a:p>
+                      <a:pPr algn="r"/>
+                      <a:r>
+                        <a:rPr lang="en-US" sz="2800" dirty="0">
+                          <a:latin typeface="Helvetica" panose="020B0604020202020204" pitchFamily="34" charset="0"/>
+                          <a:cs typeface="Helvetica" panose="020B0604020202020204" pitchFamily="34" charset="0"/>
+                        </a:rPr>
+                        <a:t>rows</a:t>
+                      </a:r>
+                    </a:p>
+                  </a:txBody>
+                  <a:tcPr anchor="ctr">
+                    <a:lnL w="12700" cmpd="sng">
+                      <a:noFill/>
+                    </a:lnL>
+                    <a:lnR w="28575" cap="flat" cmpd="sng" algn="ctr">
+                      <a:solidFill>
+                        <a:schemeClr val="bg1">
+                          <a:lumMod val="75000"/>
+                        </a:schemeClr>
+                      </a:solidFill>
+                      <a:prstDash val="dash"/>
+                      <a:round/>
+                      <a:headEnd type="none" w="med" len="med"/>
+                      <a:tailEnd type="none" w="med" len="med"/>
+                    </a:lnR>
+                    <a:lnT w="28575" cap="flat" cmpd="sng" algn="ctr">
+                      <a:solidFill>
+                        <a:schemeClr val="bg1">
+                          <a:lumMod val="65000"/>
+                        </a:schemeClr>
+                      </a:solidFill>
+                      <a:prstDash val="dash"/>
+                      <a:round/>
+                      <a:headEnd type="none" w="med" len="med"/>
+                      <a:tailEnd type="none" w="med" len="med"/>
+                    </a:lnT>
+                    <a:lnB w="28575" cap="flat" cmpd="sng" algn="ctr">
+                      <a:solidFill>
+                        <a:schemeClr val="bg1">
+                          <a:lumMod val="65000"/>
+                        </a:schemeClr>
+                      </a:solidFill>
+                      <a:prstDash val="dash"/>
+                      <a:round/>
+                      <a:headEnd type="none" w="med" len="med"/>
+                      <a:tailEnd type="none" w="med" len="med"/>
+                    </a:lnB>
+                    <a:lnTlToBr w="12700" cmpd="sng">
+                      <a:noFill/>
+                      <a:prstDash val="solid"/>
+                    </a:lnTlToBr>
+                    <a:lnBlToTr w="12700" cmpd="sng">
+                      <a:noFill/>
+                      <a:prstDash val="solid"/>
+                    </a:lnBlToTr>
+                  </a:tcPr>
+                </a:tc>
+                <a:tc>
+                  <a:txBody>
+                    <a:bodyPr/>
+                    <a:lstStyle/>
+                    <a:p>
+                      <a:pPr algn="ctr"/>
+                      <a:r>
+                        <a:rPr lang="en-US" sz="2800" dirty="0">
+                          <a:latin typeface="Helvetica" panose="020B0604020202020204" pitchFamily="34" charset="0"/>
+                          <a:cs typeface="Helvetica" panose="020B0604020202020204" pitchFamily="34" charset="0"/>
+                        </a:rPr>
+                        <a:t>x</a:t>
+                      </a:r>
+                    </a:p>
+                  </a:txBody>
+                  <a:tcPr anchor="ctr">
+                    <a:lnL w="28575" cap="flat" cmpd="sng" algn="ctr">
+                      <a:solidFill>
+                        <a:schemeClr val="bg1">
+                          <a:lumMod val="75000"/>
+                        </a:schemeClr>
+                      </a:solidFill>
+                      <a:prstDash val="dash"/>
+                      <a:round/>
+                      <a:headEnd type="none" w="med" len="med"/>
+                      <a:tailEnd type="none" w="med" len="med"/>
+                    </a:lnL>
+                    <a:lnR w="28575" cap="flat" cmpd="sng" algn="ctr">
+                      <a:solidFill>
+                        <a:schemeClr val="bg1">
+                          <a:lumMod val="75000"/>
+                        </a:schemeClr>
+                      </a:solidFill>
+                      <a:prstDash val="dash"/>
+                      <a:round/>
+                      <a:headEnd type="none" w="med" len="med"/>
+                      <a:tailEnd type="none" w="med" len="med"/>
+                    </a:lnR>
+                    <a:lnT w="28575" cap="flat" cmpd="sng" algn="ctr">
+                      <a:solidFill>
+                        <a:schemeClr val="bg1">
+                          <a:lumMod val="65000"/>
+                        </a:schemeClr>
+                      </a:solidFill>
+                      <a:prstDash val="dash"/>
+                      <a:round/>
+                      <a:headEnd type="none" w="med" len="med"/>
+                      <a:tailEnd type="none" w="med" len="med"/>
+                    </a:lnT>
+                    <a:lnB w="28575" cap="flat" cmpd="sng" algn="ctr">
+                      <a:solidFill>
+                        <a:schemeClr val="bg1">
+                          <a:lumMod val="65000"/>
+                        </a:schemeClr>
+                      </a:solidFill>
+                      <a:prstDash val="dash"/>
+                      <a:round/>
+                      <a:headEnd type="none" w="med" len="med"/>
+                      <a:tailEnd type="none" w="med" len="med"/>
+                    </a:lnB>
+                    <a:lnTlToBr w="12700" cmpd="sng">
+                      <a:noFill/>
+                      <a:prstDash val="solid"/>
+                    </a:lnTlToBr>
+                    <a:lnBlToTr w="12700" cmpd="sng">
+                      <a:noFill/>
+                      <a:prstDash val="solid"/>
+                    </a:lnBlToTr>
+                  </a:tcPr>
+                </a:tc>
+                <a:tc vMerge="1">
+                  <a:txBody>
+                    <a:bodyPr/>
+                    <a:lstStyle/>
+                    <a:p>
+                      <a:endParaRPr lang="en-US"/>
+                    </a:p>
+                  </a:txBody>
+                  <a:tcPr/>
+                </a:tc>
+                <a:tc vMerge="1">
+                  <a:txBody>
+                    <a:bodyPr/>
+                    <a:lstStyle/>
+                    <a:p>
+                      <a:endParaRPr lang="en-US"/>
+                    </a:p>
+                  </a:txBody>
+                  <a:tcPr/>
+                </a:tc>
+                <a:tc vMerge="1">
+                  <a:txBody>
+                    <a:bodyPr/>
+                    <a:lstStyle/>
+                    <a:p>
+                      <a:endParaRPr lang="en-US"/>
+                    </a:p>
+                  </a:txBody>
+                  <a:tcPr/>
+                </a:tc>
+                <a:tc vMerge="1">
+                  <a:txBody>
+                    <a:bodyPr/>
+                    <a:lstStyle/>
+                    <a:p>
+                      <a:endParaRPr lang="en-US"/>
+                    </a:p>
+                  </a:txBody>
+                  <a:tcPr/>
+                </a:tc>
+                <a:extLst>
+                  <a:ext uri="{0D108BD9-81ED-4DB2-BD59-A6C34878D82A}">
+                    <a16:rowId xmlns:a16="http://schemas.microsoft.com/office/drawing/2014/main" val="2987054201"/>
+                  </a:ext>
+                </a:extLst>
+              </a:tr>
+              <a:tr h="697794">
+                <a:tc vMerge="1">
+                  <a:txBody>
+                    <a:bodyPr/>
+                    <a:lstStyle/>
+                    <a:p>
+                      <a:endParaRPr lang="en-US"/>
+                    </a:p>
+                  </a:txBody>
+                  <a:tcPr/>
+                </a:tc>
+                <a:tc>
+                  <a:txBody>
+                    <a:bodyPr/>
+                    <a:lstStyle/>
+                    <a:p>
+                      <a:pPr algn="r"/>
+                      <a:r>
+                        <a:rPr lang="en-US" sz="2800" dirty="0">
+                          <a:latin typeface="Helvetica" panose="020B0604020202020204" pitchFamily="34" charset="0"/>
+                          <a:cs typeface="Helvetica" panose="020B0604020202020204" pitchFamily="34" charset="0"/>
+                        </a:rPr>
+                        <a:t>columns</a:t>
+                      </a:r>
+                    </a:p>
+                  </a:txBody>
+                  <a:tcPr anchor="ctr">
+                    <a:lnL w="12700" cmpd="sng">
+                      <a:noFill/>
+                    </a:lnL>
+                    <a:lnR w="28575" cap="flat" cmpd="sng" algn="ctr">
+                      <a:solidFill>
+                        <a:schemeClr val="bg1">
+                          <a:lumMod val="75000"/>
+                        </a:schemeClr>
+                      </a:solidFill>
+                      <a:prstDash val="dash"/>
+                      <a:round/>
+                      <a:headEnd type="none" w="med" len="med"/>
+                      <a:tailEnd type="none" w="med" len="med"/>
+                    </a:lnR>
+                    <a:lnT w="28575" cap="flat" cmpd="sng" algn="ctr">
+                      <a:solidFill>
+                        <a:schemeClr val="bg1">
+                          <a:lumMod val="65000"/>
+                        </a:schemeClr>
+                      </a:solidFill>
+                      <a:prstDash val="dash"/>
+                      <a:round/>
+                      <a:headEnd type="none" w="med" len="med"/>
+                      <a:tailEnd type="none" w="med" len="med"/>
+                    </a:lnT>
+                    <a:lnB w="28575" cap="flat" cmpd="sng" algn="ctr">
+                      <a:solidFill>
+                        <a:schemeClr val="bg1">
+                          <a:lumMod val="65000"/>
+                        </a:schemeClr>
+                      </a:solidFill>
+                      <a:prstDash val="dash"/>
+                      <a:round/>
+                      <a:headEnd type="none" w="med" len="med"/>
+                      <a:tailEnd type="none" w="med" len="med"/>
+                    </a:lnB>
+                    <a:lnTlToBr w="12700" cmpd="sng">
+                      <a:noFill/>
+                      <a:prstDash val="solid"/>
+                    </a:lnTlToBr>
+                    <a:lnBlToTr w="12700" cmpd="sng">
+                      <a:noFill/>
+                      <a:prstDash val="solid"/>
+                    </a:lnBlToTr>
+                  </a:tcPr>
+                </a:tc>
+                <a:tc>
+                  <a:txBody>
+                    <a:bodyPr/>
+                    <a:lstStyle/>
+                    <a:p>
+                      <a:pPr algn="ctr"/>
+                      <a:r>
+                        <a:rPr lang="en-US" sz="2800" dirty="0">
+                          <a:latin typeface="Helvetica" panose="020B0604020202020204" pitchFamily="34" charset="0"/>
+                          <a:cs typeface="Helvetica" panose="020B0604020202020204" pitchFamily="34" charset="0"/>
+                        </a:rPr>
+                        <a:t>centered</a:t>
+                      </a:r>
+                    </a:p>
+                  </a:txBody>
+                  <a:tcPr anchor="ctr">
+                    <a:lnL w="28575" cap="flat" cmpd="sng" algn="ctr">
+                      <a:solidFill>
+                        <a:schemeClr val="bg1">
+                          <a:lumMod val="75000"/>
+                        </a:schemeClr>
+                      </a:solidFill>
+                      <a:prstDash val="dash"/>
+                      <a:round/>
+                      <a:headEnd type="none" w="med" len="med"/>
+                      <a:tailEnd type="none" w="med" len="med"/>
+                    </a:lnL>
+                    <a:lnR w="28575" cap="flat" cmpd="sng" algn="ctr">
+                      <a:solidFill>
+                        <a:schemeClr val="bg1">
+                          <a:lumMod val="75000"/>
+                        </a:schemeClr>
+                      </a:solidFill>
+                      <a:prstDash val="dash"/>
+                      <a:round/>
+                      <a:headEnd type="none" w="med" len="med"/>
+                      <a:tailEnd type="none" w="med" len="med"/>
+                    </a:lnR>
+                    <a:lnT w="28575" cap="flat" cmpd="sng" algn="ctr">
+                      <a:solidFill>
+                        <a:schemeClr val="bg1">
+                          <a:lumMod val="65000"/>
+                        </a:schemeClr>
+                      </a:solidFill>
+                      <a:prstDash val="dash"/>
+                      <a:round/>
+                      <a:headEnd type="none" w="med" len="med"/>
+                      <a:tailEnd type="none" w="med" len="med"/>
+                    </a:lnT>
+                    <a:lnB w="28575" cap="flat" cmpd="sng" algn="ctr">
+                      <a:solidFill>
+                        <a:schemeClr val="bg1">
+                          <a:lumMod val="65000"/>
+                        </a:schemeClr>
+                      </a:solidFill>
+                      <a:prstDash val="dash"/>
+                      <a:round/>
+                      <a:headEnd type="none" w="med" len="med"/>
+                      <a:tailEnd type="none" w="med" len="med"/>
+                    </a:lnB>
+                    <a:lnTlToBr w="12700" cmpd="sng">
+                      <a:noFill/>
+                      <a:prstDash val="solid"/>
+                    </a:lnTlToBr>
+                    <a:lnBlToTr w="12700" cmpd="sng">
+                      <a:noFill/>
+                      <a:prstDash val="solid"/>
+                    </a:lnBlToTr>
+                  </a:tcPr>
+                </a:tc>
+                <a:tc vMerge="1">
+                  <a:txBody>
+                    <a:bodyPr/>
+                    <a:lstStyle/>
+                    <a:p>
+                      <a:endParaRPr lang="en-US"/>
+                    </a:p>
+                  </a:txBody>
+                  <a:tcPr/>
+                </a:tc>
+                <a:tc vMerge="1">
+                  <a:txBody>
+                    <a:bodyPr/>
+                    <a:lstStyle/>
+                    <a:p>
+                      <a:endParaRPr lang="en-US"/>
+                    </a:p>
+                  </a:txBody>
+                  <a:tcPr/>
+                </a:tc>
+                <a:tc vMerge="1">
+                  <a:txBody>
+                    <a:bodyPr/>
+                    <a:lstStyle/>
+                    <a:p>
+                      <a:endParaRPr lang="en-US"/>
+                    </a:p>
+                  </a:txBody>
+                  <a:tcPr/>
+                </a:tc>
+                <a:tc vMerge="1">
+                  <a:txBody>
+                    <a:bodyPr/>
+                    <a:lstStyle/>
+                    <a:p>
+                      <a:endParaRPr lang="en-US"/>
+                    </a:p>
+                  </a:txBody>
+                  <a:tcPr/>
+                </a:tc>
+                <a:extLst>
+                  <a:ext uri="{0D108BD9-81ED-4DB2-BD59-A6C34878D82A}">
+                    <a16:rowId xmlns:a16="http://schemas.microsoft.com/office/drawing/2014/main" val="411198905"/>
+                  </a:ext>
+                </a:extLst>
+              </a:tr>
+              <a:tr h="697794">
+                <a:tc vMerge="1">
+                  <a:txBody>
+                    <a:bodyPr/>
+                    <a:lstStyle/>
+                    <a:p>
+                      <a:endParaRPr lang="en-US"/>
+                    </a:p>
+                  </a:txBody>
+                  <a:tcPr/>
+                </a:tc>
+                <a:tc>
+                  <a:txBody>
+                    <a:bodyPr/>
+                    <a:lstStyle/>
+                    <a:p>
+                      <a:pPr algn="r"/>
+                      <a:r>
+                        <a:rPr lang="en-US" sz="2800" dirty="0">
+                          <a:latin typeface="Helvetica" panose="020B0604020202020204" pitchFamily="34" charset="0"/>
+                          <a:cs typeface="Helvetica" panose="020B0604020202020204" pitchFamily="34" charset="0"/>
+                        </a:rPr>
+                        <a:t>edge tables</a:t>
+                      </a:r>
+                    </a:p>
+                  </a:txBody>
+                  <a:tcPr anchor="ctr">
+                    <a:lnL w="12700" cmpd="sng">
+                      <a:noFill/>
+                    </a:lnL>
+                    <a:lnR w="28575" cap="flat" cmpd="sng" algn="ctr">
+                      <a:solidFill>
+                        <a:schemeClr val="bg1">
+                          <a:lumMod val="75000"/>
+                        </a:schemeClr>
+                      </a:solidFill>
+                      <a:prstDash val="dash"/>
+                      <a:round/>
+                      <a:headEnd type="none" w="med" len="med"/>
+                      <a:tailEnd type="none" w="med" len="med"/>
+                    </a:lnR>
+                    <a:lnT w="28575" cap="flat" cmpd="sng" algn="ctr">
+                      <a:solidFill>
+                        <a:schemeClr val="bg1">
+                          <a:lumMod val="65000"/>
+                        </a:schemeClr>
+                      </a:solidFill>
+                      <a:prstDash val="dash"/>
+                      <a:round/>
+                      <a:headEnd type="none" w="med" len="med"/>
+                      <a:tailEnd type="none" w="med" len="med"/>
+                    </a:lnT>
+                    <a:lnB w="28575" cap="flat" cmpd="sng" algn="ctr">
+                      <a:solidFill>
+                        <a:schemeClr val="bg1">
+                          <a:lumMod val="65000"/>
+                        </a:schemeClr>
+                      </a:solidFill>
+                      <a:prstDash val="dash"/>
+                      <a:round/>
+                      <a:headEnd type="none" w="med" len="med"/>
+                      <a:tailEnd type="none" w="med" len="med"/>
+                    </a:lnB>
+                    <a:lnTlToBr w="12700" cmpd="sng">
+                      <a:noFill/>
+                      <a:prstDash val="solid"/>
+                    </a:lnTlToBr>
+                    <a:lnBlToTr w="12700" cmpd="sng">
+                      <a:noFill/>
+                      <a:prstDash val="solid"/>
+                    </a:lnBlToTr>
+                  </a:tcPr>
+                </a:tc>
+                <a:tc>
+                  <a:txBody>
+                    <a:bodyPr/>
+                    <a:lstStyle/>
+                    <a:p>
+                      <a:pPr algn="ctr"/>
+                      <a:r>
+                        <a:rPr lang="en-US" sz="2800" dirty="0">
+                          <a:latin typeface="Helvetica" panose="020B0604020202020204" pitchFamily="34" charset="0"/>
+                          <a:cs typeface="Helvetica" panose="020B0604020202020204" pitchFamily="34" charset="0"/>
+                        </a:rPr>
+                        <a:t>x</a:t>
+                      </a:r>
+                    </a:p>
+                  </a:txBody>
+                  <a:tcPr anchor="ctr">
+                    <a:lnL w="28575" cap="flat" cmpd="sng" algn="ctr">
+                      <a:solidFill>
+                        <a:schemeClr val="bg1">
+                          <a:lumMod val="75000"/>
+                        </a:schemeClr>
+                      </a:solidFill>
+                      <a:prstDash val="dash"/>
+                      <a:round/>
+                      <a:headEnd type="none" w="med" len="med"/>
+                      <a:tailEnd type="none" w="med" len="med"/>
+                    </a:lnL>
+                    <a:lnR w="28575" cap="flat" cmpd="sng" algn="ctr">
+                      <a:solidFill>
+                        <a:schemeClr val="bg1">
+                          <a:lumMod val="75000"/>
+                        </a:schemeClr>
+                      </a:solidFill>
+                      <a:prstDash val="dash"/>
+                      <a:round/>
+                      <a:headEnd type="none" w="med" len="med"/>
+                      <a:tailEnd type="none" w="med" len="med"/>
+                    </a:lnR>
+                    <a:lnT w="28575" cap="flat" cmpd="sng" algn="ctr">
+                      <a:solidFill>
+                        <a:schemeClr val="bg1">
+                          <a:lumMod val="65000"/>
+                        </a:schemeClr>
+                      </a:solidFill>
+                      <a:prstDash val="dash"/>
+                      <a:round/>
+                      <a:headEnd type="none" w="med" len="med"/>
+                      <a:tailEnd type="none" w="med" len="med"/>
+                    </a:lnT>
+                    <a:lnB w="28575" cap="flat" cmpd="sng" algn="ctr">
+                      <a:solidFill>
+                        <a:schemeClr val="bg1">
+                          <a:lumMod val="65000"/>
+                        </a:schemeClr>
+                      </a:solidFill>
+                      <a:prstDash val="dash"/>
+                      <a:round/>
+                      <a:headEnd type="none" w="med" len="med"/>
+                      <a:tailEnd type="none" w="med" len="med"/>
+                    </a:lnB>
+                    <a:lnTlToBr w="12700" cmpd="sng">
+                      <a:noFill/>
+                      <a:prstDash val="solid"/>
+                    </a:lnTlToBr>
+                    <a:lnBlToTr w="12700" cmpd="sng">
+                      <a:noFill/>
+                      <a:prstDash val="solid"/>
+                    </a:lnBlToTr>
+                  </a:tcPr>
+                </a:tc>
+                <a:tc vMerge="1">
+                  <a:txBody>
+                    <a:bodyPr/>
+                    <a:lstStyle/>
+                    <a:p>
+                      <a:endParaRPr lang="en-US"/>
+                    </a:p>
+                  </a:txBody>
+                  <a:tcPr/>
+                </a:tc>
+                <a:tc vMerge="1">
+                  <a:txBody>
+                    <a:bodyPr/>
+                    <a:lstStyle/>
+                    <a:p>
+                      <a:endParaRPr lang="en-US"/>
+                    </a:p>
+                  </a:txBody>
+                  <a:tcPr/>
+                </a:tc>
+                <a:tc vMerge="1">
+                  <a:txBody>
+                    <a:bodyPr/>
+                    <a:lstStyle/>
+                    <a:p>
+                      <a:endParaRPr lang="en-US"/>
+                    </a:p>
+                  </a:txBody>
+                  <a:tcPr/>
+                </a:tc>
+                <a:tc vMerge="1">
+                  <a:txBody>
+                    <a:bodyPr/>
+                    <a:lstStyle/>
+                    <a:p>
+                      <a:endParaRPr lang="en-US"/>
+                    </a:p>
+                  </a:txBody>
+                  <a:tcPr/>
+                </a:tc>
+                <a:extLst>
+                  <a:ext uri="{0D108BD9-81ED-4DB2-BD59-A6C34878D82A}">
+                    <a16:rowId xmlns:a16="http://schemas.microsoft.com/office/drawing/2014/main" val="400560773"/>
+                  </a:ext>
+                </a:extLst>
+              </a:tr>
+              <a:tr h="697794">
+                <a:tc vMerge="1">
+                  <a:txBody>
+                    <a:bodyPr/>
+                    <a:lstStyle/>
+                    <a:p>
+                      <a:endParaRPr lang="en-US"/>
+                    </a:p>
+                  </a:txBody>
+                  <a:tcPr/>
+                </a:tc>
+                <a:tc>
+                  <a:txBody>
+                    <a:bodyPr/>
+                    <a:lstStyle/>
+                    <a:p>
+                      <a:pPr algn="r"/>
+                      <a:r>
+                        <a:rPr lang="en-US" sz="2800" dirty="0">
+                          <a:latin typeface="Helvetica" panose="020B0604020202020204" pitchFamily="34" charset="0"/>
+                          <a:cs typeface="Helvetica" panose="020B0604020202020204" pitchFamily="34" charset="0"/>
+                        </a:rPr>
+                        <a:t>subject tables</a:t>
+                      </a:r>
+                    </a:p>
+                  </a:txBody>
+                  <a:tcPr anchor="ctr">
+                    <a:lnL w="12700" cmpd="sng">
+                      <a:noFill/>
+                    </a:lnL>
+                    <a:lnR w="28575" cap="flat" cmpd="sng" algn="ctr">
+                      <a:solidFill>
+                        <a:schemeClr val="bg1">
+                          <a:lumMod val="75000"/>
+                        </a:schemeClr>
+                      </a:solidFill>
+                      <a:prstDash val="dash"/>
+                      <a:round/>
+                      <a:headEnd type="none" w="med" len="med"/>
+                      <a:tailEnd type="none" w="med" len="med"/>
+                    </a:lnR>
+                    <a:lnT w="28575" cap="flat" cmpd="sng" algn="ctr">
+                      <a:solidFill>
+                        <a:schemeClr val="bg1">
+                          <a:lumMod val="65000"/>
+                        </a:schemeClr>
+                      </a:solidFill>
+                      <a:prstDash val="dash"/>
+                      <a:round/>
+                      <a:headEnd type="none" w="med" len="med"/>
+                      <a:tailEnd type="none" w="med" len="med"/>
+                    </a:lnT>
+                    <a:lnB w="38100" cap="flat" cmpd="sng" algn="ctr">
+                      <a:solidFill>
+                        <a:schemeClr val="accent4">
+                          <a:lumMod val="50000"/>
+                        </a:schemeClr>
+                      </a:solidFill>
+                      <a:prstDash val="sysDash"/>
+                      <a:round/>
+                      <a:headEnd type="none" w="med" len="med"/>
+                      <a:tailEnd type="none" w="med" len="med"/>
+                    </a:lnB>
+                    <a:lnTlToBr w="12700" cmpd="sng">
+                      <a:noFill/>
+                      <a:prstDash val="solid"/>
+                    </a:lnTlToBr>
+                    <a:lnBlToTr w="12700" cmpd="sng">
+                      <a:noFill/>
+                      <a:prstDash val="solid"/>
+                    </a:lnBlToTr>
+                  </a:tcPr>
+                </a:tc>
+                <a:tc>
+                  <a:txBody>
+                    <a:bodyPr/>
+                    <a:lstStyle/>
+                    <a:p>
+                      <a:pPr algn="ctr"/>
+                      <a:r>
+                        <a:rPr lang="en-US" sz="2800" dirty="0">
+                          <a:latin typeface="Helvetica" panose="020B0604020202020204" pitchFamily="34" charset="0"/>
+                          <a:cs typeface="Helvetica" panose="020B0604020202020204" pitchFamily="34" charset="0"/>
+                        </a:rPr>
+                        <a:t>MFA-normalized</a:t>
+                      </a:r>
+                    </a:p>
+                  </a:txBody>
+                  <a:tcPr anchor="ctr">
+                    <a:lnL w="28575" cap="flat" cmpd="sng" algn="ctr">
+                      <a:solidFill>
+                        <a:schemeClr val="bg1">
+                          <a:lumMod val="75000"/>
+                        </a:schemeClr>
+                      </a:solidFill>
+                      <a:prstDash val="dash"/>
+                      <a:round/>
+                      <a:headEnd type="none" w="med" len="med"/>
+                      <a:tailEnd type="none" w="med" len="med"/>
+                    </a:lnL>
+                    <a:lnR w="28575" cap="flat" cmpd="sng" algn="ctr">
+                      <a:solidFill>
+                        <a:schemeClr val="bg1">
+                          <a:lumMod val="75000"/>
+                        </a:schemeClr>
+                      </a:solidFill>
+                      <a:prstDash val="dash"/>
+                      <a:round/>
+                      <a:headEnd type="none" w="med" len="med"/>
+                      <a:tailEnd type="none" w="med" len="med"/>
+                    </a:lnR>
+                    <a:lnT w="28575" cap="flat" cmpd="sng" algn="ctr">
+                      <a:solidFill>
+                        <a:schemeClr val="bg1">
+                          <a:lumMod val="65000"/>
+                        </a:schemeClr>
+                      </a:solidFill>
+                      <a:prstDash val="dash"/>
+                      <a:round/>
+                      <a:headEnd type="none" w="med" len="med"/>
+                      <a:tailEnd type="none" w="med" len="med"/>
+                    </a:lnT>
+                    <a:lnB w="38100" cap="flat" cmpd="sng" algn="ctr">
+                      <a:solidFill>
+                        <a:schemeClr val="accent4">
+                          <a:lumMod val="50000"/>
+                        </a:schemeClr>
+                      </a:solidFill>
+                      <a:prstDash val="sysDash"/>
+                      <a:round/>
+                      <a:headEnd type="none" w="med" len="med"/>
+                      <a:tailEnd type="none" w="med" len="med"/>
+                    </a:lnB>
+                    <a:lnTlToBr w="12700" cmpd="sng">
+                      <a:noFill/>
+                      <a:prstDash val="solid"/>
+                    </a:lnTlToBr>
+                    <a:lnBlToTr w="12700" cmpd="sng">
+                      <a:noFill/>
+                      <a:prstDash val="solid"/>
+                    </a:lnBlToTr>
+                  </a:tcPr>
+                </a:tc>
+                <a:tc vMerge="1">
+                  <a:txBody>
+                    <a:bodyPr/>
+                    <a:lstStyle/>
+                    <a:p>
+                      <a:endParaRPr lang="en-US"/>
+                    </a:p>
+                  </a:txBody>
+                  <a:tcPr/>
+                </a:tc>
+                <a:tc vMerge="1">
+                  <a:txBody>
+                    <a:bodyPr/>
+                    <a:lstStyle/>
+                    <a:p>
+                      <a:endParaRPr lang="en-US"/>
+                    </a:p>
+                  </a:txBody>
+                  <a:tcPr/>
+                </a:tc>
+                <a:tc vMerge="1">
+                  <a:txBody>
+                    <a:bodyPr/>
+                    <a:lstStyle/>
+                    <a:p>
+                      <a:endParaRPr lang="en-US"/>
+                    </a:p>
+                  </a:txBody>
+                  <a:tcPr/>
+                </a:tc>
+                <a:tc vMerge="1">
+                  <a:txBody>
+                    <a:bodyPr/>
+                    <a:lstStyle/>
+                    <a:p>
+                      <a:endParaRPr lang="en-US"/>
+                    </a:p>
+                  </a:txBody>
+                  <a:tcPr/>
+                </a:tc>
+                <a:extLst>
+                  <a:ext uri="{0D108BD9-81ED-4DB2-BD59-A6C34878D82A}">
+                    <a16:rowId xmlns:a16="http://schemas.microsoft.com/office/drawing/2014/main" val="128366673"/>
+                  </a:ext>
+                </a:extLst>
+              </a:tr>
+              <a:tr h="697794">
+                <a:tc rowSpan="5">
+                  <a:txBody>
+                    <a:bodyPr/>
+                    <a:lstStyle/>
+                    <a:p>
+                      <a:pPr algn="ctr"/>
+                      <a:r>
+                        <a:rPr lang="en-US" sz="2800" b="1" dirty="0">
+                          <a:latin typeface="Helvetica" panose="020B0604020202020204" pitchFamily="34" charset="0"/>
+                          <a:cs typeface="Helvetica" panose="020B0604020202020204" pitchFamily="34" charset="0"/>
+                        </a:rPr>
+                        <a:t>2</a:t>
+                      </a:r>
+                    </a:p>
+                  </a:txBody>
+                  <a:tcPr anchor="ctr">
+                    <a:lnL w="12700" cmpd="sng">
+                      <a:noFill/>
+                    </a:lnL>
+                    <a:lnR w="12700" cmpd="sng">
+                      <a:noFill/>
+                    </a:lnR>
+                    <a:lnT w="38100" cap="flat" cmpd="sng" algn="ctr">
+                      <a:solidFill>
+                        <a:schemeClr val="accent4">
+                          <a:lumMod val="50000"/>
+                        </a:schemeClr>
+                      </a:solidFill>
+                      <a:prstDash val="sysDash"/>
+                      <a:round/>
+                      <a:headEnd type="none" w="med" len="med"/>
+                      <a:tailEnd type="none" w="med" len="med"/>
+                    </a:lnT>
+                    <a:lnB w="38100" cap="flat" cmpd="sng" algn="ctr">
+                      <a:solidFill>
+                        <a:schemeClr val="accent4">
+                          <a:lumMod val="50000"/>
+                        </a:schemeClr>
+                      </a:solidFill>
+                      <a:prstDash val="sysDash"/>
+                      <a:round/>
+                      <a:headEnd type="none" w="med" len="med"/>
+                      <a:tailEnd type="none" w="med" len="med"/>
+                    </a:lnB>
+                    <a:lnTlToBr w="12700" cmpd="sng">
+                      <a:noFill/>
+                      <a:prstDash val="solid"/>
+                    </a:lnTlToBr>
+                    <a:lnBlToTr w="12700" cmpd="sng">
+                      <a:noFill/>
+                      <a:prstDash val="solid"/>
+                    </a:lnBlToTr>
+                    <a:solidFill>
+                      <a:schemeClr val="accent4">
+                        <a:lumMod val="40000"/>
+                        <a:lumOff val="60000"/>
+                      </a:schemeClr>
+                    </a:solidFill>
+                  </a:tcPr>
+                </a:tc>
+                <a:tc>
+                  <a:txBody>
+                    <a:bodyPr/>
+                    <a:lstStyle/>
+                    <a:p>
+                      <a:pPr algn="r"/>
+                      <a:r>
+                        <a:rPr lang="en-US" sz="2800" dirty="0">
+                          <a:latin typeface="Helvetica" panose="020B0604020202020204" pitchFamily="34" charset="0"/>
+                          <a:cs typeface="Helvetica" panose="020B0604020202020204" pitchFamily="34" charset="0"/>
+                        </a:rPr>
+                        <a:t>z-matrices</a:t>
+                      </a:r>
+                    </a:p>
+                  </a:txBody>
+                  <a:tcPr anchor="ctr">
+                    <a:lnL w="12700" cmpd="sng">
+                      <a:noFill/>
+                    </a:lnL>
+                    <a:lnR w="28575" cap="flat" cmpd="sng" algn="ctr">
+                      <a:solidFill>
+                        <a:schemeClr val="bg1">
+                          <a:lumMod val="75000"/>
+                        </a:schemeClr>
+                      </a:solidFill>
+                      <a:prstDash val="dash"/>
+                      <a:round/>
+                      <a:headEnd type="none" w="med" len="med"/>
+                      <a:tailEnd type="none" w="med" len="med"/>
+                    </a:lnR>
+                    <a:lnT w="38100" cap="flat" cmpd="sng" algn="ctr">
+                      <a:solidFill>
+                        <a:schemeClr val="accent4">
+                          <a:lumMod val="50000"/>
+                        </a:schemeClr>
+                      </a:solidFill>
+                      <a:prstDash val="sysDash"/>
+                      <a:round/>
+                      <a:headEnd type="none" w="med" len="med"/>
+                      <a:tailEnd type="none" w="med" len="med"/>
+                    </a:lnT>
+                    <a:lnB w="28575" cap="flat" cmpd="sng" algn="ctr">
+                      <a:solidFill>
+                        <a:schemeClr val="bg1">
+                          <a:lumMod val="65000"/>
+                        </a:schemeClr>
+                      </a:solidFill>
+                      <a:prstDash val="dash"/>
+                      <a:round/>
+                      <a:headEnd type="none" w="med" len="med"/>
+                      <a:tailEnd type="none" w="med" len="med"/>
+                    </a:lnB>
+                    <a:lnTlToBr w="12700" cmpd="sng">
+                      <a:noFill/>
+                      <a:prstDash val="solid"/>
+                    </a:lnTlToBr>
+                    <a:lnBlToTr w="12700" cmpd="sng">
+                      <a:noFill/>
+                      <a:prstDash val="solid"/>
+                    </a:lnBlToTr>
+                  </a:tcPr>
+                </a:tc>
+                <a:tc>
+                  <a:txBody>
+                    <a:bodyPr/>
+                    <a:lstStyle/>
+                    <a:p>
+                      <a:pPr algn="ctr"/>
+                      <a:r>
+                        <a:rPr lang="en-US" sz="2800" dirty="0">
+                          <a:latin typeface="Helvetica" panose="020B0604020202020204" pitchFamily="34" charset="0"/>
+                          <a:cs typeface="Helvetica" panose="020B0604020202020204" pitchFamily="34" charset="0"/>
+                        </a:rPr>
+                        <a:t>x</a:t>
+                      </a:r>
+                    </a:p>
+                  </a:txBody>
+                  <a:tcPr anchor="ctr">
+                    <a:lnL w="28575" cap="flat" cmpd="sng" algn="ctr">
+                      <a:solidFill>
+                        <a:schemeClr val="bg1">
+                          <a:lumMod val="75000"/>
+                        </a:schemeClr>
+                      </a:solidFill>
+                      <a:prstDash val="dash"/>
+                      <a:round/>
+                      <a:headEnd type="none" w="med" len="med"/>
+                      <a:tailEnd type="none" w="med" len="med"/>
+                    </a:lnL>
+                    <a:lnR w="28575" cap="flat" cmpd="sng" algn="ctr">
+                      <a:solidFill>
+                        <a:schemeClr val="bg1">
+                          <a:lumMod val="75000"/>
+                        </a:schemeClr>
+                      </a:solidFill>
+                      <a:prstDash val="dash"/>
+                      <a:round/>
+                      <a:headEnd type="none" w="med" len="med"/>
+                      <a:tailEnd type="none" w="med" len="med"/>
+                    </a:lnR>
+                    <a:lnT w="38100" cap="flat" cmpd="sng" algn="ctr">
+                      <a:solidFill>
+                        <a:schemeClr val="accent4">
+                          <a:lumMod val="50000"/>
+                        </a:schemeClr>
+                      </a:solidFill>
+                      <a:prstDash val="sysDash"/>
+                      <a:round/>
+                      <a:headEnd type="none" w="med" len="med"/>
+                      <a:tailEnd type="none" w="med" len="med"/>
+                    </a:lnT>
+                    <a:lnB w="28575" cap="flat" cmpd="sng" algn="ctr">
+                      <a:solidFill>
+                        <a:schemeClr val="bg1">
+                          <a:lumMod val="65000"/>
+                        </a:schemeClr>
+                      </a:solidFill>
+                      <a:prstDash val="dash"/>
+                      <a:round/>
+                      <a:headEnd type="none" w="med" len="med"/>
+                      <a:tailEnd type="none" w="med" len="med"/>
+                    </a:lnB>
+                    <a:lnTlToBr w="12700" cmpd="sng">
+                      <a:noFill/>
+                      <a:prstDash val="solid"/>
+                    </a:lnTlToBr>
+                    <a:lnBlToTr w="12700" cmpd="sng">
+                      <a:noFill/>
+                      <a:prstDash val="solid"/>
+                    </a:lnBlToTr>
+                  </a:tcPr>
+                </a:tc>
+                <a:tc rowSpan="5">
+                  <a:txBody>
+                    <a:bodyPr/>
+                    <a:lstStyle/>
+                    <a:p>
+                      <a:endParaRPr lang="en-US" sz="2800" dirty="0">
+                        <a:latin typeface="Helvetica" panose="020B0604020202020204" pitchFamily="34" charset="0"/>
+                        <a:cs typeface="Helvetica" panose="020B0604020202020204" pitchFamily="34" charset="0"/>
+                      </a:endParaRPr>
+                    </a:p>
+                  </a:txBody>
+                  <a:tcPr anchor="ctr">
+                    <a:lnL w="28575" cap="flat" cmpd="sng" algn="ctr">
+                      <a:solidFill>
+                        <a:schemeClr val="bg1">
+                          <a:lumMod val="75000"/>
+                        </a:schemeClr>
+                      </a:solidFill>
+                      <a:prstDash val="dash"/>
+                      <a:round/>
+                      <a:headEnd type="none" w="med" len="med"/>
+                      <a:tailEnd type="none" w="med" len="med"/>
+                    </a:lnL>
+                    <a:lnR w="12700" cmpd="sng">
+                      <a:noFill/>
+                    </a:lnR>
+                    <a:lnT w="38100" cap="flat" cmpd="sng" algn="ctr">
+                      <a:solidFill>
+                        <a:schemeClr val="accent4">
+                          <a:lumMod val="50000"/>
+                        </a:schemeClr>
+                      </a:solidFill>
+                      <a:prstDash val="sysDash"/>
+                      <a:round/>
+                      <a:headEnd type="none" w="med" len="med"/>
+                      <a:tailEnd type="none" w="med" len="med"/>
+                    </a:lnT>
+                    <a:lnB w="38100" cap="flat" cmpd="sng" algn="ctr">
+                      <a:solidFill>
+                        <a:schemeClr val="accent4">
+                          <a:lumMod val="50000"/>
+                        </a:schemeClr>
+                      </a:solidFill>
+                      <a:prstDash val="sysDash"/>
+                      <a:round/>
+                      <a:headEnd type="none" w="med" len="med"/>
+                      <a:tailEnd type="none" w="med" len="med"/>
+                    </a:lnB>
+                    <a:lnTlToBr w="12700" cmpd="sng">
+                      <a:noFill/>
+                      <a:prstDash val="solid"/>
+                    </a:lnTlToBr>
+                    <a:lnBlToTr w="12700" cmpd="sng">
+                      <a:noFill/>
+                      <a:prstDash val="solid"/>
+                    </a:lnBlToTr>
+                  </a:tcPr>
+                </a:tc>
+                <a:tc rowSpan="5">
+                  <a:txBody>
+                    <a:bodyPr/>
+                    <a:lstStyle/>
+                    <a:p>
+                      <a:endParaRPr lang="en-US" sz="2800" dirty="0">
+                        <a:latin typeface="Helvetica" panose="020B0604020202020204" pitchFamily="34" charset="0"/>
+                        <a:cs typeface="Helvetica" panose="020B0604020202020204" pitchFamily="34" charset="0"/>
+                      </a:endParaRPr>
+                    </a:p>
+                  </a:txBody>
+                  <a:tcPr anchor="ctr">
+                    <a:lnL w="12700" cmpd="sng">
+                      <a:noFill/>
+                    </a:lnL>
+                    <a:lnR w="12700" cmpd="sng">
+                      <a:noFill/>
+                    </a:lnR>
+                    <a:lnT w="38100" cap="flat" cmpd="sng" algn="ctr">
+                      <a:solidFill>
+                        <a:schemeClr val="accent4">
+                          <a:lumMod val="50000"/>
+                        </a:schemeClr>
+                      </a:solidFill>
+                      <a:prstDash val="sysDash"/>
+                      <a:round/>
+                      <a:headEnd type="none" w="med" len="med"/>
+                      <a:tailEnd type="none" w="med" len="med"/>
+                    </a:lnT>
+                    <a:lnB w="38100" cap="flat" cmpd="sng" algn="ctr">
+                      <a:solidFill>
+                        <a:schemeClr val="accent4">
+                          <a:lumMod val="50000"/>
+                        </a:schemeClr>
+                      </a:solidFill>
+                      <a:prstDash val="sysDash"/>
+                      <a:round/>
+                      <a:headEnd type="none" w="med" len="med"/>
+                      <a:tailEnd type="none" w="med" len="med"/>
+                    </a:lnB>
+                    <a:lnTlToBr w="12700" cmpd="sng">
+                      <a:noFill/>
+                      <a:prstDash val="solid"/>
+                    </a:lnTlToBr>
+                    <a:lnBlToTr w="12700" cmpd="sng">
+                      <a:noFill/>
+                      <a:prstDash val="solid"/>
+                    </a:lnBlToTr>
+                  </a:tcPr>
+                </a:tc>
+                <a:tc rowSpan="5">
+                  <a:txBody>
+                    <a:bodyPr/>
+                    <a:lstStyle/>
+                    <a:p>
+                      <a:endParaRPr lang="en-US" sz="2800" dirty="0">
+                        <a:latin typeface="Helvetica" panose="020B0604020202020204" pitchFamily="34" charset="0"/>
+                        <a:cs typeface="Helvetica" panose="020B0604020202020204" pitchFamily="34" charset="0"/>
+                      </a:endParaRPr>
+                    </a:p>
+                  </a:txBody>
+                  <a:tcPr anchor="ctr">
+                    <a:lnL w="12700" cmpd="sng">
+                      <a:noFill/>
+                    </a:lnL>
+                    <a:lnR w="12700" cmpd="sng">
+                      <a:noFill/>
+                    </a:lnR>
+                    <a:lnT w="38100" cap="flat" cmpd="sng" algn="ctr">
+                      <a:solidFill>
+                        <a:schemeClr val="accent4">
+                          <a:lumMod val="50000"/>
+                        </a:schemeClr>
+                      </a:solidFill>
+                      <a:prstDash val="sysDash"/>
+                      <a:round/>
+                      <a:headEnd type="none" w="med" len="med"/>
+                      <a:tailEnd type="none" w="med" len="med"/>
+                    </a:lnT>
+                    <a:lnB w="38100" cap="flat" cmpd="sng" algn="ctr">
+                      <a:solidFill>
+                        <a:schemeClr val="accent4">
+                          <a:lumMod val="50000"/>
+                        </a:schemeClr>
+                      </a:solidFill>
+                      <a:prstDash val="sysDash"/>
+                      <a:round/>
+                      <a:headEnd type="none" w="med" len="med"/>
+                      <a:tailEnd type="none" w="med" len="med"/>
+                    </a:lnB>
+                    <a:lnTlToBr w="12700" cmpd="sng">
+                      <a:noFill/>
+                      <a:prstDash val="solid"/>
+                    </a:lnTlToBr>
+                    <a:lnBlToTr w="12700" cmpd="sng">
+                      <a:noFill/>
+                      <a:prstDash val="solid"/>
+                    </a:lnBlToTr>
+                  </a:tcPr>
+                </a:tc>
+                <a:tc rowSpan="5">
+                  <a:txBody>
+                    <a:bodyPr/>
+                    <a:lstStyle/>
+                    <a:p>
+                      <a:endParaRPr lang="en-US" sz="2800" dirty="0">
+                        <a:latin typeface="Helvetica" panose="020B0604020202020204" pitchFamily="34" charset="0"/>
+                        <a:cs typeface="Helvetica" panose="020B0604020202020204" pitchFamily="34" charset="0"/>
+                      </a:endParaRPr>
+                    </a:p>
+                  </a:txBody>
+                  <a:tcPr anchor="ctr">
+                    <a:lnL w="12700" cmpd="sng">
+                      <a:noFill/>
+                    </a:lnL>
+                    <a:lnR w="12700" cmpd="sng">
+                      <a:noFill/>
+                    </a:lnR>
+                    <a:lnT w="38100" cap="flat" cmpd="sng" algn="ctr">
+                      <a:solidFill>
+                        <a:schemeClr val="accent4">
+                          <a:lumMod val="50000"/>
+                        </a:schemeClr>
+                      </a:solidFill>
+                      <a:prstDash val="sysDash"/>
+                      <a:round/>
+                      <a:headEnd type="none" w="med" len="med"/>
+                      <a:tailEnd type="none" w="med" len="med"/>
+                    </a:lnT>
+                    <a:lnB w="38100" cap="flat" cmpd="sng" algn="ctr">
+                      <a:solidFill>
+                        <a:schemeClr val="accent4">
+                          <a:lumMod val="50000"/>
+                        </a:schemeClr>
+                      </a:solidFill>
+                      <a:prstDash val="sysDash"/>
+                      <a:round/>
+                      <a:headEnd type="none" w="med" len="med"/>
+                      <a:tailEnd type="none" w="med" len="med"/>
+                    </a:lnB>
+                    <a:lnTlToBr w="12700" cmpd="sng">
+                      <a:noFill/>
+                      <a:prstDash val="solid"/>
+                    </a:lnTlToBr>
+                    <a:lnBlToTr w="12700" cmpd="sng">
+                      <a:noFill/>
+                      <a:prstDash val="solid"/>
+                    </a:lnBlToTr>
+                  </a:tcPr>
+                </a:tc>
+                <a:extLst>
+                  <a:ext uri="{0D108BD9-81ED-4DB2-BD59-A6C34878D82A}">
+                    <a16:rowId xmlns:a16="http://schemas.microsoft.com/office/drawing/2014/main" val="4078319840"/>
+                  </a:ext>
+                </a:extLst>
+              </a:tr>
+              <a:tr h="697794">
+                <a:tc vMerge="1">
+                  <a:txBody>
+                    <a:bodyPr/>
+                    <a:lstStyle/>
+                    <a:p>
+                      <a:endParaRPr lang="en-US"/>
+                    </a:p>
+                  </a:txBody>
+                  <a:tcPr/>
+                </a:tc>
+                <a:tc>
+                  <a:txBody>
+                    <a:bodyPr/>
+                    <a:lstStyle/>
+                    <a:p>
+                      <a:pPr algn="r"/>
+                      <a:r>
+                        <a:rPr lang="en-US" sz="2800" dirty="0">
+                          <a:latin typeface="Helvetica" panose="020B0604020202020204" pitchFamily="34" charset="0"/>
+                          <a:cs typeface="Helvetica" panose="020B0604020202020204" pitchFamily="34" charset="0"/>
+                        </a:rPr>
+                        <a:t>rows</a:t>
+                      </a:r>
+                    </a:p>
+                  </a:txBody>
+                  <a:tcPr anchor="ctr">
+                    <a:lnL w="12700" cmpd="sng">
+                      <a:noFill/>
+                    </a:lnL>
+                    <a:lnR w="28575" cap="flat" cmpd="sng" algn="ctr">
+                      <a:solidFill>
+                        <a:schemeClr val="bg1">
+                          <a:lumMod val="75000"/>
+                        </a:schemeClr>
+                      </a:solidFill>
+                      <a:prstDash val="dash"/>
+                      <a:round/>
+                      <a:headEnd type="none" w="med" len="med"/>
+                      <a:tailEnd type="none" w="med" len="med"/>
+                    </a:lnR>
+                    <a:lnT w="28575" cap="flat" cmpd="sng" algn="ctr">
+                      <a:solidFill>
+                        <a:schemeClr val="bg1">
+                          <a:lumMod val="65000"/>
+                        </a:schemeClr>
+                      </a:solidFill>
+                      <a:prstDash val="dash"/>
+                      <a:round/>
+                      <a:headEnd type="none" w="med" len="med"/>
+                      <a:tailEnd type="none" w="med" len="med"/>
+                    </a:lnT>
+                    <a:lnB w="28575" cap="flat" cmpd="sng" algn="ctr">
+                      <a:solidFill>
+                        <a:schemeClr val="bg1">
+                          <a:lumMod val="65000"/>
+                        </a:schemeClr>
+                      </a:solidFill>
+                      <a:prstDash val="dash"/>
+                      <a:round/>
+                      <a:headEnd type="none" w="med" len="med"/>
+                      <a:tailEnd type="none" w="med" len="med"/>
+                    </a:lnB>
+                    <a:lnTlToBr w="12700" cmpd="sng">
+                      <a:noFill/>
+                      <a:prstDash val="solid"/>
+                    </a:lnTlToBr>
+                    <a:lnBlToTr w="12700" cmpd="sng">
+                      <a:noFill/>
+                      <a:prstDash val="solid"/>
+                    </a:lnBlToTr>
+                  </a:tcPr>
+                </a:tc>
+                <a:tc>
+                  <a:txBody>
+                    <a:bodyPr/>
+                    <a:lstStyle/>
+                    <a:p>
+                      <a:pPr algn="ctr"/>
+                      <a:r>
+                        <a:rPr lang="en-US" sz="2800" dirty="0">
+                          <a:latin typeface="Helvetica" panose="020B0604020202020204" pitchFamily="34" charset="0"/>
+                          <a:cs typeface="Helvetica" panose="020B0604020202020204" pitchFamily="34" charset="0"/>
+                        </a:rPr>
+                        <a:t>x</a:t>
+                      </a:r>
+                    </a:p>
+                  </a:txBody>
+                  <a:tcPr anchor="ctr">
+                    <a:lnL w="28575" cap="flat" cmpd="sng" algn="ctr">
+                      <a:solidFill>
+                        <a:schemeClr val="bg1">
+                          <a:lumMod val="75000"/>
+                        </a:schemeClr>
+                      </a:solidFill>
+                      <a:prstDash val="dash"/>
+                      <a:round/>
+                      <a:headEnd type="none" w="med" len="med"/>
+                      <a:tailEnd type="none" w="med" len="med"/>
+                    </a:lnL>
+                    <a:lnR w="28575" cap="flat" cmpd="sng" algn="ctr">
+                      <a:solidFill>
+                        <a:schemeClr val="bg1">
+                          <a:lumMod val="75000"/>
+                        </a:schemeClr>
+                      </a:solidFill>
+                      <a:prstDash val="dash"/>
+                      <a:round/>
+                      <a:headEnd type="none" w="med" len="med"/>
+                      <a:tailEnd type="none" w="med" len="med"/>
+                    </a:lnR>
+                    <a:lnT w="28575" cap="flat" cmpd="sng" algn="ctr">
+                      <a:solidFill>
+                        <a:schemeClr val="bg1">
+                          <a:lumMod val="65000"/>
+                        </a:schemeClr>
+                      </a:solidFill>
+                      <a:prstDash val="dash"/>
+                      <a:round/>
+                      <a:headEnd type="none" w="med" len="med"/>
+                      <a:tailEnd type="none" w="med" len="med"/>
+                    </a:lnT>
+                    <a:lnB w="28575" cap="flat" cmpd="sng" algn="ctr">
+                      <a:solidFill>
+                        <a:schemeClr val="bg1">
+                          <a:lumMod val="65000"/>
+                        </a:schemeClr>
+                      </a:solidFill>
+                      <a:prstDash val="dash"/>
+                      <a:round/>
+                      <a:headEnd type="none" w="med" len="med"/>
+                      <a:tailEnd type="none" w="med" len="med"/>
+                    </a:lnB>
+                    <a:lnTlToBr w="12700" cmpd="sng">
+                      <a:noFill/>
+                      <a:prstDash val="solid"/>
+                    </a:lnTlToBr>
+                    <a:lnBlToTr w="12700" cmpd="sng">
+                      <a:noFill/>
+                      <a:prstDash val="solid"/>
+                    </a:lnBlToTr>
+                  </a:tcPr>
+                </a:tc>
+                <a:tc vMerge="1">
+                  <a:txBody>
+                    <a:bodyPr/>
+                    <a:lstStyle/>
+                    <a:p>
+                      <a:endParaRPr lang="en-US"/>
+                    </a:p>
+                  </a:txBody>
+                  <a:tcPr/>
+                </a:tc>
+                <a:tc vMerge="1">
+                  <a:txBody>
+                    <a:bodyPr/>
+                    <a:lstStyle/>
+                    <a:p>
+                      <a:endParaRPr lang="en-US"/>
+                    </a:p>
+                  </a:txBody>
+                  <a:tcPr/>
+                </a:tc>
+                <a:tc vMerge="1">
+                  <a:txBody>
+                    <a:bodyPr/>
+                    <a:lstStyle/>
+                    <a:p>
+                      <a:endParaRPr lang="en-US"/>
+                    </a:p>
+                  </a:txBody>
+                  <a:tcPr/>
+                </a:tc>
+                <a:tc vMerge="1">
+                  <a:txBody>
+                    <a:bodyPr/>
+                    <a:lstStyle/>
+                    <a:p>
+                      <a:endParaRPr lang="en-US"/>
+                    </a:p>
+                  </a:txBody>
+                  <a:tcPr/>
+                </a:tc>
+                <a:extLst>
+                  <a:ext uri="{0D108BD9-81ED-4DB2-BD59-A6C34878D82A}">
+                    <a16:rowId xmlns:a16="http://schemas.microsoft.com/office/drawing/2014/main" val="3405488628"/>
+                  </a:ext>
+                </a:extLst>
+              </a:tr>
+              <a:tr h="697794">
+                <a:tc vMerge="1">
+                  <a:txBody>
+                    <a:bodyPr/>
+                    <a:lstStyle/>
+                    <a:p>
+                      <a:endParaRPr lang="en-US"/>
+                    </a:p>
+                  </a:txBody>
+                  <a:tcPr/>
+                </a:tc>
+                <a:tc>
+                  <a:txBody>
+                    <a:bodyPr/>
+                    <a:lstStyle/>
+                    <a:p>
+                      <a:pPr algn="r"/>
+                      <a:r>
+                        <a:rPr lang="en-US" sz="2800" dirty="0">
+                          <a:latin typeface="Helvetica" panose="020B0604020202020204" pitchFamily="34" charset="0"/>
+                          <a:cs typeface="Helvetica" panose="020B0604020202020204" pitchFamily="34" charset="0"/>
+                        </a:rPr>
+                        <a:t>columns</a:t>
+                      </a:r>
+                    </a:p>
+                  </a:txBody>
+                  <a:tcPr anchor="ctr">
+                    <a:lnL w="12700" cmpd="sng">
+                      <a:noFill/>
+                    </a:lnL>
+                    <a:lnR w="28575" cap="flat" cmpd="sng" algn="ctr">
+                      <a:solidFill>
+                        <a:schemeClr val="bg1">
+                          <a:lumMod val="75000"/>
+                        </a:schemeClr>
+                      </a:solidFill>
+                      <a:prstDash val="dash"/>
+                      <a:round/>
+                      <a:headEnd type="none" w="med" len="med"/>
+                      <a:tailEnd type="none" w="med" len="med"/>
+                    </a:lnR>
+                    <a:lnT w="28575" cap="flat" cmpd="sng" algn="ctr">
+                      <a:solidFill>
+                        <a:schemeClr val="bg1">
+                          <a:lumMod val="65000"/>
+                        </a:schemeClr>
+                      </a:solidFill>
+                      <a:prstDash val="dash"/>
+                      <a:round/>
+                      <a:headEnd type="none" w="med" len="med"/>
+                      <a:tailEnd type="none" w="med" len="med"/>
+                    </a:lnT>
+                    <a:lnB w="28575" cap="flat" cmpd="sng" algn="ctr">
+                      <a:solidFill>
+                        <a:schemeClr val="bg1">
+                          <a:lumMod val="65000"/>
+                        </a:schemeClr>
+                      </a:solidFill>
+                      <a:prstDash val="dash"/>
+                      <a:round/>
+                      <a:headEnd type="none" w="med" len="med"/>
+                      <a:tailEnd type="none" w="med" len="med"/>
+                    </a:lnB>
+                    <a:lnTlToBr w="12700" cmpd="sng">
+                      <a:noFill/>
+                      <a:prstDash val="solid"/>
+                    </a:lnTlToBr>
+                    <a:lnBlToTr w="12700" cmpd="sng">
+                      <a:noFill/>
+                      <a:prstDash val="solid"/>
+                    </a:lnBlToTr>
+                  </a:tcPr>
+                </a:tc>
+                <a:tc>
+                  <a:txBody>
+                    <a:bodyPr/>
+                    <a:lstStyle/>
+                    <a:p>
+                      <a:pPr algn="ctr"/>
+                      <a:r>
+                        <a:rPr lang="en-US" sz="2800" dirty="0">
+                          <a:latin typeface="Helvetica" panose="020B0604020202020204" pitchFamily="34" charset="0"/>
+                          <a:cs typeface="Helvetica" panose="020B0604020202020204" pitchFamily="34" charset="0"/>
+                        </a:rPr>
+                        <a:t>centered</a:t>
+                      </a:r>
+                    </a:p>
+                  </a:txBody>
+                  <a:tcPr anchor="ctr">
+                    <a:lnL w="28575" cap="flat" cmpd="sng" algn="ctr">
+                      <a:solidFill>
+                        <a:schemeClr val="bg1">
+                          <a:lumMod val="75000"/>
+                        </a:schemeClr>
+                      </a:solidFill>
+                      <a:prstDash val="dash"/>
+                      <a:round/>
+                      <a:headEnd type="none" w="med" len="med"/>
+                      <a:tailEnd type="none" w="med" len="med"/>
+                    </a:lnL>
+                    <a:lnR w="28575" cap="flat" cmpd="sng" algn="ctr">
+                      <a:solidFill>
+                        <a:schemeClr val="bg1">
+                          <a:lumMod val="75000"/>
+                        </a:schemeClr>
+                      </a:solidFill>
+                      <a:prstDash val="dash"/>
+                      <a:round/>
+                      <a:headEnd type="none" w="med" len="med"/>
+                      <a:tailEnd type="none" w="med" len="med"/>
+                    </a:lnR>
+                    <a:lnT w="28575" cap="flat" cmpd="sng" algn="ctr">
+                      <a:solidFill>
+                        <a:schemeClr val="bg1">
+                          <a:lumMod val="65000"/>
+                        </a:schemeClr>
+                      </a:solidFill>
+                      <a:prstDash val="dash"/>
+                      <a:round/>
+                      <a:headEnd type="none" w="med" len="med"/>
+                      <a:tailEnd type="none" w="med" len="med"/>
+                    </a:lnT>
+                    <a:lnB w="28575" cap="flat" cmpd="sng" algn="ctr">
+                      <a:solidFill>
+                        <a:schemeClr val="bg1">
+                          <a:lumMod val="65000"/>
+                        </a:schemeClr>
+                      </a:solidFill>
+                      <a:prstDash val="dash"/>
+                      <a:round/>
+                      <a:headEnd type="none" w="med" len="med"/>
+                      <a:tailEnd type="none" w="med" len="med"/>
+                    </a:lnB>
+                    <a:lnTlToBr w="12700" cmpd="sng">
+                      <a:noFill/>
+                      <a:prstDash val="solid"/>
+                    </a:lnTlToBr>
+                    <a:lnBlToTr w="12700" cmpd="sng">
+                      <a:noFill/>
+                      <a:prstDash val="solid"/>
+                    </a:lnBlToTr>
+                  </a:tcPr>
+                </a:tc>
+                <a:tc vMerge="1">
+                  <a:txBody>
+                    <a:bodyPr/>
+                    <a:lstStyle/>
+                    <a:p>
+                      <a:endParaRPr lang="en-US"/>
+                    </a:p>
+                  </a:txBody>
+                  <a:tcPr/>
+                </a:tc>
+                <a:tc vMerge="1">
+                  <a:txBody>
+                    <a:bodyPr/>
+                    <a:lstStyle/>
+                    <a:p>
+                      <a:endParaRPr lang="en-US"/>
+                    </a:p>
+                  </a:txBody>
+                  <a:tcPr/>
+                </a:tc>
+                <a:tc vMerge="1">
+                  <a:txBody>
+                    <a:bodyPr/>
+                    <a:lstStyle/>
+                    <a:p>
+                      <a:endParaRPr lang="en-US"/>
+                    </a:p>
+                  </a:txBody>
+                  <a:tcPr/>
+                </a:tc>
+                <a:tc vMerge="1">
+                  <a:txBody>
+                    <a:bodyPr/>
+                    <a:lstStyle/>
+                    <a:p>
+                      <a:endParaRPr lang="en-US"/>
+                    </a:p>
+                  </a:txBody>
+                  <a:tcPr/>
+                </a:tc>
+                <a:extLst>
+                  <a:ext uri="{0D108BD9-81ED-4DB2-BD59-A6C34878D82A}">
+                    <a16:rowId xmlns:a16="http://schemas.microsoft.com/office/drawing/2014/main" val="4091239197"/>
+                  </a:ext>
+                </a:extLst>
+              </a:tr>
+              <a:tr h="697794">
+                <a:tc vMerge="1">
+                  <a:txBody>
+                    <a:bodyPr/>
+                    <a:lstStyle/>
+                    <a:p>
+                      <a:endParaRPr lang="en-US"/>
+                    </a:p>
+                  </a:txBody>
+                  <a:tcPr/>
+                </a:tc>
+                <a:tc>
+                  <a:txBody>
+                    <a:bodyPr/>
+                    <a:lstStyle/>
+                    <a:p>
+                      <a:pPr algn="r"/>
+                      <a:r>
+                        <a:rPr lang="en-US" sz="2800" dirty="0">
+                          <a:latin typeface="Helvetica" panose="020B0604020202020204" pitchFamily="34" charset="0"/>
+                          <a:cs typeface="Helvetica" panose="020B0604020202020204" pitchFamily="34" charset="0"/>
+                        </a:rPr>
+                        <a:t>edge tables</a:t>
+                      </a:r>
+                    </a:p>
+                  </a:txBody>
+                  <a:tcPr anchor="ctr">
+                    <a:lnL w="12700" cmpd="sng">
+                      <a:noFill/>
+                    </a:lnL>
+                    <a:lnR w="28575" cap="flat" cmpd="sng" algn="ctr">
+                      <a:solidFill>
+                        <a:schemeClr val="bg1">
+                          <a:lumMod val="75000"/>
+                        </a:schemeClr>
+                      </a:solidFill>
+                      <a:prstDash val="dash"/>
+                      <a:round/>
+                      <a:headEnd type="none" w="med" len="med"/>
+                      <a:tailEnd type="none" w="med" len="med"/>
+                    </a:lnR>
+                    <a:lnT w="28575" cap="flat" cmpd="sng" algn="ctr">
+                      <a:solidFill>
+                        <a:schemeClr val="bg1">
+                          <a:lumMod val="65000"/>
+                        </a:schemeClr>
+                      </a:solidFill>
+                      <a:prstDash val="dash"/>
+                      <a:round/>
+                      <a:headEnd type="none" w="med" len="med"/>
+                      <a:tailEnd type="none" w="med" len="med"/>
+                    </a:lnT>
+                    <a:lnB w="28575" cap="flat" cmpd="sng" algn="ctr">
+                      <a:solidFill>
+                        <a:schemeClr val="bg1">
+                          <a:lumMod val="65000"/>
+                        </a:schemeClr>
+                      </a:solidFill>
+                      <a:prstDash val="dash"/>
+                      <a:round/>
+                      <a:headEnd type="none" w="med" len="med"/>
+                      <a:tailEnd type="none" w="med" len="med"/>
+                    </a:lnB>
+                    <a:lnTlToBr w="12700" cmpd="sng">
+                      <a:noFill/>
+                      <a:prstDash val="solid"/>
+                    </a:lnTlToBr>
+                    <a:lnBlToTr w="12700" cmpd="sng">
+                      <a:noFill/>
+                      <a:prstDash val="solid"/>
+                    </a:lnBlToTr>
+                  </a:tcPr>
+                </a:tc>
+                <a:tc rowSpan="2">
+                  <a:txBody>
+                    <a:bodyPr/>
+                    <a:lstStyle/>
+                    <a:p>
+                      <a:pPr algn="ctr"/>
+                      <a:r>
+                        <a:rPr lang="en-US" sz="2800" dirty="0">
+                          <a:latin typeface="Helvetica" panose="020B0604020202020204" pitchFamily="34" charset="0"/>
+                          <a:cs typeface="Helvetica" panose="020B0604020202020204" pitchFamily="34" charset="0"/>
+                        </a:rPr>
+                        <a:t>HMFA-normalized (edge </a:t>
+                      </a:r>
+                      <a:r>
+                        <a:rPr lang="en-US" sz="2800" dirty="0">
+                          <a:latin typeface="Helvetica" panose="020B0604020202020204" pitchFamily="34" charset="0"/>
+                          <a:cs typeface="Helvetica" panose="020B0604020202020204" pitchFamily="34" charset="0"/>
+                          <a:sym typeface="Wingdings" panose="05000000000000000000" pitchFamily="2" charset="2"/>
+                        </a:rPr>
+                        <a:t> subject)</a:t>
+                      </a:r>
+                      <a:endParaRPr lang="en-US" sz="2800" dirty="0">
+                        <a:latin typeface="Helvetica" panose="020B0604020202020204" pitchFamily="34" charset="0"/>
+                        <a:cs typeface="Helvetica" panose="020B0604020202020204" pitchFamily="34" charset="0"/>
+                      </a:endParaRPr>
+                    </a:p>
+                  </a:txBody>
+                  <a:tcPr anchor="ctr">
+                    <a:lnL w="28575" cap="flat" cmpd="sng" algn="ctr">
+                      <a:solidFill>
+                        <a:schemeClr val="bg1">
+                          <a:lumMod val="75000"/>
+                        </a:schemeClr>
+                      </a:solidFill>
+                      <a:prstDash val="dash"/>
+                      <a:round/>
+                      <a:headEnd type="none" w="med" len="med"/>
+                      <a:tailEnd type="none" w="med" len="med"/>
+                    </a:lnL>
+                    <a:lnR w="28575" cap="flat" cmpd="sng" algn="ctr">
+                      <a:solidFill>
+                        <a:schemeClr val="bg1">
+                          <a:lumMod val="75000"/>
+                        </a:schemeClr>
+                      </a:solidFill>
+                      <a:prstDash val="dash"/>
+                      <a:round/>
+                      <a:headEnd type="none" w="med" len="med"/>
+                      <a:tailEnd type="none" w="med" len="med"/>
+                    </a:lnR>
+                    <a:lnT w="28575" cap="flat" cmpd="sng" algn="ctr">
+                      <a:solidFill>
+                        <a:schemeClr val="bg1">
+                          <a:lumMod val="65000"/>
+                        </a:schemeClr>
+                      </a:solidFill>
+                      <a:prstDash val="dash"/>
+                      <a:round/>
+                      <a:headEnd type="none" w="med" len="med"/>
+                      <a:tailEnd type="none" w="med" len="med"/>
+                    </a:lnT>
+                    <a:lnB w="38100" cap="flat" cmpd="sng" algn="ctr">
+                      <a:solidFill>
+                        <a:schemeClr val="accent4">
+                          <a:lumMod val="50000"/>
+                        </a:schemeClr>
+                      </a:solidFill>
+                      <a:prstDash val="sysDash"/>
+                      <a:round/>
+                      <a:headEnd type="none" w="med" len="med"/>
+                      <a:tailEnd type="none" w="med" len="med"/>
+                    </a:lnB>
+                    <a:lnTlToBr w="12700" cmpd="sng">
+                      <a:noFill/>
+                      <a:prstDash val="solid"/>
+                    </a:lnTlToBr>
+                    <a:lnBlToTr w="12700" cmpd="sng">
+                      <a:noFill/>
+                      <a:prstDash val="solid"/>
+                    </a:lnBlToTr>
+                  </a:tcPr>
+                </a:tc>
+                <a:tc vMerge="1">
+                  <a:txBody>
+                    <a:bodyPr/>
+                    <a:lstStyle/>
+                    <a:p>
+                      <a:endParaRPr lang="en-US"/>
+                    </a:p>
+                  </a:txBody>
+                  <a:tcPr/>
+                </a:tc>
+                <a:tc vMerge="1">
+                  <a:txBody>
+                    <a:bodyPr/>
+                    <a:lstStyle/>
+                    <a:p>
+                      <a:endParaRPr lang="en-US"/>
+                    </a:p>
+                  </a:txBody>
+                  <a:tcPr/>
+                </a:tc>
+                <a:tc vMerge="1">
+                  <a:txBody>
+                    <a:bodyPr/>
+                    <a:lstStyle/>
+                    <a:p>
+                      <a:endParaRPr lang="en-US"/>
+                    </a:p>
+                  </a:txBody>
+                  <a:tcPr/>
+                </a:tc>
+                <a:tc vMerge="1">
+                  <a:txBody>
+                    <a:bodyPr/>
+                    <a:lstStyle/>
+                    <a:p>
+                      <a:endParaRPr lang="en-US"/>
+                    </a:p>
+                  </a:txBody>
+                  <a:tcPr/>
+                </a:tc>
+                <a:extLst>
+                  <a:ext uri="{0D108BD9-81ED-4DB2-BD59-A6C34878D82A}">
+                    <a16:rowId xmlns:a16="http://schemas.microsoft.com/office/drawing/2014/main" val="202780218"/>
+                  </a:ext>
+                </a:extLst>
+              </a:tr>
+              <a:tr h="697794">
+                <a:tc vMerge="1">
+                  <a:txBody>
+                    <a:bodyPr/>
+                    <a:lstStyle/>
+                    <a:p>
+                      <a:endParaRPr lang="en-US"/>
+                    </a:p>
+                  </a:txBody>
+                  <a:tcPr/>
+                </a:tc>
+                <a:tc>
+                  <a:txBody>
+                    <a:bodyPr/>
+                    <a:lstStyle/>
+                    <a:p>
+                      <a:pPr algn="r"/>
+                      <a:r>
+                        <a:rPr lang="en-US" sz="2800" dirty="0">
+                          <a:latin typeface="Helvetica" panose="020B0604020202020204" pitchFamily="34" charset="0"/>
+                          <a:cs typeface="Helvetica" panose="020B0604020202020204" pitchFamily="34" charset="0"/>
+                        </a:rPr>
+                        <a:t>subject tables</a:t>
+                      </a:r>
+                    </a:p>
+                  </a:txBody>
+                  <a:tcPr anchor="ctr">
+                    <a:lnL w="12700" cmpd="sng">
+                      <a:noFill/>
+                    </a:lnL>
+                    <a:lnR w="28575" cap="flat" cmpd="sng" algn="ctr">
+                      <a:solidFill>
+                        <a:schemeClr val="bg1">
+                          <a:lumMod val="75000"/>
+                        </a:schemeClr>
+                      </a:solidFill>
+                      <a:prstDash val="dash"/>
+                      <a:round/>
+                      <a:headEnd type="none" w="med" len="med"/>
+                      <a:tailEnd type="none" w="med" len="med"/>
+                    </a:lnR>
+                    <a:lnT w="28575" cap="flat" cmpd="sng" algn="ctr">
+                      <a:solidFill>
+                        <a:schemeClr val="bg1">
+                          <a:lumMod val="65000"/>
+                        </a:schemeClr>
+                      </a:solidFill>
+                      <a:prstDash val="dash"/>
+                      <a:round/>
+                      <a:headEnd type="none" w="med" len="med"/>
+                      <a:tailEnd type="none" w="med" len="med"/>
+                    </a:lnT>
+                    <a:lnB w="38100" cap="flat" cmpd="sng" algn="ctr">
+                      <a:solidFill>
+                        <a:schemeClr val="accent4">
+                          <a:lumMod val="50000"/>
+                        </a:schemeClr>
+                      </a:solidFill>
+                      <a:prstDash val="sysDash"/>
+                      <a:round/>
+                      <a:headEnd type="none" w="med" len="med"/>
+                      <a:tailEnd type="none" w="med" len="med"/>
+                    </a:lnB>
+                    <a:lnTlToBr w="12700" cmpd="sng">
+                      <a:noFill/>
+                      <a:prstDash val="solid"/>
+                    </a:lnTlToBr>
+                    <a:lnBlToTr w="12700" cmpd="sng">
+                      <a:noFill/>
+                      <a:prstDash val="solid"/>
+                    </a:lnBlToTr>
+                  </a:tcPr>
+                </a:tc>
+                <a:tc vMerge="1">
+                  <a:txBody>
+                    <a:bodyPr/>
+                    <a:lstStyle/>
+                    <a:p>
+                      <a:pPr algn="l"/>
+                      <a:endParaRPr lang="en-US" sz="2800" dirty="0">
+                        <a:latin typeface="Helvetica" panose="020B0604020202020204" pitchFamily="34" charset="0"/>
+                        <a:cs typeface="Helvetica" panose="020B0604020202020204" pitchFamily="34" charset="0"/>
+                      </a:endParaRPr>
+                    </a:p>
+                  </a:txBody>
+                  <a:tcPr anchor="ctr"/>
+                </a:tc>
+                <a:tc vMerge="1">
+                  <a:txBody>
+                    <a:bodyPr/>
+                    <a:lstStyle/>
+                    <a:p>
+                      <a:endParaRPr lang="en-US"/>
+                    </a:p>
+                  </a:txBody>
+                  <a:tcPr/>
+                </a:tc>
+                <a:tc vMerge="1">
+                  <a:txBody>
+                    <a:bodyPr/>
+                    <a:lstStyle/>
+                    <a:p>
+                      <a:endParaRPr lang="en-US"/>
+                    </a:p>
+                  </a:txBody>
+                  <a:tcPr/>
+                </a:tc>
+                <a:tc vMerge="1">
+                  <a:txBody>
+                    <a:bodyPr/>
+                    <a:lstStyle/>
+                    <a:p>
+                      <a:endParaRPr lang="en-US"/>
+                    </a:p>
+                  </a:txBody>
+                  <a:tcPr/>
+                </a:tc>
+                <a:tc vMerge="1">
+                  <a:txBody>
+                    <a:bodyPr/>
+                    <a:lstStyle/>
+                    <a:p>
+                      <a:endParaRPr lang="en-US"/>
+                    </a:p>
+                  </a:txBody>
+                  <a:tcPr/>
+                </a:tc>
+                <a:extLst>
+                  <a:ext uri="{0D108BD9-81ED-4DB2-BD59-A6C34878D82A}">
+                    <a16:rowId xmlns:a16="http://schemas.microsoft.com/office/drawing/2014/main" val="2498595280"/>
+                  </a:ext>
+                </a:extLst>
+              </a:tr>
+              <a:tr h="697794">
+                <a:tc rowSpan="5">
+                  <a:txBody>
+                    <a:bodyPr/>
+                    <a:lstStyle/>
+                    <a:p>
+                      <a:pPr algn="ctr"/>
+                      <a:r>
+                        <a:rPr lang="en-US" sz="2800" b="1" dirty="0">
+                          <a:latin typeface="Helvetica" panose="020B0604020202020204" pitchFamily="34" charset="0"/>
+                          <a:cs typeface="Helvetica" panose="020B0604020202020204" pitchFamily="34" charset="0"/>
+                        </a:rPr>
+                        <a:t>3</a:t>
+                      </a:r>
+                    </a:p>
+                  </a:txBody>
+                  <a:tcPr anchor="ctr">
+                    <a:lnL w="12700" cmpd="sng">
+                      <a:noFill/>
+                    </a:lnL>
+                    <a:lnR w="12700" cmpd="sng">
+                      <a:noFill/>
+                    </a:lnR>
+                    <a:lnT w="38100" cap="flat" cmpd="sng" algn="ctr">
+                      <a:solidFill>
+                        <a:schemeClr val="accent4">
+                          <a:lumMod val="50000"/>
+                        </a:schemeClr>
+                      </a:solidFill>
+                      <a:prstDash val="sysDash"/>
+                      <a:round/>
+                      <a:headEnd type="none" w="med" len="med"/>
+                      <a:tailEnd type="none" w="med" len="med"/>
+                    </a:lnT>
+                    <a:lnB w="38100" cap="flat" cmpd="sng" algn="ctr">
+                      <a:solidFill>
+                        <a:schemeClr val="accent4">
+                          <a:lumMod val="50000"/>
+                        </a:schemeClr>
+                      </a:solidFill>
+                      <a:prstDash val="sysDash"/>
+                      <a:round/>
+                      <a:headEnd type="none" w="med" len="med"/>
+                      <a:tailEnd type="none" w="med" len="med"/>
+                    </a:lnB>
+                    <a:lnTlToBr w="12700" cmpd="sng">
+                      <a:noFill/>
+                      <a:prstDash val="solid"/>
+                    </a:lnTlToBr>
+                    <a:lnBlToTr w="12700" cmpd="sng">
+                      <a:noFill/>
+                      <a:prstDash val="solid"/>
+                    </a:lnBlToTr>
+                    <a:solidFill>
+                      <a:schemeClr val="accent4">
+                        <a:lumMod val="40000"/>
+                        <a:lumOff val="60000"/>
+                      </a:schemeClr>
+                    </a:solidFill>
+                  </a:tcPr>
+                </a:tc>
+                <a:tc>
+                  <a:txBody>
+                    <a:bodyPr/>
+                    <a:lstStyle/>
+                    <a:p>
+                      <a:pPr algn="r"/>
+                      <a:r>
+                        <a:rPr lang="en-US" sz="2800" dirty="0">
+                          <a:latin typeface="Helvetica" panose="020B0604020202020204" pitchFamily="34" charset="0"/>
+                          <a:cs typeface="Helvetica" panose="020B0604020202020204" pitchFamily="34" charset="0"/>
+                        </a:rPr>
+                        <a:t>z-matrices</a:t>
+                      </a:r>
+                    </a:p>
+                  </a:txBody>
+                  <a:tcPr anchor="ctr">
+                    <a:lnL w="12700" cmpd="sng">
+                      <a:noFill/>
+                    </a:lnL>
+                    <a:lnR w="28575" cap="flat" cmpd="sng" algn="ctr">
+                      <a:solidFill>
+                        <a:schemeClr val="bg1">
+                          <a:lumMod val="75000"/>
+                        </a:schemeClr>
+                      </a:solidFill>
+                      <a:prstDash val="dash"/>
+                      <a:round/>
+                      <a:headEnd type="none" w="med" len="med"/>
+                      <a:tailEnd type="none" w="med" len="med"/>
+                    </a:lnR>
+                    <a:lnT w="38100" cap="flat" cmpd="sng" algn="ctr">
+                      <a:solidFill>
+                        <a:schemeClr val="accent4">
+                          <a:lumMod val="50000"/>
+                        </a:schemeClr>
+                      </a:solidFill>
+                      <a:prstDash val="sysDash"/>
+                      <a:round/>
+                      <a:headEnd type="none" w="med" len="med"/>
+                      <a:tailEnd type="none" w="med" len="med"/>
+                    </a:lnT>
+                    <a:lnB w="28575" cap="flat" cmpd="sng" algn="ctr">
+                      <a:solidFill>
+                        <a:schemeClr val="bg1">
+                          <a:lumMod val="65000"/>
+                        </a:schemeClr>
+                      </a:solidFill>
+                      <a:prstDash val="dash"/>
+                      <a:round/>
+                      <a:headEnd type="none" w="med" len="med"/>
+                      <a:tailEnd type="none" w="med" len="med"/>
+                    </a:lnB>
+                    <a:lnTlToBr w="12700" cmpd="sng">
+                      <a:noFill/>
+                      <a:prstDash val="solid"/>
+                    </a:lnTlToBr>
+                    <a:lnBlToTr w="12700" cmpd="sng">
+                      <a:noFill/>
+                      <a:prstDash val="solid"/>
+                    </a:lnBlToTr>
+                  </a:tcPr>
+                </a:tc>
+                <a:tc>
+                  <a:txBody>
+                    <a:bodyPr/>
+                    <a:lstStyle/>
+                    <a:p>
+                      <a:pPr algn="ctr"/>
+                      <a:r>
+                        <a:rPr lang="en-US" sz="2800" dirty="0">
+                          <a:latin typeface="Helvetica" panose="020B0604020202020204" pitchFamily="34" charset="0"/>
+                          <a:cs typeface="Helvetica" panose="020B0604020202020204" pitchFamily="34" charset="0"/>
+                        </a:rPr>
+                        <a:t>double-centered</a:t>
+                      </a:r>
+                    </a:p>
+                  </a:txBody>
+                  <a:tcPr anchor="ctr">
+                    <a:lnL w="28575" cap="flat" cmpd="sng" algn="ctr">
+                      <a:solidFill>
+                        <a:schemeClr val="bg1">
+                          <a:lumMod val="75000"/>
+                        </a:schemeClr>
+                      </a:solidFill>
+                      <a:prstDash val="dash"/>
+                      <a:round/>
+                      <a:headEnd type="none" w="med" len="med"/>
+                      <a:tailEnd type="none" w="med" len="med"/>
+                    </a:lnL>
+                    <a:lnR w="28575" cap="flat" cmpd="sng" algn="ctr">
+                      <a:solidFill>
+                        <a:schemeClr val="bg1">
+                          <a:lumMod val="75000"/>
+                        </a:schemeClr>
+                      </a:solidFill>
+                      <a:prstDash val="dash"/>
+                      <a:round/>
+                      <a:headEnd type="none" w="med" len="med"/>
+                      <a:tailEnd type="none" w="med" len="med"/>
+                    </a:lnR>
+                    <a:lnT w="38100" cap="flat" cmpd="sng" algn="ctr">
+                      <a:solidFill>
+                        <a:schemeClr val="accent4">
+                          <a:lumMod val="50000"/>
+                        </a:schemeClr>
+                      </a:solidFill>
+                      <a:prstDash val="sysDash"/>
+                      <a:round/>
+                      <a:headEnd type="none" w="med" len="med"/>
+                      <a:tailEnd type="none" w="med" len="med"/>
+                    </a:lnT>
+                    <a:lnB w="28575" cap="flat" cmpd="sng" algn="ctr">
+                      <a:solidFill>
+                        <a:schemeClr val="bg1">
+                          <a:lumMod val="65000"/>
+                        </a:schemeClr>
+                      </a:solidFill>
+                      <a:prstDash val="dash"/>
+                      <a:round/>
+                      <a:headEnd type="none" w="med" len="med"/>
+                      <a:tailEnd type="none" w="med" len="med"/>
+                    </a:lnB>
+                    <a:lnTlToBr w="12700" cmpd="sng">
+                      <a:noFill/>
+                      <a:prstDash val="solid"/>
+                    </a:lnTlToBr>
+                    <a:lnBlToTr w="12700" cmpd="sng">
+                      <a:noFill/>
+                      <a:prstDash val="solid"/>
+                    </a:lnBlToTr>
+                  </a:tcPr>
+                </a:tc>
+                <a:tc rowSpan="5">
+                  <a:txBody>
+                    <a:bodyPr/>
+                    <a:lstStyle/>
+                    <a:p>
+                      <a:endParaRPr lang="en-US" sz="2800" dirty="0">
+                        <a:latin typeface="Helvetica" panose="020B0604020202020204" pitchFamily="34" charset="0"/>
+                        <a:cs typeface="Helvetica" panose="020B0604020202020204" pitchFamily="34" charset="0"/>
+                      </a:endParaRPr>
+                    </a:p>
+                  </a:txBody>
+                  <a:tcPr anchor="ctr">
+                    <a:lnL w="28575" cap="flat" cmpd="sng" algn="ctr">
+                      <a:solidFill>
+                        <a:schemeClr val="bg1">
+                          <a:lumMod val="75000"/>
+                        </a:schemeClr>
+                      </a:solidFill>
+                      <a:prstDash val="dash"/>
+                      <a:round/>
+                      <a:headEnd type="none" w="med" len="med"/>
+                      <a:tailEnd type="none" w="med" len="med"/>
+                    </a:lnL>
+                    <a:lnR w="12700" cmpd="sng">
+                      <a:noFill/>
+                    </a:lnR>
+                    <a:lnT w="38100" cap="flat" cmpd="sng" algn="ctr">
+                      <a:solidFill>
+                        <a:schemeClr val="accent4">
+                          <a:lumMod val="50000"/>
+                        </a:schemeClr>
+                      </a:solidFill>
+                      <a:prstDash val="sysDash"/>
+                      <a:round/>
+                      <a:headEnd type="none" w="med" len="med"/>
+                      <a:tailEnd type="none" w="med" len="med"/>
+                    </a:lnT>
+                    <a:lnB w="38100" cap="flat" cmpd="sng" algn="ctr">
+                      <a:solidFill>
+                        <a:schemeClr val="accent4">
+                          <a:lumMod val="50000"/>
+                        </a:schemeClr>
+                      </a:solidFill>
+                      <a:prstDash val="sysDash"/>
+                      <a:round/>
+                      <a:headEnd type="none" w="med" len="med"/>
+                      <a:tailEnd type="none" w="med" len="med"/>
+                    </a:lnB>
+                    <a:lnTlToBr w="12700" cmpd="sng">
+                      <a:noFill/>
+                      <a:prstDash val="solid"/>
+                    </a:lnTlToBr>
+                    <a:lnBlToTr w="12700" cmpd="sng">
+                      <a:noFill/>
+                      <a:prstDash val="solid"/>
+                    </a:lnBlToTr>
+                  </a:tcPr>
+                </a:tc>
+                <a:tc rowSpan="5">
+                  <a:txBody>
+                    <a:bodyPr/>
+                    <a:lstStyle/>
+                    <a:p>
+                      <a:endParaRPr lang="en-US" sz="2800" dirty="0">
+                        <a:latin typeface="Helvetica" panose="020B0604020202020204" pitchFamily="34" charset="0"/>
+                        <a:cs typeface="Helvetica" panose="020B0604020202020204" pitchFamily="34" charset="0"/>
+                      </a:endParaRPr>
+                    </a:p>
+                  </a:txBody>
+                  <a:tcPr anchor="ctr">
+                    <a:lnL w="12700" cmpd="sng">
+                      <a:noFill/>
+                    </a:lnL>
+                    <a:lnR w="12700" cmpd="sng">
+                      <a:noFill/>
+                    </a:lnR>
+                    <a:lnT w="38100" cap="flat" cmpd="sng" algn="ctr">
+                      <a:solidFill>
+                        <a:schemeClr val="accent4">
+                          <a:lumMod val="50000"/>
+                        </a:schemeClr>
+                      </a:solidFill>
+                      <a:prstDash val="sysDash"/>
+                      <a:round/>
+                      <a:headEnd type="none" w="med" len="med"/>
+                      <a:tailEnd type="none" w="med" len="med"/>
+                    </a:lnT>
+                    <a:lnB w="38100" cap="flat" cmpd="sng" algn="ctr">
+                      <a:solidFill>
+                        <a:schemeClr val="accent4">
+                          <a:lumMod val="50000"/>
+                        </a:schemeClr>
+                      </a:solidFill>
+                      <a:prstDash val="sysDash"/>
+                      <a:round/>
+                      <a:headEnd type="none" w="med" len="med"/>
+                      <a:tailEnd type="none" w="med" len="med"/>
+                    </a:lnB>
+                    <a:lnTlToBr w="12700" cmpd="sng">
+                      <a:noFill/>
+                      <a:prstDash val="solid"/>
+                    </a:lnTlToBr>
+                    <a:lnBlToTr w="12700" cmpd="sng">
+                      <a:noFill/>
+                      <a:prstDash val="solid"/>
+                    </a:lnBlToTr>
+                  </a:tcPr>
+                </a:tc>
+                <a:tc rowSpan="5">
+                  <a:txBody>
+                    <a:bodyPr/>
+                    <a:lstStyle/>
+                    <a:p>
+                      <a:endParaRPr lang="en-US" sz="2800" dirty="0">
+                        <a:latin typeface="Helvetica" panose="020B0604020202020204" pitchFamily="34" charset="0"/>
+                        <a:cs typeface="Helvetica" panose="020B0604020202020204" pitchFamily="34" charset="0"/>
+                      </a:endParaRPr>
+                    </a:p>
+                  </a:txBody>
+                  <a:tcPr anchor="ctr">
+                    <a:lnL w="12700" cmpd="sng">
+                      <a:noFill/>
+                    </a:lnL>
+                    <a:lnR w="12700" cmpd="sng">
+                      <a:noFill/>
+                    </a:lnR>
+                    <a:lnT w="38100" cap="flat" cmpd="sng" algn="ctr">
+                      <a:solidFill>
+                        <a:schemeClr val="accent4">
+                          <a:lumMod val="50000"/>
+                        </a:schemeClr>
+                      </a:solidFill>
+                      <a:prstDash val="sysDash"/>
+                      <a:round/>
+                      <a:headEnd type="none" w="med" len="med"/>
+                      <a:tailEnd type="none" w="med" len="med"/>
+                    </a:lnT>
+                    <a:lnB w="38100" cap="flat" cmpd="sng" algn="ctr">
+                      <a:solidFill>
+                        <a:schemeClr val="accent4">
+                          <a:lumMod val="50000"/>
+                        </a:schemeClr>
+                      </a:solidFill>
+                      <a:prstDash val="sysDash"/>
+                      <a:round/>
+                      <a:headEnd type="none" w="med" len="med"/>
+                      <a:tailEnd type="none" w="med" len="med"/>
+                    </a:lnB>
+                    <a:lnTlToBr w="12700" cmpd="sng">
+                      <a:noFill/>
+                      <a:prstDash val="solid"/>
+                    </a:lnTlToBr>
+                    <a:lnBlToTr w="12700" cmpd="sng">
+                      <a:noFill/>
+                      <a:prstDash val="solid"/>
+                    </a:lnBlToTr>
+                  </a:tcPr>
+                </a:tc>
+                <a:tc rowSpan="5">
+                  <a:txBody>
+                    <a:bodyPr/>
+                    <a:lstStyle/>
+                    <a:p>
+                      <a:endParaRPr lang="en-US" sz="2800" dirty="0">
+                        <a:latin typeface="Helvetica" panose="020B0604020202020204" pitchFamily="34" charset="0"/>
+                        <a:cs typeface="Helvetica" panose="020B0604020202020204" pitchFamily="34" charset="0"/>
+                      </a:endParaRPr>
+                    </a:p>
+                  </a:txBody>
+                  <a:tcPr anchor="ctr">
+                    <a:lnL w="12700" cmpd="sng">
+                      <a:noFill/>
+                    </a:lnL>
+                    <a:lnR w="12700" cmpd="sng">
+                      <a:noFill/>
+                    </a:lnR>
+                    <a:lnT w="38100" cap="flat" cmpd="sng" algn="ctr">
+                      <a:solidFill>
+                        <a:schemeClr val="accent4">
+                          <a:lumMod val="50000"/>
+                        </a:schemeClr>
+                      </a:solidFill>
+                      <a:prstDash val="sysDash"/>
+                      <a:round/>
+                      <a:headEnd type="none" w="med" len="med"/>
+                      <a:tailEnd type="none" w="med" len="med"/>
+                    </a:lnT>
+                    <a:lnB w="38100" cap="flat" cmpd="sng" algn="ctr">
+                      <a:solidFill>
+                        <a:schemeClr val="accent4">
+                          <a:lumMod val="50000"/>
+                        </a:schemeClr>
+                      </a:solidFill>
+                      <a:prstDash val="sysDash"/>
+                      <a:round/>
+                      <a:headEnd type="none" w="med" len="med"/>
+                      <a:tailEnd type="none" w="med" len="med"/>
+                    </a:lnB>
+                    <a:lnTlToBr w="12700" cmpd="sng">
+                      <a:noFill/>
+                      <a:prstDash val="solid"/>
+                    </a:lnTlToBr>
+                    <a:lnBlToTr w="12700" cmpd="sng">
+                      <a:noFill/>
+                      <a:prstDash val="solid"/>
+                    </a:lnBlToTr>
+                  </a:tcPr>
+                </a:tc>
+                <a:extLst>
+                  <a:ext uri="{0D108BD9-81ED-4DB2-BD59-A6C34878D82A}">
+                    <a16:rowId xmlns:a16="http://schemas.microsoft.com/office/drawing/2014/main" val="2269974624"/>
+                  </a:ext>
+                </a:extLst>
+              </a:tr>
+              <a:tr h="697794">
+                <a:tc vMerge="1">
+                  <a:txBody>
+                    <a:bodyPr/>
+                    <a:lstStyle/>
+                    <a:p>
+                      <a:endParaRPr lang="en-US"/>
+                    </a:p>
+                  </a:txBody>
+                  <a:tcPr/>
+                </a:tc>
+                <a:tc>
+                  <a:txBody>
+                    <a:bodyPr/>
+                    <a:lstStyle/>
+                    <a:p>
+                      <a:pPr algn="r"/>
+                      <a:r>
+                        <a:rPr lang="en-US" sz="2800" dirty="0">
+                          <a:latin typeface="Helvetica" panose="020B0604020202020204" pitchFamily="34" charset="0"/>
+                          <a:cs typeface="Helvetica" panose="020B0604020202020204" pitchFamily="34" charset="0"/>
+                        </a:rPr>
+                        <a:t>rows</a:t>
+                      </a:r>
+                    </a:p>
+                  </a:txBody>
+                  <a:tcPr anchor="ctr">
+                    <a:lnL w="12700" cmpd="sng">
+                      <a:noFill/>
+                    </a:lnL>
+                    <a:lnR w="28575" cap="flat" cmpd="sng" algn="ctr">
+                      <a:solidFill>
+                        <a:schemeClr val="bg1">
+                          <a:lumMod val="75000"/>
+                        </a:schemeClr>
+                      </a:solidFill>
+                      <a:prstDash val="dash"/>
+                      <a:round/>
+                      <a:headEnd type="none" w="med" len="med"/>
+                      <a:tailEnd type="none" w="med" len="med"/>
+                    </a:lnR>
+                    <a:lnT w="28575" cap="flat" cmpd="sng" algn="ctr">
+                      <a:solidFill>
+                        <a:schemeClr val="bg1">
+                          <a:lumMod val="65000"/>
+                        </a:schemeClr>
+                      </a:solidFill>
+                      <a:prstDash val="dash"/>
+                      <a:round/>
+                      <a:headEnd type="none" w="med" len="med"/>
+                      <a:tailEnd type="none" w="med" len="med"/>
+                    </a:lnT>
+                    <a:lnB w="28575" cap="flat" cmpd="sng" algn="ctr">
+                      <a:solidFill>
+                        <a:schemeClr val="bg1">
+                          <a:lumMod val="65000"/>
+                        </a:schemeClr>
+                      </a:solidFill>
+                      <a:prstDash val="dash"/>
+                      <a:round/>
+                      <a:headEnd type="none" w="med" len="med"/>
+                      <a:tailEnd type="none" w="med" len="med"/>
+                    </a:lnB>
+                    <a:lnTlToBr w="12700" cmpd="sng">
+                      <a:noFill/>
+                      <a:prstDash val="solid"/>
+                    </a:lnTlToBr>
+                    <a:lnBlToTr w="12700" cmpd="sng">
+                      <a:noFill/>
+                      <a:prstDash val="solid"/>
+                    </a:lnBlToTr>
+                  </a:tcPr>
+                </a:tc>
+                <a:tc>
+                  <a:txBody>
+                    <a:bodyPr/>
+                    <a:lstStyle/>
+                    <a:p>
+                      <a:pPr algn="ctr"/>
+                      <a:r>
+                        <a:rPr lang="en-US" sz="2800" dirty="0">
+                          <a:latin typeface="Helvetica" panose="020B0604020202020204" pitchFamily="34" charset="0"/>
+                          <a:cs typeface="Helvetica" panose="020B0604020202020204" pitchFamily="34" charset="0"/>
+                        </a:rPr>
+                        <a:t>x</a:t>
+                      </a:r>
+                    </a:p>
+                  </a:txBody>
+                  <a:tcPr anchor="ctr">
+                    <a:lnL w="28575" cap="flat" cmpd="sng" algn="ctr">
+                      <a:solidFill>
+                        <a:schemeClr val="bg1">
+                          <a:lumMod val="75000"/>
+                        </a:schemeClr>
+                      </a:solidFill>
+                      <a:prstDash val="dash"/>
+                      <a:round/>
+                      <a:headEnd type="none" w="med" len="med"/>
+                      <a:tailEnd type="none" w="med" len="med"/>
+                    </a:lnL>
+                    <a:lnR w="28575" cap="flat" cmpd="sng" algn="ctr">
+                      <a:solidFill>
+                        <a:schemeClr val="bg1">
+                          <a:lumMod val="75000"/>
+                        </a:schemeClr>
+                      </a:solidFill>
+                      <a:prstDash val="dash"/>
+                      <a:round/>
+                      <a:headEnd type="none" w="med" len="med"/>
+                      <a:tailEnd type="none" w="med" len="med"/>
+                    </a:lnR>
+                    <a:lnT w="28575" cap="flat" cmpd="sng" algn="ctr">
+                      <a:solidFill>
+                        <a:schemeClr val="bg1">
+                          <a:lumMod val="65000"/>
+                        </a:schemeClr>
+                      </a:solidFill>
+                      <a:prstDash val="dash"/>
+                      <a:round/>
+                      <a:headEnd type="none" w="med" len="med"/>
+                      <a:tailEnd type="none" w="med" len="med"/>
+                    </a:lnT>
+                    <a:lnB w="28575" cap="flat" cmpd="sng" algn="ctr">
+                      <a:solidFill>
+                        <a:schemeClr val="bg1">
+                          <a:lumMod val="65000"/>
+                        </a:schemeClr>
+                      </a:solidFill>
+                      <a:prstDash val="dash"/>
+                      <a:round/>
+                      <a:headEnd type="none" w="med" len="med"/>
+                      <a:tailEnd type="none" w="med" len="med"/>
+                    </a:lnB>
+                    <a:lnTlToBr w="12700" cmpd="sng">
+                      <a:noFill/>
+                      <a:prstDash val="solid"/>
+                    </a:lnTlToBr>
+                    <a:lnBlToTr w="12700" cmpd="sng">
+                      <a:noFill/>
+                      <a:prstDash val="solid"/>
+                    </a:lnBlToTr>
+                  </a:tcPr>
+                </a:tc>
+                <a:tc vMerge="1">
+                  <a:txBody>
+                    <a:bodyPr/>
+                    <a:lstStyle/>
+                    <a:p>
+                      <a:endParaRPr lang="en-US"/>
+                    </a:p>
+                  </a:txBody>
+                  <a:tcPr/>
+                </a:tc>
+                <a:tc vMerge="1">
+                  <a:txBody>
+                    <a:bodyPr/>
+                    <a:lstStyle/>
+                    <a:p>
+                      <a:endParaRPr lang="en-US"/>
+                    </a:p>
+                  </a:txBody>
+                  <a:tcPr/>
+                </a:tc>
+                <a:tc vMerge="1">
+                  <a:txBody>
+                    <a:bodyPr/>
+                    <a:lstStyle/>
+                    <a:p>
+                      <a:endParaRPr lang="en-US"/>
+                    </a:p>
+                  </a:txBody>
+                  <a:tcPr/>
+                </a:tc>
+                <a:tc vMerge="1">
+                  <a:txBody>
+                    <a:bodyPr/>
+                    <a:lstStyle/>
+                    <a:p>
+                      <a:endParaRPr lang="en-US"/>
+                    </a:p>
+                  </a:txBody>
+                  <a:tcPr/>
+                </a:tc>
+                <a:extLst>
+                  <a:ext uri="{0D108BD9-81ED-4DB2-BD59-A6C34878D82A}">
+                    <a16:rowId xmlns:a16="http://schemas.microsoft.com/office/drawing/2014/main" val="4233888579"/>
+                  </a:ext>
+                </a:extLst>
+              </a:tr>
+              <a:tr h="697794">
+                <a:tc vMerge="1">
+                  <a:txBody>
+                    <a:bodyPr/>
+                    <a:lstStyle/>
+                    <a:p>
+                      <a:endParaRPr lang="en-US"/>
+                    </a:p>
+                  </a:txBody>
+                  <a:tcPr/>
+                </a:tc>
+                <a:tc>
+                  <a:txBody>
+                    <a:bodyPr/>
+                    <a:lstStyle/>
+                    <a:p>
+                      <a:pPr algn="r"/>
+                      <a:r>
+                        <a:rPr lang="en-US" sz="2800" dirty="0">
+                          <a:latin typeface="Helvetica" panose="020B0604020202020204" pitchFamily="34" charset="0"/>
+                          <a:cs typeface="Helvetica" panose="020B0604020202020204" pitchFamily="34" charset="0"/>
+                        </a:rPr>
+                        <a:t>columns</a:t>
+                      </a:r>
+                    </a:p>
+                  </a:txBody>
+                  <a:tcPr anchor="ctr">
+                    <a:lnL w="12700" cmpd="sng">
+                      <a:noFill/>
+                    </a:lnL>
+                    <a:lnR w="28575" cap="flat" cmpd="sng" algn="ctr">
+                      <a:solidFill>
+                        <a:schemeClr val="bg1">
+                          <a:lumMod val="75000"/>
+                        </a:schemeClr>
+                      </a:solidFill>
+                      <a:prstDash val="dash"/>
+                      <a:round/>
+                      <a:headEnd type="none" w="med" len="med"/>
+                      <a:tailEnd type="none" w="med" len="med"/>
+                    </a:lnR>
+                    <a:lnT w="28575" cap="flat" cmpd="sng" algn="ctr">
+                      <a:solidFill>
+                        <a:schemeClr val="bg1">
+                          <a:lumMod val="65000"/>
+                        </a:schemeClr>
+                      </a:solidFill>
+                      <a:prstDash val="dash"/>
+                      <a:round/>
+                      <a:headEnd type="none" w="med" len="med"/>
+                      <a:tailEnd type="none" w="med" len="med"/>
+                    </a:lnT>
+                    <a:lnB w="28575" cap="flat" cmpd="sng" algn="ctr">
+                      <a:solidFill>
+                        <a:schemeClr val="bg1">
+                          <a:lumMod val="65000"/>
+                        </a:schemeClr>
+                      </a:solidFill>
+                      <a:prstDash val="dash"/>
+                      <a:round/>
+                      <a:headEnd type="none" w="med" len="med"/>
+                      <a:tailEnd type="none" w="med" len="med"/>
+                    </a:lnB>
+                    <a:lnTlToBr w="12700" cmpd="sng">
+                      <a:noFill/>
+                      <a:prstDash val="solid"/>
+                    </a:lnTlToBr>
+                    <a:lnBlToTr w="12700" cmpd="sng">
+                      <a:noFill/>
+                      <a:prstDash val="solid"/>
+                    </a:lnBlToTr>
+                  </a:tcPr>
+                </a:tc>
+                <a:tc>
+                  <a:txBody>
+                    <a:bodyPr/>
+                    <a:lstStyle/>
+                    <a:p>
+                      <a:pPr algn="ctr"/>
+                      <a:r>
+                        <a:rPr lang="en-US" sz="2800" dirty="0">
+                          <a:latin typeface="Helvetica" panose="020B0604020202020204" pitchFamily="34" charset="0"/>
+                          <a:cs typeface="Helvetica" panose="020B0604020202020204" pitchFamily="34" charset="0"/>
+                        </a:rPr>
+                        <a:t>centered</a:t>
+                      </a:r>
+                    </a:p>
+                  </a:txBody>
+                  <a:tcPr anchor="ctr">
+                    <a:lnL w="28575" cap="flat" cmpd="sng" algn="ctr">
+                      <a:solidFill>
+                        <a:schemeClr val="bg1">
+                          <a:lumMod val="75000"/>
+                        </a:schemeClr>
+                      </a:solidFill>
+                      <a:prstDash val="dash"/>
+                      <a:round/>
+                      <a:headEnd type="none" w="med" len="med"/>
+                      <a:tailEnd type="none" w="med" len="med"/>
+                    </a:lnL>
+                    <a:lnR w="28575" cap="flat" cmpd="sng" algn="ctr">
+                      <a:solidFill>
+                        <a:schemeClr val="bg1">
+                          <a:lumMod val="75000"/>
+                        </a:schemeClr>
+                      </a:solidFill>
+                      <a:prstDash val="dash"/>
+                      <a:round/>
+                      <a:headEnd type="none" w="med" len="med"/>
+                      <a:tailEnd type="none" w="med" len="med"/>
+                    </a:lnR>
+                    <a:lnT w="28575" cap="flat" cmpd="sng" algn="ctr">
+                      <a:solidFill>
+                        <a:schemeClr val="bg1">
+                          <a:lumMod val="65000"/>
+                        </a:schemeClr>
+                      </a:solidFill>
+                      <a:prstDash val="dash"/>
+                      <a:round/>
+                      <a:headEnd type="none" w="med" len="med"/>
+                      <a:tailEnd type="none" w="med" len="med"/>
+                    </a:lnT>
+                    <a:lnB w="28575" cap="flat" cmpd="sng" algn="ctr">
+                      <a:solidFill>
+                        <a:schemeClr val="bg1">
+                          <a:lumMod val="65000"/>
+                        </a:schemeClr>
+                      </a:solidFill>
+                      <a:prstDash val="dash"/>
+                      <a:round/>
+                      <a:headEnd type="none" w="med" len="med"/>
+                      <a:tailEnd type="none" w="med" len="med"/>
+                    </a:lnB>
+                    <a:lnTlToBr w="12700" cmpd="sng">
+                      <a:noFill/>
+                      <a:prstDash val="solid"/>
+                    </a:lnTlToBr>
+                    <a:lnBlToTr w="12700" cmpd="sng">
+                      <a:noFill/>
+                      <a:prstDash val="solid"/>
+                    </a:lnBlToTr>
+                  </a:tcPr>
+                </a:tc>
+                <a:tc vMerge="1">
+                  <a:txBody>
+                    <a:bodyPr/>
+                    <a:lstStyle/>
+                    <a:p>
+                      <a:endParaRPr lang="en-US"/>
+                    </a:p>
+                  </a:txBody>
+                  <a:tcPr/>
+                </a:tc>
+                <a:tc vMerge="1">
+                  <a:txBody>
+                    <a:bodyPr/>
+                    <a:lstStyle/>
+                    <a:p>
+                      <a:endParaRPr lang="en-US"/>
+                    </a:p>
+                  </a:txBody>
+                  <a:tcPr/>
+                </a:tc>
+                <a:tc vMerge="1">
+                  <a:txBody>
+                    <a:bodyPr/>
+                    <a:lstStyle/>
+                    <a:p>
+                      <a:endParaRPr lang="en-US"/>
+                    </a:p>
+                  </a:txBody>
+                  <a:tcPr/>
+                </a:tc>
+                <a:tc vMerge="1">
+                  <a:txBody>
+                    <a:bodyPr/>
+                    <a:lstStyle/>
+                    <a:p>
+                      <a:endParaRPr lang="en-US"/>
+                    </a:p>
+                  </a:txBody>
+                  <a:tcPr/>
+                </a:tc>
+                <a:extLst>
+                  <a:ext uri="{0D108BD9-81ED-4DB2-BD59-A6C34878D82A}">
+                    <a16:rowId xmlns:a16="http://schemas.microsoft.com/office/drawing/2014/main" val="1664152328"/>
+                  </a:ext>
+                </a:extLst>
+              </a:tr>
+              <a:tr h="697794">
+                <a:tc vMerge="1">
+                  <a:txBody>
+                    <a:bodyPr/>
+                    <a:lstStyle/>
+                    <a:p>
+                      <a:endParaRPr lang="en-US"/>
+                    </a:p>
+                  </a:txBody>
+                  <a:tcPr/>
+                </a:tc>
+                <a:tc>
+                  <a:txBody>
+                    <a:bodyPr/>
+                    <a:lstStyle/>
+                    <a:p>
+                      <a:pPr algn="r"/>
+                      <a:r>
+                        <a:rPr lang="en-US" sz="2800" dirty="0">
+                          <a:latin typeface="Helvetica" panose="020B0604020202020204" pitchFamily="34" charset="0"/>
+                          <a:cs typeface="Helvetica" panose="020B0604020202020204" pitchFamily="34" charset="0"/>
+                        </a:rPr>
+                        <a:t>edge tables</a:t>
+                      </a:r>
+                    </a:p>
+                  </a:txBody>
+                  <a:tcPr anchor="ctr">
+                    <a:lnL w="12700" cmpd="sng">
+                      <a:noFill/>
+                    </a:lnL>
+                    <a:lnR w="28575" cap="flat" cmpd="sng" algn="ctr">
+                      <a:solidFill>
+                        <a:schemeClr val="bg1">
+                          <a:lumMod val="75000"/>
+                        </a:schemeClr>
+                      </a:solidFill>
+                      <a:prstDash val="dash"/>
+                      <a:round/>
+                      <a:headEnd type="none" w="med" len="med"/>
+                      <a:tailEnd type="none" w="med" len="med"/>
+                    </a:lnR>
+                    <a:lnT w="28575" cap="flat" cmpd="sng" algn="ctr">
+                      <a:solidFill>
+                        <a:schemeClr val="bg1">
+                          <a:lumMod val="65000"/>
+                        </a:schemeClr>
+                      </a:solidFill>
+                      <a:prstDash val="dash"/>
+                      <a:round/>
+                      <a:headEnd type="none" w="med" len="med"/>
+                      <a:tailEnd type="none" w="med" len="med"/>
+                    </a:lnT>
+                    <a:lnB w="28575" cap="flat" cmpd="sng" algn="ctr">
+                      <a:solidFill>
+                        <a:schemeClr val="bg1">
+                          <a:lumMod val="65000"/>
+                        </a:schemeClr>
+                      </a:solidFill>
+                      <a:prstDash val="dash"/>
+                      <a:round/>
+                      <a:headEnd type="none" w="med" len="med"/>
+                      <a:tailEnd type="none" w="med" len="med"/>
+                    </a:lnB>
+                    <a:lnTlToBr w="12700" cmpd="sng">
+                      <a:noFill/>
+                      <a:prstDash val="solid"/>
+                    </a:lnTlToBr>
+                    <a:lnBlToTr w="12700" cmpd="sng">
+                      <a:noFill/>
+                      <a:prstDash val="solid"/>
+                    </a:lnBlToTr>
+                  </a:tcPr>
+                </a:tc>
+                <a:tc>
+                  <a:txBody>
+                    <a:bodyPr/>
+                    <a:lstStyle/>
+                    <a:p>
+                      <a:pPr algn="ctr"/>
+                      <a:r>
+                        <a:rPr lang="en-US" sz="2800" dirty="0">
+                          <a:latin typeface="Helvetica" panose="020B0604020202020204" pitchFamily="34" charset="0"/>
+                          <a:cs typeface="Helvetica" panose="020B0604020202020204" pitchFamily="34" charset="0"/>
+                        </a:rPr>
+                        <a:t>x</a:t>
+                      </a:r>
+                    </a:p>
+                  </a:txBody>
+                  <a:tcPr anchor="ctr">
+                    <a:lnL w="28575" cap="flat" cmpd="sng" algn="ctr">
+                      <a:solidFill>
+                        <a:schemeClr val="bg1">
+                          <a:lumMod val="75000"/>
+                        </a:schemeClr>
+                      </a:solidFill>
+                      <a:prstDash val="dash"/>
+                      <a:round/>
+                      <a:headEnd type="none" w="med" len="med"/>
+                      <a:tailEnd type="none" w="med" len="med"/>
+                    </a:lnL>
+                    <a:lnR w="28575" cap="flat" cmpd="sng" algn="ctr">
+                      <a:solidFill>
+                        <a:schemeClr val="bg1">
+                          <a:lumMod val="75000"/>
+                        </a:schemeClr>
+                      </a:solidFill>
+                      <a:prstDash val="dash"/>
+                      <a:round/>
+                      <a:headEnd type="none" w="med" len="med"/>
+                      <a:tailEnd type="none" w="med" len="med"/>
+                    </a:lnR>
+                    <a:lnT w="28575" cap="flat" cmpd="sng" algn="ctr">
+                      <a:solidFill>
+                        <a:schemeClr val="bg1">
+                          <a:lumMod val="65000"/>
+                        </a:schemeClr>
+                      </a:solidFill>
+                      <a:prstDash val="dash"/>
+                      <a:round/>
+                      <a:headEnd type="none" w="med" len="med"/>
+                      <a:tailEnd type="none" w="med" len="med"/>
+                    </a:lnT>
+                    <a:lnB w="28575" cap="flat" cmpd="sng" algn="ctr">
+                      <a:solidFill>
+                        <a:schemeClr val="bg1">
+                          <a:lumMod val="65000"/>
+                        </a:schemeClr>
+                      </a:solidFill>
+                      <a:prstDash val="dash"/>
+                      <a:round/>
+                      <a:headEnd type="none" w="med" len="med"/>
+                      <a:tailEnd type="none" w="med" len="med"/>
+                    </a:lnB>
+                    <a:lnTlToBr w="12700" cmpd="sng">
+                      <a:noFill/>
+                      <a:prstDash val="solid"/>
+                    </a:lnTlToBr>
+                    <a:lnBlToTr w="12700" cmpd="sng">
+                      <a:noFill/>
+                      <a:prstDash val="solid"/>
+                    </a:lnBlToTr>
+                  </a:tcPr>
+                </a:tc>
+                <a:tc vMerge="1">
+                  <a:txBody>
+                    <a:bodyPr/>
+                    <a:lstStyle/>
+                    <a:p>
+                      <a:endParaRPr lang="en-US"/>
+                    </a:p>
+                  </a:txBody>
+                  <a:tcPr/>
+                </a:tc>
+                <a:tc vMerge="1">
+                  <a:txBody>
+                    <a:bodyPr/>
+                    <a:lstStyle/>
+                    <a:p>
+                      <a:endParaRPr lang="en-US"/>
+                    </a:p>
+                  </a:txBody>
+                  <a:tcPr/>
+                </a:tc>
+                <a:tc vMerge="1">
+                  <a:txBody>
+                    <a:bodyPr/>
+                    <a:lstStyle/>
+                    <a:p>
+                      <a:endParaRPr lang="en-US"/>
+                    </a:p>
+                  </a:txBody>
+                  <a:tcPr/>
+                </a:tc>
+                <a:tc vMerge="1">
+                  <a:txBody>
+                    <a:bodyPr/>
+                    <a:lstStyle/>
+                    <a:p>
+                      <a:endParaRPr lang="en-US"/>
+                    </a:p>
+                  </a:txBody>
+                  <a:tcPr/>
+                </a:tc>
+                <a:extLst>
+                  <a:ext uri="{0D108BD9-81ED-4DB2-BD59-A6C34878D82A}">
+                    <a16:rowId xmlns:a16="http://schemas.microsoft.com/office/drawing/2014/main" val="726167482"/>
+                  </a:ext>
+                </a:extLst>
+              </a:tr>
+              <a:tr h="697794">
+                <a:tc vMerge="1">
+                  <a:txBody>
+                    <a:bodyPr/>
+                    <a:lstStyle/>
+                    <a:p>
+                      <a:endParaRPr lang="en-US"/>
+                    </a:p>
+                  </a:txBody>
+                  <a:tcPr/>
+                </a:tc>
+                <a:tc>
+                  <a:txBody>
+                    <a:bodyPr/>
+                    <a:lstStyle/>
+                    <a:p>
+                      <a:pPr algn="r"/>
+                      <a:r>
+                        <a:rPr lang="en-US" sz="2800" dirty="0">
+                          <a:latin typeface="Helvetica" panose="020B0604020202020204" pitchFamily="34" charset="0"/>
+                          <a:cs typeface="Helvetica" panose="020B0604020202020204" pitchFamily="34" charset="0"/>
+                        </a:rPr>
+                        <a:t>subject tables</a:t>
+                      </a:r>
+                    </a:p>
+                  </a:txBody>
+                  <a:tcPr anchor="ctr">
+                    <a:lnL w="12700" cmpd="sng">
+                      <a:noFill/>
+                    </a:lnL>
+                    <a:lnR w="28575" cap="flat" cmpd="sng" algn="ctr">
+                      <a:solidFill>
+                        <a:schemeClr val="bg1">
+                          <a:lumMod val="75000"/>
+                        </a:schemeClr>
+                      </a:solidFill>
+                      <a:prstDash val="dash"/>
+                      <a:round/>
+                      <a:headEnd type="none" w="med" len="med"/>
+                      <a:tailEnd type="none" w="med" len="med"/>
+                    </a:lnR>
+                    <a:lnT w="28575" cap="flat" cmpd="sng" algn="ctr">
+                      <a:solidFill>
+                        <a:schemeClr val="bg1">
+                          <a:lumMod val="65000"/>
+                        </a:schemeClr>
+                      </a:solidFill>
+                      <a:prstDash val="dash"/>
+                      <a:round/>
+                      <a:headEnd type="none" w="med" len="med"/>
+                      <a:tailEnd type="none" w="med" len="med"/>
+                    </a:lnT>
+                    <a:lnB w="38100" cap="flat" cmpd="sng" algn="ctr">
+                      <a:solidFill>
+                        <a:schemeClr val="accent4">
+                          <a:lumMod val="50000"/>
+                        </a:schemeClr>
+                      </a:solidFill>
+                      <a:prstDash val="sysDash"/>
+                      <a:round/>
+                      <a:headEnd type="none" w="med" len="med"/>
+                      <a:tailEnd type="none" w="med" len="med"/>
+                    </a:lnB>
+                    <a:lnTlToBr w="12700" cmpd="sng">
+                      <a:noFill/>
+                      <a:prstDash val="solid"/>
+                    </a:lnTlToBr>
+                    <a:lnBlToTr w="12700" cmpd="sng">
+                      <a:noFill/>
+                      <a:prstDash val="solid"/>
+                    </a:lnBlToTr>
+                  </a:tcPr>
+                </a:tc>
+                <a:tc>
+                  <a:txBody>
+                    <a:bodyPr/>
+                    <a:lstStyle/>
+                    <a:p>
+                      <a:pPr algn="ctr"/>
+                      <a:r>
+                        <a:rPr lang="en-US" sz="2800" dirty="0">
+                          <a:latin typeface="Helvetica" panose="020B0604020202020204" pitchFamily="34" charset="0"/>
+                          <a:cs typeface="Helvetica" panose="020B0604020202020204" pitchFamily="34" charset="0"/>
+                        </a:rPr>
+                        <a:t>MFA-normalized</a:t>
+                      </a:r>
+                    </a:p>
+                  </a:txBody>
+                  <a:tcPr anchor="ctr">
+                    <a:lnL w="28575" cap="flat" cmpd="sng" algn="ctr">
+                      <a:solidFill>
+                        <a:schemeClr val="bg1">
+                          <a:lumMod val="75000"/>
+                        </a:schemeClr>
+                      </a:solidFill>
+                      <a:prstDash val="dash"/>
+                      <a:round/>
+                      <a:headEnd type="none" w="med" len="med"/>
+                      <a:tailEnd type="none" w="med" len="med"/>
+                    </a:lnL>
+                    <a:lnR w="28575" cap="flat" cmpd="sng" algn="ctr">
+                      <a:solidFill>
+                        <a:schemeClr val="bg1">
+                          <a:lumMod val="75000"/>
+                        </a:schemeClr>
+                      </a:solidFill>
+                      <a:prstDash val="dash"/>
+                      <a:round/>
+                      <a:headEnd type="none" w="med" len="med"/>
+                      <a:tailEnd type="none" w="med" len="med"/>
+                    </a:lnR>
+                    <a:lnT w="28575" cap="flat" cmpd="sng" algn="ctr">
+                      <a:solidFill>
+                        <a:schemeClr val="bg1">
+                          <a:lumMod val="65000"/>
+                        </a:schemeClr>
+                      </a:solidFill>
+                      <a:prstDash val="dash"/>
+                      <a:round/>
+                      <a:headEnd type="none" w="med" len="med"/>
+                      <a:tailEnd type="none" w="med" len="med"/>
+                    </a:lnT>
+                    <a:lnB w="38100" cap="flat" cmpd="sng" algn="ctr">
+                      <a:solidFill>
+                        <a:schemeClr val="accent4">
+                          <a:lumMod val="50000"/>
+                        </a:schemeClr>
+                      </a:solidFill>
+                      <a:prstDash val="sysDash"/>
+                      <a:round/>
+                      <a:headEnd type="none" w="med" len="med"/>
+                      <a:tailEnd type="none" w="med" len="med"/>
+                    </a:lnB>
+                    <a:lnTlToBr w="12700" cmpd="sng">
+                      <a:noFill/>
+                      <a:prstDash val="solid"/>
+                    </a:lnTlToBr>
+                    <a:lnBlToTr w="12700" cmpd="sng">
+                      <a:noFill/>
+                      <a:prstDash val="solid"/>
+                    </a:lnBlToTr>
+                  </a:tcPr>
+                </a:tc>
+                <a:tc vMerge="1">
+                  <a:txBody>
+                    <a:bodyPr/>
+                    <a:lstStyle/>
+                    <a:p>
+                      <a:endParaRPr lang="en-US"/>
+                    </a:p>
+                  </a:txBody>
+                  <a:tcPr/>
+                </a:tc>
+                <a:tc vMerge="1">
+                  <a:txBody>
+                    <a:bodyPr/>
+                    <a:lstStyle/>
+                    <a:p>
+                      <a:endParaRPr lang="en-US"/>
+                    </a:p>
+                  </a:txBody>
+                  <a:tcPr/>
+                </a:tc>
+                <a:tc vMerge="1">
+                  <a:txBody>
+                    <a:bodyPr/>
+                    <a:lstStyle/>
+                    <a:p>
+                      <a:endParaRPr lang="en-US"/>
+                    </a:p>
+                  </a:txBody>
+                  <a:tcPr/>
+                </a:tc>
+                <a:tc vMerge="1">
+                  <a:txBody>
+                    <a:bodyPr/>
+                    <a:lstStyle/>
+                    <a:p>
+                      <a:endParaRPr lang="en-US"/>
+                    </a:p>
+                  </a:txBody>
+                  <a:tcPr/>
+                </a:tc>
+                <a:extLst>
+                  <a:ext uri="{0D108BD9-81ED-4DB2-BD59-A6C34878D82A}">
+                    <a16:rowId xmlns:a16="http://schemas.microsoft.com/office/drawing/2014/main" val="620711160"/>
+                  </a:ext>
+                </a:extLst>
+              </a:tr>
+              <a:tr h="697794">
+                <a:tc rowSpan="5">
+                  <a:txBody>
+                    <a:bodyPr/>
+                    <a:lstStyle/>
+                    <a:p>
+                      <a:pPr algn="ctr"/>
+                      <a:r>
+                        <a:rPr lang="en-US" sz="2800" b="1" dirty="0">
+                          <a:latin typeface="Helvetica" panose="020B0604020202020204" pitchFamily="34" charset="0"/>
+                          <a:cs typeface="Helvetica" panose="020B0604020202020204" pitchFamily="34" charset="0"/>
+                        </a:rPr>
+                        <a:t>4</a:t>
+                      </a:r>
+                    </a:p>
+                  </a:txBody>
+                  <a:tcPr anchor="ctr">
+                    <a:lnL w="12700" cmpd="sng">
+                      <a:noFill/>
+                    </a:lnL>
+                    <a:lnR w="12700" cmpd="sng">
+                      <a:noFill/>
+                    </a:lnR>
+                    <a:lnT w="38100" cap="flat" cmpd="sng" algn="ctr">
+                      <a:solidFill>
+                        <a:schemeClr val="accent4">
+                          <a:lumMod val="50000"/>
+                        </a:schemeClr>
+                      </a:solidFill>
+                      <a:prstDash val="sysDash"/>
+                      <a:round/>
+                      <a:headEnd type="none" w="med" len="med"/>
+                      <a:tailEnd type="none" w="med" len="med"/>
+                    </a:lnT>
+                    <a:lnB w="12700" cmpd="sng">
+                      <a:noFill/>
+                    </a:lnB>
+                    <a:lnTlToBr w="12700" cmpd="sng">
+                      <a:noFill/>
+                      <a:prstDash val="solid"/>
+                    </a:lnTlToBr>
+                    <a:lnBlToTr w="12700" cmpd="sng">
+                      <a:noFill/>
+                      <a:prstDash val="solid"/>
+                    </a:lnBlToTr>
+                    <a:solidFill>
+                      <a:schemeClr val="accent4">
+                        <a:lumMod val="40000"/>
+                        <a:lumOff val="60000"/>
+                      </a:schemeClr>
+                    </a:solidFill>
+                  </a:tcPr>
+                </a:tc>
+                <a:tc>
+                  <a:txBody>
+                    <a:bodyPr/>
+                    <a:lstStyle/>
+                    <a:p>
+                      <a:pPr algn="r"/>
+                      <a:r>
+                        <a:rPr lang="en-US" sz="2800" dirty="0">
+                          <a:latin typeface="Helvetica" panose="020B0604020202020204" pitchFamily="34" charset="0"/>
+                          <a:cs typeface="Helvetica" panose="020B0604020202020204" pitchFamily="34" charset="0"/>
+                        </a:rPr>
+                        <a:t>z-matrices</a:t>
+                      </a:r>
+                    </a:p>
+                  </a:txBody>
+                  <a:tcPr anchor="ctr">
+                    <a:lnL w="12700" cmpd="sng">
+                      <a:noFill/>
+                    </a:lnL>
+                    <a:lnR w="28575" cap="flat" cmpd="sng" algn="ctr">
+                      <a:solidFill>
+                        <a:schemeClr val="bg1">
+                          <a:lumMod val="75000"/>
+                        </a:schemeClr>
+                      </a:solidFill>
+                      <a:prstDash val="dash"/>
+                      <a:round/>
+                      <a:headEnd type="none" w="med" len="med"/>
+                      <a:tailEnd type="none" w="med" len="med"/>
+                    </a:lnR>
+                    <a:lnT w="38100" cap="flat" cmpd="sng" algn="ctr">
+                      <a:solidFill>
+                        <a:schemeClr val="accent4">
+                          <a:lumMod val="50000"/>
+                        </a:schemeClr>
+                      </a:solidFill>
+                      <a:prstDash val="sysDash"/>
+                      <a:round/>
+                      <a:headEnd type="none" w="med" len="med"/>
+                      <a:tailEnd type="none" w="med" len="med"/>
+                    </a:lnT>
+                    <a:lnB w="28575" cap="flat" cmpd="sng" algn="ctr">
+                      <a:solidFill>
+                        <a:schemeClr val="bg1">
+                          <a:lumMod val="65000"/>
+                        </a:schemeClr>
+                      </a:solidFill>
+                      <a:prstDash val="dash"/>
+                      <a:round/>
+                      <a:headEnd type="none" w="med" len="med"/>
+                      <a:tailEnd type="none" w="med" len="med"/>
+                    </a:lnB>
+                    <a:lnTlToBr w="12700" cmpd="sng">
+                      <a:noFill/>
+                      <a:prstDash val="solid"/>
+                    </a:lnTlToBr>
+                    <a:lnBlToTr w="12700" cmpd="sng">
+                      <a:noFill/>
+                      <a:prstDash val="solid"/>
+                    </a:lnBlToTr>
+                  </a:tcPr>
+                </a:tc>
+                <a:tc>
+                  <a:txBody>
+                    <a:bodyPr/>
+                    <a:lstStyle/>
+                    <a:p>
+                      <a:pPr algn="ctr"/>
+                      <a:r>
+                        <a:rPr lang="en-US" sz="2800" dirty="0">
+                          <a:latin typeface="Helvetica" panose="020B0604020202020204" pitchFamily="34" charset="0"/>
+                          <a:cs typeface="Helvetica" panose="020B0604020202020204" pitchFamily="34" charset="0"/>
+                        </a:rPr>
+                        <a:t>x</a:t>
+                      </a:r>
+                    </a:p>
+                  </a:txBody>
+                  <a:tcPr anchor="ctr">
+                    <a:lnL w="28575" cap="flat" cmpd="sng" algn="ctr">
+                      <a:solidFill>
+                        <a:schemeClr val="bg1">
+                          <a:lumMod val="75000"/>
+                        </a:schemeClr>
+                      </a:solidFill>
+                      <a:prstDash val="dash"/>
+                      <a:round/>
+                      <a:headEnd type="none" w="med" len="med"/>
+                      <a:tailEnd type="none" w="med" len="med"/>
+                    </a:lnL>
+                    <a:lnR w="28575" cap="flat" cmpd="sng" algn="ctr">
+                      <a:solidFill>
+                        <a:schemeClr val="bg1">
+                          <a:lumMod val="75000"/>
+                        </a:schemeClr>
+                      </a:solidFill>
+                      <a:prstDash val="dash"/>
+                      <a:round/>
+                      <a:headEnd type="none" w="med" len="med"/>
+                      <a:tailEnd type="none" w="med" len="med"/>
+                    </a:lnR>
+                    <a:lnT w="38100" cap="flat" cmpd="sng" algn="ctr">
+                      <a:solidFill>
+                        <a:schemeClr val="accent4">
+                          <a:lumMod val="50000"/>
+                        </a:schemeClr>
+                      </a:solidFill>
+                      <a:prstDash val="sysDash"/>
+                      <a:round/>
+                      <a:headEnd type="none" w="med" len="med"/>
+                      <a:tailEnd type="none" w="med" len="med"/>
+                    </a:lnT>
+                    <a:lnB w="28575" cap="flat" cmpd="sng" algn="ctr">
+                      <a:solidFill>
+                        <a:schemeClr val="bg1">
+                          <a:lumMod val="65000"/>
+                        </a:schemeClr>
+                      </a:solidFill>
+                      <a:prstDash val="dash"/>
+                      <a:round/>
+                      <a:headEnd type="none" w="med" len="med"/>
+                      <a:tailEnd type="none" w="med" len="med"/>
+                    </a:lnB>
+                    <a:lnTlToBr w="12700" cmpd="sng">
+                      <a:noFill/>
+                      <a:prstDash val="solid"/>
+                    </a:lnTlToBr>
+                    <a:lnBlToTr w="12700" cmpd="sng">
+                      <a:noFill/>
+                      <a:prstDash val="solid"/>
+                    </a:lnBlToTr>
+                  </a:tcPr>
+                </a:tc>
+                <a:tc rowSpan="5">
+                  <a:txBody>
+                    <a:bodyPr/>
+                    <a:lstStyle/>
+                    <a:p>
+                      <a:endParaRPr lang="en-US" sz="2800" dirty="0">
+                        <a:latin typeface="Helvetica" panose="020B0604020202020204" pitchFamily="34" charset="0"/>
+                        <a:cs typeface="Helvetica" panose="020B0604020202020204" pitchFamily="34" charset="0"/>
+                      </a:endParaRPr>
+                    </a:p>
+                  </a:txBody>
+                  <a:tcPr anchor="ctr">
+                    <a:lnL w="28575" cap="flat" cmpd="sng" algn="ctr">
+                      <a:solidFill>
+                        <a:schemeClr val="bg1">
+                          <a:lumMod val="75000"/>
+                        </a:schemeClr>
+                      </a:solidFill>
+                      <a:prstDash val="dash"/>
+                      <a:round/>
+                      <a:headEnd type="none" w="med" len="med"/>
+                      <a:tailEnd type="none" w="med" len="med"/>
+                    </a:lnL>
+                    <a:lnR w="12700" cmpd="sng">
+                      <a:noFill/>
+                    </a:lnR>
+                    <a:lnT w="38100" cap="flat" cmpd="sng" algn="ctr">
+                      <a:solidFill>
+                        <a:schemeClr val="accent4">
+                          <a:lumMod val="50000"/>
+                        </a:schemeClr>
+                      </a:solidFill>
+                      <a:prstDash val="sysDash"/>
+                      <a:round/>
+                      <a:headEnd type="none" w="med" len="med"/>
+                      <a:tailEnd type="none" w="med" len="med"/>
+                    </a:lnT>
+                    <a:lnB w="12700" cmpd="sng">
+                      <a:noFill/>
+                    </a:lnB>
+                    <a:lnTlToBr w="12700" cmpd="sng">
+                      <a:noFill/>
+                      <a:prstDash val="solid"/>
+                    </a:lnTlToBr>
+                    <a:lnBlToTr w="12700" cmpd="sng">
+                      <a:noFill/>
+                      <a:prstDash val="solid"/>
+                    </a:lnBlToTr>
+                  </a:tcPr>
+                </a:tc>
+                <a:tc rowSpan="5">
+                  <a:txBody>
+                    <a:bodyPr/>
+                    <a:lstStyle/>
+                    <a:p>
+                      <a:endParaRPr lang="en-US" sz="2800" dirty="0">
+                        <a:latin typeface="Helvetica" panose="020B0604020202020204" pitchFamily="34" charset="0"/>
+                        <a:cs typeface="Helvetica" panose="020B0604020202020204" pitchFamily="34" charset="0"/>
+                      </a:endParaRPr>
+                    </a:p>
+                  </a:txBody>
+                  <a:tcPr anchor="ctr">
+                    <a:lnL w="12700" cmpd="sng">
+                      <a:noFill/>
+                    </a:lnL>
+                    <a:lnR w="12700" cmpd="sng">
+                      <a:noFill/>
+                    </a:lnR>
+                    <a:lnT w="38100" cap="flat" cmpd="sng" algn="ctr">
+                      <a:solidFill>
+                        <a:schemeClr val="accent4">
+                          <a:lumMod val="50000"/>
+                        </a:schemeClr>
+                      </a:solidFill>
+                      <a:prstDash val="sysDash"/>
+                      <a:round/>
+                      <a:headEnd type="none" w="med" len="med"/>
+                      <a:tailEnd type="none" w="med" len="med"/>
+                    </a:lnT>
+                    <a:lnB w="12700" cmpd="sng">
+                      <a:noFill/>
+                    </a:lnB>
+                    <a:lnTlToBr w="12700" cmpd="sng">
+                      <a:noFill/>
+                      <a:prstDash val="solid"/>
+                    </a:lnTlToBr>
+                    <a:lnBlToTr w="12700" cmpd="sng">
+                      <a:noFill/>
+                      <a:prstDash val="solid"/>
+                    </a:lnBlToTr>
+                  </a:tcPr>
+                </a:tc>
+                <a:tc rowSpan="5">
+                  <a:txBody>
+                    <a:bodyPr/>
+                    <a:lstStyle/>
+                    <a:p>
+                      <a:endParaRPr lang="en-US" sz="2800" dirty="0">
+                        <a:latin typeface="Helvetica" panose="020B0604020202020204" pitchFamily="34" charset="0"/>
+                        <a:cs typeface="Helvetica" panose="020B0604020202020204" pitchFamily="34" charset="0"/>
+                      </a:endParaRPr>
+                    </a:p>
+                  </a:txBody>
+                  <a:tcPr anchor="ctr">
+                    <a:lnL w="12700" cmpd="sng">
+                      <a:noFill/>
+                    </a:lnL>
+                    <a:lnR w="12700" cmpd="sng">
+                      <a:noFill/>
+                    </a:lnR>
+                    <a:lnT w="38100" cap="flat" cmpd="sng" algn="ctr">
+                      <a:solidFill>
+                        <a:schemeClr val="accent4">
+                          <a:lumMod val="50000"/>
+                        </a:schemeClr>
+                      </a:solidFill>
+                      <a:prstDash val="sysDash"/>
+                      <a:round/>
+                      <a:headEnd type="none" w="med" len="med"/>
+                      <a:tailEnd type="none" w="med" len="med"/>
+                    </a:lnT>
+                    <a:lnB w="12700" cmpd="sng">
+                      <a:noFill/>
+                    </a:lnB>
+                    <a:lnTlToBr w="12700" cmpd="sng">
+                      <a:noFill/>
+                      <a:prstDash val="solid"/>
+                    </a:lnTlToBr>
+                    <a:lnBlToTr w="12700" cmpd="sng">
+                      <a:noFill/>
+                      <a:prstDash val="solid"/>
+                    </a:lnBlToTr>
+                  </a:tcPr>
+                </a:tc>
+                <a:tc rowSpan="5">
+                  <a:txBody>
+                    <a:bodyPr/>
+                    <a:lstStyle/>
+                    <a:p>
+                      <a:endParaRPr lang="en-US" sz="2800" dirty="0">
+                        <a:latin typeface="Helvetica" panose="020B0604020202020204" pitchFamily="34" charset="0"/>
+                        <a:cs typeface="Helvetica" panose="020B0604020202020204" pitchFamily="34" charset="0"/>
+                      </a:endParaRPr>
+                    </a:p>
+                  </a:txBody>
+                  <a:tcPr anchor="ctr">
+                    <a:lnL w="12700" cmpd="sng">
+                      <a:noFill/>
+                    </a:lnL>
+                    <a:lnR w="12700" cmpd="sng">
+                      <a:noFill/>
+                    </a:lnR>
+                    <a:lnT w="38100" cap="flat" cmpd="sng" algn="ctr">
+                      <a:solidFill>
+                        <a:schemeClr val="accent4">
+                          <a:lumMod val="50000"/>
+                        </a:schemeClr>
+                      </a:solidFill>
+                      <a:prstDash val="sysDash"/>
+                      <a:round/>
+                      <a:headEnd type="none" w="med" len="med"/>
+                      <a:tailEnd type="none" w="med" len="med"/>
+                    </a:lnT>
+                    <a:lnB w="12700" cmpd="sng">
+                      <a:noFill/>
+                    </a:lnB>
+                    <a:lnTlToBr w="12700" cmpd="sng">
+                      <a:noFill/>
+                      <a:prstDash val="solid"/>
+                    </a:lnTlToBr>
+                    <a:lnBlToTr w="12700" cmpd="sng">
+                      <a:noFill/>
+                      <a:prstDash val="solid"/>
+                    </a:lnBlToTr>
+                  </a:tcPr>
+                </a:tc>
+                <a:extLst>
+                  <a:ext uri="{0D108BD9-81ED-4DB2-BD59-A6C34878D82A}">
+                    <a16:rowId xmlns:a16="http://schemas.microsoft.com/office/drawing/2014/main" val="335294552"/>
+                  </a:ext>
+                </a:extLst>
+              </a:tr>
+              <a:tr h="697794">
+                <a:tc vMerge="1">
+                  <a:txBody>
+                    <a:bodyPr/>
+                    <a:lstStyle/>
+                    <a:p>
+                      <a:endParaRPr lang="en-US"/>
+                    </a:p>
+                  </a:txBody>
+                  <a:tcPr/>
+                </a:tc>
+                <a:tc>
+                  <a:txBody>
+                    <a:bodyPr/>
+                    <a:lstStyle/>
+                    <a:p>
+                      <a:pPr algn="r"/>
+                      <a:r>
+                        <a:rPr lang="en-US" sz="2800" dirty="0">
+                          <a:latin typeface="Helvetica" panose="020B0604020202020204" pitchFamily="34" charset="0"/>
+                          <a:cs typeface="Helvetica" panose="020B0604020202020204" pitchFamily="34" charset="0"/>
+                        </a:rPr>
+                        <a:t>rows</a:t>
+                      </a:r>
+                    </a:p>
+                  </a:txBody>
+                  <a:tcPr anchor="ctr">
+                    <a:lnL w="12700" cmpd="sng">
+                      <a:noFill/>
+                    </a:lnL>
+                    <a:lnR w="28575" cap="flat" cmpd="sng" algn="ctr">
+                      <a:solidFill>
+                        <a:schemeClr val="bg1">
+                          <a:lumMod val="75000"/>
+                        </a:schemeClr>
+                      </a:solidFill>
+                      <a:prstDash val="dash"/>
+                      <a:round/>
+                      <a:headEnd type="none" w="med" len="med"/>
+                      <a:tailEnd type="none" w="med" len="med"/>
+                    </a:lnR>
+                    <a:lnT w="28575" cap="flat" cmpd="sng" algn="ctr">
+                      <a:solidFill>
+                        <a:schemeClr val="bg1">
+                          <a:lumMod val="65000"/>
+                        </a:schemeClr>
+                      </a:solidFill>
+                      <a:prstDash val="dash"/>
+                      <a:round/>
+                      <a:headEnd type="none" w="med" len="med"/>
+                      <a:tailEnd type="none" w="med" len="med"/>
+                    </a:lnT>
+                    <a:lnB w="28575" cap="flat" cmpd="sng" algn="ctr">
+                      <a:solidFill>
+                        <a:schemeClr val="bg1">
+                          <a:lumMod val="65000"/>
+                        </a:schemeClr>
+                      </a:solidFill>
+                      <a:prstDash val="dash"/>
+                      <a:round/>
+                      <a:headEnd type="none" w="med" len="med"/>
+                      <a:tailEnd type="none" w="med" len="med"/>
+                    </a:lnB>
+                    <a:lnTlToBr w="12700" cmpd="sng">
+                      <a:noFill/>
+                      <a:prstDash val="solid"/>
+                    </a:lnTlToBr>
+                    <a:lnBlToTr w="12700" cmpd="sng">
+                      <a:noFill/>
+                      <a:prstDash val="solid"/>
+                    </a:lnBlToTr>
+                  </a:tcPr>
+                </a:tc>
+                <a:tc>
+                  <a:txBody>
+                    <a:bodyPr/>
+                    <a:lstStyle/>
+                    <a:p>
+                      <a:pPr algn="ctr"/>
+                      <a:r>
+                        <a:rPr lang="en-US" sz="2800" dirty="0">
+                          <a:latin typeface="Helvetica" panose="020B0604020202020204" pitchFamily="34" charset="0"/>
+                          <a:cs typeface="Helvetica" panose="020B0604020202020204" pitchFamily="34" charset="0"/>
+                        </a:rPr>
+                        <a:t>x</a:t>
+                      </a:r>
+                    </a:p>
+                  </a:txBody>
+                  <a:tcPr anchor="ctr">
+                    <a:lnL w="28575" cap="flat" cmpd="sng" algn="ctr">
+                      <a:solidFill>
+                        <a:schemeClr val="bg1">
+                          <a:lumMod val="75000"/>
+                        </a:schemeClr>
+                      </a:solidFill>
+                      <a:prstDash val="dash"/>
+                      <a:round/>
+                      <a:headEnd type="none" w="med" len="med"/>
+                      <a:tailEnd type="none" w="med" len="med"/>
+                    </a:lnL>
+                    <a:lnR w="28575" cap="flat" cmpd="sng" algn="ctr">
+                      <a:solidFill>
+                        <a:schemeClr val="bg1">
+                          <a:lumMod val="75000"/>
+                        </a:schemeClr>
+                      </a:solidFill>
+                      <a:prstDash val="dash"/>
+                      <a:round/>
+                      <a:headEnd type="none" w="med" len="med"/>
+                      <a:tailEnd type="none" w="med" len="med"/>
+                    </a:lnR>
+                    <a:lnT w="28575" cap="flat" cmpd="sng" algn="ctr">
+                      <a:solidFill>
+                        <a:schemeClr val="bg1">
+                          <a:lumMod val="65000"/>
+                        </a:schemeClr>
+                      </a:solidFill>
+                      <a:prstDash val="dash"/>
+                      <a:round/>
+                      <a:headEnd type="none" w="med" len="med"/>
+                      <a:tailEnd type="none" w="med" len="med"/>
+                    </a:lnT>
+                    <a:lnB w="28575" cap="flat" cmpd="sng" algn="ctr">
+                      <a:solidFill>
+                        <a:schemeClr val="bg1">
+                          <a:lumMod val="65000"/>
+                        </a:schemeClr>
+                      </a:solidFill>
+                      <a:prstDash val="dash"/>
+                      <a:round/>
+                      <a:headEnd type="none" w="med" len="med"/>
+                      <a:tailEnd type="none" w="med" len="med"/>
+                    </a:lnB>
+                    <a:lnTlToBr w="12700" cmpd="sng">
+                      <a:noFill/>
+                      <a:prstDash val="solid"/>
+                    </a:lnTlToBr>
+                    <a:lnBlToTr w="12700" cmpd="sng">
+                      <a:noFill/>
+                      <a:prstDash val="solid"/>
+                    </a:lnBlToTr>
+                  </a:tcPr>
+                </a:tc>
+                <a:tc vMerge="1">
+                  <a:txBody>
+                    <a:bodyPr/>
+                    <a:lstStyle/>
+                    <a:p>
+                      <a:endParaRPr lang="en-US"/>
+                    </a:p>
+                  </a:txBody>
+                  <a:tcPr/>
+                </a:tc>
+                <a:tc vMerge="1">
+                  <a:txBody>
+                    <a:bodyPr/>
+                    <a:lstStyle/>
+                    <a:p>
+                      <a:endParaRPr lang="en-US"/>
+                    </a:p>
+                  </a:txBody>
+                  <a:tcPr/>
+                </a:tc>
+                <a:tc vMerge="1">
+                  <a:txBody>
+                    <a:bodyPr/>
+                    <a:lstStyle/>
+                    <a:p>
+                      <a:endParaRPr lang="en-US"/>
+                    </a:p>
+                  </a:txBody>
+                  <a:tcPr/>
+                </a:tc>
+                <a:tc vMerge="1">
+                  <a:txBody>
+                    <a:bodyPr/>
+                    <a:lstStyle/>
+                    <a:p>
+                      <a:endParaRPr lang="en-US"/>
+                    </a:p>
+                  </a:txBody>
+                  <a:tcPr/>
+                </a:tc>
+                <a:extLst>
+                  <a:ext uri="{0D108BD9-81ED-4DB2-BD59-A6C34878D82A}">
+                    <a16:rowId xmlns:a16="http://schemas.microsoft.com/office/drawing/2014/main" val="4068177648"/>
+                  </a:ext>
+                </a:extLst>
+              </a:tr>
+              <a:tr h="697794">
+                <a:tc vMerge="1">
+                  <a:txBody>
+                    <a:bodyPr/>
+                    <a:lstStyle/>
+                    <a:p>
+                      <a:endParaRPr lang="en-US"/>
+                    </a:p>
+                  </a:txBody>
+                  <a:tcPr/>
+                </a:tc>
+                <a:tc>
+                  <a:txBody>
+                    <a:bodyPr/>
+                    <a:lstStyle/>
+                    <a:p>
+                      <a:pPr algn="r"/>
+                      <a:r>
+                        <a:rPr lang="en-US" sz="2800" dirty="0">
+                          <a:latin typeface="Helvetica" panose="020B0604020202020204" pitchFamily="34" charset="0"/>
+                          <a:cs typeface="Helvetica" panose="020B0604020202020204" pitchFamily="34" charset="0"/>
+                        </a:rPr>
+                        <a:t>columns</a:t>
+                      </a:r>
+                    </a:p>
+                  </a:txBody>
+                  <a:tcPr anchor="ctr">
+                    <a:lnL w="12700" cmpd="sng">
+                      <a:noFill/>
+                    </a:lnL>
+                    <a:lnR w="28575" cap="flat" cmpd="sng" algn="ctr">
+                      <a:solidFill>
+                        <a:schemeClr val="bg1">
+                          <a:lumMod val="75000"/>
+                        </a:schemeClr>
+                      </a:solidFill>
+                      <a:prstDash val="dash"/>
+                      <a:round/>
+                      <a:headEnd type="none" w="med" len="med"/>
+                      <a:tailEnd type="none" w="med" len="med"/>
+                    </a:lnR>
+                    <a:lnT w="28575" cap="flat" cmpd="sng" algn="ctr">
+                      <a:solidFill>
+                        <a:schemeClr val="bg1">
+                          <a:lumMod val="65000"/>
+                        </a:schemeClr>
+                      </a:solidFill>
+                      <a:prstDash val="dash"/>
+                      <a:round/>
+                      <a:headEnd type="none" w="med" len="med"/>
+                      <a:tailEnd type="none" w="med" len="med"/>
+                    </a:lnT>
+                    <a:lnB w="28575" cap="flat" cmpd="sng" algn="ctr">
+                      <a:solidFill>
+                        <a:schemeClr val="bg1">
+                          <a:lumMod val="65000"/>
+                        </a:schemeClr>
+                      </a:solidFill>
+                      <a:prstDash val="dash"/>
+                      <a:round/>
+                      <a:headEnd type="none" w="med" len="med"/>
+                      <a:tailEnd type="none" w="med" len="med"/>
+                    </a:lnB>
+                    <a:lnTlToBr w="12700" cmpd="sng">
+                      <a:noFill/>
+                      <a:prstDash val="solid"/>
+                    </a:lnTlToBr>
+                    <a:lnBlToTr w="12700" cmpd="sng">
+                      <a:noFill/>
+                      <a:prstDash val="solid"/>
+                    </a:lnBlToTr>
+                  </a:tcPr>
+                </a:tc>
+                <a:tc>
+                  <a:txBody>
+                    <a:bodyPr/>
+                    <a:lstStyle/>
+                    <a:p>
+                      <a:pPr algn="ctr"/>
+                      <a:r>
+                        <a:rPr lang="en-US" sz="2800" dirty="0">
+                          <a:latin typeface="Helvetica" panose="020B0604020202020204" pitchFamily="34" charset="0"/>
+                          <a:cs typeface="Helvetica" panose="020B0604020202020204" pitchFamily="34" charset="0"/>
+                        </a:rPr>
+                        <a:t>centered</a:t>
+                      </a:r>
+                    </a:p>
+                  </a:txBody>
+                  <a:tcPr anchor="ctr">
+                    <a:lnL w="28575" cap="flat" cmpd="sng" algn="ctr">
+                      <a:solidFill>
+                        <a:schemeClr val="bg1">
+                          <a:lumMod val="75000"/>
+                        </a:schemeClr>
+                      </a:solidFill>
+                      <a:prstDash val="dash"/>
+                      <a:round/>
+                      <a:headEnd type="none" w="med" len="med"/>
+                      <a:tailEnd type="none" w="med" len="med"/>
+                    </a:lnL>
+                    <a:lnR w="28575" cap="flat" cmpd="sng" algn="ctr">
+                      <a:solidFill>
+                        <a:schemeClr val="bg1">
+                          <a:lumMod val="75000"/>
+                        </a:schemeClr>
+                      </a:solidFill>
+                      <a:prstDash val="dash"/>
+                      <a:round/>
+                      <a:headEnd type="none" w="med" len="med"/>
+                      <a:tailEnd type="none" w="med" len="med"/>
+                    </a:lnR>
+                    <a:lnT w="28575" cap="flat" cmpd="sng" algn="ctr">
+                      <a:solidFill>
+                        <a:schemeClr val="bg1">
+                          <a:lumMod val="65000"/>
+                        </a:schemeClr>
+                      </a:solidFill>
+                      <a:prstDash val="dash"/>
+                      <a:round/>
+                      <a:headEnd type="none" w="med" len="med"/>
+                      <a:tailEnd type="none" w="med" len="med"/>
+                    </a:lnT>
+                    <a:lnB w="28575" cap="flat" cmpd="sng" algn="ctr">
+                      <a:solidFill>
+                        <a:schemeClr val="bg1">
+                          <a:lumMod val="65000"/>
+                        </a:schemeClr>
+                      </a:solidFill>
+                      <a:prstDash val="dash"/>
+                      <a:round/>
+                      <a:headEnd type="none" w="med" len="med"/>
+                      <a:tailEnd type="none" w="med" len="med"/>
+                    </a:lnB>
+                    <a:lnTlToBr w="12700" cmpd="sng">
+                      <a:noFill/>
+                      <a:prstDash val="solid"/>
+                    </a:lnTlToBr>
+                    <a:lnBlToTr w="12700" cmpd="sng">
+                      <a:noFill/>
+                      <a:prstDash val="solid"/>
+                    </a:lnBlToTr>
+                  </a:tcPr>
+                </a:tc>
+                <a:tc vMerge="1">
+                  <a:txBody>
+                    <a:bodyPr/>
+                    <a:lstStyle/>
+                    <a:p>
+                      <a:endParaRPr lang="en-US"/>
+                    </a:p>
+                  </a:txBody>
+                  <a:tcPr/>
+                </a:tc>
+                <a:tc vMerge="1">
+                  <a:txBody>
+                    <a:bodyPr/>
+                    <a:lstStyle/>
+                    <a:p>
+                      <a:endParaRPr lang="en-US"/>
+                    </a:p>
+                  </a:txBody>
+                  <a:tcPr/>
+                </a:tc>
+                <a:tc vMerge="1">
+                  <a:txBody>
+                    <a:bodyPr/>
+                    <a:lstStyle/>
+                    <a:p>
+                      <a:endParaRPr lang="en-US"/>
+                    </a:p>
+                  </a:txBody>
+                  <a:tcPr/>
+                </a:tc>
+                <a:tc vMerge="1">
+                  <a:txBody>
+                    <a:bodyPr/>
+                    <a:lstStyle/>
+                    <a:p>
+                      <a:endParaRPr lang="en-US"/>
+                    </a:p>
+                  </a:txBody>
+                  <a:tcPr/>
+                </a:tc>
+                <a:extLst>
+                  <a:ext uri="{0D108BD9-81ED-4DB2-BD59-A6C34878D82A}">
+                    <a16:rowId xmlns:a16="http://schemas.microsoft.com/office/drawing/2014/main" val="3286121542"/>
+                  </a:ext>
+                </a:extLst>
+              </a:tr>
+              <a:tr h="697794">
+                <a:tc vMerge="1">
+                  <a:txBody>
+                    <a:bodyPr/>
+                    <a:lstStyle/>
+                    <a:p>
+                      <a:endParaRPr lang="en-US"/>
+                    </a:p>
+                  </a:txBody>
+                  <a:tcPr/>
+                </a:tc>
+                <a:tc>
+                  <a:txBody>
+                    <a:bodyPr/>
+                    <a:lstStyle/>
+                    <a:p>
+                      <a:pPr algn="r"/>
+                      <a:r>
+                        <a:rPr lang="en-US" sz="2800" dirty="0">
+                          <a:latin typeface="Helvetica" panose="020B0604020202020204" pitchFamily="34" charset="0"/>
+                          <a:cs typeface="Helvetica" panose="020B0604020202020204" pitchFamily="34" charset="0"/>
+                        </a:rPr>
+                        <a:t>edge tables</a:t>
+                      </a:r>
+                    </a:p>
+                  </a:txBody>
+                  <a:tcPr anchor="ctr">
+                    <a:lnL w="12700" cmpd="sng">
+                      <a:noFill/>
+                    </a:lnL>
+                    <a:lnR w="28575" cap="flat" cmpd="sng" algn="ctr">
+                      <a:solidFill>
+                        <a:schemeClr val="bg1">
+                          <a:lumMod val="75000"/>
+                        </a:schemeClr>
+                      </a:solidFill>
+                      <a:prstDash val="dash"/>
+                      <a:round/>
+                      <a:headEnd type="none" w="med" len="med"/>
+                      <a:tailEnd type="none" w="med" len="med"/>
+                    </a:lnR>
+                    <a:lnT w="28575" cap="flat" cmpd="sng" algn="ctr">
+                      <a:solidFill>
+                        <a:schemeClr val="bg1">
+                          <a:lumMod val="65000"/>
+                        </a:schemeClr>
+                      </a:solidFill>
+                      <a:prstDash val="dash"/>
+                      <a:round/>
+                      <a:headEnd type="none" w="med" len="med"/>
+                      <a:tailEnd type="none" w="med" len="med"/>
+                    </a:lnT>
+                    <a:lnB w="28575" cap="flat" cmpd="sng" algn="ctr">
+                      <a:solidFill>
+                        <a:schemeClr val="bg1">
+                          <a:lumMod val="65000"/>
+                        </a:schemeClr>
+                      </a:solidFill>
+                      <a:prstDash val="dash"/>
+                      <a:round/>
+                      <a:headEnd type="none" w="med" len="med"/>
+                      <a:tailEnd type="none" w="med" len="med"/>
+                    </a:lnB>
+                    <a:lnTlToBr w="12700" cmpd="sng">
+                      <a:noFill/>
+                      <a:prstDash val="solid"/>
+                    </a:lnTlToBr>
+                    <a:lnBlToTr w="12700" cmpd="sng">
+                      <a:noFill/>
+                      <a:prstDash val="solid"/>
+                    </a:lnBlToTr>
+                  </a:tcPr>
+                </a:tc>
+                <a:tc rowSpan="2">
+                  <a:txBody>
+                    <a:bodyPr/>
+                    <a:lstStyle/>
+                    <a:p>
+                      <a:pPr algn="ctr"/>
+                      <a:r>
+                        <a:rPr lang="en-US" sz="2800" dirty="0">
+                          <a:latin typeface="Helvetica" panose="020B0604020202020204" pitchFamily="34" charset="0"/>
+                          <a:cs typeface="Helvetica" panose="020B0604020202020204" pitchFamily="34" charset="0"/>
+                        </a:rPr>
+                        <a:t>HMFA-normalized (edge </a:t>
+                      </a:r>
+                      <a:r>
+                        <a:rPr lang="en-US" sz="2800" dirty="0">
+                          <a:latin typeface="Helvetica" panose="020B0604020202020204" pitchFamily="34" charset="0"/>
+                          <a:cs typeface="Helvetica" panose="020B0604020202020204" pitchFamily="34" charset="0"/>
+                          <a:sym typeface="Wingdings" panose="05000000000000000000" pitchFamily="2" charset="2"/>
+                        </a:rPr>
+                        <a:t> subject)</a:t>
+                      </a:r>
+                      <a:endParaRPr lang="en-US" sz="2800" dirty="0">
+                        <a:latin typeface="Helvetica" panose="020B0604020202020204" pitchFamily="34" charset="0"/>
+                        <a:cs typeface="Helvetica" panose="020B0604020202020204" pitchFamily="34" charset="0"/>
+                      </a:endParaRPr>
+                    </a:p>
+                  </a:txBody>
+                  <a:tcPr anchor="ctr">
+                    <a:lnL w="28575" cap="flat" cmpd="sng" algn="ctr">
+                      <a:solidFill>
+                        <a:schemeClr val="bg1">
+                          <a:lumMod val="75000"/>
+                        </a:schemeClr>
+                      </a:solidFill>
+                      <a:prstDash val="dash"/>
+                      <a:round/>
+                      <a:headEnd type="none" w="med" len="med"/>
+                      <a:tailEnd type="none" w="med" len="med"/>
+                    </a:lnL>
+                    <a:lnR w="28575" cap="flat" cmpd="sng" algn="ctr">
+                      <a:solidFill>
+                        <a:schemeClr val="bg1">
+                          <a:lumMod val="75000"/>
+                        </a:schemeClr>
+                      </a:solidFill>
+                      <a:prstDash val="dash"/>
+                      <a:round/>
+                      <a:headEnd type="none" w="med" len="med"/>
+                      <a:tailEnd type="none" w="med" len="med"/>
+                    </a:lnR>
+                    <a:lnT w="28575" cap="flat" cmpd="sng" algn="ctr">
+                      <a:solidFill>
+                        <a:schemeClr val="bg1">
+                          <a:lumMod val="65000"/>
+                        </a:schemeClr>
+                      </a:solidFill>
+                      <a:prstDash val="dash"/>
+                      <a:round/>
+                      <a:headEnd type="none" w="med" len="med"/>
+                      <a:tailEnd type="none" w="med" len="med"/>
+                    </a:lnT>
+                    <a:lnB w="12700" cmpd="sng">
+                      <a:noFill/>
+                    </a:lnB>
+                    <a:lnTlToBr w="12700" cmpd="sng">
+                      <a:noFill/>
+                      <a:prstDash val="solid"/>
+                    </a:lnTlToBr>
+                    <a:lnBlToTr w="12700" cmpd="sng">
+                      <a:noFill/>
+                      <a:prstDash val="solid"/>
+                    </a:lnBlToTr>
+                  </a:tcPr>
+                </a:tc>
+                <a:tc vMerge="1">
+                  <a:txBody>
+                    <a:bodyPr/>
+                    <a:lstStyle/>
+                    <a:p>
+                      <a:endParaRPr lang="en-US"/>
+                    </a:p>
+                  </a:txBody>
+                  <a:tcPr/>
+                </a:tc>
+                <a:tc vMerge="1">
+                  <a:txBody>
+                    <a:bodyPr/>
+                    <a:lstStyle/>
+                    <a:p>
+                      <a:endParaRPr lang="en-US"/>
+                    </a:p>
+                  </a:txBody>
+                  <a:tcPr/>
+                </a:tc>
+                <a:tc vMerge="1">
+                  <a:txBody>
+                    <a:bodyPr/>
+                    <a:lstStyle/>
+                    <a:p>
+                      <a:endParaRPr lang="en-US"/>
+                    </a:p>
+                  </a:txBody>
+                  <a:tcPr/>
+                </a:tc>
+                <a:tc vMerge="1">
+                  <a:txBody>
+                    <a:bodyPr/>
+                    <a:lstStyle/>
+                    <a:p>
+                      <a:endParaRPr lang="en-US"/>
+                    </a:p>
+                  </a:txBody>
+                  <a:tcPr/>
+                </a:tc>
+                <a:extLst>
+                  <a:ext uri="{0D108BD9-81ED-4DB2-BD59-A6C34878D82A}">
+                    <a16:rowId xmlns:a16="http://schemas.microsoft.com/office/drawing/2014/main" val="171842603"/>
+                  </a:ext>
+                </a:extLst>
+              </a:tr>
+              <a:tr h="697794">
+                <a:tc vMerge="1">
+                  <a:txBody>
+                    <a:bodyPr/>
+                    <a:lstStyle/>
+                    <a:p>
+                      <a:endParaRPr lang="en-US"/>
+                    </a:p>
+                  </a:txBody>
+                  <a:tcPr/>
+                </a:tc>
+                <a:tc>
+                  <a:txBody>
+                    <a:bodyPr/>
+                    <a:lstStyle/>
+                    <a:p>
+                      <a:pPr algn="r"/>
+                      <a:r>
+                        <a:rPr lang="en-US" sz="2800" dirty="0">
+                          <a:latin typeface="Helvetica" panose="020B0604020202020204" pitchFamily="34" charset="0"/>
+                          <a:cs typeface="Helvetica" panose="020B0604020202020204" pitchFamily="34" charset="0"/>
+                        </a:rPr>
+                        <a:t>subject tables</a:t>
+                      </a:r>
+                    </a:p>
+                  </a:txBody>
+                  <a:tcPr anchor="ctr">
+                    <a:lnL w="12700" cmpd="sng">
+                      <a:noFill/>
+                    </a:lnL>
+                    <a:lnR w="28575" cap="flat" cmpd="sng" algn="ctr">
+                      <a:solidFill>
+                        <a:schemeClr val="bg1">
+                          <a:lumMod val="75000"/>
+                        </a:schemeClr>
+                      </a:solidFill>
+                      <a:prstDash val="dash"/>
+                      <a:round/>
+                      <a:headEnd type="none" w="med" len="med"/>
+                      <a:tailEnd type="none" w="med" len="med"/>
+                    </a:lnR>
+                    <a:lnT w="28575" cap="flat" cmpd="sng" algn="ctr">
+                      <a:solidFill>
+                        <a:schemeClr val="bg1">
+                          <a:lumMod val="65000"/>
+                        </a:schemeClr>
+                      </a:solidFill>
+                      <a:prstDash val="dash"/>
+                      <a:round/>
+                      <a:headEnd type="none" w="med" len="med"/>
+                      <a:tailEnd type="none" w="med" len="med"/>
+                    </a:lnT>
+                    <a:lnB w="12700" cmpd="sng">
+                      <a:noFill/>
+                    </a:lnB>
+                    <a:lnTlToBr w="12700" cmpd="sng">
+                      <a:noFill/>
+                      <a:prstDash val="solid"/>
+                    </a:lnTlToBr>
+                    <a:lnBlToTr w="12700" cmpd="sng">
+                      <a:noFill/>
+                      <a:prstDash val="solid"/>
+                    </a:lnBlToTr>
+                  </a:tcPr>
+                </a:tc>
+                <a:tc vMerge="1">
+                  <a:txBody>
+                    <a:bodyPr/>
+                    <a:lstStyle/>
+                    <a:p>
+                      <a:pPr algn="l"/>
+                      <a:endParaRPr lang="en-US" sz="2800" dirty="0">
+                        <a:latin typeface="Helvetica" panose="020B0604020202020204" pitchFamily="34" charset="0"/>
+                        <a:cs typeface="Helvetica" panose="020B0604020202020204" pitchFamily="34" charset="0"/>
+                      </a:endParaRPr>
+                    </a:p>
+                  </a:txBody>
+                  <a:tcPr anchor="ctr"/>
+                </a:tc>
+                <a:tc vMerge="1">
+                  <a:txBody>
+                    <a:bodyPr/>
+                    <a:lstStyle/>
+                    <a:p>
+                      <a:endParaRPr lang="en-US"/>
+                    </a:p>
+                  </a:txBody>
+                  <a:tcPr/>
+                </a:tc>
+                <a:tc vMerge="1">
+                  <a:txBody>
+                    <a:bodyPr/>
+                    <a:lstStyle/>
+                    <a:p>
+                      <a:endParaRPr lang="en-US"/>
+                    </a:p>
+                  </a:txBody>
+                  <a:tcPr/>
+                </a:tc>
+                <a:tc vMerge="1">
+                  <a:txBody>
+                    <a:bodyPr/>
+                    <a:lstStyle/>
+                    <a:p>
+                      <a:endParaRPr lang="en-US"/>
+                    </a:p>
+                  </a:txBody>
+                  <a:tcPr/>
+                </a:tc>
+                <a:tc vMerge="1">
+                  <a:txBody>
+                    <a:bodyPr/>
+                    <a:lstStyle/>
+                    <a:p>
+                      <a:endParaRPr lang="en-US"/>
+                    </a:p>
+                  </a:txBody>
+                  <a:tcPr/>
+                </a:tc>
+                <a:extLst>
+                  <a:ext uri="{0D108BD9-81ED-4DB2-BD59-A6C34878D82A}">
+                    <a16:rowId xmlns:a16="http://schemas.microsoft.com/office/drawing/2014/main" val="218010395"/>
+                  </a:ext>
+                </a:extLst>
+              </a:tr>
+            </a:tbl>
+          </a:graphicData>
+        </a:graphic>
+      </p:graphicFrame>
+      <p:pic>
+        <p:nvPicPr>
+          <p:cNvPr id="456" name="Picture 455">
+            <a:extLst>
+              <a:ext uri="{FF2B5EF4-FFF2-40B4-BE49-F238E27FC236}">
+                <a16:creationId xmlns:a16="http://schemas.microsoft.com/office/drawing/2014/main" id="{1868FE37-F5C7-48D4-9220-47E98D1BDF50}"/>
+              </a:ext>
+            </a:extLst>
+          </p:cNvPr>
+          <p:cNvPicPr>
+            <a:picLocks noChangeAspect="1"/>
+          </p:cNvPicPr>
+          <p:nvPr/>
+        </p:nvPicPr>
+        <p:blipFill>
+          <a:blip r:embed="rId3">
+            <a:extLst>
+              <a:ext uri="{28A0092B-C50C-407E-A947-70E740481C1C}">
+                <a14:useLocalDpi xmlns:a14="http://schemas.microsoft.com/office/drawing/2010/main" val="0"/>
+              </a:ext>
+            </a:extLst>
+          </a:blip>
+          <a:stretch>
+            <a:fillRect/>
+          </a:stretch>
+        </p:blipFill>
+        <p:spPr>
+          <a:xfrm>
+            <a:off x="17153486" y="19281337"/>
+            <a:ext cx="3576143" cy="2554388"/>
+          </a:xfrm>
+          <a:prstGeom prst="rect">
+            <a:avLst/>
+          </a:prstGeom>
+        </p:spPr>
+      </p:pic>
+      <p:sp>
+        <p:nvSpPr>
+          <p:cNvPr id="652" name="TextBox 651"/>
+          <p:cNvSpPr txBox="1"/>
+          <p:nvPr/>
+        </p:nvSpPr>
+        <p:spPr>
+          <a:xfrm>
+            <a:off x="404160" y="6172200"/>
+            <a:ext cx="10022922" cy="11787842"/>
+          </a:xfrm>
+          <a:prstGeom prst="rect">
+            <a:avLst/>
+          </a:prstGeom>
+          <a:noFill/>
+        </p:spPr>
+        <p:txBody>
+          <a:bodyPr wrap="square" rtlCol="0">
+            <a:spAutoFit/>
+          </a:bodyPr>
+          <a:lstStyle/>
+          <a:p>
+            <a:pPr marL="571500" indent="-571500">
+              <a:buFont typeface="Arial" panose="020B0604020202020204" pitchFamily="34" charset="0"/>
+              <a:buChar char="•"/>
+            </a:pPr>
+            <a:r>
+              <a:rPr lang="en-US" sz="4000" b="1" dirty="0">
+                <a:solidFill>
+                  <a:srgbClr val="537349"/>
+                </a:solidFill>
+                <a:latin typeface="Helvetica"/>
+                <a:cs typeface="Helvetica"/>
+              </a:rPr>
+              <a:t>Motivations:</a:t>
+            </a:r>
+          </a:p>
+          <a:p>
+            <a:pPr marL="1188720" lvl="1" indent="-571500">
+              <a:buFont typeface="Arial" panose="020B0604020202020204" pitchFamily="34" charset="0"/>
+              <a:buChar char="•"/>
+            </a:pPr>
+            <a:r>
+              <a:rPr lang="en-US" sz="4000" dirty="0">
+                <a:solidFill>
+                  <a:srgbClr val="537349"/>
+                </a:solidFill>
+                <a:latin typeface="Helvetica"/>
+                <a:cs typeface="Helvetica"/>
+              </a:rPr>
+              <a:t>Individual can have different numbers of brain regions, brain networks, and regions within each network.</a:t>
+            </a:r>
+          </a:p>
+          <a:p>
+            <a:pPr marL="1188720" lvl="1" indent="-571500">
+              <a:buFont typeface="Arial" panose="020B0604020202020204" pitchFamily="34" charset="0"/>
+              <a:buChar char="•"/>
+            </a:pPr>
+            <a:r>
+              <a:rPr lang="en-US" sz="4000" dirty="0">
+                <a:solidFill>
+                  <a:srgbClr val="537349"/>
+                </a:solidFill>
+                <a:latin typeface="Helvetica"/>
+                <a:cs typeface="Helvetica"/>
+              </a:rPr>
+              <a:t>Mapping individuals to one template or an average brain could be problematic.</a:t>
+            </a:r>
+          </a:p>
+          <a:p>
+            <a:pPr marL="576072" indent="-576072">
+              <a:buFont typeface="Arial" panose="020B0604020202020204" pitchFamily="34" charset="0"/>
+              <a:buChar char="•"/>
+            </a:pPr>
+            <a:r>
+              <a:rPr lang="en-US" sz="4000" b="1" dirty="0">
+                <a:solidFill>
+                  <a:srgbClr val="537349"/>
+                </a:solidFill>
+                <a:latin typeface="Helvetica"/>
+                <a:cs typeface="Helvetica"/>
+              </a:rPr>
+              <a:t>Important for specific fields of studies:</a:t>
+            </a:r>
+          </a:p>
+          <a:p>
+            <a:pPr marL="1188720" lvl="1" indent="-571500">
+              <a:buFont typeface="Arial" panose="020B0604020202020204" pitchFamily="34" charset="0"/>
+              <a:buChar char="•"/>
+            </a:pPr>
+            <a:r>
+              <a:rPr lang="en-US" sz="4000" dirty="0">
+                <a:solidFill>
+                  <a:srgbClr val="537349"/>
+                </a:solidFill>
+                <a:latin typeface="Helvetica"/>
+                <a:cs typeface="Helvetica"/>
+              </a:rPr>
+              <a:t>Aging study</a:t>
+            </a:r>
+          </a:p>
+          <a:p>
+            <a:pPr marL="1188720" lvl="1" indent="-571500">
+              <a:buFont typeface="Arial" panose="020B0604020202020204" pitchFamily="34" charset="0"/>
+              <a:buChar char="•"/>
+            </a:pPr>
+            <a:r>
+              <a:rPr lang="en-US" sz="4000" dirty="0">
+                <a:solidFill>
+                  <a:srgbClr val="537349"/>
+                </a:solidFill>
+                <a:latin typeface="Helvetica"/>
+                <a:cs typeface="Helvetica"/>
+              </a:rPr>
+              <a:t>Lesion study</a:t>
+            </a:r>
+          </a:p>
+          <a:p>
+            <a:pPr marL="1188720" lvl="1" indent="-571500">
+              <a:buFont typeface="Arial" panose="020B0604020202020204" pitchFamily="34" charset="0"/>
+              <a:buChar char="•"/>
+            </a:pPr>
+            <a:r>
+              <a:rPr lang="en-US" sz="4000" dirty="0">
+                <a:solidFill>
+                  <a:srgbClr val="537349"/>
+                </a:solidFill>
+                <a:latin typeface="Helvetica"/>
+                <a:cs typeface="Helvetica"/>
+              </a:rPr>
+              <a:t>Developmental study</a:t>
+            </a:r>
+          </a:p>
+          <a:p>
+            <a:pPr marL="576072" indent="-576072">
+              <a:buFont typeface="Arial" panose="020B0604020202020204" pitchFamily="34" charset="0"/>
+              <a:buChar char="•"/>
+            </a:pPr>
+            <a:r>
+              <a:rPr lang="en-US" sz="4000" b="1" dirty="0">
+                <a:solidFill>
+                  <a:srgbClr val="537349"/>
+                </a:solidFill>
+                <a:latin typeface="Helvetica"/>
+                <a:cs typeface="Helvetica"/>
+              </a:rPr>
+              <a:t>Objectives—to develop a new technique that:</a:t>
+            </a:r>
+          </a:p>
+          <a:p>
+            <a:pPr marL="1188720" lvl="1" indent="-576072">
+              <a:buFont typeface="Arial" panose="020B0604020202020204" pitchFamily="34" charset="0"/>
+              <a:buChar char="•"/>
+            </a:pPr>
+            <a:r>
+              <a:rPr lang="en-US" sz="4000" dirty="0">
+                <a:solidFill>
+                  <a:srgbClr val="537349"/>
+                </a:solidFill>
+                <a:latin typeface="Helvetica"/>
+                <a:cs typeface="Helvetica"/>
+              </a:rPr>
+              <a:t>Keeps individual differences</a:t>
+            </a:r>
+          </a:p>
+          <a:p>
+            <a:pPr marL="1188720" lvl="1" indent="-576072">
+              <a:buFont typeface="Arial" panose="020B0604020202020204" pitchFamily="34" charset="0"/>
+              <a:buChar char="•"/>
+            </a:pPr>
+            <a:r>
+              <a:rPr lang="en-US" sz="4000" dirty="0">
+                <a:solidFill>
+                  <a:srgbClr val="537349"/>
+                </a:solidFill>
+                <a:latin typeface="Helvetica"/>
+                <a:cs typeface="Helvetica"/>
+              </a:rPr>
+              <a:t>Analyzes in a local, instead of an atlas, space</a:t>
+            </a:r>
+          </a:p>
+          <a:p>
+            <a:pPr marL="1188720" lvl="1" indent="-576072">
+              <a:buFont typeface="Arial" panose="020B0604020202020204" pitchFamily="34" charset="0"/>
+              <a:buChar char="•"/>
+            </a:pPr>
+            <a:r>
+              <a:rPr lang="en-US" sz="4000" dirty="0">
+                <a:solidFill>
+                  <a:srgbClr val="537349"/>
+                </a:solidFill>
+                <a:latin typeface="Helvetica"/>
+                <a:cs typeface="Helvetica"/>
+              </a:rPr>
+              <a:t>Allows different numbers of regions/networks</a:t>
+            </a:r>
+          </a:p>
+        </p:txBody>
+      </p:sp>
+      <p:sp>
+        <p:nvSpPr>
           <p:cNvPr id="178" name="TextBox 177">
             <a:extLst>
               <a:ext uri="{FF2B5EF4-FFF2-40B4-BE49-F238E27FC236}">
@@ -3551,7 +8803,7 @@
         <p:spPr>
           <a:xfrm>
             <a:off x="21945600" y="11575395"/>
-            <a:ext cx="12087934" cy="5509200"/>
+            <a:ext cx="12087934" cy="5016758"/>
           </a:xfrm>
           <a:prstGeom prst="rect">
             <a:avLst/>
@@ -3672,23 +8924,7 @@
             </a:endParaRPr>
           </a:p>
           <a:p>
-            <a:pPr marL="3184016" lvl="1" indent="-571500">
-              <a:buFont typeface="Arial" panose="020B0604020202020204" pitchFamily="34" charset="0"/>
-              <a:buChar char="•"/>
-            </a:pPr>
-            <a:endParaRPr lang="en-US" sz="3200" dirty="0">
-              <a:solidFill>
-                <a:srgbClr val="537349"/>
-              </a:solidFill>
-              <a:latin typeface="Helvetica"/>
-              <a:cs typeface="Helvetica"/>
-            </a:endParaRPr>
-          </a:p>
-          <a:p>
-            <a:pPr marL="3184016" lvl="1" indent="-571500">
-              <a:buFont typeface="Arial" panose="020B0604020202020204" pitchFamily="34" charset="0"/>
-              <a:buChar char="•"/>
-            </a:pPr>
+            <a:pPr lvl="1"/>
             <a:endParaRPr lang="en-US" sz="3200" dirty="0">
               <a:solidFill>
                 <a:srgbClr val="537349"/>
@@ -3747,8 +8983,8 @@
         </p:nvCxnSpPr>
         <p:spPr>
           <a:xfrm>
-            <a:off x="269571" y="16266956"/>
-            <a:ext cx="11947132" cy="0"/>
+            <a:off x="387050" y="28879800"/>
+            <a:ext cx="10040032" cy="0"/>
           </a:xfrm>
           <a:prstGeom prst="line">
             <a:avLst/>
@@ -3827,231 +9063,6 @@
           </a:p>
         </p:txBody>
       </p:sp>
-      <p:sp>
-        <p:nvSpPr>
-          <p:cNvPr id="652" name="TextBox 651"/>
-          <p:cNvSpPr txBox="1"/>
-          <p:nvPr/>
-        </p:nvSpPr>
-        <p:spPr>
-          <a:xfrm>
-            <a:off x="404160" y="6172200"/>
-            <a:ext cx="11926772" cy="9941183"/>
-          </a:xfrm>
-          <a:prstGeom prst="rect">
-            <a:avLst/>
-          </a:prstGeom>
-          <a:noFill/>
-        </p:spPr>
-        <p:txBody>
-          <a:bodyPr wrap="square" rtlCol="0">
-            <a:spAutoFit/>
-          </a:bodyPr>
-          <a:lstStyle/>
-          <a:p>
-            <a:pPr marL="571500" indent="-571500">
-              <a:buFont typeface="Arial" panose="020B0604020202020204" pitchFamily="34" charset="0"/>
-              <a:buChar char="•"/>
-            </a:pPr>
-            <a:r>
-              <a:rPr lang="en-US" sz="4000" b="1" dirty="0">
-                <a:solidFill>
-                  <a:srgbClr val="537349"/>
-                </a:solidFill>
-                <a:latin typeface="Helvetica"/>
-                <a:cs typeface="Helvetica"/>
-              </a:rPr>
-              <a:t>Motivations:</a:t>
-            </a:r>
-          </a:p>
-          <a:p>
-            <a:pPr marL="1188720" lvl="1" indent="-571500">
-              <a:buFont typeface="Arial" panose="020B0604020202020204" pitchFamily="34" charset="0"/>
-              <a:buChar char="•"/>
-            </a:pPr>
-            <a:r>
-              <a:rPr lang="en-US" sz="4000" dirty="0">
-                <a:solidFill>
-                  <a:srgbClr val="537349"/>
-                </a:solidFill>
-                <a:latin typeface="Helvetica"/>
-                <a:cs typeface="Helvetica"/>
-              </a:rPr>
-              <a:t>Individual can have different numbers of brain regions, brain networks, and regions within each network.</a:t>
-            </a:r>
-          </a:p>
-          <a:p>
-            <a:pPr marL="1188720" lvl="1" indent="-571500">
-              <a:buFont typeface="Arial" panose="020B0604020202020204" pitchFamily="34" charset="0"/>
-              <a:buChar char="•"/>
-            </a:pPr>
-            <a:r>
-              <a:rPr lang="en-US" sz="4000" dirty="0">
-                <a:solidFill>
-                  <a:srgbClr val="537349"/>
-                </a:solidFill>
-                <a:latin typeface="Helvetica"/>
-                <a:cs typeface="Helvetica"/>
-              </a:rPr>
-              <a:t>Mapping individuals to one template or an average brain could be problematic.</a:t>
-            </a:r>
-          </a:p>
-          <a:p>
-            <a:pPr marL="576072" indent="-576072">
-              <a:buFont typeface="Arial" panose="020B0604020202020204" pitchFamily="34" charset="0"/>
-              <a:buChar char="•"/>
-            </a:pPr>
-            <a:r>
-              <a:rPr lang="en-US" sz="4000" b="1" dirty="0">
-                <a:solidFill>
-                  <a:srgbClr val="537349"/>
-                </a:solidFill>
-                <a:latin typeface="Helvetica"/>
-                <a:cs typeface="Helvetica"/>
-              </a:rPr>
-              <a:t>Important for specific fields of studies:</a:t>
-            </a:r>
-          </a:p>
-          <a:p>
-            <a:pPr marL="1188720" lvl="1" indent="-571500">
-              <a:buFont typeface="Arial" panose="020B0604020202020204" pitchFamily="34" charset="0"/>
-              <a:buChar char="•"/>
-            </a:pPr>
-            <a:r>
-              <a:rPr lang="en-US" sz="4000" dirty="0">
-                <a:solidFill>
-                  <a:srgbClr val="537349"/>
-                </a:solidFill>
-                <a:latin typeface="Helvetica"/>
-                <a:cs typeface="Helvetica"/>
-              </a:rPr>
-              <a:t>Aging study</a:t>
-            </a:r>
-          </a:p>
-          <a:p>
-            <a:pPr marL="1188720" lvl="1" indent="-571500">
-              <a:buFont typeface="Arial" panose="020B0604020202020204" pitchFamily="34" charset="0"/>
-              <a:buChar char="•"/>
-            </a:pPr>
-            <a:r>
-              <a:rPr lang="en-US" sz="4000" dirty="0">
-                <a:solidFill>
-                  <a:srgbClr val="537349"/>
-                </a:solidFill>
-                <a:latin typeface="Helvetica"/>
-                <a:cs typeface="Helvetica"/>
-              </a:rPr>
-              <a:t>Lesion study</a:t>
-            </a:r>
-          </a:p>
-          <a:p>
-            <a:pPr marL="1188720" lvl="1" indent="-571500">
-              <a:buFont typeface="Arial" panose="020B0604020202020204" pitchFamily="34" charset="0"/>
-              <a:buChar char="•"/>
-            </a:pPr>
-            <a:r>
-              <a:rPr lang="en-US" sz="4000" dirty="0">
-                <a:solidFill>
-                  <a:srgbClr val="537349"/>
-                </a:solidFill>
-                <a:latin typeface="Helvetica"/>
-                <a:cs typeface="Helvetica"/>
-              </a:rPr>
-              <a:t>Developmental study</a:t>
-            </a:r>
-          </a:p>
-          <a:p>
-            <a:pPr marL="576072" indent="-576072">
-              <a:buFont typeface="Arial" panose="020B0604020202020204" pitchFamily="34" charset="0"/>
-              <a:buChar char="•"/>
-            </a:pPr>
-            <a:r>
-              <a:rPr lang="en-US" sz="4000" b="1" dirty="0">
-                <a:solidFill>
-                  <a:srgbClr val="537349"/>
-                </a:solidFill>
-                <a:latin typeface="Helvetica"/>
-                <a:cs typeface="Helvetica"/>
-              </a:rPr>
-              <a:t>Objectives—to develop a new technique that:</a:t>
-            </a:r>
-          </a:p>
-          <a:p>
-            <a:pPr marL="1188720" lvl="1" indent="-576072">
-              <a:buFont typeface="Arial" panose="020B0604020202020204" pitchFamily="34" charset="0"/>
-              <a:buChar char="•"/>
-            </a:pPr>
-            <a:r>
-              <a:rPr lang="en-US" sz="4000" dirty="0">
-                <a:solidFill>
-                  <a:srgbClr val="537349"/>
-                </a:solidFill>
-                <a:latin typeface="Helvetica"/>
-                <a:cs typeface="Helvetica"/>
-              </a:rPr>
-              <a:t>Keeps individual differences</a:t>
-            </a:r>
-          </a:p>
-          <a:p>
-            <a:pPr marL="1188720" lvl="1" indent="-576072">
-              <a:buFont typeface="Arial" panose="020B0604020202020204" pitchFamily="34" charset="0"/>
-              <a:buChar char="•"/>
-            </a:pPr>
-            <a:r>
-              <a:rPr lang="en-US" sz="4000" dirty="0">
-                <a:solidFill>
-                  <a:srgbClr val="537349"/>
-                </a:solidFill>
-                <a:latin typeface="Helvetica"/>
-                <a:cs typeface="Helvetica"/>
-              </a:rPr>
-              <a:t>Analyzes in a local, instead of an atlas, space</a:t>
-            </a:r>
-          </a:p>
-          <a:p>
-            <a:pPr marL="1188720" lvl="1" indent="-576072">
-              <a:buFont typeface="Arial" panose="020B0604020202020204" pitchFamily="34" charset="0"/>
-              <a:buChar char="•"/>
-            </a:pPr>
-            <a:r>
-              <a:rPr lang="en-US" sz="4000" dirty="0">
-                <a:solidFill>
-                  <a:srgbClr val="537349"/>
-                </a:solidFill>
-                <a:latin typeface="Helvetica"/>
-                <a:cs typeface="Helvetica"/>
-              </a:rPr>
-              <a:t>Allows different numbers of regions/networks</a:t>
-            </a:r>
-          </a:p>
-          <a:p>
-            <a:pPr marL="1188720" lvl="1" indent="-576072">
-              <a:buFont typeface="Arial" panose="020B0604020202020204" pitchFamily="34" charset="0"/>
-              <a:buChar char="•"/>
-            </a:pPr>
-            <a:endParaRPr lang="en-US" sz="4000" dirty="0">
-              <a:solidFill>
-                <a:srgbClr val="537349"/>
-              </a:solidFill>
-              <a:latin typeface="Helvetica"/>
-              <a:cs typeface="Helvetica"/>
-            </a:endParaRPr>
-          </a:p>
-          <a:p>
-            <a:pPr marL="1188720" lvl="1" indent="-571500">
-              <a:buFont typeface="Arial" panose="020B0604020202020204" pitchFamily="34" charset="0"/>
-              <a:buChar char="•"/>
-            </a:pPr>
-            <a:endParaRPr lang="en-US" sz="4000" dirty="0">
-              <a:solidFill>
-                <a:srgbClr val="537349"/>
-              </a:solidFill>
-              <a:latin typeface="Helvetica"/>
-              <a:cs typeface="Helvetica"/>
-            </a:endParaRPr>
-          </a:p>
-        </p:txBody>
-      </p:sp>
       <p:cxnSp>
         <p:nvCxnSpPr>
           <p:cNvPr id="31" name="Straight Connector 30"/>
@@ -4062,8 +9073,8 @@
         </p:nvCxnSpPr>
         <p:spPr>
           <a:xfrm>
-            <a:off x="35305981" y="18645553"/>
-            <a:ext cx="8280411" cy="0"/>
+            <a:off x="37222847" y="18071626"/>
+            <a:ext cx="6339169" cy="0"/>
           </a:xfrm>
           <a:prstGeom prst="line">
             <a:avLst/>
@@ -4144,8 +9155,8 @@
         </p:nvCxnSpPr>
         <p:spPr>
           <a:xfrm>
-            <a:off x="12532298" y="6118390"/>
-            <a:ext cx="11237976" cy="0"/>
+            <a:off x="10627360" y="6118390"/>
+            <a:ext cx="13142914" cy="0"/>
           </a:xfrm>
           <a:prstGeom prst="line">
             <a:avLst/>
@@ -4186,7 +9197,7 @@
         <p:spPr>
           <a:xfrm>
             <a:off x="290975" y="6118390"/>
-            <a:ext cx="11937803" cy="0"/>
+            <a:ext cx="10032192" cy="0"/>
           </a:xfrm>
           <a:prstGeom prst="line">
             <a:avLst/>
@@ -4224,8 +9235,8 @@
         </p:nvSpPr>
         <p:spPr>
           <a:xfrm>
-            <a:off x="12496800" y="5086055"/>
-            <a:ext cx="11237976" cy="12171658"/>
+            <a:off x="10591862" y="5086055"/>
+            <a:ext cx="13142914" cy="11750259"/>
           </a:xfrm>
           <a:prstGeom prst="snip2DiagRect">
             <a:avLst>
@@ -4274,12 +9285,12 @@
         </p:nvSpPr>
         <p:spPr>
           <a:xfrm rot="10800000">
-            <a:off x="35305981" y="17494404"/>
-            <a:ext cx="8280409" cy="15176344"/>
+            <a:off x="37285443" y="17078630"/>
+            <a:ext cx="6300944" cy="15558281"/>
           </a:xfrm>
           <a:prstGeom prst="snip1Rect">
             <a:avLst>
-              <a:gd name="adj" fmla="val 9252"/>
+              <a:gd name="adj" fmla="val 12880"/>
             </a:avLst>
           </a:prstGeom>
           <a:noFill/>
@@ -4331,8 +9342,8 @@
         </p:nvSpPr>
         <p:spPr>
           <a:xfrm>
-            <a:off x="24003000" y="5086054"/>
-            <a:ext cx="19559016" cy="12171659"/>
+            <a:off x="24003000" y="5086055"/>
+            <a:ext cx="19559016" cy="11750260"/>
           </a:xfrm>
           <a:prstGeom prst="snip1Rect">
             <a:avLst>
@@ -4380,12 +9391,12 @@
         </p:nvSpPr>
         <p:spPr>
           <a:xfrm>
-            <a:off x="304801" y="5114969"/>
-            <a:ext cx="11937803" cy="9780901"/>
+            <a:off x="304802" y="5114969"/>
+            <a:ext cx="10032192" cy="12898881"/>
           </a:xfrm>
           <a:prstGeom prst="snip1Rect">
             <a:avLst>
-              <a:gd name="adj" fmla="val 13026"/>
+              <a:gd name="adj" fmla="val 9498"/>
             </a:avLst>
           </a:prstGeom>
           <a:noFill/>
@@ -4437,12 +9448,12 @@
         </p:nvSpPr>
         <p:spPr>
           <a:xfrm>
-            <a:off x="304801" y="15163799"/>
-            <a:ext cx="11937803" cy="17473119"/>
+            <a:off x="304802" y="27927300"/>
+            <a:ext cx="10032192" cy="4709618"/>
           </a:xfrm>
           <a:prstGeom prst="snip1Rect">
             <a:avLst>
-              <a:gd name="adj" fmla="val 7398"/>
+              <a:gd name="adj" fmla="val 17162"/>
             </a:avLst>
           </a:prstGeom>
           <a:noFill/>
@@ -4492,7 +9503,7 @@
         </p:nvSpPr>
         <p:spPr>
           <a:xfrm>
-            <a:off x="4502223" y="5207298"/>
+            <a:off x="3535592" y="5207298"/>
             <a:ext cx="3542958" cy="830997"/>
           </a:xfrm>
           <a:prstGeom prst="rect">
@@ -4598,8 +9609,8 @@
         </p:nvSpPr>
         <p:spPr>
           <a:xfrm>
-            <a:off x="35294249" y="17743035"/>
-            <a:ext cx="8303876" cy="830997"/>
+            <a:off x="38355857" y="17288194"/>
+            <a:ext cx="4160113" cy="830997"/>
           </a:xfrm>
           <a:prstGeom prst="rect">
             <a:avLst/>
@@ -4621,7 +9632,7 @@
                 <a:latin typeface="Helvetica"/>
                 <a:cs typeface="Helvetica"/>
               </a:rPr>
-              <a:t>6. Conclusion &amp; Discussion</a:t>
+              <a:t>7. Discussion</a:t>
             </a:r>
           </a:p>
         </p:txBody>
@@ -4882,12 +9893,12 @@
           <p:nvPr/>
         </p:nvPicPr>
         <p:blipFill>
-          <a:blip r:embed="rId3">
+          <a:blip r:embed="rId4">
             <a:lum bright="70000" contrast="-70000"/>
             <a:extLst>
               <a:ext uri="{BEBA8EAE-BF5A-486C-A8C5-ECC9F3942E4B}">
                 <a14:imgProps xmlns:a14="http://schemas.microsoft.com/office/drawing/2010/main">
-                  <a14:imgLayer r:embed="rId4">
+                  <a14:imgLayer r:embed="rId5">
                     <a14:imgEffect>
                       <a14:sharpenSoften amount="50000"/>
                     </a14:imgEffect>
@@ -4933,8 +9944,8 @@
         </p:nvCxnSpPr>
         <p:spPr>
           <a:xfrm>
-            <a:off x="12532297" y="18622534"/>
-            <a:ext cx="22472310" cy="0"/>
+            <a:off x="10617604" y="18059400"/>
+            <a:ext cx="26403406" cy="0"/>
           </a:xfrm>
           <a:prstGeom prst="line">
             <a:avLst/>
@@ -4972,8 +9983,8 @@
         </p:nvSpPr>
         <p:spPr>
           <a:xfrm>
-            <a:off x="22169105" y="17804591"/>
-            <a:ext cx="3184996" cy="769441"/>
+            <a:off x="19932015" y="17289959"/>
+            <a:ext cx="7774585" cy="769441"/>
           </a:xfrm>
           <a:prstGeom prst="rect">
             <a:avLst/>
@@ -4995,7 +10006,7 @@
                 <a:latin typeface="Helvetica"/>
                 <a:cs typeface="Helvetica"/>
               </a:rPr>
-              <a:t>5. Results</a:t>
+              <a:t>6. Results</a:t>
             </a:r>
           </a:p>
         </p:txBody>
@@ -5008,8 +10019,8 @@
         </p:nvSpPr>
         <p:spPr>
           <a:xfrm>
-            <a:off x="12509306" y="17490327"/>
-            <a:ext cx="22504594" cy="15180423"/>
+            <a:off x="10591862" y="17068800"/>
+            <a:ext cx="26441338" cy="15558282"/>
           </a:xfrm>
           <a:prstGeom prst="snip2DiagRect">
             <a:avLst>
@@ -5064,8 +10075,8 @@
         </p:nvSpPr>
         <p:spPr>
           <a:xfrm>
-            <a:off x="3846511" y="15305194"/>
-            <a:ext cx="5152373" cy="830997"/>
+            <a:off x="2574346" y="28048803"/>
+            <a:ext cx="5682548" cy="830997"/>
           </a:xfrm>
           <a:prstGeom prst="rect">
             <a:avLst/>
@@ -5073,7 +10084,7 @@
           <a:noFill/>
         </p:spPr>
         <p:txBody>
-          <a:bodyPr wrap="none" rtlCol="0">
+          <a:bodyPr wrap="square" rtlCol="0">
             <a:spAutoFit/>
           </a:bodyPr>
           <a:lstStyle/>
@@ -5086,7 +10097,7 @@
                 <a:latin typeface="Helvetica"/>
                 <a:cs typeface="Helvetica"/>
               </a:rPr>
-              <a:t>4. Preprocessing</a:t>
+              <a:t>5. Preprocessing</a:t>
             </a:r>
           </a:p>
         </p:txBody>
@@ -5106,7 +10117,7 @@
           <p:nvPr/>
         </p:nvPicPr>
         <p:blipFill>
-          <a:blip r:embed="rId5">
+          <a:blip r:embed="rId6">
             <a:duotone>
               <a:schemeClr val="accent4">
                 <a:shade val="45000"/>
@@ -5175,7 +10186,7 @@
           <p:nvPr/>
         </p:nvPicPr>
         <p:blipFill>
-          <a:blip r:embed="rId6">
+          <a:blip r:embed="rId7">
             <a:extLst>
               <a:ext uri="{28A0092B-C50C-407E-A947-70E740481C1C}">
                 <a14:useLocalDpi xmlns:a14="http://schemas.microsoft.com/office/drawing/2010/main" val="0"/>
@@ -11486,7 +16497,7 @@
         </p:nvSpPr>
         <p:spPr>
           <a:xfrm>
-            <a:off x="39206941" y="14036595"/>
+            <a:off x="39206941" y="13904561"/>
             <a:ext cx="332660" cy="573439"/>
           </a:xfrm>
           <a:prstGeom prst="downArrow">
@@ -11532,7 +16543,7 @@
         </p:nvSpPr>
         <p:spPr>
           <a:xfrm>
-            <a:off x="37780454" y="14754393"/>
+            <a:off x="37780454" y="14401800"/>
             <a:ext cx="3211135" cy="646331"/>
           </a:xfrm>
           <a:prstGeom prst="rect">
@@ -11570,7 +16581,7 @@
         </p:nvSpPr>
         <p:spPr>
           <a:xfrm>
-            <a:off x="39206941" y="15562752"/>
+            <a:off x="39206941" y="15047561"/>
             <a:ext cx="332660" cy="573439"/>
           </a:xfrm>
           <a:prstGeom prst="downArrow">
@@ -11616,7 +16627,7 @@
         </p:nvSpPr>
         <p:spPr>
           <a:xfrm>
-            <a:off x="38819199" y="16349199"/>
+            <a:off x="38819199" y="15697200"/>
             <a:ext cx="1133644" cy="646331"/>
           </a:xfrm>
           <a:prstGeom prst="rect">
@@ -11654,8 +16665,8 @@
         </p:nvSpPr>
         <p:spPr>
           <a:xfrm>
-            <a:off x="404160" y="16349199"/>
-            <a:ext cx="10883660" cy="3785652"/>
+            <a:off x="447562" y="28993505"/>
+            <a:ext cx="9936117" cy="4001095"/>
           </a:xfrm>
           <a:prstGeom prst="rect">
             <a:avLst/>
@@ -11669,11 +16680,43 @@
           <a:lstStyle/>
           <a:p>
             <a:pPr marL="571500" indent="-571500">
+              <a:spcBef>
+                <a:spcPts val="1200"/>
+              </a:spcBef>
               <a:buFont typeface="Arial" panose="020B0604020202020204" pitchFamily="34" charset="0"/>
               <a:buChar char="•"/>
             </a:pPr>
             <a:r>
-              <a:rPr lang="en-US" sz="4000" b="1" dirty="0">
+              <a:rPr lang="en-US" sz="3200" b="1" dirty="0">
+                <a:solidFill>
+                  <a:srgbClr val="537349"/>
+                </a:solidFill>
+                <a:latin typeface="Helvetica"/>
+                <a:cs typeface="Helvetica"/>
+              </a:rPr>
+              <a:t>Double-centering the z matrix: </a:t>
+            </a:r>
+            <a:r>
+              <a:rPr lang="en-US" sz="3200" dirty="0">
+                <a:solidFill>
+                  <a:srgbClr val="537349"/>
+                </a:solidFill>
+                <a:latin typeface="Helvetica"/>
+                <a:cs typeface="Helvetica"/>
+              </a:rPr>
+              <a:t>exclude the correlation magnitudes of regions</a:t>
+            </a:r>
+          </a:p>
+          <a:p>
+            <a:pPr marL="571500" indent="-571500">
+              <a:spcBef>
+                <a:spcPts val="1200"/>
+              </a:spcBef>
+              <a:buFont typeface="Arial" panose="020B0604020202020204" pitchFamily="34" charset="0"/>
+              <a:buChar char="•"/>
+            </a:pPr>
+            <a:r>
+              <a:rPr lang="en-US" sz="3200" b="1" dirty="0">
                 <a:solidFill>
                   <a:srgbClr val="537349"/>
                 </a:solidFill>
@@ -11683,30 +16726,26 @@
               <a:t>Centering: </a:t>
             </a:r>
             <a:r>
-              <a:rPr lang="en-US" sz="4000" dirty="0">
+              <a:rPr lang="en-US" sz="3200" dirty="0">
                 <a:solidFill>
                   <a:srgbClr val="537349"/>
                 </a:solidFill>
                 <a:latin typeface="Helvetica"/>
                 <a:cs typeface="Helvetica"/>
               </a:rPr>
-              <a:t>exclude effects from the offsets</a:t>
+              <a:t>exclude effects from the magnitudes</a:t>
             </a:r>
-            <a:endParaRPr lang="en-US" sz="4000" b="1" dirty="0">
-              <a:solidFill>
-                <a:srgbClr val="537349"/>
-              </a:solidFill>
-              <a:latin typeface="Helvetica"/>
-              <a:cs typeface="Helvetica"/>
-            </a:endParaRPr>
           </a:p>
           <a:p>
             <a:pPr marL="571500" indent="-571500">
+              <a:spcBef>
+                <a:spcPts val="1200"/>
+              </a:spcBef>
               <a:buFont typeface="Arial" panose="020B0604020202020204" pitchFamily="34" charset="0"/>
               <a:buChar char="•"/>
             </a:pPr>
             <a:r>
-              <a:rPr lang="en-US" sz="4000" b="1" dirty="0">
+              <a:rPr lang="en-US" sz="3200" b="1" dirty="0">
                 <a:solidFill>
                   <a:srgbClr val="537349"/>
                 </a:solidFill>
@@ -11716,30 +16755,26 @@
               <a:t>Normalization: </a:t>
             </a:r>
             <a:r>
-              <a:rPr lang="en-US" sz="4000" dirty="0">
+              <a:rPr lang="en-US" sz="3200" dirty="0">
                 <a:solidFill>
                   <a:srgbClr val="537349"/>
                 </a:solidFill>
                 <a:latin typeface="Helvetica"/>
                 <a:cs typeface="Helvetica"/>
               </a:rPr>
-              <a:t>exclude unit differences</a:t>
+              <a:t>exclude units</a:t>
             </a:r>
-            <a:endParaRPr lang="en-US" sz="4000" b="1" dirty="0">
-              <a:solidFill>
-                <a:srgbClr val="537349"/>
-              </a:solidFill>
-              <a:latin typeface="Helvetica"/>
-              <a:cs typeface="Helvetica"/>
-            </a:endParaRPr>
           </a:p>
           <a:p>
             <a:pPr marL="571500" indent="-571500">
+              <a:spcBef>
+                <a:spcPts val="1200"/>
+              </a:spcBef>
               <a:buFont typeface="Arial" panose="020B0604020202020204" pitchFamily="34" charset="0"/>
               <a:buChar char="•"/>
             </a:pPr>
             <a:r>
-              <a:rPr lang="en-US" sz="4000" b="1" dirty="0">
+              <a:rPr lang="en-US" sz="3200" b="1" dirty="0">
                 <a:solidFill>
                   <a:srgbClr val="537349"/>
                 </a:solidFill>
@@ -11749,7 +16784,7 @@
               <a:t>MFA-normalization: </a:t>
             </a:r>
             <a:r>
-              <a:rPr lang="en-US" sz="4000" dirty="0">
+              <a:rPr lang="en-US" sz="3200" dirty="0">
                 <a:solidFill>
                   <a:srgbClr val="537349"/>
                 </a:solidFill>
@@ -11758,7 +16793,7 @@
               </a:rPr>
               <a:t>equalize contribution to the first component</a:t>
             </a:r>
-            <a:endParaRPr lang="en-US" sz="4000" b="1" dirty="0">
+            <a:endParaRPr lang="en-US" sz="3200" b="1" dirty="0">
               <a:solidFill>
                 <a:srgbClr val="537349"/>
               </a:solidFill>
@@ -11771,26 +16806,13 @@
               <a:buFont typeface="Arial" panose="020B0604020202020204" pitchFamily="34" charset="0"/>
               <a:buChar char="•"/>
             </a:pPr>
-            <a:r>
-              <a:rPr lang="en-US" sz="4000" b="1" dirty="0">
-                <a:solidFill>
-                  <a:srgbClr val="537349"/>
-                </a:solidFill>
-                <a:latin typeface="Helvetica"/>
-                <a:cs typeface="Helvetica"/>
-              </a:rPr>
-              <a:t>Double-centering the z matrix: </a:t>
-            </a:r>
-            <a:r>
-              <a:rPr lang="en-US" sz="4000" dirty="0">
-                <a:solidFill>
-                  <a:srgbClr val="537349"/>
-                </a:solidFill>
-                <a:latin typeface="Helvetica"/>
-                <a:cs typeface="Helvetica"/>
-              </a:rPr>
-              <a:t>exclude the offset in correlations of each region</a:t>
-            </a:r>
+            <a:endParaRPr lang="en-US" sz="3200" b="1" dirty="0">
+              <a:solidFill>
+                <a:srgbClr val="537349"/>
+              </a:solidFill>
+              <a:latin typeface="Helvetica"/>
+              <a:cs typeface="Helvetica"/>
+            </a:endParaRPr>
           </a:p>
         </p:txBody>
       </p:sp>
@@ -11809,7 +16831,7 @@
           <p:nvPr/>
         </p:nvPicPr>
         <p:blipFill>
-          <a:blip r:embed="rId7">
+          <a:blip r:embed="rId8">
             <a:clrChange>
               <a:clrFrom>
                 <a:srgbClr val="000000"/>
@@ -11840,393 +16862,6 @@
           </a:prstGeom>
         </p:spPr>
       </p:pic>
-      <p:grpSp>
-        <p:nvGrpSpPr>
-          <p:cNvPr id="152" name="Group 151">
-            <a:extLst>
-              <a:ext uri="{FF2B5EF4-FFF2-40B4-BE49-F238E27FC236}">
-                <a16:creationId xmlns:a16="http://schemas.microsoft.com/office/drawing/2014/main" id="{8AB3942F-D552-4700-BD09-4929480FE5A8}"/>
-              </a:ext>
-            </a:extLst>
-          </p:cNvPr>
-          <p:cNvGrpSpPr/>
-          <p:nvPr/>
-        </p:nvGrpSpPr>
-        <p:grpSpPr>
-          <a:xfrm>
-            <a:off x="26205374" y="12457588"/>
-            <a:ext cx="3370312" cy="2102180"/>
-            <a:chOff x="2852983" y="-482713"/>
-            <a:chExt cx="4560177" cy="2102180"/>
-          </a:xfrm>
-        </p:grpSpPr>
-        <p:grpSp>
-          <p:nvGrpSpPr>
-            <p:cNvPr id="153" name="Group 152">
-              <a:extLst>
-                <a:ext uri="{FF2B5EF4-FFF2-40B4-BE49-F238E27FC236}">
-                  <a16:creationId xmlns:a16="http://schemas.microsoft.com/office/drawing/2014/main" id="{A4117F14-8C4A-40E8-AEC4-8A1D47C0A196}"/>
-                </a:ext>
-              </a:extLst>
-            </p:cNvPr>
-            <p:cNvGrpSpPr/>
-            <p:nvPr/>
-          </p:nvGrpSpPr>
-          <p:grpSpPr>
-            <a:xfrm>
-              <a:off x="2852983" y="211593"/>
-              <a:ext cx="4203523" cy="1090988"/>
-              <a:chOff x="3333741" y="141543"/>
-              <a:chExt cx="3301047" cy="961089"/>
-            </a:xfrm>
-          </p:grpSpPr>
-          <p:pic>
-            <p:nvPicPr>
-              <p:cNvPr id="156" name="Picture 155">
-                <a:extLst>
-                  <a:ext uri="{FF2B5EF4-FFF2-40B4-BE49-F238E27FC236}">
-                    <a16:creationId xmlns:a16="http://schemas.microsoft.com/office/drawing/2014/main" id="{21FA6962-5267-43FF-9F07-885DBFAD5534}"/>
-                  </a:ext>
-                </a:extLst>
-              </p:cNvPr>
-              <p:cNvPicPr>
-                <a:picLocks noChangeAspect="1"/>
-              </p:cNvPicPr>
-              <p:nvPr/>
-            </p:nvPicPr>
-            <p:blipFill>
-              <a:blip r:embed="rId8"/>
-              <a:stretch>
-                <a:fillRect/>
-              </a:stretch>
-            </p:blipFill>
-            <p:spPr>
-              <a:xfrm>
-                <a:off x="4022698" y="141543"/>
-                <a:ext cx="2612090" cy="961089"/>
-              </a:xfrm>
-              <a:prstGeom prst="rect">
-                <a:avLst/>
-              </a:prstGeom>
-            </p:spPr>
-          </p:pic>
-          <p:cxnSp>
-            <p:nvCxnSpPr>
-              <p:cNvPr id="157" name="Straight Connector 156">
-                <a:extLst>
-                  <a:ext uri="{FF2B5EF4-FFF2-40B4-BE49-F238E27FC236}">
-                    <a16:creationId xmlns:a16="http://schemas.microsoft.com/office/drawing/2014/main" id="{0975EF33-7601-4B16-8689-5AE631B90E84}"/>
-                  </a:ext>
-                </a:extLst>
-              </p:cNvPr>
-              <p:cNvCxnSpPr/>
-              <p:nvPr/>
-            </p:nvCxnSpPr>
-            <p:spPr>
-              <a:xfrm flipV="1">
-                <a:off x="3333741" y="193731"/>
-                <a:ext cx="804400" cy="400341"/>
-              </a:xfrm>
-              <a:prstGeom prst="line">
-                <a:avLst/>
-              </a:prstGeom>
-              <a:ln w="19050" cmpd="sng">
-                <a:solidFill>
-                  <a:schemeClr val="accent5">
-                    <a:lumMod val="60000"/>
-                    <a:lumOff val="40000"/>
-                  </a:schemeClr>
-                </a:solidFill>
-              </a:ln>
-              <a:effectLst/>
-            </p:spPr>
-            <p:style>
-              <a:lnRef idx="2">
-                <a:schemeClr val="accent1"/>
-              </a:lnRef>
-              <a:fillRef idx="0">
-                <a:schemeClr val="accent1"/>
-              </a:fillRef>
-              <a:effectRef idx="1">
-                <a:schemeClr val="accent1"/>
-              </a:effectRef>
-              <a:fontRef idx="minor">
-                <a:schemeClr val="tx1"/>
-              </a:fontRef>
-            </p:style>
-          </p:cxnSp>
-          <p:cxnSp>
-            <p:nvCxnSpPr>
-              <p:cNvPr id="158" name="Straight Connector 157">
-                <a:extLst>
-                  <a:ext uri="{FF2B5EF4-FFF2-40B4-BE49-F238E27FC236}">
-                    <a16:creationId xmlns:a16="http://schemas.microsoft.com/office/drawing/2014/main" id="{AB67EF72-ED76-4196-A1A8-949642D4D119}"/>
-                  </a:ext>
-                </a:extLst>
-              </p:cNvPr>
-              <p:cNvCxnSpPr/>
-              <p:nvPr/>
-            </p:nvCxnSpPr>
-            <p:spPr>
-              <a:xfrm>
-                <a:off x="3333741" y="594072"/>
-                <a:ext cx="804399" cy="401481"/>
-              </a:xfrm>
-              <a:prstGeom prst="line">
-                <a:avLst/>
-              </a:prstGeom>
-              <a:ln w="19050" cmpd="sng">
-                <a:solidFill>
-                  <a:schemeClr val="accent5">
-                    <a:lumMod val="60000"/>
-                    <a:lumOff val="40000"/>
-                  </a:schemeClr>
-                </a:solidFill>
-              </a:ln>
-              <a:effectLst/>
-            </p:spPr>
-            <p:style>
-              <a:lnRef idx="2">
-                <a:schemeClr val="accent1"/>
-              </a:lnRef>
-              <a:fillRef idx="0">
-                <a:schemeClr val="accent1"/>
-              </a:fillRef>
-              <a:effectRef idx="1">
-                <a:schemeClr val="accent1"/>
-              </a:effectRef>
-              <a:fontRef idx="minor">
-                <a:schemeClr val="tx1"/>
-              </a:fontRef>
-            </p:style>
-          </p:cxnSp>
-          <p:cxnSp>
-            <p:nvCxnSpPr>
-              <p:cNvPr id="159" name="Straight Connector 158">
-                <a:extLst>
-                  <a:ext uri="{FF2B5EF4-FFF2-40B4-BE49-F238E27FC236}">
-                    <a16:creationId xmlns:a16="http://schemas.microsoft.com/office/drawing/2014/main" id="{36065F1B-3013-40A5-85F1-0D6EB76FC2AD}"/>
-                  </a:ext>
-                </a:extLst>
-              </p:cNvPr>
-              <p:cNvCxnSpPr/>
-              <p:nvPr/>
-            </p:nvCxnSpPr>
-            <p:spPr>
-              <a:xfrm flipV="1">
-                <a:off x="4138141" y="182005"/>
-                <a:ext cx="2427341" cy="2"/>
-              </a:xfrm>
-              <a:prstGeom prst="line">
-                <a:avLst/>
-              </a:prstGeom>
-              <a:ln/>
-            </p:spPr>
-            <p:style>
-              <a:lnRef idx="1">
-                <a:schemeClr val="accent5"/>
-              </a:lnRef>
-              <a:fillRef idx="0">
-                <a:schemeClr val="accent5"/>
-              </a:fillRef>
-              <a:effectRef idx="0">
-                <a:schemeClr val="accent5"/>
-              </a:effectRef>
-              <a:fontRef idx="minor">
-                <a:schemeClr val="tx1"/>
-              </a:fontRef>
-            </p:style>
-          </p:cxnSp>
-          <p:cxnSp>
-            <p:nvCxnSpPr>
-              <p:cNvPr id="160" name="Straight Connector 159">
-                <a:extLst>
-                  <a:ext uri="{FF2B5EF4-FFF2-40B4-BE49-F238E27FC236}">
-                    <a16:creationId xmlns:a16="http://schemas.microsoft.com/office/drawing/2014/main" id="{B5456CD0-F86C-4844-87D4-430B04EA714D}"/>
-                  </a:ext>
-                </a:extLst>
-              </p:cNvPr>
-              <p:cNvCxnSpPr/>
-              <p:nvPr/>
-            </p:nvCxnSpPr>
-            <p:spPr>
-              <a:xfrm flipV="1">
-                <a:off x="4138141" y="1001348"/>
-                <a:ext cx="2427341" cy="2"/>
-              </a:xfrm>
-              <a:prstGeom prst="line">
-                <a:avLst/>
-              </a:prstGeom>
-              <a:ln/>
-            </p:spPr>
-            <p:style>
-              <a:lnRef idx="1">
-                <a:schemeClr val="accent5"/>
-              </a:lnRef>
-              <a:fillRef idx="0">
-                <a:schemeClr val="accent5"/>
-              </a:fillRef>
-              <a:effectRef idx="0">
-                <a:schemeClr val="accent5"/>
-              </a:effectRef>
-              <a:fontRef idx="minor">
-                <a:schemeClr val="tx1"/>
-              </a:fontRef>
-            </p:style>
-          </p:cxnSp>
-          <p:cxnSp>
-            <p:nvCxnSpPr>
-              <p:cNvPr id="161" name="Straight Connector 160">
-                <a:extLst>
-                  <a:ext uri="{FF2B5EF4-FFF2-40B4-BE49-F238E27FC236}">
-                    <a16:creationId xmlns:a16="http://schemas.microsoft.com/office/drawing/2014/main" id="{FDF9FE77-D163-4A12-8EE2-3E68A229AFAD}"/>
-                  </a:ext>
-                </a:extLst>
-              </p:cNvPr>
-              <p:cNvCxnSpPr/>
-              <p:nvPr/>
-            </p:nvCxnSpPr>
-            <p:spPr>
-              <a:xfrm>
-                <a:off x="4138141" y="185913"/>
-                <a:ext cx="0" cy="816765"/>
-              </a:xfrm>
-              <a:prstGeom prst="line">
-                <a:avLst/>
-              </a:prstGeom>
-              <a:ln/>
-            </p:spPr>
-            <p:style>
-              <a:lnRef idx="1">
-                <a:schemeClr val="accent5"/>
-              </a:lnRef>
-              <a:fillRef idx="0">
-                <a:schemeClr val="accent5"/>
-              </a:fillRef>
-              <a:effectRef idx="0">
-                <a:schemeClr val="accent5"/>
-              </a:effectRef>
-              <a:fontRef idx="minor">
-                <a:schemeClr val="tx1"/>
-              </a:fontRef>
-            </p:style>
-          </p:cxnSp>
-          <p:cxnSp>
-            <p:nvCxnSpPr>
-              <p:cNvPr id="162" name="Straight Connector 161">
-                <a:extLst>
-                  <a:ext uri="{FF2B5EF4-FFF2-40B4-BE49-F238E27FC236}">
-                    <a16:creationId xmlns:a16="http://schemas.microsoft.com/office/drawing/2014/main" id="{6C1C6435-125E-4E9C-8468-8ABD4A01C322}"/>
-                  </a:ext>
-                </a:extLst>
-              </p:cNvPr>
-              <p:cNvCxnSpPr/>
-              <p:nvPr/>
-            </p:nvCxnSpPr>
-            <p:spPr>
-              <a:xfrm>
-                <a:off x="6572185" y="182694"/>
-                <a:ext cx="0" cy="816765"/>
-              </a:xfrm>
-              <a:prstGeom prst="line">
-                <a:avLst/>
-              </a:prstGeom>
-              <a:ln/>
-            </p:spPr>
-            <p:style>
-              <a:lnRef idx="1">
-                <a:schemeClr val="accent5"/>
-              </a:lnRef>
-              <a:fillRef idx="0">
-                <a:schemeClr val="accent5"/>
-              </a:fillRef>
-              <a:effectRef idx="0">
-                <a:schemeClr val="accent5"/>
-              </a:effectRef>
-              <a:fontRef idx="minor">
-                <a:schemeClr val="tx1"/>
-              </a:fontRef>
-            </p:style>
-          </p:cxnSp>
-        </p:grpSp>
-        <p:sp>
-          <p:nvSpPr>
-            <p:cNvPr id="154" name="TextBox 153">
-              <a:extLst>
-                <a:ext uri="{FF2B5EF4-FFF2-40B4-BE49-F238E27FC236}">
-                  <a16:creationId xmlns:a16="http://schemas.microsoft.com/office/drawing/2014/main" id="{A172655E-C982-4504-A2B2-23D1A59FA4A5}"/>
-                </a:ext>
-              </a:extLst>
-            </p:cNvPr>
-            <p:cNvSpPr txBox="1"/>
-            <p:nvPr/>
-          </p:nvSpPr>
-          <p:spPr>
-            <a:xfrm>
-              <a:off x="3222540" y="-482713"/>
-              <a:ext cx="4190620" cy="707886"/>
-            </a:xfrm>
-            <a:prstGeom prst="rect">
-              <a:avLst/>
-            </a:prstGeom>
-            <a:noFill/>
-          </p:spPr>
-          <p:txBody>
-            <a:bodyPr wrap="square" rtlCol="0">
-              <a:spAutoFit/>
-            </a:bodyPr>
-            <a:lstStyle/>
-            <a:p>
-              <a:pPr algn="ctr"/>
-              <a:r>
-                <a:rPr lang="en-US" sz="2000" dirty="0">
-                  <a:latin typeface="Helvetica" panose="020B0604020202020204" pitchFamily="34" charset="0"/>
-                  <a:cs typeface="Helvetica" panose="020B0604020202020204" pitchFamily="34" charset="0"/>
-                </a:rPr>
-                <a:t>Parcel’s mean time series during resting-state scan</a:t>
-              </a:r>
-            </a:p>
-          </p:txBody>
-        </p:sp>
-        <p:sp>
-          <p:nvSpPr>
-            <p:cNvPr id="155" name="TextBox 154">
-              <a:extLst>
-                <a:ext uri="{FF2B5EF4-FFF2-40B4-BE49-F238E27FC236}">
-                  <a16:creationId xmlns:a16="http://schemas.microsoft.com/office/drawing/2014/main" id="{B1EC0982-BA9C-460D-B43F-17B8725337FC}"/>
-                </a:ext>
-              </a:extLst>
-            </p:cNvPr>
-            <p:cNvSpPr txBox="1"/>
-            <p:nvPr/>
-          </p:nvSpPr>
-          <p:spPr>
-            <a:xfrm>
-              <a:off x="4682244" y="1219357"/>
-              <a:ext cx="1481061" cy="400110"/>
-            </a:xfrm>
-            <a:prstGeom prst="rect">
-              <a:avLst/>
-            </a:prstGeom>
-            <a:noFill/>
-          </p:spPr>
-          <p:txBody>
-            <a:bodyPr wrap="square" rtlCol="0">
-              <a:spAutoFit/>
-            </a:bodyPr>
-            <a:lstStyle/>
-            <a:p>
-              <a:r>
-                <a:rPr lang="en-US" sz="2000" dirty="0">
-                  <a:latin typeface="Helvetica Neue"/>
-                  <a:cs typeface="Helvetica Neue"/>
-                </a:rPr>
-                <a:t>Frames</a:t>
-              </a:r>
-            </a:p>
-          </p:txBody>
-        </p:sp>
-      </p:grpSp>
       <p:grpSp>
         <p:nvGrpSpPr>
           <p:cNvPr id="13" name="Group 12">
@@ -12696,52 +17331,6 @@
       </p:sp>
       <p:sp>
         <p:nvSpPr>
-          <p:cNvPr id="14" name="Arrow: Right 13">
-            <a:extLst>
-              <a:ext uri="{FF2B5EF4-FFF2-40B4-BE49-F238E27FC236}">
-                <a16:creationId xmlns:a16="http://schemas.microsoft.com/office/drawing/2014/main" id="{9CBC0944-6D3C-4719-86B0-5D9288714840}"/>
-              </a:ext>
-            </a:extLst>
-          </p:cNvPr>
-          <p:cNvSpPr/>
-          <p:nvPr/>
-        </p:nvSpPr>
-        <p:spPr>
-          <a:xfrm>
-            <a:off x="29454014" y="13500304"/>
-            <a:ext cx="489676" cy="233996"/>
-          </a:xfrm>
-          <a:prstGeom prst="rightArrow">
-            <a:avLst/>
-          </a:prstGeom>
-        </p:spPr>
-        <p:style>
-          <a:lnRef idx="2">
-            <a:schemeClr val="dk1">
-              <a:shade val="50000"/>
-            </a:schemeClr>
-          </a:lnRef>
-          <a:fillRef idx="1">
-            <a:schemeClr val="dk1"/>
-          </a:fillRef>
-          <a:effectRef idx="0">
-            <a:schemeClr val="dk1"/>
-          </a:effectRef>
-          <a:fontRef idx="minor">
-            <a:schemeClr val="lt1"/>
-          </a:fontRef>
-        </p:style>
-        <p:txBody>
-          <a:bodyPr rtlCol="0" anchor="ctr"/>
-          <a:lstStyle/>
-          <a:p>
-            <a:pPr algn="ctr"/>
-            <a:endParaRPr lang="en-US"/>
-          </a:p>
-        </p:txBody>
-      </p:sp>
-      <p:sp>
-        <p:nvSpPr>
           <p:cNvPr id="183" name="Arrow: Right 182">
             <a:extLst>
               <a:ext uri="{FF2B5EF4-FFF2-40B4-BE49-F238E27FC236}">
@@ -13163,8 +17752,8 @@
         </p:nvSpPr>
         <p:spPr>
           <a:xfrm>
-            <a:off x="12750739" y="6231076"/>
-            <a:ext cx="10877220" cy="10556736"/>
+            <a:off x="10906952" y="6231076"/>
+            <a:ext cx="12721007" cy="10556736"/>
           </a:xfrm>
           <a:prstGeom prst="rect">
             <a:avLst/>
@@ -13178,6 +17767,9 @@
           <a:lstStyle/>
           <a:p>
             <a:pPr marL="571500" indent="-571500">
+              <a:spcBef>
+                <a:spcPts val="600"/>
+              </a:spcBef>
               <a:buFont typeface="Arial" panose="020B0604020202020204" pitchFamily="34" charset="0"/>
               <a:buChar char="•"/>
             </a:pPr>
@@ -13194,6 +17786,9 @@
           </a:p>
           <a:p>
             <a:pPr marL="1188720" lvl="1" indent="-571500">
+              <a:spcBef>
+                <a:spcPts val="600"/>
+              </a:spcBef>
               <a:buFont typeface="Arial" panose="020B0604020202020204" pitchFamily="34" charset="0"/>
               <a:buChar char="•"/>
             </a:pPr>
@@ -13210,6 +17805,9 @@
           </a:p>
           <a:p>
             <a:pPr marL="571500" indent="-571500">
+              <a:spcBef>
+                <a:spcPts val="600"/>
+              </a:spcBef>
               <a:buFont typeface="Arial" panose="020B0604020202020204" pitchFamily="34" charset="0"/>
               <a:buChar char="•"/>
             </a:pPr>
@@ -13226,6 +17824,9 @@
           </a:p>
           <a:p>
             <a:pPr marL="1188720" lvl="1" indent="-571500">
+              <a:spcBef>
+                <a:spcPts val="600"/>
+              </a:spcBef>
               <a:buFont typeface="Arial" panose="020B0604020202020204" pitchFamily="34" charset="0"/>
               <a:buChar char="•"/>
             </a:pPr>
@@ -13242,6 +17843,9 @@
           </a:p>
           <a:p>
             <a:pPr marL="571500" indent="-571500">
+              <a:spcBef>
+                <a:spcPts val="600"/>
+              </a:spcBef>
               <a:buFont typeface="Arial" panose="020B0604020202020204" pitchFamily="34" charset="0"/>
               <a:buChar char="•"/>
             </a:pPr>
@@ -13258,6 +17862,9 @@
           </a:p>
           <a:p>
             <a:pPr marL="1188720" lvl="1" indent="-571500">
+              <a:spcBef>
+                <a:spcPts val="600"/>
+              </a:spcBef>
               <a:buFont typeface="Arial" panose="020B0604020202020204" pitchFamily="34" charset="0"/>
               <a:buChar char="•"/>
             </a:pPr>
@@ -13274,6 +17881,9 @@
           </a:p>
           <a:p>
             <a:pPr marL="571500" indent="-571500">
+              <a:spcBef>
+                <a:spcPts val="600"/>
+              </a:spcBef>
               <a:buFont typeface="Arial" panose="020B0604020202020204" pitchFamily="34" charset="0"/>
               <a:buChar char="•"/>
             </a:pPr>
@@ -13290,6 +17900,9 @@
           </a:p>
           <a:p>
             <a:pPr marL="1188720" lvl="1" indent="-571500">
+              <a:spcBef>
+                <a:spcPts val="600"/>
+              </a:spcBef>
               <a:buFont typeface="Arial" panose="020B0604020202020204" pitchFamily="34" charset="0"/>
               <a:buChar char="•"/>
             </a:pPr>
@@ -13325,6 +17938,690 @@
           </a:p>
         </p:txBody>
       </p:sp>
+      <p:pic>
+        <p:nvPicPr>
+          <p:cNvPr id="454" name="Picture 453">
+            <a:extLst>
+              <a:ext uri="{FF2B5EF4-FFF2-40B4-BE49-F238E27FC236}">
+                <a16:creationId xmlns:a16="http://schemas.microsoft.com/office/drawing/2014/main" id="{482BF27C-76CC-42FA-9125-A8C4DB966FF5}"/>
+              </a:ext>
+            </a:extLst>
+          </p:cNvPr>
+          <p:cNvPicPr>
+            <a:picLocks noChangeAspect="1"/>
+          </p:cNvPicPr>
+          <p:nvPr/>
+        </p:nvPicPr>
+        <p:blipFill>
+          <a:blip r:embed="rId10">
+            <a:extLst>
+              <a:ext uri="{28A0092B-C50C-407E-A947-70E740481C1C}">
+                <a14:useLocalDpi xmlns:a14="http://schemas.microsoft.com/office/drawing/2010/main" val="0"/>
+              </a:ext>
+            </a:extLst>
+          </a:blip>
+          <a:stretch>
+            <a:fillRect/>
+          </a:stretch>
+        </p:blipFill>
+        <p:spPr>
+          <a:xfrm>
+            <a:off x="17153487" y="22788852"/>
+            <a:ext cx="3576142" cy="2554388"/>
+          </a:xfrm>
+          <a:prstGeom prst="rect">
+            <a:avLst/>
+          </a:prstGeom>
+        </p:spPr>
+      </p:pic>
+      <p:grpSp>
+        <p:nvGrpSpPr>
+          <p:cNvPr id="465" name="Group 464">
+            <a:extLst>
+              <a:ext uri="{FF2B5EF4-FFF2-40B4-BE49-F238E27FC236}">
+                <a16:creationId xmlns:a16="http://schemas.microsoft.com/office/drawing/2014/main" id="{37E9953F-C157-40AE-BCD8-634C8C346BF5}"/>
+              </a:ext>
+            </a:extLst>
+          </p:cNvPr>
+          <p:cNvGrpSpPr/>
+          <p:nvPr/>
+        </p:nvGrpSpPr>
+        <p:grpSpPr>
+          <a:xfrm>
+            <a:off x="26205374" y="12457588"/>
+            <a:ext cx="3909948" cy="2102180"/>
+            <a:chOff x="26205374" y="12457588"/>
+            <a:chExt cx="3909948" cy="2102180"/>
+          </a:xfrm>
+        </p:grpSpPr>
+        <p:grpSp>
+          <p:nvGrpSpPr>
+            <p:cNvPr id="152" name="Group 151">
+              <a:extLst>
+                <a:ext uri="{FF2B5EF4-FFF2-40B4-BE49-F238E27FC236}">
+                  <a16:creationId xmlns:a16="http://schemas.microsoft.com/office/drawing/2014/main" id="{8AB3942F-D552-4700-BD09-4929480FE5A8}"/>
+                </a:ext>
+              </a:extLst>
+            </p:cNvPr>
+            <p:cNvGrpSpPr/>
+            <p:nvPr/>
+          </p:nvGrpSpPr>
+          <p:grpSpPr>
+            <a:xfrm>
+              <a:off x="26205374" y="12457588"/>
+              <a:ext cx="3370312" cy="2102180"/>
+              <a:chOff x="2852983" y="-482713"/>
+              <a:chExt cx="4560177" cy="2102180"/>
+            </a:xfrm>
+          </p:grpSpPr>
+          <p:grpSp>
+            <p:nvGrpSpPr>
+              <p:cNvPr id="153" name="Group 152">
+                <a:extLst>
+                  <a:ext uri="{FF2B5EF4-FFF2-40B4-BE49-F238E27FC236}">
+                    <a16:creationId xmlns:a16="http://schemas.microsoft.com/office/drawing/2014/main" id="{A4117F14-8C4A-40E8-AEC4-8A1D47C0A196}"/>
+                  </a:ext>
+                </a:extLst>
+              </p:cNvPr>
+              <p:cNvGrpSpPr/>
+              <p:nvPr/>
+            </p:nvGrpSpPr>
+            <p:grpSpPr>
+              <a:xfrm>
+                <a:off x="2852983" y="211593"/>
+                <a:ext cx="4203523" cy="1090988"/>
+                <a:chOff x="3333741" y="141543"/>
+                <a:chExt cx="3301047" cy="961089"/>
+              </a:xfrm>
+            </p:grpSpPr>
+            <p:pic>
+              <p:nvPicPr>
+                <p:cNvPr id="156" name="Picture 155">
+                  <a:extLst>
+                    <a:ext uri="{FF2B5EF4-FFF2-40B4-BE49-F238E27FC236}">
+                      <a16:creationId xmlns:a16="http://schemas.microsoft.com/office/drawing/2014/main" id="{21FA6962-5267-43FF-9F07-885DBFAD5534}"/>
+                    </a:ext>
+                  </a:extLst>
+                </p:cNvPr>
+                <p:cNvPicPr>
+                  <a:picLocks noChangeAspect="1"/>
+                </p:cNvPicPr>
+                <p:nvPr/>
+              </p:nvPicPr>
+              <p:blipFill>
+                <a:blip r:embed="rId11"/>
+                <a:stretch>
+                  <a:fillRect/>
+                </a:stretch>
+              </p:blipFill>
+              <p:spPr>
+                <a:xfrm>
+                  <a:off x="4022698" y="141543"/>
+                  <a:ext cx="2612090" cy="961089"/>
+                </a:xfrm>
+                <a:prstGeom prst="rect">
+                  <a:avLst/>
+                </a:prstGeom>
+              </p:spPr>
+            </p:pic>
+            <p:cxnSp>
+              <p:nvCxnSpPr>
+                <p:cNvPr id="158" name="Straight Connector 157">
+                  <a:extLst>
+                    <a:ext uri="{FF2B5EF4-FFF2-40B4-BE49-F238E27FC236}">
+                      <a16:creationId xmlns:a16="http://schemas.microsoft.com/office/drawing/2014/main" id="{AB67EF72-ED76-4196-A1A8-949642D4D119}"/>
+                    </a:ext>
+                  </a:extLst>
+                </p:cNvPr>
+                <p:cNvCxnSpPr/>
+                <p:nvPr/>
+              </p:nvCxnSpPr>
+              <p:spPr>
+                <a:xfrm>
+                  <a:off x="3333741" y="594072"/>
+                  <a:ext cx="804399" cy="401481"/>
+                </a:xfrm>
+                <a:prstGeom prst="line">
+                  <a:avLst/>
+                </a:prstGeom>
+                <a:ln w="28575" cmpd="sng">
+                  <a:solidFill>
+                    <a:schemeClr val="accent5">
+                      <a:lumMod val="60000"/>
+                      <a:lumOff val="40000"/>
+                    </a:schemeClr>
+                  </a:solidFill>
+                </a:ln>
+                <a:effectLst/>
+              </p:spPr>
+              <p:style>
+                <a:lnRef idx="2">
+                  <a:schemeClr val="accent1"/>
+                </a:lnRef>
+                <a:fillRef idx="0">
+                  <a:schemeClr val="accent1"/>
+                </a:fillRef>
+                <a:effectRef idx="1">
+                  <a:schemeClr val="accent1"/>
+                </a:effectRef>
+                <a:fontRef idx="minor">
+                  <a:schemeClr val="tx1"/>
+                </a:fontRef>
+              </p:style>
+            </p:cxnSp>
+            <p:cxnSp>
+              <p:nvCxnSpPr>
+                <p:cNvPr id="159" name="Straight Connector 158">
+                  <a:extLst>
+                    <a:ext uri="{FF2B5EF4-FFF2-40B4-BE49-F238E27FC236}">
+                      <a16:creationId xmlns:a16="http://schemas.microsoft.com/office/drawing/2014/main" id="{36065F1B-3013-40A5-85F1-0D6EB76FC2AD}"/>
+                    </a:ext>
+                  </a:extLst>
+                </p:cNvPr>
+                <p:cNvCxnSpPr/>
+                <p:nvPr/>
+              </p:nvCxnSpPr>
+              <p:spPr>
+                <a:xfrm flipV="1">
+                  <a:off x="4138141" y="182005"/>
+                  <a:ext cx="2427341" cy="2"/>
+                </a:xfrm>
+                <a:prstGeom prst="line">
+                  <a:avLst/>
+                </a:prstGeom>
+                <a:ln/>
+              </p:spPr>
+              <p:style>
+                <a:lnRef idx="1">
+                  <a:schemeClr val="accent5"/>
+                </a:lnRef>
+                <a:fillRef idx="0">
+                  <a:schemeClr val="accent5"/>
+                </a:fillRef>
+                <a:effectRef idx="0">
+                  <a:schemeClr val="accent5"/>
+                </a:effectRef>
+                <a:fontRef idx="minor">
+                  <a:schemeClr val="tx1"/>
+                </a:fontRef>
+              </p:style>
+            </p:cxnSp>
+            <p:cxnSp>
+              <p:nvCxnSpPr>
+                <p:cNvPr id="160" name="Straight Connector 159">
+                  <a:extLst>
+                    <a:ext uri="{FF2B5EF4-FFF2-40B4-BE49-F238E27FC236}">
+                      <a16:creationId xmlns:a16="http://schemas.microsoft.com/office/drawing/2014/main" id="{B5456CD0-F86C-4844-87D4-430B04EA714D}"/>
+                    </a:ext>
+                  </a:extLst>
+                </p:cNvPr>
+                <p:cNvCxnSpPr/>
+                <p:nvPr/>
+              </p:nvCxnSpPr>
+              <p:spPr>
+                <a:xfrm flipV="1">
+                  <a:off x="4138141" y="1001348"/>
+                  <a:ext cx="2427341" cy="2"/>
+                </a:xfrm>
+                <a:prstGeom prst="line">
+                  <a:avLst/>
+                </a:prstGeom>
+                <a:ln/>
+              </p:spPr>
+              <p:style>
+                <a:lnRef idx="1">
+                  <a:schemeClr val="accent5"/>
+                </a:lnRef>
+                <a:fillRef idx="0">
+                  <a:schemeClr val="accent5"/>
+                </a:fillRef>
+                <a:effectRef idx="0">
+                  <a:schemeClr val="accent5"/>
+                </a:effectRef>
+                <a:fontRef idx="minor">
+                  <a:schemeClr val="tx1"/>
+                </a:fontRef>
+              </p:style>
+            </p:cxnSp>
+            <p:cxnSp>
+              <p:nvCxnSpPr>
+                <p:cNvPr id="161" name="Straight Connector 160">
+                  <a:extLst>
+                    <a:ext uri="{FF2B5EF4-FFF2-40B4-BE49-F238E27FC236}">
+                      <a16:creationId xmlns:a16="http://schemas.microsoft.com/office/drawing/2014/main" id="{FDF9FE77-D163-4A12-8EE2-3E68A229AFAD}"/>
+                    </a:ext>
+                  </a:extLst>
+                </p:cNvPr>
+                <p:cNvCxnSpPr/>
+                <p:nvPr/>
+              </p:nvCxnSpPr>
+              <p:spPr>
+                <a:xfrm>
+                  <a:off x="4138141" y="185913"/>
+                  <a:ext cx="0" cy="816765"/>
+                </a:xfrm>
+                <a:prstGeom prst="line">
+                  <a:avLst/>
+                </a:prstGeom>
+                <a:ln/>
+              </p:spPr>
+              <p:style>
+                <a:lnRef idx="1">
+                  <a:schemeClr val="accent5"/>
+                </a:lnRef>
+                <a:fillRef idx="0">
+                  <a:schemeClr val="accent5"/>
+                </a:fillRef>
+                <a:effectRef idx="0">
+                  <a:schemeClr val="accent5"/>
+                </a:effectRef>
+                <a:fontRef idx="minor">
+                  <a:schemeClr val="tx1"/>
+                </a:fontRef>
+              </p:style>
+            </p:cxnSp>
+            <p:cxnSp>
+              <p:nvCxnSpPr>
+                <p:cNvPr id="162" name="Straight Connector 161">
+                  <a:extLst>
+                    <a:ext uri="{FF2B5EF4-FFF2-40B4-BE49-F238E27FC236}">
+                      <a16:creationId xmlns:a16="http://schemas.microsoft.com/office/drawing/2014/main" id="{6C1C6435-125E-4E9C-8468-8ABD4A01C322}"/>
+                    </a:ext>
+                  </a:extLst>
+                </p:cNvPr>
+                <p:cNvCxnSpPr/>
+                <p:nvPr/>
+              </p:nvCxnSpPr>
+              <p:spPr>
+                <a:xfrm>
+                  <a:off x="6572185" y="182694"/>
+                  <a:ext cx="0" cy="816765"/>
+                </a:xfrm>
+                <a:prstGeom prst="line">
+                  <a:avLst/>
+                </a:prstGeom>
+                <a:ln/>
+              </p:spPr>
+              <p:style>
+                <a:lnRef idx="1">
+                  <a:schemeClr val="accent5"/>
+                </a:lnRef>
+                <a:fillRef idx="0">
+                  <a:schemeClr val="accent5"/>
+                </a:fillRef>
+                <a:effectRef idx="0">
+                  <a:schemeClr val="accent5"/>
+                </a:effectRef>
+                <a:fontRef idx="minor">
+                  <a:schemeClr val="tx1"/>
+                </a:fontRef>
+              </p:style>
+            </p:cxnSp>
+            <p:cxnSp>
+              <p:nvCxnSpPr>
+                <p:cNvPr id="157" name="Straight Connector 156">
+                  <a:extLst>
+                    <a:ext uri="{FF2B5EF4-FFF2-40B4-BE49-F238E27FC236}">
+                      <a16:creationId xmlns:a16="http://schemas.microsoft.com/office/drawing/2014/main" id="{0975EF33-7601-4B16-8689-5AE631B90E84}"/>
+                    </a:ext>
+                  </a:extLst>
+                </p:cNvPr>
+                <p:cNvCxnSpPr>
+                  <a:cxnSpLocks/>
+                </p:cNvCxnSpPr>
+                <p:nvPr/>
+              </p:nvCxnSpPr>
+              <p:spPr>
+                <a:xfrm flipV="1">
+                  <a:off x="3345364" y="192803"/>
+                  <a:ext cx="784672" cy="398275"/>
+                </a:xfrm>
+                <a:prstGeom prst="line">
+                  <a:avLst/>
+                </a:prstGeom>
+                <a:ln w="28575" cmpd="sng">
+                  <a:solidFill>
+                    <a:schemeClr val="accent5">
+                      <a:lumMod val="60000"/>
+                      <a:lumOff val="40000"/>
+                    </a:schemeClr>
+                  </a:solidFill>
+                </a:ln>
+                <a:effectLst/>
+              </p:spPr>
+              <p:style>
+                <a:lnRef idx="2">
+                  <a:schemeClr val="accent1"/>
+                </a:lnRef>
+                <a:fillRef idx="0">
+                  <a:schemeClr val="accent1"/>
+                </a:fillRef>
+                <a:effectRef idx="1">
+                  <a:schemeClr val="accent1"/>
+                </a:effectRef>
+                <a:fontRef idx="minor">
+                  <a:schemeClr val="tx1"/>
+                </a:fontRef>
+              </p:style>
+            </p:cxnSp>
+          </p:grpSp>
+          <p:sp>
+            <p:nvSpPr>
+              <p:cNvPr id="154" name="TextBox 153">
+                <a:extLst>
+                  <a:ext uri="{FF2B5EF4-FFF2-40B4-BE49-F238E27FC236}">
+                    <a16:creationId xmlns:a16="http://schemas.microsoft.com/office/drawing/2014/main" id="{A172655E-C982-4504-A2B2-23D1A59FA4A5}"/>
+                  </a:ext>
+                </a:extLst>
+              </p:cNvPr>
+              <p:cNvSpPr txBox="1"/>
+              <p:nvPr/>
+            </p:nvSpPr>
+            <p:spPr>
+              <a:xfrm>
+                <a:off x="3222540" y="-482713"/>
+                <a:ext cx="4190620" cy="707886"/>
+              </a:xfrm>
+              <a:prstGeom prst="rect">
+                <a:avLst/>
+              </a:prstGeom>
+              <a:noFill/>
+            </p:spPr>
+            <p:txBody>
+              <a:bodyPr wrap="square" rtlCol="0">
+                <a:spAutoFit/>
+              </a:bodyPr>
+              <a:lstStyle/>
+              <a:p>
+                <a:pPr algn="ctr"/>
+                <a:r>
+                  <a:rPr lang="en-US" sz="2000" dirty="0">
+                    <a:latin typeface="Helvetica" panose="020B0604020202020204" pitchFamily="34" charset="0"/>
+                    <a:cs typeface="Helvetica" panose="020B0604020202020204" pitchFamily="34" charset="0"/>
+                  </a:rPr>
+                  <a:t>Parcel’s mean time series during resting-state scan</a:t>
+                </a:r>
+              </a:p>
+            </p:txBody>
+          </p:sp>
+          <p:sp>
+            <p:nvSpPr>
+              <p:cNvPr id="155" name="TextBox 154">
+                <a:extLst>
+                  <a:ext uri="{FF2B5EF4-FFF2-40B4-BE49-F238E27FC236}">
+                    <a16:creationId xmlns:a16="http://schemas.microsoft.com/office/drawing/2014/main" id="{B1EC0982-BA9C-460D-B43F-17B8725337FC}"/>
+                  </a:ext>
+                </a:extLst>
+              </p:cNvPr>
+              <p:cNvSpPr txBox="1"/>
+              <p:nvPr/>
+            </p:nvSpPr>
+            <p:spPr>
+              <a:xfrm>
+                <a:off x="4682244" y="1219357"/>
+                <a:ext cx="1481061" cy="400110"/>
+              </a:xfrm>
+              <a:prstGeom prst="rect">
+                <a:avLst/>
+              </a:prstGeom>
+              <a:noFill/>
+            </p:spPr>
+            <p:txBody>
+              <a:bodyPr wrap="square" rtlCol="0">
+                <a:spAutoFit/>
+              </a:bodyPr>
+              <a:lstStyle/>
+              <a:p>
+                <a:r>
+                  <a:rPr lang="en-US" sz="2000" dirty="0">
+                    <a:latin typeface="Helvetica Neue"/>
+                    <a:cs typeface="Helvetica Neue"/>
+                  </a:rPr>
+                  <a:t>Frames</a:t>
+                </a:r>
+              </a:p>
+            </p:txBody>
+          </p:sp>
+        </p:grpSp>
+        <p:cxnSp>
+          <p:nvCxnSpPr>
+            <p:cNvPr id="244" name="Straight Connector 243">
+              <a:extLst>
+                <a:ext uri="{FF2B5EF4-FFF2-40B4-BE49-F238E27FC236}">
+                  <a16:creationId xmlns:a16="http://schemas.microsoft.com/office/drawing/2014/main" id="{BA74E72B-9103-44FD-9668-521AC12D79DD}"/>
+                </a:ext>
+              </a:extLst>
+            </p:cNvPr>
+            <p:cNvCxnSpPr>
+              <a:cxnSpLocks/>
+            </p:cNvCxnSpPr>
+            <p:nvPr/>
+          </p:nvCxnSpPr>
+          <p:spPr>
+            <a:xfrm flipH="1">
+              <a:off x="29256998" y="13447950"/>
+              <a:ext cx="857889" cy="667125"/>
+            </a:xfrm>
+            <a:prstGeom prst="line">
+              <a:avLst/>
+            </a:prstGeom>
+            <a:ln w="28575" cmpd="sng">
+              <a:solidFill>
+                <a:schemeClr val="accent5">
+                  <a:lumMod val="60000"/>
+                  <a:lumOff val="40000"/>
+                </a:schemeClr>
+              </a:solidFill>
+            </a:ln>
+            <a:effectLst/>
+          </p:spPr>
+          <p:style>
+            <a:lnRef idx="2">
+              <a:schemeClr val="accent1"/>
+            </a:lnRef>
+            <a:fillRef idx="0">
+              <a:schemeClr val="accent1"/>
+            </a:fillRef>
+            <a:effectRef idx="1">
+              <a:schemeClr val="accent1"/>
+            </a:effectRef>
+            <a:fontRef idx="minor">
+              <a:schemeClr val="tx1"/>
+            </a:fontRef>
+          </p:style>
+        </p:cxnSp>
+        <p:cxnSp>
+          <p:nvCxnSpPr>
+            <p:cNvPr id="243" name="Straight Connector 242">
+              <a:extLst>
+                <a:ext uri="{FF2B5EF4-FFF2-40B4-BE49-F238E27FC236}">
+                  <a16:creationId xmlns:a16="http://schemas.microsoft.com/office/drawing/2014/main" id="{190612C5-AE2F-46C4-AB10-CE0EDE4F5FFD}"/>
+                </a:ext>
+              </a:extLst>
+            </p:cNvPr>
+            <p:cNvCxnSpPr>
+              <a:cxnSpLocks/>
+            </p:cNvCxnSpPr>
+            <p:nvPr/>
+          </p:nvCxnSpPr>
+          <p:spPr>
+            <a:xfrm flipH="1" flipV="1">
+              <a:off x="29253778" y="13209380"/>
+              <a:ext cx="861544" cy="61748"/>
+            </a:xfrm>
+            <a:prstGeom prst="line">
+              <a:avLst/>
+            </a:prstGeom>
+            <a:ln w="28575" cmpd="sng">
+              <a:solidFill>
+                <a:schemeClr val="accent5">
+                  <a:lumMod val="60000"/>
+                  <a:lumOff val="40000"/>
+                </a:schemeClr>
+              </a:solidFill>
+            </a:ln>
+            <a:effectLst/>
+          </p:spPr>
+          <p:style>
+            <a:lnRef idx="2">
+              <a:schemeClr val="accent1"/>
+            </a:lnRef>
+            <a:fillRef idx="0">
+              <a:schemeClr val="accent1"/>
+            </a:fillRef>
+            <a:effectRef idx="1">
+              <a:schemeClr val="accent1"/>
+            </a:effectRef>
+            <a:fontRef idx="minor">
+              <a:schemeClr val="tx1"/>
+            </a:fontRef>
+          </p:style>
+        </p:cxnSp>
+      </p:grpSp>
+      <p:cxnSp>
+        <p:nvCxnSpPr>
+          <p:cNvPr id="268" name="Straight Connector 267">
+            <a:extLst>
+              <a:ext uri="{FF2B5EF4-FFF2-40B4-BE49-F238E27FC236}">
+                <a16:creationId xmlns:a16="http://schemas.microsoft.com/office/drawing/2014/main" id="{DA0B3EF7-60EE-4DB4-90DF-CCD4DDD12059}"/>
+              </a:ext>
+            </a:extLst>
+          </p:cNvPr>
+          <p:cNvCxnSpPr>
+            <a:cxnSpLocks/>
+          </p:cNvCxnSpPr>
+          <p:nvPr/>
+        </p:nvCxnSpPr>
+        <p:spPr>
+          <a:xfrm>
+            <a:off x="341297" y="19202400"/>
+            <a:ext cx="9993985" cy="0"/>
+          </a:xfrm>
+          <a:prstGeom prst="line">
+            <a:avLst/>
+          </a:prstGeom>
+          <a:ln w="127000">
+            <a:solidFill>
+              <a:schemeClr val="accent4">
+                <a:lumMod val="20000"/>
+                <a:lumOff val="80000"/>
+              </a:schemeClr>
+            </a:solidFill>
+          </a:ln>
+          <a:effectLst/>
+        </p:spPr>
+        <p:style>
+          <a:lnRef idx="2">
+            <a:schemeClr val="accent1"/>
+          </a:lnRef>
+          <a:fillRef idx="0">
+            <a:schemeClr val="accent1"/>
+          </a:fillRef>
+          <a:effectRef idx="1">
+            <a:schemeClr val="accent1"/>
+          </a:effectRef>
+          <a:fontRef idx="minor">
+            <a:schemeClr val="tx1"/>
+          </a:fontRef>
+        </p:style>
+      </p:cxnSp>
+      <p:sp>
+        <p:nvSpPr>
+          <p:cNvPr id="269" name="Snip Diagonal Corner Rectangle 246">
+            <a:extLst>
+              <a:ext uri="{FF2B5EF4-FFF2-40B4-BE49-F238E27FC236}">
+                <a16:creationId xmlns:a16="http://schemas.microsoft.com/office/drawing/2014/main" id="{807CC4FD-45B3-4A25-90EB-031889EF07DE}"/>
+              </a:ext>
+            </a:extLst>
+          </p:cNvPr>
+          <p:cNvSpPr/>
+          <p:nvPr/>
+        </p:nvSpPr>
+        <p:spPr>
+          <a:xfrm>
+            <a:off x="305799" y="18258601"/>
+            <a:ext cx="10055225" cy="9388706"/>
+          </a:xfrm>
+          <a:prstGeom prst="snip2DiagRect">
+            <a:avLst>
+              <a:gd name="adj1" fmla="val 0"/>
+              <a:gd name="adj2" fmla="val 0"/>
+            </a:avLst>
+          </a:prstGeom>
+          <a:noFill/>
+          <a:ln w="152400" cmpd="sng">
+            <a:solidFill>
+              <a:schemeClr val="accent4">
+                <a:lumMod val="75000"/>
+              </a:schemeClr>
+            </a:solidFill>
+          </a:ln>
+          <a:effectLst/>
+        </p:spPr>
+        <p:style>
+          <a:lnRef idx="1">
+            <a:schemeClr val="accent1"/>
+          </a:lnRef>
+          <a:fillRef idx="3">
+            <a:schemeClr val="accent1"/>
+          </a:fillRef>
+          <a:effectRef idx="2">
+            <a:schemeClr val="accent1"/>
+          </a:effectRef>
+          <a:fontRef idx="minor">
+            <a:schemeClr val="lt1"/>
+          </a:fontRef>
+        </p:style>
+        <p:txBody>
+          <a:bodyPr rtlCol="0" anchor="ctr"/>
+          <a:lstStyle/>
+          <a:p>
+            <a:pPr algn="ctr"/>
+            <a:endParaRPr lang="en-US" sz="4683"/>
+          </a:p>
+        </p:txBody>
+      </p:sp>
+      <p:sp>
+        <p:nvSpPr>
+          <p:cNvPr id="274" name="TextBox 273">
+            <a:extLst>
+              <a:ext uri="{FF2B5EF4-FFF2-40B4-BE49-F238E27FC236}">
+                <a16:creationId xmlns:a16="http://schemas.microsoft.com/office/drawing/2014/main" id="{088DC830-A27A-43C0-BED2-23D0FA736741}"/>
+              </a:ext>
+            </a:extLst>
+          </p:cNvPr>
+          <p:cNvSpPr txBox="1"/>
+          <p:nvPr/>
+        </p:nvSpPr>
+        <p:spPr>
+          <a:xfrm>
+            <a:off x="2233906" y="18288000"/>
+            <a:ext cx="6208766" cy="830997"/>
+          </a:xfrm>
+          <a:prstGeom prst="rect">
+            <a:avLst/>
+          </a:prstGeom>
+          <a:noFill/>
+        </p:spPr>
+        <p:txBody>
+          <a:bodyPr wrap="square" rtlCol="0">
+            <a:spAutoFit/>
+          </a:bodyPr>
+          <a:lstStyle/>
+          <a:p>
+            <a:r>
+              <a:rPr lang="en-US" sz="4800" b="1" dirty="0">
+                <a:solidFill>
+                  <a:srgbClr val="537349"/>
+                </a:solidFill>
+                <a:latin typeface="Helvetica"/>
+                <a:cs typeface="Helvetica"/>
+              </a:rPr>
+              <a:t>4. Connectivity data</a:t>
+            </a:r>
+          </a:p>
+        </p:txBody>
+      </p:sp>
     </p:spTree>
     <p:extLst>
       <p:ext uri="{BB962C8B-B14F-4D97-AF65-F5344CB8AC3E}">
@@ -13335,81 +18632,6 @@
   <p:clrMapOvr>
     <a:masterClrMapping/>
   </p:clrMapOvr>
-  <p:timing>
-    <p:tnLst>
-      <p:par>
-        <p:cTn id="1" dur="indefinite" restart="never" nodeType="tmRoot">
-          <p:childTnLst>
-            <p:seq concurrent="1" nextAc="seek">
-              <p:cTn id="2" dur="indefinite" nodeType="mainSeq">
-                <p:childTnLst>
-                  <p:par>
-                    <p:cTn id="3" fill="hold">
-                      <p:stCondLst>
-                        <p:cond delay="indefinite"/>
-                      </p:stCondLst>
-                      <p:childTnLst>
-                        <p:par>
-                          <p:cTn id="4" fill="hold">
-                            <p:stCondLst>
-                              <p:cond delay="0"/>
-                            </p:stCondLst>
-                            <p:childTnLst>
-                              <p:par>
-                                <p:cTn id="5" presetID="1" presetClass="entr" presetSubtype="0" fill="hold" nodeType="clickEffect">
-                                  <p:stCondLst>
-                                    <p:cond delay="0"/>
-                                  </p:stCondLst>
-                                  <p:childTnLst>
-                                    <p:set>
-                                      <p:cBhvr>
-                                        <p:cTn id="6" dur="1" fill="hold">
-                                          <p:stCondLst>
-                                            <p:cond delay="0"/>
-                                          </p:stCondLst>
-                                        </p:cTn>
-                                        <p:tgtEl>
-                                          <p:spTgt spid="152"/>
-                                        </p:tgtEl>
-                                        <p:attrNameLst>
-                                          <p:attrName>style.visibility</p:attrName>
-                                        </p:attrNameLst>
-                                      </p:cBhvr>
-                                      <p:to>
-                                        <p:strVal val="visible"/>
-                                      </p:to>
-                                    </p:set>
-                                  </p:childTnLst>
-                                </p:cTn>
-                              </p:par>
-                            </p:childTnLst>
-                          </p:cTn>
-                        </p:par>
-                      </p:childTnLst>
-                    </p:cTn>
-                  </p:par>
-                </p:childTnLst>
-              </p:cTn>
-              <p:prevCondLst>
-                <p:cond evt="onPrev" delay="0">
-                  <p:tgtEl>
-                    <p:sldTgt/>
-                  </p:tgtEl>
-                </p:cond>
-              </p:prevCondLst>
-              <p:nextCondLst>
-                <p:cond evt="onNext" delay="0">
-                  <p:tgtEl>
-                    <p:sldTgt/>
-                  </p:tgtEl>
-                </p:cond>
-              </p:nextCondLst>
-            </p:seq>
-          </p:childTnLst>
-        </p:cTn>
-      </p:par>
-    </p:tnLst>
-  </p:timing>
 </p:sld>
 </file>
 
